--- a/SlideBaoCao.pptx
+++ b/SlideBaoCao.pptx
@@ -202,7 +202,7 @@
           <a:p>
             <a:fld id="{7BC6123C-FD03-46FF-A476-726AA0663A77}" type="datetimeFigureOut">
               <a:rPr lang="en-US" smtClean="0"/>
-              <a:t>12/1/2019</a:t>
+              <a:t>12/2/2019</a:t>
             </a:fld>
             <a:endParaRPr lang="en-US"/>
           </a:p>
@@ -1265,7 +1265,7 @@
             <a:fld id="{B61BEF0D-F0BB-DE4B-95CE-6DB70DBA9567}" type="datetimeFigureOut">
               <a:rPr lang="en-US" smtClean="0"/>
               <a:pPr/>
-              <a:t>12/1/2019</a:t>
+              <a:t>12/2/2019</a:t>
             </a:fld>
             <a:endParaRPr lang="en-US" dirty="0"/>
           </a:p>
@@ -1518,7 +1518,7 @@
             <a:fld id="{B61BEF0D-F0BB-DE4B-95CE-6DB70DBA9567}" type="datetimeFigureOut">
               <a:rPr lang="en-US" smtClean="0"/>
               <a:pPr/>
-              <a:t>12/1/2019</a:t>
+              <a:t>12/2/2019</a:t>
             </a:fld>
             <a:endParaRPr lang="en-US" dirty="0"/>
           </a:p>
@@ -1834,7 +1834,7 @@
             <a:fld id="{B61BEF0D-F0BB-DE4B-95CE-6DB70DBA9567}" type="datetimeFigureOut">
               <a:rPr lang="en-US" smtClean="0"/>
               <a:pPr/>
-              <a:t>12/1/2019</a:t>
+              <a:t>12/2/2019</a:t>
             </a:fld>
             <a:endParaRPr lang="en-US" dirty="0"/>
           </a:p>
@@ -2169,7 +2169,7 @@
             <a:fld id="{B61BEF0D-F0BB-DE4B-95CE-6DB70DBA9567}" type="datetimeFigureOut">
               <a:rPr lang="en-US" smtClean="0"/>
               <a:pPr/>
-              <a:t>12/1/2019</a:t>
+              <a:t>12/2/2019</a:t>
             </a:fld>
             <a:endParaRPr lang="en-US" dirty="0"/>
           </a:p>
@@ -2485,7 +2485,7 @@
             <a:fld id="{B61BEF0D-F0BB-DE4B-95CE-6DB70DBA9567}" type="datetimeFigureOut">
               <a:rPr lang="en-US" smtClean="0"/>
               <a:pPr/>
-              <a:t>12/1/2019</a:t>
+              <a:t>12/2/2019</a:t>
             </a:fld>
             <a:endParaRPr lang="en-US" dirty="0"/>
           </a:p>
@@ -2880,7 +2880,7 @@
             <a:fld id="{B61BEF0D-F0BB-DE4B-95CE-6DB70DBA9567}" type="datetimeFigureOut">
               <a:rPr lang="en-US" smtClean="0"/>
               <a:pPr/>
-              <a:t>12/1/2019</a:t>
+              <a:t>12/2/2019</a:t>
             </a:fld>
             <a:endParaRPr lang="en-US" dirty="0"/>
           </a:p>
@@ -3052,7 +3052,7 @@
             <a:fld id="{B61BEF0D-F0BB-DE4B-95CE-6DB70DBA9567}" type="datetimeFigureOut">
               <a:rPr lang="en-US" smtClean="0"/>
               <a:pPr/>
-              <a:t>12/1/2019</a:t>
+              <a:t>12/2/2019</a:t>
             </a:fld>
             <a:endParaRPr lang="en-US" dirty="0"/>
           </a:p>
@@ -3234,7 +3234,7 @@
             <a:fld id="{B61BEF0D-F0BB-DE4B-95CE-6DB70DBA9567}" type="datetimeFigureOut">
               <a:rPr lang="en-US" smtClean="0"/>
               <a:pPr/>
-              <a:t>12/1/2019</a:t>
+              <a:t>12/2/2019</a:t>
             </a:fld>
             <a:endParaRPr lang="en-US" dirty="0"/>
           </a:p>
@@ -3406,7 +3406,7 @@
             <a:fld id="{B61BEF0D-F0BB-DE4B-95CE-6DB70DBA9567}" type="datetimeFigureOut">
               <a:rPr lang="en-US" smtClean="0"/>
               <a:pPr/>
-              <a:t>12/1/2019</a:t>
+              <a:t>12/2/2019</a:t>
             </a:fld>
             <a:endParaRPr lang="en-US" dirty="0"/>
           </a:p>
@@ -3655,7 +3655,7 @@
             <a:fld id="{B61BEF0D-F0BB-DE4B-95CE-6DB70DBA9567}" type="datetimeFigureOut">
               <a:rPr lang="en-US" smtClean="0"/>
               <a:pPr/>
-              <a:t>12/1/2019</a:t>
+              <a:t>12/2/2019</a:t>
             </a:fld>
             <a:endParaRPr lang="en-US" dirty="0"/>
           </a:p>
@@ -3954,7 +3954,7 @@
             <a:fld id="{B61BEF0D-F0BB-DE4B-95CE-6DB70DBA9567}" type="datetimeFigureOut">
               <a:rPr lang="en-US" smtClean="0"/>
               <a:pPr/>
-              <a:t>12/1/2019</a:t>
+              <a:t>12/2/2019</a:t>
             </a:fld>
             <a:endParaRPr lang="en-US" dirty="0"/>
           </a:p>
@@ -4335,7 +4335,7 @@
             <a:fld id="{B61BEF0D-F0BB-DE4B-95CE-6DB70DBA9567}" type="datetimeFigureOut">
               <a:rPr lang="en-US" smtClean="0"/>
               <a:pPr/>
-              <a:t>12/1/2019</a:t>
+              <a:t>12/2/2019</a:t>
             </a:fld>
             <a:endParaRPr lang="en-US" dirty="0"/>
           </a:p>
@@ -4460,7 +4460,7 @@
             <a:fld id="{B61BEF0D-F0BB-DE4B-95CE-6DB70DBA9567}" type="datetimeFigureOut">
               <a:rPr lang="en-US" smtClean="0"/>
               <a:pPr/>
-              <a:t>12/1/2019</a:t>
+              <a:t>12/2/2019</a:t>
             </a:fld>
             <a:endParaRPr lang="en-US" dirty="0"/>
           </a:p>
@@ -4557,7 +4557,7 @@
             <a:fld id="{B61BEF0D-F0BB-DE4B-95CE-6DB70DBA9567}" type="datetimeFigureOut">
               <a:rPr lang="en-US" smtClean="0"/>
               <a:pPr/>
-              <a:t>12/1/2019</a:t>
+              <a:t>12/2/2019</a:t>
             </a:fld>
             <a:endParaRPr lang="en-US" dirty="0"/>
           </a:p>
@@ -4814,7 +4814,7 @@
             <a:fld id="{B61BEF0D-F0BB-DE4B-95CE-6DB70DBA9567}" type="datetimeFigureOut">
               <a:rPr lang="en-US" smtClean="0"/>
               <a:pPr/>
-              <a:t>12/1/2019</a:t>
+              <a:t>12/2/2019</a:t>
             </a:fld>
             <a:endParaRPr lang="en-US" dirty="0"/>
           </a:p>
@@ -5079,7 +5079,7 @@
             <a:fld id="{B61BEF0D-F0BB-DE4B-95CE-6DB70DBA9567}" type="datetimeFigureOut">
               <a:rPr lang="en-US" smtClean="0"/>
               <a:pPr/>
-              <a:t>12/1/2019</a:t>
+              <a:t>12/2/2019</a:t>
             </a:fld>
             <a:endParaRPr lang="en-US" dirty="0"/>
           </a:p>
@@ -5895,7 +5895,7 @@
             <a:fld id="{B61BEF0D-F0BB-DE4B-95CE-6DB70DBA9567}" type="datetimeFigureOut">
               <a:rPr lang="en-US" smtClean="0"/>
               <a:pPr/>
-              <a:t>12/1/2019</a:t>
+              <a:t>12/2/2019</a:t>
             </a:fld>
             <a:endParaRPr lang="en-US" dirty="0"/>
           </a:p>
@@ -6678,14 +6678,7 @@
                 <a:latin typeface="Arial" panose="020B0604020202020204" pitchFamily="34" charset="0"/>
                 <a:cs typeface="Arial" panose="020B0604020202020204" pitchFamily="34" charset="0"/>
               </a:rPr>
-              <a:t> </a:t>
-            </a:r>
-            <a:r>
-              <a:rPr lang="en-US" sz="2400" dirty="0">
-                <a:latin typeface="Arial" panose="020B0604020202020204" pitchFamily="34" charset="0"/>
-                <a:cs typeface="Arial" panose="020B0604020202020204" pitchFamily="34" charset="0"/>
-              </a:rPr>
-              <a:t>Minh </a:t>
+              <a:t> Minh </a:t>
             </a:r>
             <a:r>
               <a:rPr lang="en-US" sz="2400" dirty="0" err="1">
@@ -6710,21 +6703,7 @@
                 <a:latin typeface="Arial" panose="020B0604020202020204" pitchFamily="34" charset="0"/>
                 <a:cs typeface="Arial" panose="020B0604020202020204" pitchFamily="34" charset="0"/>
               </a:rPr>
-              <a:t>		</a:t>
-            </a:r>
-            <a:r>
-              <a:rPr lang="en-US" sz="2400" dirty="0">
-                <a:latin typeface="Arial" panose="020B0604020202020204" pitchFamily="34" charset="0"/>
-                <a:cs typeface="Arial" panose="020B0604020202020204" pitchFamily="34" charset="0"/>
-              </a:rPr>
-              <a:t> </a:t>
-            </a:r>
-            <a:r>
-              <a:rPr lang="en-US" sz="2400" dirty="0">
-                <a:latin typeface="Arial" panose="020B0604020202020204" pitchFamily="34" charset="0"/>
-                <a:cs typeface="Arial" panose="020B0604020202020204" pitchFamily="34" charset="0"/>
-              </a:rPr>
-              <a:t> </a:t>
+              <a:t>		  </a:t>
             </a:r>
             <a:r>
               <a:rPr lang="en-US" sz="2400" dirty="0" err="1">
@@ -7969,14 +7948,7 @@
                 <a:latin typeface="Arial" panose="020B0604020202020204" pitchFamily="34" charset="0"/>
                 <a:cs typeface="Arial" panose="020B0604020202020204" pitchFamily="34" charset="0"/>
               </a:rPr>
-              <a:t>II. </a:t>
-            </a:r>
-            <a:r>
-              <a:rPr lang="en-US" dirty="0" smtClean="0">
-                <a:latin typeface="Arial" panose="020B0604020202020204" pitchFamily="34" charset="0"/>
-                <a:cs typeface="Arial" panose="020B0604020202020204" pitchFamily="34" charset="0"/>
-              </a:rPr>
-              <a:t>LÝ THUYẾT VỀ CÁC ĐẶC TRƯNG CỦA TẦN SỐ:</a:t>
+              <a:t>II. LÝ THUYẾT VỀ CÁC ĐẶC TRƯNG CỦA TẦN SỐ:</a:t>
             </a:r>
             <a:endParaRPr lang="en-US" dirty="0">
               <a:latin typeface="Arial" panose="020B0604020202020204" pitchFamily="34" charset="0"/>
@@ -8003,48 +7975,47 @@
         </p:spPr>
         <p:txBody>
           <a:bodyPr>
-            <a:normAutofit/>
+            <a:normAutofit fontScale="85000" lnSpcReduction="10000"/>
           </a:bodyPr>
           <a:lstStyle/>
           <a:p>
-            <a:pPr lvl="1"/>
-            <a:r>
-              <a:rPr lang="en-US" sz="2400" b="1" dirty="0">
+            <a:r>
+              <a:rPr lang="en-US" sz="2600" b="1" dirty="0">
                 <a:latin typeface="Arial" panose="020B0604020202020204" pitchFamily="34" charset="0"/>
                 <a:cs typeface="Arial" panose="020B0604020202020204" pitchFamily="34" charset="0"/>
               </a:rPr>
               <a:t>A. </a:t>
             </a:r>
             <a:r>
-              <a:rPr lang="vi-VN" sz="2400" b="1" dirty="0">
+              <a:rPr lang="vi-VN" sz="2600" b="1" dirty="0">
                 <a:latin typeface="Arial" panose="020B0604020202020204" pitchFamily="34" charset="0"/>
                 <a:cs typeface="Arial" panose="020B0604020202020204" pitchFamily="34" charset="0"/>
               </a:rPr>
               <a:t>Short</a:t>
             </a:r>
             <a:r>
-              <a:rPr lang="en-US" sz="2400" b="1" dirty="0">
+              <a:rPr lang="en-US" sz="2600" b="1" dirty="0">
                 <a:latin typeface="Arial" panose="020B0604020202020204" pitchFamily="34" charset="0"/>
                 <a:cs typeface="Arial" panose="020B0604020202020204" pitchFamily="34" charset="0"/>
               </a:rPr>
               <a:t>-</a:t>
             </a:r>
             <a:r>
-              <a:rPr lang="vi-VN" sz="2400" b="1" dirty="0">
+              <a:rPr lang="vi-VN" sz="2600" b="1" dirty="0">
                 <a:latin typeface="Arial" panose="020B0604020202020204" pitchFamily="34" charset="0"/>
                 <a:cs typeface="Arial" panose="020B0604020202020204" pitchFamily="34" charset="0"/>
               </a:rPr>
               <a:t>time Fourier </a:t>
             </a:r>
             <a:r>
-              <a:rPr lang="vi-VN" sz="2400" b="1" dirty="0" smtClean="0">
+              <a:rPr lang="vi-VN" sz="2600" b="1" dirty="0" smtClean="0">
                 <a:latin typeface="Arial" panose="020B0604020202020204" pitchFamily="34" charset="0"/>
                 <a:cs typeface="Arial" panose="020B0604020202020204" pitchFamily="34" charset="0"/>
               </a:rPr>
               <a:t>Transform</a:t>
             </a:r>
             <a:r>
-              <a:rPr lang="en-US" sz="2400" b="1" dirty="0" smtClean="0">
+              <a:rPr lang="en-US" sz="2600" b="1" dirty="0" smtClean="0">
                 <a:latin typeface="Arial" panose="020B0604020202020204" pitchFamily="34" charset="0"/>
                 <a:cs typeface="Arial" panose="020B0604020202020204" pitchFamily="34" charset="0"/>
               </a:rPr>
@@ -8052,48 +8023,2478 @@
             </a:r>
           </a:p>
           <a:p>
-            <a:pPr marL="457200" lvl="1" indent="0">
-              <a:buNone/>
+            <a:pPr lvl="1" algn="just">
+              <a:buFont typeface="Wingdings" panose="05000000000000000000" pitchFamily="2" charset="2"/>
+              <a:buChar char="ü"/>
             </a:pPr>
-            <a:endParaRPr lang="en-US" sz="2400" b="1" dirty="0">
+            <a:r>
+              <a:rPr lang="en-US" sz="2400" dirty="0" err="1">
+                <a:latin typeface="Arial" panose="020B0604020202020204" pitchFamily="34" charset="0"/>
+                <a:cs typeface="Arial" panose="020B0604020202020204" pitchFamily="34" charset="0"/>
+              </a:rPr>
+              <a:t>Biến</a:t>
+            </a:r>
+            <a:r>
+              <a:rPr lang="en-US" sz="2400" dirty="0">
+                <a:latin typeface="Arial" panose="020B0604020202020204" pitchFamily="34" charset="0"/>
+                <a:cs typeface="Arial" panose="020B0604020202020204" pitchFamily="34" charset="0"/>
+              </a:rPr>
+              <a:t> </a:t>
+            </a:r>
+            <a:r>
+              <a:rPr lang="en-US" sz="2400" dirty="0" err="1">
+                <a:latin typeface="Arial" panose="020B0604020202020204" pitchFamily="34" charset="0"/>
+                <a:cs typeface="Arial" panose="020B0604020202020204" pitchFamily="34" charset="0"/>
+              </a:rPr>
+              <a:t>đổi</a:t>
+            </a:r>
+            <a:r>
+              <a:rPr lang="en-US" sz="2400" dirty="0">
+                <a:latin typeface="Arial" panose="020B0604020202020204" pitchFamily="34" charset="0"/>
+                <a:cs typeface="Arial" panose="020B0604020202020204" pitchFamily="34" charset="0"/>
+              </a:rPr>
+              <a:t> </a:t>
+            </a:r>
+            <a:r>
+              <a:rPr lang="en-US" sz="2400" dirty="0" err="1">
+                <a:latin typeface="Arial" panose="020B0604020202020204" pitchFamily="34" charset="0"/>
+                <a:cs typeface="Arial" panose="020B0604020202020204" pitchFamily="34" charset="0"/>
+              </a:rPr>
+              <a:t>fourier</a:t>
+            </a:r>
+            <a:r>
+              <a:rPr lang="en-US" sz="2400" dirty="0">
+                <a:latin typeface="Arial" panose="020B0604020202020204" pitchFamily="34" charset="0"/>
+                <a:cs typeface="Arial" panose="020B0604020202020204" pitchFamily="34" charset="0"/>
+              </a:rPr>
+              <a:t> </a:t>
+            </a:r>
+            <a:r>
+              <a:rPr lang="en-US" sz="2400" dirty="0" err="1">
+                <a:latin typeface="Arial" panose="020B0604020202020204" pitchFamily="34" charset="0"/>
+                <a:cs typeface="Arial" panose="020B0604020202020204" pitchFamily="34" charset="0"/>
+              </a:rPr>
+              <a:t>thời</a:t>
+            </a:r>
+            <a:r>
+              <a:rPr lang="en-US" sz="2400" dirty="0">
+                <a:latin typeface="Arial" panose="020B0604020202020204" pitchFamily="34" charset="0"/>
+                <a:cs typeface="Arial" panose="020B0604020202020204" pitchFamily="34" charset="0"/>
+              </a:rPr>
+              <a:t> </a:t>
+            </a:r>
+            <a:r>
+              <a:rPr lang="en-US" sz="2400" dirty="0" err="1">
+                <a:latin typeface="Arial" panose="020B0604020202020204" pitchFamily="34" charset="0"/>
+                <a:cs typeface="Arial" panose="020B0604020202020204" pitchFamily="34" charset="0"/>
+              </a:rPr>
+              <a:t>gian</a:t>
+            </a:r>
+            <a:r>
+              <a:rPr lang="en-US" sz="2400" dirty="0">
+                <a:latin typeface="Arial" panose="020B0604020202020204" pitchFamily="34" charset="0"/>
+                <a:cs typeface="Arial" panose="020B0604020202020204" pitchFamily="34" charset="0"/>
+              </a:rPr>
+              <a:t> </a:t>
+            </a:r>
+            <a:r>
+              <a:rPr lang="en-US" sz="2400" dirty="0" err="1">
+                <a:latin typeface="Arial" panose="020B0604020202020204" pitchFamily="34" charset="0"/>
+                <a:cs typeface="Arial" panose="020B0604020202020204" pitchFamily="34" charset="0"/>
+              </a:rPr>
+              <a:t>ngắn</a:t>
+            </a:r>
+            <a:r>
+              <a:rPr lang="en-US" sz="2400" dirty="0">
+                <a:latin typeface="Arial" panose="020B0604020202020204" pitchFamily="34" charset="0"/>
+                <a:cs typeface="Arial" panose="020B0604020202020204" pitchFamily="34" charset="0"/>
+              </a:rPr>
+              <a:t> </a:t>
+            </a:r>
+            <a:r>
+              <a:rPr lang="en-US" sz="2400" dirty="0" err="1">
+                <a:latin typeface="Arial" panose="020B0604020202020204" pitchFamily="34" charset="0"/>
+                <a:cs typeface="Arial" panose="020B0604020202020204" pitchFamily="34" charset="0"/>
+              </a:rPr>
+              <a:t>là</a:t>
+            </a:r>
+            <a:r>
+              <a:rPr lang="en-US" sz="2400" dirty="0">
+                <a:latin typeface="Arial" panose="020B0604020202020204" pitchFamily="34" charset="0"/>
+                <a:cs typeface="Arial" panose="020B0604020202020204" pitchFamily="34" charset="0"/>
+              </a:rPr>
+              <a:t> </a:t>
+            </a:r>
+            <a:r>
+              <a:rPr lang="en-US" sz="2400" dirty="0" err="1">
+                <a:latin typeface="Arial" panose="020B0604020202020204" pitchFamily="34" charset="0"/>
+                <a:cs typeface="Arial" panose="020B0604020202020204" pitchFamily="34" charset="0"/>
+              </a:rPr>
+              <a:t>sự</a:t>
+            </a:r>
+            <a:r>
+              <a:rPr lang="en-US" sz="2400" dirty="0">
+                <a:latin typeface="Arial" panose="020B0604020202020204" pitchFamily="34" charset="0"/>
+                <a:cs typeface="Arial" panose="020B0604020202020204" pitchFamily="34" charset="0"/>
+              </a:rPr>
+              <a:t> </a:t>
+            </a:r>
+            <a:r>
+              <a:rPr lang="en-US" sz="2400" dirty="0" err="1">
+                <a:latin typeface="Arial" panose="020B0604020202020204" pitchFamily="34" charset="0"/>
+                <a:cs typeface="Arial" panose="020B0604020202020204" pitchFamily="34" charset="0"/>
+              </a:rPr>
+              <a:t>phân</a:t>
+            </a:r>
+            <a:r>
+              <a:rPr lang="en-US" sz="2400" dirty="0">
+                <a:latin typeface="Arial" panose="020B0604020202020204" pitchFamily="34" charset="0"/>
+                <a:cs typeface="Arial" panose="020B0604020202020204" pitchFamily="34" charset="0"/>
+              </a:rPr>
+              <a:t> chia </a:t>
+            </a:r>
+            <a:r>
+              <a:rPr lang="en-US" sz="2400" dirty="0" err="1">
+                <a:latin typeface="Arial" panose="020B0604020202020204" pitchFamily="34" charset="0"/>
+                <a:cs typeface="Arial" panose="020B0604020202020204" pitchFamily="34" charset="0"/>
+              </a:rPr>
+              <a:t>chuỗi</a:t>
+            </a:r>
+            <a:r>
+              <a:rPr lang="en-US" sz="2400" dirty="0">
+                <a:latin typeface="Arial" panose="020B0604020202020204" pitchFamily="34" charset="0"/>
+                <a:cs typeface="Arial" panose="020B0604020202020204" pitchFamily="34" charset="0"/>
+              </a:rPr>
+              <a:t> </a:t>
+            </a:r>
+            <a:r>
+              <a:rPr lang="en-US" sz="2400" dirty="0" err="1">
+                <a:latin typeface="Arial" panose="020B0604020202020204" pitchFamily="34" charset="0"/>
+                <a:cs typeface="Arial" panose="020B0604020202020204" pitchFamily="34" charset="0"/>
+              </a:rPr>
+              <a:t>thời</a:t>
+            </a:r>
+            <a:r>
+              <a:rPr lang="en-US" sz="2400" dirty="0">
+                <a:latin typeface="Arial" panose="020B0604020202020204" pitchFamily="34" charset="0"/>
+                <a:cs typeface="Arial" panose="020B0604020202020204" pitchFamily="34" charset="0"/>
+              </a:rPr>
+              <a:t> </a:t>
+            </a:r>
+            <a:r>
+              <a:rPr lang="en-US" sz="2400" dirty="0" err="1">
+                <a:latin typeface="Arial" panose="020B0604020202020204" pitchFamily="34" charset="0"/>
+                <a:cs typeface="Arial" panose="020B0604020202020204" pitchFamily="34" charset="0"/>
+              </a:rPr>
+              <a:t>gian</a:t>
+            </a:r>
+            <a:r>
+              <a:rPr lang="en-US" sz="2400" dirty="0">
+                <a:latin typeface="Arial" panose="020B0604020202020204" pitchFamily="34" charset="0"/>
+                <a:cs typeface="Arial" panose="020B0604020202020204" pitchFamily="34" charset="0"/>
+              </a:rPr>
+              <a:t> </a:t>
+            </a:r>
+            <a:r>
+              <a:rPr lang="en-US" sz="2400" dirty="0" err="1">
+                <a:latin typeface="Arial" panose="020B0604020202020204" pitchFamily="34" charset="0"/>
+                <a:cs typeface="Arial" panose="020B0604020202020204" pitchFamily="34" charset="0"/>
+              </a:rPr>
+              <a:t>các</a:t>
+            </a:r>
+            <a:r>
+              <a:rPr lang="en-US" sz="2400" dirty="0">
+                <a:latin typeface="Arial" panose="020B0604020202020204" pitchFamily="34" charset="0"/>
+                <a:cs typeface="Arial" panose="020B0604020202020204" pitchFamily="34" charset="0"/>
+              </a:rPr>
+              <a:t> </a:t>
+            </a:r>
+            <a:r>
+              <a:rPr lang="en-US" sz="2400" dirty="0" err="1">
+                <a:latin typeface="Arial" panose="020B0604020202020204" pitchFamily="34" charset="0"/>
+                <a:cs typeface="Arial" panose="020B0604020202020204" pitchFamily="34" charset="0"/>
+              </a:rPr>
+              <a:t>khối</a:t>
+            </a:r>
+            <a:r>
+              <a:rPr lang="en-US" sz="2400" dirty="0">
+                <a:latin typeface="Arial" panose="020B0604020202020204" pitchFamily="34" charset="0"/>
+                <a:cs typeface="Arial" panose="020B0604020202020204" pitchFamily="34" charset="0"/>
+              </a:rPr>
+              <a:t> </a:t>
+            </a:r>
+            <a:r>
+              <a:rPr lang="en-US" sz="2400" dirty="0" err="1">
+                <a:latin typeface="Arial" panose="020B0604020202020204" pitchFamily="34" charset="0"/>
+                <a:cs typeface="Arial" panose="020B0604020202020204" pitchFamily="34" charset="0"/>
+              </a:rPr>
+              <a:t>chồng</a:t>
+            </a:r>
+            <a:r>
+              <a:rPr lang="en-US" sz="2400" dirty="0">
+                <a:latin typeface="Arial" panose="020B0604020202020204" pitchFamily="34" charset="0"/>
+                <a:cs typeface="Arial" panose="020B0604020202020204" pitchFamily="34" charset="0"/>
+              </a:rPr>
+              <a:t> </a:t>
+            </a:r>
+            <a:r>
+              <a:rPr lang="en-US" sz="2400" dirty="0" err="1">
+                <a:latin typeface="Arial" panose="020B0604020202020204" pitchFamily="34" charset="0"/>
+                <a:cs typeface="Arial" panose="020B0604020202020204" pitchFamily="34" charset="0"/>
+              </a:rPr>
+              <a:t>nhau</a:t>
+            </a:r>
+            <a:r>
+              <a:rPr lang="en-US" sz="2400" dirty="0">
+                <a:latin typeface="Arial" panose="020B0604020202020204" pitchFamily="34" charset="0"/>
+                <a:cs typeface="Arial" panose="020B0604020202020204" pitchFamily="34" charset="0"/>
+              </a:rPr>
+              <a:t> (</a:t>
+            </a:r>
+            <a:r>
+              <a:rPr lang="en-US" sz="2400" dirty="0" err="1">
+                <a:latin typeface="Arial" panose="020B0604020202020204" pitchFamily="34" charset="0"/>
+                <a:cs typeface="Arial" panose="020B0604020202020204" pitchFamily="34" charset="0"/>
+              </a:rPr>
+              <a:t>overlaping</a:t>
+            </a:r>
+            <a:r>
+              <a:rPr lang="en-US" sz="2400" dirty="0">
+                <a:latin typeface="Arial" panose="020B0604020202020204" pitchFamily="34" charset="0"/>
+                <a:cs typeface="Arial" panose="020B0604020202020204" pitchFamily="34" charset="0"/>
+              </a:rPr>
+              <a:t> blocks) </a:t>
+            </a:r>
+            <a:r>
+              <a:rPr lang="en-US" sz="2400" dirty="0" err="1">
+                <a:latin typeface="Arial" panose="020B0604020202020204" pitchFamily="34" charset="0"/>
+                <a:cs typeface="Arial" panose="020B0604020202020204" pitchFamily="34" charset="0"/>
+              </a:rPr>
+              <a:t>có</a:t>
+            </a:r>
+            <a:r>
+              <a:rPr lang="en-US" sz="2400" dirty="0">
+                <a:latin typeface="Arial" panose="020B0604020202020204" pitchFamily="34" charset="0"/>
+                <a:cs typeface="Arial" panose="020B0604020202020204" pitchFamily="34" charset="0"/>
+              </a:rPr>
+              <a:t> </a:t>
+            </a:r>
+            <a:r>
+              <a:rPr lang="en-US" sz="2400" dirty="0" err="1">
+                <a:latin typeface="Arial" panose="020B0604020202020204" pitchFamily="34" charset="0"/>
+                <a:cs typeface="Arial" panose="020B0604020202020204" pitchFamily="34" charset="0"/>
+              </a:rPr>
+              <a:t>chiều</a:t>
+            </a:r>
+            <a:r>
+              <a:rPr lang="en-US" sz="2400" dirty="0">
+                <a:latin typeface="Arial" panose="020B0604020202020204" pitchFamily="34" charset="0"/>
+                <a:cs typeface="Arial" panose="020B0604020202020204" pitchFamily="34" charset="0"/>
+              </a:rPr>
+              <a:t> </a:t>
+            </a:r>
+            <a:r>
+              <a:rPr lang="en-US" sz="2400" dirty="0" err="1">
+                <a:latin typeface="Arial" panose="020B0604020202020204" pitchFamily="34" charset="0"/>
+                <a:cs typeface="Arial" panose="020B0604020202020204" pitchFamily="34" charset="0"/>
+              </a:rPr>
+              <a:t>dài</a:t>
+            </a:r>
+            <a:r>
+              <a:rPr lang="en-US" sz="2400" dirty="0">
+                <a:latin typeface="Arial" panose="020B0604020202020204" pitchFamily="34" charset="0"/>
+                <a:cs typeface="Arial" panose="020B0604020202020204" pitchFamily="34" charset="0"/>
+              </a:rPr>
+              <a:t> </a:t>
+            </a:r>
+            <a:r>
+              <a:rPr lang="en-US" sz="2400" dirty="0" err="1">
+                <a:latin typeface="Arial" panose="020B0604020202020204" pitchFamily="34" charset="0"/>
+                <a:cs typeface="Arial" panose="020B0604020202020204" pitchFamily="34" charset="0"/>
+              </a:rPr>
+              <a:t>bằng</a:t>
+            </a:r>
+            <a:r>
+              <a:rPr lang="en-US" sz="2400" dirty="0">
+                <a:latin typeface="Arial" panose="020B0604020202020204" pitchFamily="34" charset="0"/>
+                <a:cs typeface="Arial" panose="020B0604020202020204" pitchFamily="34" charset="0"/>
+              </a:rPr>
+              <a:t> </a:t>
+            </a:r>
+            <a:r>
+              <a:rPr lang="en-US" sz="2400" dirty="0" err="1">
+                <a:latin typeface="Arial" panose="020B0604020202020204" pitchFamily="34" charset="0"/>
+                <a:cs typeface="Arial" panose="020B0604020202020204" pitchFamily="34" charset="0"/>
+              </a:rPr>
+              <a:t>nhau</a:t>
+            </a:r>
+            <a:r>
+              <a:rPr lang="en-US" sz="2400" dirty="0">
+                <a:latin typeface="Arial" panose="020B0604020202020204" pitchFamily="34" charset="0"/>
+                <a:cs typeface="Arial" panose="020B0604020202020204" pitchFamily="34" charset="0"/>
+              </a:rPr>
+              <a:t> </a:t>
+            </a:r>
+            <a:r>
+              <a:rPr lang="en-US" sz="2400" dirty="0" err="1">
+                <a:latin typeface="Arial" panose="020B0604020202020204" pitchFamily="34" charset="0"/>
+                <a:cs typeface="Arial" panose="020B0604020202020204" pitchFamily="34" charset="0"/>
+              </a:rPr>
+              <a:t>và</a:t>
+            </a:r>
+            <a:r>
+              <a:rPr lang="en-US" sz="2400" dirty="0">
+                <a:latin typeface="Arial" panose="020B0604020202020204" pitchFamily="34" charset="0"/>
+                <a:cs typeface="Arial" panose="020B0604020202020204" pitchFamily="34" charset="0"/>
+              </a:rPr>
+              <a:t> </a:t>
+            </a:r>
+            <a:r>
+              <a:rPr lang="en-US" sz="2400" dirty="0" err="1">
+                <a:latin typeface="Arial" panose="020B0604020202020204" pitchFamily="34" charset="0"/>
+                <a:cs typeface="Arial" panose="020B0604020202020204" pitchFamily="34" charset="0"/>
+              </a:rPr>
+              <a:t>áp</a:t>
+            </a:r>
+            <a:r>
+              <a:rPr lang="en-US" sz="2400" dirty="0">
+                <a:latin typeface="Arial" panose="020B0604020202020204" pitchFamily="34" charset="0"/>
+                <a:cs typeface="Arial" panose="020B0604020202020204" pitchFamily="34" charset="0"/>
+              </a:rPr>
+              <a:t> </a:t>
+            </a:r>
+            <a:r>
+              <a:rPr lang="en-US" sz="2400" dirty="0" err="1">
+                <a:latin typeface="Arial" panose="020B0604020202020204" pitchFamily="34" charset="0"/>
+                <a:cs typeface="Arial" panose="020B0604020202020204" pitchFamily="34" charset="0"/>
+              </a:rPr>
+              <a:t>dụng</a:t>
+            </a:r>
+            <a:r>
+              <a:rPr lang="en-US" sz="2400" dirty="0">
+                <a:latin typeface="Arial" panose="020B0604020202020204" pitchFamily="34" charset="0"/>
+                <a:cs typeface="Arial" panose="020B0604020202020204" pitchFamily="34" charset="0"/>
+              </a:rPr>
+              <a:t> </a:t>
+            </a:r>
+            <a:r>
+              <a:rPr lang="en-US" sz="2400" dirty="0" err="1">
+                <a:latin typeface="Arial" panose="020B0604020202020204" pitchFamily="34" charset="0"/>
+                <a:cs typeface="Arial" panose="020B0604020202020204" pitchFamily="34" charset="0"/>
+              </a:rPr>
+              <a:t>biến</a:t>
+            </a:r>
+            <a:r>
+              <a:rPr lang="en-US" sz="2400" dirty="0">
+                <a:latin typeface="Arial" panose="020B0604020202020204" pitchFamily="34" charset="0"/>
+                <a:cs typeface="Arial" panose="020B0604020202020204" pitchFamily="34" charset="0"/>
+              </a:rPr>
+              <a:t> </a:t>
+            </a:r>
+            <a:r>
+              <a:rPr lang="en-US" sz="2400" dirty="0" err="1">
+                <a:latin typeface="Arial" panose="020B0604020202020204" pitchFamily="34" charset="0"/>
+                <a:cs typeface="Arial" panose="020B0604020202020204" pitchFamily="34" charset="0"/>
+              </a:rPr>
+              <a:t>đổi</a:t>
+            </a:r>
+            <a:r>
+              <a:rPr lang="en-US" sz="2400" dirty="0">
+                <a:latin typeface="Arial" panose="020B0604020202020204" pitchFamily="34" charset="0"/>
+                <a:cs typeface="Arial" panose="020B0604020202020204" pitchFamily="34" charset="0"/>
+              </a:rPr>
+              <a:t> Fourier </a:t>
+            </a:r>
+            <a:r>
+              <a:rPr lang="en-US" sz="2400" dirty="0" err="1">
+                <a:latin typeface="Arial" panose="020B0604020202020204" pitchFamily="34" charset="0"/>
+                <a:cs typeface="Arial" panose="020B0604020202020204" pitchFamily="34" charset="0"/>
+              </a:rPr>
+              <a:t>nhanh</a:t>
+            </a:r>
+            <a:r>
+              <a:rPr lang="en-US" sz="2400" dirty="0">
+                <a:latin typeface="Arial" panose="020B0604020202020204" pitchFamily="34" charset="0"/>
+                <a:cs typeface="Arial" panose="020B0604020202020204" pitchFamily="34" charset="0"/>
+              </a:rPr>
+              <a:t> (FFT) </a:t>
+            </a:r>
+            <a:r>
+              <a:rPr lang="en-US" sz="2400" dirty="0" err="1">
+                <a:latin typeface="Arial" panose="020B0604020202020204" pitchFamily="34" charset="0"/>
+                <a:cs typeface="Arial" panose="020B0604020202020204" pitchFamily="34" charset="0"/>
+              </a:rPr>
+              <a:t>cho</a:t>
+            </a:r>
+            <a:r>
+              <a:rPr lang="en-US" sz="2400" dirty="0">
+                <a:latin typeface="Arial" panose="020B0604020202020204" pitchFamily="34" charset="0"/>
+                <a:cs typeface="Arial" panose="020B0604020202020204" pitchFamily="34" charset="0"/>
+              </a:rPr>
+              <a:t> </a:t>
+            </a:r>
+            <a:r>
+              <a:rPr lang="en-US" sz="2400" dirty="0" err="1">
+                <a:latin typeface="Arial" panose="020B0604020202020204" pitchFamily="34" charset="0"/>
+                <a:cs typeface="Arial" panose="020B0604020202020204" pitchFamily="34" charset="0"/>
+              </a:rPr>
+              <a:t>mỗi</a:t>
+            </a:r>
+            <a:r>
+              <a:rPr lang="en-US" sz="2400" dirty="0">
+                <a:latin typeface="Arial" panose="020B0604020202020204" pitchFamily="34" charset="0"/>
+                <a:cs typeface="Arial" panose="020B0604020202020204" pitchFamily="34" charset="0"/>
+              </a:rPr>
+              <a:t> </a:t>
+            </a:r>
+            <a:r>
+              <a:rPr lang="en-US" sz="2400" dirty="0" err="1">
+                <a:latin typeface="Arial" panose="020B0604020202020204" pitchFamily="34" charset="0"/>
+                <a:cs typeface="Arial" panose="020B0604020202020204" pitchFamily="34" charset="0"/>
+              </a:rPr>
+              <a:t>khối</a:t>
+            </a:r>
+            <a:r>
+              <a:rPr lang="en-US" sz="2400" dirty="0">
+                <a:latin typeface="Arial" panose="020B0604020202020204" pitchFamily="34" charset="0"/>
+                <a:cs typeface="Arial" panose="020B0604020202020204" pitchFamily="34" charset="0"/>
+              </a:rPr>
+              <a:t> </a:t>
+            </a:r>
+            <a:r>
+              <a:rPr lang="en-US" sz="2400" dirty="0" err="1">
+                <a:latin typeface="Arial" panose="020B0604020202020204" pitchFamily="34" charset="0"/>
+                <a:cs typeface="Arial" panose="020B0604020202020204" pitchFamily="34" charset="0"/>
+              </a:rPr>
+              <a:t>một</a:t>
+            </a:r>
+            <a:r>
+              <a:rPr lang="en-US" sz="2400" dirty="0">
+                <a:latin typeface="Arial" panose="020B0604020202020204" pitchFamily="34" charset="0"/>
+                <a:cs typeface="Arial" panose="020B0604020202020204" pitchFamily="34" charset="0"/>
+              </a:rPr>
+              <a:t> </a:t>
+            </a:r>
+            <a:r>
+              <a:rPr lang="en-US" sz="2400" dirty="0" err="1">
+                <a:latin typeface="Arial" panose="020B0604020202020204" pitchFamily="34" charset="0"/>
+                <a:cs typeface="Arial" panose="020B0604020202020204" pitchFamily="34" charset="0"/>
+              </a:rPr>
+              <a:t>cách</a:t>
+            </a:r>
+            <a:r>
+              <a:rPr lang="en-US" sz="2400" dirty="0">
+                <a:latin typeface="Arial" panose="020B0604020202020204" pitchFamily="34" charset="0"/>
+                <a:cs typeface="Arial" panose="020B0604020202020204" pitchFamily="34" charset="0"/>
+              </a:rPr>
+              <a:t> </a:t>
+            </a:r>
+            <a:r>
+              <a:rPr lang="en-US" sz="2400" dirty="0" err="1">
+                <a:latin typeface="Arial" panose="020B0604020202020204" pitchFamily="34" charset="0"/>
+                <a:cs typeface="Arial" panose="020B0604020202020204" pitchFamily="34" charset="0"/>
+              </a:rPr>
+              <a:t>tuần</a:t>
+            </a:r>
+            <a:r>
+              <a:rPr lang="en-US" sz="2400" dirty="0">
+                <a:latin typeface="Arial" panose="020B0604020202020204" pitchFamily="34" charset="0"/>
+                <a:cs typeface="Arial" panose="020B0604020202020204" pitchFamily="34" charset="0"/>
+              </a:rPr>
+              <a:t> </a:t>
+            </a:r>
+            <a:r>
+              <a:rPr lang="en-US" sz="2400" dirty="0" err="1">
+                <a:latin typeface="Arial" panose="020B0604020202020204" pitchFamily="34" charset="0"/>
+                <a:cs typeface="Arial" panose="020B0604020202020204" pitchFamily="34" charset="0"/>
+              </a:rPr>
+              <a:t>tự</a:t>
+            </a:r>
+            <a:r>
+              <a:rPr lang="en-US" sz="2400" dirty="0">
+                <a:latin typeface="Arial" panose="020B0604020202020204" pitchFamily="34" charset="0"/>
+                <a:cs typeface="Arial" panose="020B0604020202020204" pitchFamily="34" charset="0"/>
+              </a:rPr>
+              <a:t>.</a:t>
+            </a:r>
+          </a:p>
+          <a:p>
+            <a:pPr lvl="1">
+              <a:buFont typeface="Wingdings" panose="05000000000000000000" pitchFamily="2" charset="2"/>
+              <a:buChar char="ü"/>
+            </a:pPr>
+            <a:r>
+              <a:rPr lang="en-US" sz="2400" dirty="0">
+                <a:latin typeface="Arial" panose="020B0604020202020204" pitchFamily="34" charset="0"/>
+                <a:cs typeface="Arial" panose="020B0604020202020204" pitchFamily="34" charset="0"/>
+              </a:rPr>
+              <a:t>STFT </a:t>
+            </a:r>
+            <a:r>
+              <a:rPr lang="en-US" sz="2400" dirty="0" err="1">
+                <a:latin typeface="Arial" panose="020B0604020202020204" pitchFamily="34" charset="0"/>
+                <a:cs typeface="Arial" panose="020B0604020202020204" pitchFamily="34" charset="0"/>
+              </a:rPr>
+              <a:t>là</a:t>
+            </a:r>
+            <a:r>
+              <a:rPr lang="en-US" sz="2400" dirty="0">
+                <a:latin typeface="Arial" panose="020B0604020202020204" pitchFamily="34" charset="0"/>
+                <a:cs typeface="Arial" panose="020B0604020202020204" pitchFamily="34" charset="0"/>
+              </a:rPr>
+              <a:t> </a:t>
+            </a:r>
+            <a:r>
+              <a:rPr lang="en-US" sz="2400" dirty="0" err="1">
+                <a:latin typeface="Arial" panose="020B0604020202020204" pitchFamily="34" charset="0"/>
+                <a:cs typeface="Arial" panose="020B0604020202020204" pitchFamily="34" charset="0"/>
+              </a:rPr>
+              <a:t>một</a:t>
+            </a:r>
+            <a:r>
+              <a:rPr lang="en-US" sz="2400" dirty="0">
+                <a:latin typeface="Arial" panose="020B0604020202020204" pitchFamily="34" charset="0"/>
+                <a:cs typeface="Arial" panose="020B0604020202020204" pitchFamily="34" charset="0"/>
+              </a:rPr>
+              <a:t> </a:t>
+            </a:r>
+            <a:r>
+              <a:rPr lang="en-US" sz="2400" dirty="0" err="1">
+                <a:latin typeface="Arial" panose="020B0604020202020204" pitchFamily="34" charset="0"/>
+                <a:cs typeface="Arial" panose="020B0604020202020204" pitchFamily="34" charset="0"/>
+              </a:rPr>
+              <a:t>phương</a:t>
+            </a:r>
+            <a:r>
+              <a:rPr lang="en-US" sz="2400" dirty="0">
+                <a:latin typeface="Arial" panose="020B0604020202020204" pitchFamily="34" charset="0"/>
+                <a:cs typeface="Arial" panose="020B0604020202020204" pitchFamily="34" charset="0"/>
+              </a:rPr>
+              <a:t> </a:t>
+            </a:r>
+            <a:r>
+              <a:rPr lang="en-US" sz="2400" dirty="0" err="1">
+                <a:latin typeface="Arial" panose="020B0604020202020204" pitchFamily="34" charset="0"/>
+                <a:cs typeface="Arial" panose="020B0604020202020204" pitchFamily="34" charset="0"/>
+              </a:rPr>
+              <a:t>pháp</a:t>
+            </a:r>
+            <a:r>
+              <a:rPr lang="en-US" sz="2400" dirty="0">
+                <a:latin typeface="Arial" panose="020B0604020202020204" pitchFamily="34" charset="0"/>
+                <a:cs typeface="Arial" panose="020B0604020202020204" pitchFamily="34" charset="0"/>
+              </a:rPr>
+              <a:t> </a:t>
+            </a:r>
+            <a:r>
+              <a:rPr lang="en-US" sz="2400" dirty="0" err="1">
+                <a:latin typeface="Arial" panose="020B0604020202020204" pitchFamily="34" charset="0"/>
+                <a:cs typeface="Arial" panose="020B0604020202020204" pitchFamily="34" charset="0"/>
+              </a:rPr>
+              <a:t>phổ</a:t>
+            </a:r>
+            <a:r>
+              <a:rPr lang="en-US" sz="2400" dirty="0">
+                <a:latin typeface="Arial" panose="020B0604020202020204" pitchFamily="34" charset="0"/>
+                <a:cs typeface="Arial" panose="020B0604020202020204" pitchFamily="34" charset="0"/>
+              </a:rPr>
+              <a:t> </a:t>
+            </a:r>
+            <a:r>
+              <a:rPr lang="en-US" sz="2400" dirty="0" err="1">
+                <a:latin typeface="Arial" panose="020B0604020202020204" pitchFamily="34" charset="0"/>
+                <a:cs typeface="Arial" panose="020B0604020202020204" pitchFamily="34" charset="0"/>
+              </a:rPr>
+              <a:t>biến</a:t>
+            </a:r>
+            <a:r>
+              <a:rPr lang="en-US" sz="2400" dirty="0">
+                <a:latin typeface="Arial" panose="020B0604020202020204" pitchFamily="34" charset="0"/>
+                <a:cs typeface="Arial" panose="020B0604020202020204" pitchFamily="34" charset="0"/>
+              </a:rPr>
+              <a:t> </a:t>
+            </a:r>
+            <a:r>
+              <a:rPr lang="en-US" sz="2400" dirty="0" err="1">
+                <a:latin typeface="Arial" panose="020B0604020202020204" pitchFamily="34" charset="0"/>
+                <a:cs typeface="Arial" panose="020B0604020202020204" pitchFamily="34" charset="0"/>
+              </a:rPr>
+              <a:t>và</a:t>
+            </a:r>
+            <a:r>
+              <a:rPr lang="en-US" sz="2400" dirty="0">
+                <a:latin typeface="Arial" panose="020B0604020202020204" pitchFamily="34" charset="0"/>
+                <a:cs typeface="Arial" panose="020B0604020202020204" pitchFamily="34" charset="0"/>
+              </a:rPr>
+              <a:t> </a:t>
+            </a:r>
+            <a:r>
+              <a:rPr lang="en-US" sz="2400" dirty="0" err="1">
+                <a:latin typeface="Arial" panose="020B0604020202020204" pitchFamily="34" charset="0"/>
+                <a:cs typeface="Arial" panose="020B0604020202020204" pitchFamily="34" charset="0"/>
+              </a:rPr>
+              <a:t>tính</a:t>
+            </a:r>
+            <a:r>
+              <a:rPr lang="en-US" sz="2400" dirty="0">
+                <a:latin typeface="Arial" panose="020B0604020202020204" pitchFamily="34" charset="0"/>
+                <a:cs typeface="Arial" panose="020B0604020202020204" pitchFamily="34" charset="0"/>
+              </a:rPr>
+              <a:t> </a:t>
+            </a:r>
+            <a:r>
+              <a:rPr lang="en-US" sz="2400" dirty="0" err="1">
+                <a:latin typeface="Arial" panose="020B0604020202020204" pitchFamily="34" charset="0"/>
+                <a:cs typeface="Arial" panose="020B0604020202020204" pitchFamily="34" charset="0"/>
+              </a:rPr>
+              <a:t>toán</a:t>
+            </a:r>
+            <a:r>
+              <a:rPr lang="en-US" sz="2400" dirty="0">
+                <a:latin typeface="Arial" panose="020B0604020202020204" pitchFamily="34" charset="0"/>
+                <a:cs typeface="Arial" panose="020B0604020202020204" pitchFamily="34" charset="0"/>
+              </a:rPr>
+              <a:t> </a:t>
+            </a:r>
+            <a:r>
+              <a:rPr lang="en-US" sz="2400" dirty="0" err="1">
+                <a:latin typeface="Arial" panose="020B0604020202020204" pitchFamily="34" charset="0"/>
+                <a:cs typeface="Arial" panose="020B0604020202020204" pitchFamily="34" charset="0"/>
+              </a:rPr>
+              <a:t>hiệu</a:t>
+            </a:r>
+            <a:r>
+              <a:rPr lang="en-US" sz="2400" dirty="0">
+                <a:latin typeface="Arial" panose="020B0604020202020204" pitchFamily="34" charset="0"/>
+                <a:cs typeface="Arial" panose="020B0604020202020204" pitchFamily="34" charset="0"/>
+              </a:rPr>
+              <a:t> </a:t>
+            </a:r>
+            <a:r>
+              <a:rPr lang="en-US" sz="2400" dirty="0" err="1">
+                <a:latin typeface="Arial" panose="020B0604020202020204" pitchFamily="34" charset="0"/>
+                <a:cs typeface="Arial" panose="020B0604020202020204" pitchFamily="34" charset="0"/>
+              </a:rPr>
+              <a:t>quả</a:t>
+            </a:r>
+            <a:r>
+              <a:rPr lang="en-US" sz="2400" dirty="0">
+                <a:latin typeface="Arial" panose="020B0604020202020204" pitchFamily="34" charset="0"/>
+                <a:cs typeface="Arial" panose="020B0604020202020204" pitchFamily="34" charset="0"/>
+              </a:rPr>
+              <a:t>. </a:t>
+            </a:r>
+            <a:r>
+              <a:rPr lang="en-US" sz="2400" dirty="0" err="1">
+                <a:latin typeface="Arial" panose="020B0604020202020204" pitchFamily="34" charset="0"/>
+                <a:cs typeface="Arial" panose="020B0604020202020204" pitchFamily="34" charset="0"/>
+              </a:rPr>
+              <a:t>Nhược</a:t>
+            </a:r>
+            <a:r>
+              <a:rPr lang="en-US" sz="2400" dirty="0">
+                <a:latin typeface="Arial" panose="020B0604020202020204" pitchFamily="34" charset="0"/>
+                <a:cs typeface="Arial" panose="020B0604020202020204" pitchFamily="34" charset="0"/>
+              </a:rPr>
+              <a:t> </a:t>
+            </a:r>
+            <a:r>
+              <a:rPr lang="en-US" sz="2400" dirty="0" err="1">
+                <a:latin typeface="Arial" panose="020B0604020202020204" pitchFamily="34" charset="0"/>
+                <a:cs typeface="Arial" panose="020B0604020202020204" pitchFamily="34" charset="0"/>
+              </a:rPr>
+              <a:t>điểm</a:t>
+            </a:r>
+            <a:r>
+              <a:rPr lang="en-US" sz="2400" dirty="0">
+                <a:latin typeface="Arial" panose="020B0604020202020204" pitchFamily="34" charset="0"/>
+                <a:cs typeface="Arial" panose="020B0604020202020204" pitchFamily="34" charset="0"/>
+              </a:rPr>
+              <a:t> </a:t>
+            </a:r>
+            <a:r>
+              <a:rPr lang="en-US" sz="2400" dirty="0" err="1">
+                <a:latin typeface="Arial" panose="020B0604020202020204" pitchFamily="34" charset="0"/>
+                <a:cs typeface="Arial" panose="020B0604020202020204" pitchFamily="34" charset="0"/>
+              </a:rPr>
+              <a:t>lớn</a:t>
+            </a:r>
+            <a:r>
+              <a:rPr lang="en-US" sz="2400" dirty="0">
+                <a:latin typeface="Arial" panose="020B0604020202020204" pitchFamily="34" charset="0"/>
+                <a:cs typeface="Arial" panose="020B0604020202020204" pitchFamily="34" charset="0"/>
+              </a:rPr>
+              <a:t> </a:t>
+            </a:r>
+            <a:r>
+              <a:rPr lang="en-US" sz="2400" dirty="0" err="1">
+                <a:latin typeface="Arial" panose="020B0604020202020204" pitchFamily="34" charset="0"/>
+                <a:cs typeface="Arial" panose="020B0604020202020204" pitchFamily="34" charset="0"/>
+              </a:rPr>
+              <a:t>nhất</a:t>
+            </a:r>
+            <a:r>
+              <a:rPr lang="en-US" sz="2400" dirty="0">
+                <a:latin typeface="Arial" panose="020B0604020202020204" pitchFamily="34" charset="0"/>
+                <a:cs typeface="Arial" panose="020B0604020202020204" pitchFamily="34" charset="0"/>
+              </a:rPr>
+              <a:t> </a:t>
+            </a:r>
+            <a:r>
+              <a:rPr lang="en-US" sz="2400" dirty="0" err="1">
+                <a:latin typeface="Arial" panose="020B0604020202020204" pitchFamily="34" charset="0"/>
+                <a:cs typeface="Arial" panose="020B0604020202020204" pitchFamily="34" charset="0"/>
+              </a:rPr>
+              <a:t>của</a:t>
+            </a:r>
+            <a:r>
+              <a:rPr lang="en-US" sz="2400" dirty="0">
+                <a:latin typeface="Arial" panose="020B0604020202020204" pitchFamily="34" charset="0"/>
+                <a:cs typeface="Arial" panose="020B0604020202020204" pitchFamily="34" charset="0"/>
+              </a:rPr>
+              <a:t> </a:t>
+            </a:r>
+            <a:r>
+              <a:rPr lang="en-US" sz="2400" dirty="0" err="1">
+                <a:latin typeface="Arial" panose="020B0604020202020204" pitchFamily="34" charset="0"/>
+                <a:cs typeface="Arial" panose="020B0604020202020204" pitchFamily="34" charset="0"/>
+              </a:rPr>
+              <a:t>phương</a:t>
+            </a:r>
+            <a:r>
+              <a:rPr lang="en-US" sz="2400" dirty="0">
+                <a:latin typeface="Arial" panose="020B0604020202020204" pitchFamily="34" charset="0"/>
+                <a:cs typeface="Arial" panose="020B0604020202020204" pitchFamily="34" charset="0"/>
+              </a:rPr>
+              <a:t> </a:t>
+            </a:r>
+            <a:r>
+              <a:rPr lang="en-US" sz="2400" dirty="0" err="1">
+                <a:latin typeface="Arial" panose="020B0604020202020204" pitchFamily="34" charset="0"/>
+                <a:cs typeface="Arial" panose="020B0604020202020204" pitchFamily="34" charset="0"/>
+              </a:rPr>
+              <a:t>pháp</a:t>
+            </a:r>
+            <a:r>
+              <a:rPr lang="en-US" sz="2400" dirty="0">
+                <a:latin typeface="Arial" panose="020B0604020202020204" pitchFamily="34" charset="0"/>
+                <a:cs typeface="Arial" panose="020B0604020202020204" pitchFamily="34" charset="0"/>
+              </a:rPr>
+              <a:t> </a:t>
+            </a:r>
+            <a:r>
+              <a:rPr lang="en-US" sz="2400" dirty="0" err="1">
+                <a:latin typeface="Arial" panose="020B0604020202020204" pitchFamily="34" charset="0"/>
+                <a:cs typeface="Arial" panose="020B0604020202020204" pitchFamily="34" charset="0"/>
+              </a:rPr>
+              <a:t>này</a:t>
+            </a:r>
+            <a:r>
+              <a:rPr lang="en-US" sz="2400" dirty="0">
+                <a:latin typeface="Arial" panose="020B0604020202020204" pitchFamily="34" charset="0"/>
+                <a:cs typeface="Arial" panose="020B0604020202020204" pitchFamily="34" charset="0"/>
+              </a:rPr>
+              <a:t> </a:t>
+            </a:r>
+            <a:r>
+              <a:rPr lang="en-US" sz="2400" dirty="0" err="1">
+                <a:latin typeface="Arial" panose="020B0604020202020204" pitchFamily="34" charset="0"/>
+                <a:cs typeface="Arial" panose="020B0604020202020204" pitchFamily="34" charset="0"/>
+              </a:rPr>
+              <a:t>là</a:t>
+            </a:r>
+            <a:r>
+              <a:rPr lang="en-US" sz="2400" dirty="0">
+                <a:latin typeface="Arial" panose="020B0604020202020204" pitchFamily="34" charset="0"/>
+                <a:cs typeface="Arial" panose="020B0604020202020204" pitchFamily="34" charset="0"/>
+              </a:rPr>
+              <a:t> </a:t>
+            </a:r>
+            <a:r>
+              <a:rPr lang="en-US" sz="2400" dirty="0" err="1">
+                <a:latin typeface="Arial" panose="020B0604020202020204" pitchFamily="34" charset="0"/>
+                <a:cs typeface="Arial" panose="020B0604020202020204" pitchFamily="34" charset="0"/>
+              </a:rPr>
+              <a:t>khi</a:t>
+            </a:r>
+            <a:r>
+              <a:rPr lang="en-US" sz="2400" dirty="0">
+                <a:latin typeface="Arial" panose="020B0604020202020204" pitchFamily="34" charset="0"/>
+                <a:cs typeface="Arial" panose="020B0604020202020204" pitchFamily="34" charset="0"/>
+              </a:rPr>
+              <a:t> </a:t>
+            </a:r>
+            <a:r>
+              <a:rPr lang="en-US" sz="2400" dirty="0" err="1">
+                <a:latin typeface="Arial" panose="020B0604020202020204" pitchFamily="34" charset="0"/>
+                <a:cs typeface="Arial" panose="020B0604020202020204" pitchFamily="34" charset="0"/>
+              </a:rPr>
+              <a:t>tín</a:t>
+            </a:r>
+            <a:r>
+              <a:rPr lang="en-US" sz="2400" dirty="0">
+                <a:latin typeface="Arial" panose="020B0604020202020204" pitchFamily="34" charset="0"/>
+                <a:cs typeface="Arial" panose="020B0604020202020204" pitchFamily="34" charset="0"/>
+              </a:rPr>
+              <a:t> </a:t>
+            </a:r>
+            <a:r>
+              <a:rPr lang="en-US" sz="2400" dirty="0" err="1">
+                <a:latin typeface="Arial" panose="020B0604020202020204" pitchFamily="34" charset="0"/>
+                <a:cs typeface="Arial" panose="020B0604020202020204" pitchFamily="34" charset="0"/>
+              </a:rPr>
+              <a:t>hiệu</a:t>
+            </a:r>
+            <a:r>
+              <a:rPr lang="en-US" sz="2400" dirty="0">
+                <a:latin typeface="Arial" panose="020B0604020202020204" pitchFamily="34" charset="0"/>
+                <a:cs typeface="Arial" panose="020B0604020202020204" pitchFamily="34" charset="0"/>
+              </a:rPr>
+              <a:t> </a:t>
+            </a:r>
+            <a:r>
+              <a:rPr lang="en-US" sz="2400" dirty="0" err="1">
+                <a:latin typeface="Arial" panose="020B0604020202020204" pitchFamily="34" charset="0"/>
+                <a:cs typeface="Arial" panose="020B0604020202020204" pitchFamily="34" charset="0"/>
+              </a:rPr>
+              <a:t>có</a:t>
+            </a:r>
+            <a:r>
+              <a:rPr lang="en-US" sz="2400" dirty="0">
+                <a:latin typeface="Arial" panose="020B0604020202020204" pitchFamily="34" charset="0"/>
+                <a:cs typeface="Arial" panose="020B0604020202020204" pitchFamily="34" charset="0"/>
+              </a:rPr>
+              <a:t> </a:t>
+            </a:r>
+            <a:r>
+              <a:rPr lang="en-US" sz="2400" dirty="0" err="1">
+                <a:latin typeface="Arial" panose="020B0604020202020204" pitchFamily="34" charset="0"/>
+                <a:cs typeface="Arial" panose="020B0604020202020204" pitchFamily="34" charset="0"/>
+              </a:rPr>
+              <a:t>một</a:t>
+            </a:r>
+            <a:r>
+              <a:rPr lang="en-US" sz="2400" dirty="0">
+                <a:latin typeface="Arial" panose="020B0604020202020204" pitchFamily="34" charset="0"/>
+                <a:cs typeface="Arial" panose="020B0604020202020204" pitchFamily="34" charset="0"/>
+              </a:rPr>
+              <a:t> </a:t>
+            </a:r>
+            <a:r>
+              <a:rPr lang="en-US" sz="2400" dirty="0" err="1">
+                <a:latin typeface="Arial" panose="020B0604020202020204" pitchFamily="34" charset="0"/>
+                <a:cs typeface="Arial" panose="020B0604020202020204" pitchFamily="34" charset="0"/>
+              </a:rPr>
+              <a:t>dải</a:t>
+            </a:r>
+            <a:r>
+              <a:rPr lang="en-US" sz="2400" dirty="0">
+                <a:latin typeface="Arial" panose="020B0604020202020204" pitchFamily="34" charset="0"/>
+                <a:cs typeface="Arial" panose="020B0604020202020204" pitchFamily="34" charset="0"/>
+              </a:rPr>
+              <a:t> </a:t>
+            </a:r>
+            <a:r>
+              <a:rPr lang="en-US" sz="2400" dirty="0" err="1">
+                <a:latin typeface="Arial" panose="020B0604020202020204" pitchFamily="34" charset="0"/>
+                <a:cs typeface="Arial" panose="020B0604020202020204" pitchFamily="34" charset="0"/>
+              </a:rPr>
+              <a:t>động</a:t>
+            </a:r>
+            <a:r>
+              <a:rPr lang="en-US" sz="2400" dirty="0">
+                <a:latin typeface="Arial" panose="020B0604020202020204" pitchFamily="34" charset="0"/>
+                <a:cs typeface="Arial" panose="020B0604020202020204" pitchFamily="34" charset="0"/>
+              </a:rPr>
+              <a:t> </a:t>
+            </a:r>
+            <a:r>
+              <a:rPr lang="en-US" sz="2400" dirty="0" err="1">
+                <a:latin typeface="Arial" panose="020B0604020202020204" pitchFamily="34" charset="0"/>
+                <a:cs typeface="Arial" panose="020B0604020202020204" pitchFamily="34" charset="0"/>
+              </a:rPr>
+              <a:t>lớn</a:t>
+            </a:r>
+            <a:r>
+              <a:rPr lang="en-US" sz="2400" dirty="0">
+                <a:latin typeface="Arial" panose="020B0604020202020204" pitchFamily="34" charset="0"/>
+                <a:cs typeface="Arial" panose="020B0604020202020204" pitchFamily="34" charset="0"/>
+              </a:rPr>
+              <a:t> </a:t>
+            </a:r>
+            <a:r>
+              <a:rPr lang="en-US" sz="2400" dirty="0" err="1">
+                <a:latin typeface="Arial" panose="020B0604020202020204" pitchFamily="34" charset="0"/>
+                <a:cs typeface="Arial" panose="020B0604020202020204" pitchFamily="34" charset="0"/>
+              </a:rPr>
+              <a:t>thì</a:t>
+            </a:r>
+            <a:r>
+              <a:rPr lang="en-US" sz="2400" dirty="0">
+                <a:latin typeface="Arial" panose="020B0604020202020204" pitchFamily="34" charset="0"/>
+                <a:cs typeface="Arial" panose="020B0604020202020204" pitchFamily="34" charset="0"/>
+              </a:rPr>
+              <a:t> </a:t>
+            </a:r>
+            <a:r>
+              <a:rPr lang="en-US" sz="2400" dirty="0" err="1">
+                <a:latin typeface="Arial" panose="020B0604020202020204" pitchFamily="34" charset="0"/>
+                <a:cs typeface="Arial" panose="020B0604020202020204" pitchFamily="34" charset="0"/>
+              </a:rPr>
+              <a:t>cụm</a:t>
+            </a:r>
+            <a:r>
+              <a:rPr lang="en-US" sz="2400" dirty="0">
+                <a:latin typeface="Arial" panose="020B0604020202020204" pitchFamily="34" charset="0"/>
+                <a:cs typeface="Arial" panose="020B0604020202020204" pitchFamily="34" charset="0"/>
+              </a:rPr>
+              <a:t> </a:t>
+            </a:r>
+            <a:r>
+              <a:rPr lang="en-US" sz="2400" dirty="0" err="1">
+                <a:latin typeface="Arial" panose="020B0604020202020204" pitchFamily="34" charset="0"/>
+                <a:cs typeface="Arial" panose="020B0604020202020204" pitchFamily="34" charset="0"/>
+              </a:rPr>
+              <a:t>tần</a:t>
+            </a:r>
+            <a:r>
+              <a:rPr lang="en-US" sz="2400" dirty="0">
+                <a:latin typeface="Arial" panose="020B0604020202020204" pitchFamily="34" charset="0"/>
+                <a:cs typeface="Arial" panose="020B0604020202020204" pitchFamily="34" charset="0"/>
+              </a:rPr>
+              <a:t> </a:t>
+            </a:r>
+            <a:r>
+              <a:rPr lang="en-US" sz="2400" dirty="0" err="1">
+                <a:latin typeface="Arial" panose="020B0604020202020204" pitchFamily="34" charset="0"/>
+                <a:cs typeface="Arial" panose="020B0604020202020204" pitchFamily="34" charset="0"/>
+              </a:rPr>
+              <a:t>số</a:t>
+            </a:r>
+            <a:r>
+              <a:rPr lang="en-US" sz="2400" dirty="0">
+                <a:latin typeface="Arial" panose="020B0604020202020204" pitchFamily="34" charset="0"/>
+                <a:cs typeface="Arial" panose="020B0604020202020204" pitchFamily="34" charset="0"/>
+              </a:rPr>
+              <a:t> </a:t>
+            </a:r>
+            <a:r>
+              <a:rPr lang="en-US" sz="2400" dirty="0" err="1">
+                <a:latin typeface="Arial" panose="020B0604020202020204" pitchFamily="34" charset="0"/>
+                <a:cs typeface="Arial" panose="020B0604020202020204" pitchFamily="34" charset="0"/>
+              </a:rPr>
+              <a:t>thấp</a:t>
+            </a:r>
+            <a:r>
+              <a:rPr lang="en-US" sz="2400" dirty="0">
+                <a:latin typeface="Arial" panose="020B0604020202020204" pitchFamily="34" charset="0"/>
+                <a:cs typeface="Arial" panose="020B0604020202020204" pitchFamily="34" charset="0"/>
+              </a:rPr>
+              <a:t>. </a:t>
+            </a:r>
+            <a:r>
+              <a:rPr lang="en-US" sz="2400" dirty="0" err="1">
+                <a:latin typeface="Arial" panose="020B0604020202020204" pitchFamily="34" charset="0"/>
+                <a:cs typeface="Arial" panose="020B0604020202020204" pitchFamily="34" charset="0"/>
+              </a:rPr>
+              <a:t>Trong</a:t>
+            </a:r>
+            <a:r>
+              <a:rPr lang="en-US" sz="2400" dirty="0">
+                <a:latin typeface="Arial" panose="020B0604020202020204" pitchFamily="34" charset="0"/>
+                <a:cs typeface="Arial" panose="020B0604020202020204" pitchFamily="34" charset="0"/>
+              </a:rPr>
+              <a:t> </a:t>
+            </a:r>
+            <a:r>
+              <a:rPr lang="en-US" sz="2400" dirty="0" err="1">
+                <a:latin typeface="Arial" panose="020B0604020202020204" pitchFamily="34" charset="0"/>
+                <a:cs typeface="Arial" panose="020B0604020202020204" pitchFamily="34" charset="0"/>
+              </a:rPr>
+              <a:t>trường</a:t>
+            </a:r>
+            <a:r>
+              <a:rPr lang="en-US" sz="2400" dirty="0">
+                <a:latin typeface="Arial" panose="020B0604020202020204" pitchFamily="34" charset="0"/>
+                <a:cs typeface="Arial" panose="020B0604020202020204" pitchFamily="34" charset="0"/>
+              </a:rPr>
+              <a:t> </a:t>
+            </a:r>
+            <a:r>
+              <a:rPr lang="en-US" sz="2400" dirty="0" err="1">
+                <a:latin typeface="Arial" panose="020B0604020202020204" pitchFamily="34" charset="0"/>
+                <a:cs typeface="Arial" panose="020B0604020202020204" pitchFamily="34" charset="0"/>
+              </a:rPr>
+              <a:t>hợp</a:t>
+            </a:r>
+            <a:r>
+              <a:rPr lang="en-US" sz="2400" dirty="0">
+                <a:latin typeface="Arial" panose="020B0604020202020204" pitchFamily="34" charset="0"/>
+                <a:cs typeface="Arial" panose="020B0604020202020204" pitchFamily="34" charset="0"/>
+              </a:rPr>
+              <a:t> </a:t>
+            </a:r>
+            <a:r>
+              <a:rPr lang="en-US" sz="2400" dirty="0" err="1">
+                <a:latin typeface="Arial" panose="020B0604020202020204" pitchFamily="34" charset="0"/>
+                <a:cs typeface="Arial" panose="020B0604020202020204" pitchFamily="34" charset="0"/>
+              </a:rPr>
+              <a:t>đó</a:t>
+            </a:r>
+            <a:r>
+              <a:rPr lang="en-US" sz="2400" dirty="0">
+                <a:latin typeface="Arial" panose="020B0604020202020204" pitchFamily="34" charset="0"/>
+                <a:cs typeface="Arial" panose="020B0604020202020204" pitchFamily="34" charset="0"/>
+              </a:rPr>
+              <a:t> </a:t>
+            </a:r>
+            <a:r>
+              <a:rPr lang="en-US" sz="2400" dirty="0" err="1">
+                <a:latin typeface="Arial" panose="020B0604020202020204" pitchFamily="34" charset="0"/>
+                <a:cs typeface="Arial" panose="020B0604020202020204" pitchFamily="34" charset="0"/>
+              </a:rPr>
+              <a:t>hướng</a:t>
+            </a:r>
+            <a:r>
+              <a:rPr lang="en-US" sz="2400" dirty="0">
+                <a:latin typeface="Arial" panose="020B0604020202020204" pitchFamily="34" charset="0"/>
+                <a:cs typeface="Arial" panose="020B0604020202020204" pitchFamily="34" charset="0"/>
+              </a:rPr>
+              <a:t> </a:t>
+            </a:r>
+            <a:r>
+              <a:rPr lang="en-US" sz="2400" dirty="0" err="1">
+                <a:latin typeface="Arial" panose="020B0604020202020204" pitchFamily="34" charset="0"/>
+                <a:cs typeface="Arial" panose="020B0604020202020204" pitchFamily="34" charset="0"/>
+              </a:rPr>
+              <a:t>tạp</a:t>
+            </a:r>
+            <a:r>
+              <a:rPr lang="en-US" sz="2400" dirty="0">
+                <a:latin typeface="Arial" panose="020B0604020202020204" pitchFamily="34" charset="0"/>
+                <a:cs typeface="Arial" panose="020B0604020202020204" pitchFamily="34" charset="0"/>
+              </a:rPr>
+              <a:t> </a:t>
+            </a:r>
+            <a:r>
+              <a:rPr lang="en-US" sz="2400" dirty="0" err="1">
+                <a:latin typeface="Arial" panose="020B0604020202020204" pitchFamily="34" charset="0"/>
+                <a:cs typeface="Arial" panose="020B0604020202020204" pitchFamily="34" charset="0"/>
+              </a:rPr>
+              <a:t>âm</a:t>
+            </a:r>
+            <a:r>
+              <a:rPr lang="en-US" sz="2400" dirty="0">
+                <a:latin typeface="Arial" panose="020B0604020202020204" pitchFamily="34" charset="0"/>
+                <a:cs typeface="Arial" panose="020B0604020202020204" pitchFamily="34" charset="0"/>
+              </a:rPr>
+              <a:t> </a:t>
+            </a:r>
+            <a:r>
+              <a:rPr lang="en-US" sz="2400" dirty="0" err="1">
+                <a:latin typeface="Arial" panose="020B0604020202020204" pitchFamily="34" charset="0"/>
+                <a:cs typeface="Arial" panose="020B0604020202020204" pitchFamily="34" charset="0"/>
+              </a:rPr>
+              <a:t>tần</a:t>
+            </a:r>
+            <a:r>
+              <a:rPr lang="en-US" sz="2400" dirty="0">
+                <a:latin typeface="Arial" panose="020B0604020202020204" pitchFamily="34" charset="0"/>
+                <a:cs typeface="Arial" panose="020B0604020202020204" pitchFamily="34" charset="0"/>
+              </a:rPr>
+              <a:t> </a:t>
+            </a:r>
+            <a:r>
+              <a:rPr lang="en-US" sz="2400" dirty="0" err="1">
+                <a:latin typeface="Arial" panose="020B0604020202020204" pitchFamily="34" charset="0"/>
+                <a:cs typeface="Arial" panose="020B0604020202020204" pitchFamily="34" charset="0"/>
+              </a:rPr>
+              <a:t>số</a:t>
+            </a:r>
+            <a:r>
+              <a:rPr lang="en-US" sz="2400" dirty="0">
+                <a:latin typeface="Arial" panose="020B0604020202020204" pitchFamily="34" charset="0"/>
+                <a:cs typeface="Arial" panose="020B0604020202020204" pitchFamily="34" charset="0"/>
+              </a:rPr>
+              <a:t> </a:t>
+            </a:r>
+            <a:r>
+              <a:rPr lang="en-US" sz="2400" dirty="0" err="1">
+                <a:latin typeface="Arial" panose="020B0604020202020204" pitchFamily="34" charset="0"/>
+                <a:cs typeface="Arial" panose="020B0604020202020204" pitchFamily="34" charset="0"/>
+              </a:rPr>
+              <a:t>cao</a:t>
+            </a:r>
+            <a:r>
+              <a:rPr lang="en-US" sz="2400" dirty="0">
+                <a:latin typeface="Arial" panose="020B0604020202020204" pitchFamily="34" charset="0"/>
+                <a:cs typeface="Arial" panose="020B0604020202020204" pitchFamily="34" charset="0"/>
+              </a:rPr>
+              <a:t> </a:t>
+            </a:r>
+            <a:r>
+              <a:rPr lang="en-US" sz="2400" dirty="0" err="1">
+                <a:latin typeface="Arial" panose="020B0604020202020204" pitchFamily="34" charset="0"/>
+                <a:cs typeface="Arial" panose="020B0604020202020204" pitchFamily="34" charset="0"/>
+              </a:rPr>
+              <a:t>có</a:t>
+            </a:r>
+            <a:r>
+              <a:rPr lang="en-US" sz="2400" dirty="0">
+                <a:latin typeface="Arial" panose="020B0604020202020204" pitchFamily="34" charset="0"/>
+                <a:cs typeface="Arial" panose="020B0604020202020204" pitchFamily="34" charset="0"/>
+              </a:rPr>
+              <a:t> </a:t>
+            </a:r>
+            <a:r>
+              <a:rPr lang="en-US" sz="2400" dirty="0" err="1">
+                <a:latin typeface="Arial" panose="020B0604020202020204" pitchFamily="34" charset="0"/>
+                <a:cs typeface="Arial" panose="020B0604020202020204" pitchFamily="34" charset="0"/>
+              </a:rPr>
+              <a:t>thể</a:t>
+            </a:r>
+            <a:r>
+              <a:rPr lang="en-US" sz="2400" dirty="0">
+                <a:latin typeface="Arial" panose="020B0604020202020204" pitchFamily="34" charset="0"/>
+                <a:cs typeface="Arial" panose="020B0604020202020204" pitchFamily="34" charset="0"/>
+              </a:rPr>
+              <a:t> </a:t>
+            </a:r>
+            <a:r>
+              <a:rPr lang="en-US" sz="2400" dirty="0" err="1">
+                <a:latin typeface="Arial" panose="020B0604020202020204" pitchFamily="34" charset="0"/>
+                <a:cs typeface="Arial" panose="020B0604020202020204" pitchFamily="34" charset="0"/>
+              </a:rPr>
+              <a:t>che</a:t>
+            </a:r>
+            <a:r>
+              <a:rPr lang="en-US" sz="2400" dirty="0">
+                <a:latin typeface="Arial" panose="020B0604020202020204" pitchFamily="34" charset="0"/>
+                <a:cs typeface="Arial" panose="020B0604020202020204" pitchFamily="34" charset="0"/>
+              </a:rPr>
+              <a:t> </a:t>
+            </a:r>
+            <a:r>
+              <a:rPr lang="en-US" sz="2400" dirty="0" err="1">
+                <a:latin typeface="Arial" panose="020B0604020202020204" pitchFamily="34" charset="0"/>
+                <a:cs typeface="Arial" panose="020B0604020202020204" pitchFamily="34" charset="0"/>
+              </a:rPr>
+              <a:t>cấu</a:t>
+            </a:r>
+            <a:r>
+              <a:rPr lang="en-US" sz="2400" dirty="0">
+                <a:latin typeface="Arial" panose="020B0604020202020204" pitchFamily="34" charset="0"/>
+                <a:cs typeface="Arial" panose="020B0604020202020204" pitchFamily="34" charset="0"/>
+              </a:rPr>
+              <a:t> </a:t>
+            </a:r>
+            <a:r>
+              <a:rPr lang="en-US" sz="2400" dirty="0" err="1">
+                <a:latin typeface="Arial" panose="020B0604020202020204" pitchFamily="34" charset="0"/>
+                <a:cs typeface="Arial" panose="020B0604020202020204" pitchFamily="34" charset="0"/>
+              </a:rPr>
+              <a:t>trúc</a:t>
+            </a:r>
+            <a:r>
+              <a:rPr lang="en-US" sz="2400" dirty="0">
+                <a:latin typeface="Arial" panose="020B0604020202020204" pitchFamily="34" charset="0"/>
+                <a:cs typeface="Arial" panose="020B0604020202020204" pitchFamily="34" charset="0"/>
+              </a:rPr>
+              <a:t> </a:t>
+            </a:r>
+            <a:r>
+              <a:rPr lang="en-US" sz="2400" dirty="0" err="1">
+                <a:latin typeface="Arial" panose="020B0604020202020204" pitchFamily="34" charset="0"/>
+                <a:cs typeface="Arial" panose="020B0604020202020204" pitchFamily="34" charset="0"/>
+              </a:rPr>
+              <a:t>tín</a:t>
+            </a:r>
+            <a:r>
+              <a:rPr lang="en-US" sz="2400" dirty="0">
+                <a:latin typeface="Arial" panose="020B0604020202020204" pitchFamily="34" charset="0"/>
+                <a:cs typeface="Arial" panose="020B0604020202020204" pitchFamily="34" charset="0"/>
+              </a:rPr>
+              <a:t> </a:t>
+            </a:r>
+            <a:r>
+              <a:rPr lang="en-US" sz="2400" dirty="0" err="1">
+                <a:latin typeface="Arial" panose="020B0604020202020204" pitchFamily="34" charset="0"/>
+                <a:cs typeface="Arial" panose="020B0604020202020204" pitchFamily="34" charset="0"/>
+              </a:rPr>
+              <a:t>hiệu</a:t>
+            </a:r>
+            <a:r>
+              <a:rPr lang="en-US" sz="2400" dirty="0">
+                <a:latin typeface="Arial" panose="020B0604020202020204" pitchFamily="34" charset="0"/>
+                <a:cs typeface="Arial" panose="020B0604020202020204" pitchFamily="34" charset="0"/>
+              </a:rPr>
+              <a:t> </a:t>
+            </a:r>
+            <a:r>
+              <a:rPr lang="en-US" sz="2400" dirty="0" err="1">
+                <a:latin typeface="Arial" panose="020B0604020202020204" pitchFamily="34" charset="0"/>
+                <a:cs typeface="Arial" panose="020B0604020202020204" pitchFamily="34" charset="0"/>
+              </a:rPr>
+              <a:t>tần</a:t>
+            </a:r>
+            <a:r>
+              <a:rPr lang="en-US" sz="2400" dirty="0">
+                <a:latin typeface="Arial" panose="020B0604020202020204" pitchFamily="34" charset="0"/>
+                <a:cs typeface="Arial" panose="020B0604020202020204" pitchFamily="34" charset="0"/>
+              </a:rPr>
+              <a:t> </a:t>
+            </a:r>
+            <a:r>
+              <a:rPr lang="en-US" sz="2400" dirty="0" err="1">
+                <a:latin typeface="Arial" panose="020B0604020202020204" pitchFamily="34" charset="0"/>
+                <a:cs typeface="Arial" panose="020B0604020202020204" pitchFamily="34" charset="0"/>
+              </a:rPr>
+              <a:t>số</a:t>
+            </a:r>
+            <a:r>
+              <a:rPr lang="en-US" sz="2400" dirty="0">
+                <a:latin typeface="Arial" panose="020B0604020202020204" pitchFamily="34" charset="0"/>
+                <a:cs typeface="Arial" panose="020B0604020202020204" pitchFamily="34" charset="0"/>
+              </a:rPr>
+              <a:t> </a:t>
+            </a:r>
+            <a:r>
+              <a:rPr lang="en-US" sz="2400" dirty="0" err="1">
+                <a:latin typeface="Arial" panose="020B0604020202020204" pitchFamily="34" charset="0"/>
+                <a:cs typeface="Arial" panose="020B0604020202020204" pitchFamily="34" charset="0"/>
+              </a:rPr>
+              <a:t>cao</a:t>
+            </a:r>
+            <a:endParaRPr lang="en-US" sz="2400" dirty="0">
               <a:latin typeface="Arial" panose="020B0604020202020204" pitchFamily="34" charset="0"/>
               <a:cs typeface="Arial" panose="020B0604020202020204" pitchFamily="34" charset="0"/>
             </a:endParaRPr>
           </a:p>
           <a:p>
-            <a:pPr lvl="1"/>
-            <a:r>
-              <a:rPr lang="en-US" sz="2400" b="1" dirty="0" smtClean="0">
+            <a:r>
+              <a:rPr lang="en-US" sz="2600" b="1" dirty="0" smtClean="0">
                 <a:latin typeface="Arial" panose="020B0604020202020204" pitchFamily="34" charset="0"/>
                 <a:cs typeface="Arial" panose="020B0604020202020204" pitchFamily="34" charset="0"/>
               </a:rPr>
               <a:t>B.</a:t>
             </a:r>
             <a:r>
-              <a:rPr lang="en-US" sz="2400" b="1" dirty="0" smtClean="0"/>
-              <a:t> </a:t>
-            </a:r>
-            <a:r>
-              <a:rPr lang="en-US" sz="2400" b="1" dirty="0">
+              <a:rPr lang="en-US" sz="2600" b="1" dirty="0" smtClean="0"/>
+              <a:t> </a:t>
+            </a:r>
+            <a:r>
+              <a:rPr lang="en-US" sz="2600" b="1" dirty="0">
                 <a:latin typeface="Arial" panose="020B0604020202020204" pitchFamily="34" charset="0"/>
                 <a:cs typeface="Arial" panose="020B0604020202020204" pitchFamily="34" charset="0"/>
               </a:rPr>
               <a:t>Spectrogram </a:t>
             </a:r>
             <a:r>
-              <a:rPr lang="en-US" sz="2400" b="1" dirty="0" smtClean="0">
+              <a:rPr lang="en-US" sz="2600" b="1" dirty="0" smtClean="0">
                 <a:latin typeface="Arial" panose="020B0604020202020204" pitchFamily="34" charset="0"/>
                 <a:cs typeface="Arial" panose="020B0604020202020204" pitchFamily="34" charset="0"/>
               </a:rPr>
               <a:t>:</a:t>
             </a:r>
-            <a:endParaRPr lang="en-US" sz="2400" b="1" dirty="0">
+            <a:endParaRPr lang="en-US" sz="2600" b="1" dirty="0">
               <a:latin typeface="Arial" panose="020B0604020202020204" pitchFamily="34" charset="0"/>
               <a:cs typeface="Arial" panose="020B0604020202020204" pitchFamily="34" charset="0"/>
             </a:endParaRPr>
           </a:p>
           <a:p>
-            <a:pPr lvl="1"/>
+            <a:pPr lvl="1" algn="just">
+              <a:buFont typeface="Wingdings" panose="05000000000000000000" pitchFamily="2" charset="2"/>
+              <a:buChar char="ü"/>
+            </a:pPr>
+            <a:r>
+              <a:rPr lang="en-US" sz="2400" dirty="0">
+                <a:latin typeface="Arial" panose="020B0604020202020204" pitchFamily="34" charset="0"/>
+                <a:cs typeface="Arial" panose="020B0604020202020204" pitchFamily="34" charset="0"/>
+              </a:rPr>
+              <a:t>Spectrogram </a:t>
+            </a:r>
+            <a:r>
+              <a:rPr lang="en-US" sz="2400" dirty="0" err="1">
+                <a:latin typeface="Arial" panose="020B0604020202020204" pitchFamily="34" charset="0"/>
+                <a:cs typeface="Arial" panose="020B0604020202020204" pitchFamily="34" charset="0"/>
+              </a:rPr>
+              <a:t>là</a:t>
+            </a:r>
+            <a:r>
+              <a:rPr lang="en-US" sz="2400" dirty="0">
+                <a:latin typeface="Arial" panose="020B0604020202020204" pitchFamily="34" charset="0"/>
+                <a:cs typeface="Arial" panose="020B0604020202020204" pitchFamily="34" charset="0"/>
+              </a:rPr>
+              <a:t> </a:t>
+            </a:r>
+            <a:r>
+              <a:rPr lang="en-US" sz="2400" dirty="0" err="1">
+                <a:latin typeface="Arial" panose="020B0604020202020204" pitchFamily="34" charset="0"/>
+                <a:cs typeface="Arial" panose="020B0604020202020204" pitchFamily="34" charset="0"/>
+              </a:rPr>
+              <a:t>một</a:t>
+            </a:r>
+            <a:r>
+              <a:rPr lang="en-US" sz="2400" dirty="0">
+                <a:latin typeface="Arial" panose="020B0604020202020204" pitchFamily="34" charset="0"/>
+                <a:cs typeface="Arial" panose="020B0604020202020204" pitchFamily="34" charset="0"/>
+              </a:rPr>
+              <a:t> </a:t>
+            </a:r>
+            <a:r>
+              <a:rPr lang="en-US" sz="2400" dirty="0" err="1">
+                <a:latin typeface="Arial" panose="020B0604020202020204" pitchFamily="34" charset="0"/>
+                <a:cs typeface="Arial" panose="020B0604020202020204" pitchFamily="34" charset="0"/>
+              </a:rPr>
+              <a:t>trong</a:t>
+            </a:r>
+            <a:r>
+              <a:rPr lang="en-US" sz="2400" dirty="0">
+                <a:latin typeface="Arial" panose="020B0604020202020204" pitchFamily="34" charset="0"/>
+                <a:cs typeface="Arial" panose="020B0604020202020204" pitchFamily="34" charset="0"/>
+              </a:rPr>
+              <a:t> </a:t>
+            </a:r>
+            <a:r>
+              <a:rPr lang="en-US" sz="2400" dirty="0" err="1">
+                <a:latin typeface="Arial" panose="020B0604020202020204" pitchFamily="34" charset="0"/>
+                <a:cs typeface="Arial" panose="020B0604020202020204" pitchFamily="34" charset="0"/>
+              </a:rPr>
+              <a:t>những</a:t>
+            </a:r>
+            <a:r>
+              <a:rPr lang="en-US" sz="2400" dirty="0">
+                <a:latin typeface="Arial" panose="020B0604020202020204" pitchFamily="34" charset="0"/>
+                <a:cs typeface="Arial" panose="020B0604020202020204" pitchFamily="34" charset="0"/>
+              </a:rPr>
+              <a:t> </a:t>
+            </a:r>
+            <a:r>
+              <a:rPr lang="en-US" sz="2400" dirty="0" err="1">
+                <a:latin typeface="Arial" panose="020B0604020202020204" pitchFamily="34" charset="0"/>
+                <a:cs typeface="Arial" panose="020B0604020202020204" pitchFamily="34" charset="0"/>
+              </a:rPr>
+              <a:t>công</a:t>
+            </a:r>
+            <a:r>
+              <a:rPr lang="en-US" sz="2400" dirty="0">
+                <a:latin typeface="Arial" panose="020B0604020202020204" pitchFamily="34" charset="0"/>
+                <a:cs typeface="Arial" panose="020B0604020202020204" pitchFamily="34" charset="0"/>
+              </a:rPr>
+              <a:t> </a:t>
+            </a:r>
+            <a:r>
+              <a:rPr lang="en-US" sz="2400" dirty="0" err="1">
+                <a:latin typeface="Arial" panose="020B0604020202020204" pitchFamily="34" charset="0"/>
+                <a:cs typeface="Arial" panose="020B0604020202020204" pitchFamily="34" charset="0"/>
+              </a:rPr>
+              <a:t>cụ</a:t>
+            </a:r>
+            <a:r>
+              <a:rPr lang="en-US" sz="2400" dirty="0">
+                <a:latin typeface="Arial" panose="020B0604020202020204" pitchFamily="34" charset="0"/>
+                <a:cs typeface="Arial" panose="020B0604020202020204" pitchFamily="34" charset="0"/>
+              </a:rPr>
+              <a:t> </a:t>
+            </a:r>
+            <a:r>
+              <a:rPr lang="en-US" sz="2400" dirty="0" err="1">
+                <a:latin typeface="Arial" panose="020B0604020202020204" pitchFamily="34" charset="0"/>
+                <a:cs typeface="Arial" panose="020B0604020202020204" pitchFamily="34" charset="0"/>
+              </a:rPr>
+              <a:t>cơ</a:t>
+            </a:r>
+            <a:r>
+              <a:rPr lang="en-US" sz="2400" dirty="0">
+                <a:latin typeface="Arial" panose="020B0604020202020204" pitchFamily="34" charset="0"/>
+                <a:cs typeface="Arial" panose="020B0604020202020204" pitchFamily="34" charset="0"/>
+              </a:rPr>
+              <a:t> </a:t>
+            </a:r>
+            <a:r>
+              <a:rPr lang="en-US" sz="2400" dirty="0" err="1">
+                <a:latin typeface="Arial" panose="020B0604020202020204" pitchFamily="34" charset="0"/>
+                <a:cs typeface="Arial" panose="020B0604020202020204" pitchFamily="34" charset="0"/>
+              </a:rPr>
+              <a:t>bản</a:t>
+            </a:r>
+            <a:r>
+              <a:rPr lang="en-US" sz="2400" dirty="0">
+                <a:latin typeface="Arial" panose="020B0604020202020204" pitchFamily="34" charset="0"/>
+                <a:cs typeface="Arial" panose="020B0604020202020204" pitchFamily="34" charset="0"/>
+              </a:rPr>
+              <a:t> </a:t>
+            </a:r>
+            <a:r>
+              <a:rPr lang="en-US" sz="2400" dirty="0" err="1">
+                <a:latin typeface="Arial" panose="020B0604020202020204" pitchFamily="34" charset="0"/>
+                <a:cs typeface="Arial" panose="020B0604020202020204" pitchFamily="34" charset="0"/>
+              </a:rPr>
+              <a:t>của</a:t>
+            </a:r>
+            <a:r>
+              <a:rPr lang="en-US" sz="2400" dirty="0">
+                <a:latin typeface="Arial" panose="020B0604020202020204" pitchFamily="34" charset="0"/>
+                <a:cs typeface="Arial" panose="020B0604020202020204" pitchFamily="34" charset="0"/>
+              </a:rPr>
+              <a:t> </a:t>
+            </a:r>
+            <a:r>
+              <a:rPr lang="en-US" sz="2400" dirty="0" err="1">
+                <a:latin typeface="Arial" panose="020B0604020202020204" pitchFamily="34" charset="0"/>
+                <a:cs typeface="Arial" panose="020B0604020202020204" pitchFamily="34" charset="0"/>
+              </a:rPr>
+              <a:t>phân</a:t>
+            </a:r>
+            <a:r>
+              <a:rPr lang="en-US" sz="2400" dirty="0">
+                <a:latin typeface="Arial" panose="020B0604020202020204" pitchFamily="34" charset="0"/>
+                <a:cs typeface="Arial" panose="020B0604020202020204" pitchFamily="34" charset="0"/>
+              </a:rPr>
+              <a:t> </a:t>
+            </a:r>
+            <a:r>
+              <a:rPr lang="en-US" sz="2400" dirty="0" err="1">
+                <a:latin typeface="Arial" panose="020B0604020202020204" pitchFamily="34" charset="0"/>
+                <a:cs typeface="Arial" panose="020B0604020202020204" pitchFamily="34" charset="0"/>
+              </a:rPr>
+              <a:t>tích</a:t>
+            </a:r>
+            <a:r>
+              <a:rPr lang="en-US" sz="2400" dirty="0">
+                <a:latin typeface="Arial" panose="020B0604020202020204" pitchFamily="34" charset="0"/>
+                <a:cs typeface="Arial" panose="020B0604020202020204" pitchFamily="34" charset="0"/>
+              </a:rPr>
+              <a:t> </a:t>
+            </a:r>
+            <a:r>
+              <a:rPr lang="en-US" sz="2400" dirty="0" err="1">
+                <a:latin typeface="Arial" panose="020B0604020202020204" pitchFamily="34" charset="0"/>
+                <a:cs typeface="Arial" panose="020B0604020202020204" pitchFamily="34" charset="0"/>
+              </a:rPr>
+              <a:t>phổ</a:t>
+            </a:r>
+            <a:r>
+              <a:rPr lang="en-US" sz="2400" dirty="0">
+                <a:latin typeface="Arial" panose="020B0604020202020204" pitchFamily="34" charset="0"/>
+                <a:cs typeface="Arial" panose="020B0604020202020204" pitchFamily="34" charset="0"/>
+              </a:rPr>
+              <a:t> </a:t>
+            </a:r>
+            <a:r>
+              <a:rPr lang="en-US" sz="2400" dirty="0" err="1">
+                <a:latin typeface="Arial" panose="020B0604020202020204" pitchFamily="34" charset="0"/>
+                <a:cs typeface="Arial" panose="020B0604020202020204" pitchFamily="34" charset="0"/>
+              </a:rPr>
+              <a:t>tín</a:t>
+            </a:r>
+            <a:r>
+              <a:rPr lang="en-US" sz="2400" dirty="0">
+                <a:latin typeface="Arial" panose="020B0604020202020204" pitchFamily="34" charset="0"/>
+                <a:cs typeface="Arial" panose="020B0604020202020204" pitchFamily="34" charset="0"/>
+              </a:rPr>
+              <a:t> </a:t>
+            </a:r>
+            <a:r>
+              <a:rPr lang="en-US" sz="2400" dirty="0" err="1">
+                <a:latin typeface="Arial" panose="020B0604020202020204" pitchFamily="34" charset="0"/>
+                <a:cs typeface="Arial" panose="020B0604020202020204" pitchFamily="34" charset="0"/>
+              </a:rPr>
+              <a:t>hiệu</a:t>
+            </a:r>
+            <a:r>
+              <a:rPr lang="en-US" sz="2400" dirty="0">
+                <a:latin typeface="Arial" panose="020B0604020202020204" pitchFamily="34" charset="0"/>
+                <a:cs typeface="Arial" panose="020B0604020202020204" pitchFamily="34" charset="0"/>
+              </a:rPr>
+              <a:t> </a:t>
+            </a:r>
+            <a:r>
+              <a:rPr lang="en-US" sz="2400" dirty="0" err="1">
+                <a:latin typeface="Arial" panose="020B0604020202020204" pitchFamily="34" charset="0"/>
+                <a:cs typeface="Arial" panose="020B0604020202020204" pitchFamily="34" charset="0"/>
+              </a:rPr>
+              <a:t>tiếng</a:t>
+            </a:r>
+            <a:r>
+              <a:rPr lang="en-US" sz="2400" dirty="0">
+                <a:latin typeface="Arial" panose="020B0604020202020204" pitchFamily="34" charset="0"/>
+                <a:cs typeface="Arial" panose="020B0604020202020204" pitchFamily="34" charset="0"/>
+              </a:rPr>
+              <a:t> </a:t>
+            </a:r>
+            <a:r>
+              <a:rPr lang="en-US" sz="2400" dirty="0" err="1">
+                <a:latin typeface="Arial" panose="020B0604020202020204" pitchFamily="34" charset="0"/>
+                <a:cs typeface="Arial" panose="020B0604020202020204" pitchFamily="34" charset="0"/>
+              </a:rPr>
+              <a:t>nói</a:t>
+            </a:r>
+            <a:r>
+              <a:rPr lang="en-US" sz="2400" dirty="0">
+                <a:latin typeface="Arial" panose="020B0604020202020204" pitchFamily="34" charset="0"/>
+                <a:cs typeface="Arial" panose="020B0604020202020204" pitchFamily="34" charset="0"/>
+              </a:rPr>
+              <a:t>, </a:t>
+            </a:r>
+            <a:r>
+              <a:rPr lang="en-US" sz="2400" dirty="0" err="1">
+                <a:latin typeface="Arial" panose="020B0604020202020204" pitchFamily="34" charset="0"/>
+                <a:cs typeface="Arial" panose="020B0604020202020204" pitchFamily="34" charset="0"/>
+              </a:rPr>
+              <a:t>trong</a:t>
+            </a:r>
+            <a:r>
+              <a:rPr lang="en-US" sz="2400" dirty="0">
+                <a:latin typeface="Arial" panose="020B0604020202020204" pitchFamily="34" charset="0"/>
+                <a:cs typeface="Arial" panose="020B0604020202020204" pitchFamily="34" charset="0"/>
+              </a:rPr>
+              <a:t> </a:t>
+            </a:r>
+            <a:r>
+              <a:rPr lang="en-US" sz="2400" dirty="0" err="1">
+                <a:latin typeface="Arial" panose="020B0604020202020204" pitchFamily="34" charset="0"/>
+                <a:cs typeface="Arial" panose="020B0604020202020204" pitchFamily="34" charset="0"/>
+              </a:rPr>
+              <a:t>đó</a:t>
+            </a:r>
+            <a:r>
+              <a:rPr lang="en-US" sz="2400" dirty="0">
+                <a:latin typeface="Arial" panose="020B0604020202020204" pitchFamily="34" charset="0"/>
+                <a:cs typeface="Arial" panose="020B0604020202020204" pitchFamily="34" charset="0"/>
+              </a:rPr>
+              <a:t> </a:t>
+            </a:r>
+            <a:r>
+              <a:rPr lang="en-US" sz="2400" dirty="0" err="1">
+                <a:latin typeface="Arial" panose="020B0604020202020204" pitchFamily="34" charset="0"/>
+                <a:cs typeface="Arial" panose="020B0604020202020204" pitchFamily="34" charset="0"/>
+              </a:rPr>
+              <a:t>nó</a:t>
+            </a:r>
+            <a:r>
+              <a:rPr lang="en-US" sz="2400" dirty="0">
+                <a:latin typeface="Arial" panose="020B0604020202020204" pitchFamily="34" charset="0"/>
+                <a:cs typeface="Arial" panose="020B0604020202020204" pitchFamily="34" charset="0"/>
+              </a:rPr>
+              <a:t> </a:t>
+            </a:r>
+            <a:r>
+              <a:rPr lang="en-US" sz="2400" dirty="0" err="1">
+                <a:latin typeface="Arial" panose="020B0604020202020204" pitchFamily="34" charset="0"/>
+                <a:cs typeface="Arial" panose="020B0604020202020204" pitchFamily="34" charset="0"/>
+              </a:rPr>
+              <a:t>chuyển</a:t>
+            </a:r>
+            <a:r>
+              <a:rPr lang="en-US" sz="2400" dirty="0">
+                <a:latin typeface="Arial" panose="020B0604020202020204" pitchFamily="34" charset="0"/>
+                <a:cs typeface="Arial" panose="020B0604020202020204" pitchFamily="34" charset="0"/>
+              </a:rPr>
+              <a:t> </a:t>
+            </a:r>
+            <a:r>
+              <a:rPr lang="en-US" sz="2400" dirty="0" err="1">
+                <a:latin typeface="Arial" panose="020B0604020202020204" pitchFamily="34" charset="0"/>
+                <a:cs typeface="Arial" panose="020B0604020202020204" pitchFamily="34" charset="0"/>
+              </a:rPr>
+              <a:t>đổi</a:t>
+            </a:r>
+            <a:r>
+              <a:rPr lang="en-US" sz="2400" dirty="0">
+                <a:latin typeface="Arial" panose="020B0604020202020204" pitchFamily="34" charset="0"/>
+                <a:cs typeface="Arial" panose="020B0604020202020204" pitchFamily="34" charset="0"/>
+              </a:rPr>
+              <a:t> </a:t>
+            </a:r>
+            <a:r>
+              <a:rPr lang="en-US" sz="2400" dirty="0" err="1">
+                <a:latin typeface="Arial" panose="020B0604020202020204" pitchFamily="34" charset="0"/>
+                <a:cs typeface="Arial" panose="020B0604020202020204" pitchFamily="34" charset="0"/>
+              </a:rPr>
+              <a:t>dạng</a:t>
+            </a:r>
+            <a:r>
+              <a:rPr lang="en-US" sz="2400" dirty="0">
+                <a:latin typeface="Arial" panose="020B0604020202020204" pitchFamily="34" charset="0"/>
+                <a:cs typeface="Arial" panose="020B0604020202020204" pitchFamily="34" charset="0"/>
+              </a:rPr>
+              <a:t> </a:t>
+            </a:r>
+            <a:r>
+              <a:rPr lang="en-US" sz="2400" dirty="0" err="1">
+                <a:latin typeface="Arial" panose="020B0604020202020204" pitchFamily="34" charset="0"/>
+                <a:cs typeface="Arial" panose="020B0604020202020204" pitchFamily="34" charset="0"/>
+              </a:rPr>
+              <a:t>sóng</a:t>
+            </a:r>
+            <a:r>
+              <a:rPr lang="en-US" sz="2400" dirty="0">
+                <a:latin typeface="Arial" panose="020B0604020202020204" pitchFamily="34" charset="0"/>
+                <a:cs typeface="Arial" panose="020B0604020202020204" pitchFamily="34" charset="0"/>
+              </a:rPr>
+              <a:t> </a:t>
+            </a:r>
+            <a:r>
+              <a:rPr lang="en-US" sz="2400" dirty="0" err="1">
+                <a:latin typeface="Arial" panose="020B0604020202020204" pitchFamily="34" charset="0"/>
+                <a:cs typeface="Arial" panose="020B0604020202020204" pitchFamily="34" charset="0"/>
+              </a:rPr>
+              <a:t>tín</a:t>
+            </a:r>
+            <a:r>
+              <a:rPr lang="en-US" sz="2400" dirty="0">
+                <a:latin typeface="Arial" panose="020B0604020202020204" pitchFamily="34" charset="0"/>
+                <a:cs typeface="Arial" panose="020B0604020202020204" pitchFamily="34" charset="0"/>
+              </a:rPr>
+              <a:t> </a:t>
+            </a:r>
+            <a:r>
+              <a:rPr lang="en-US" sz="2400" dirty="0" err="1">
+                <a:latin typeface="Arial" panose="020B0604020202020204" pitchFamily="34" charset="0"/>
+                <a:cs typeface="Arial" panose="020B0604020202020204" pitchFamily="34" charset="0"/>
+              </a:rPr>
+              <a:t>hiệu</a:t>
+            </a:r>
+            <a:r>
+              <a:rPr lang="en-US" sz="2400" dirty="0">
+                <a:latin typeface="Arial" panose="020B0604020202020204" pitchFamily="34" charset="0"/>
+                <a:cs typeface="Arial" panose="020B0604020202020204" pitchFamily="34" charset="0"/>
+              </a:rPr>
+              <a:t> </a:t>
+            </a:r>
+            <a:r>
+              <a:rPr lang="en-US" sz="2400" dirty="0" err="1">
+                <a:latin typeface="Arial" panose="020B0604020202020204" pitchFamily="34" charset="0"/>
+                <a:cs typeface="Arial" panose="020B0604020202020204" pitchFamily="34" charset="0"/>
+              </a:rPr>
+              <a:t>tiếng</a:t>
+            </a:r>
+            <a:r>
+              <a:rPr lang="en-US" sz="2400" dirty="0">
+                <a:latin typeface="Arial" panose="020B0604020202020204" pitchFamily="34" charset="0"/>
+                <a:cs typeface="Arial" panose="020B0604020202020204" pitchFamily="34" charset="0"/>
+              </a:rPr>
+              <a:t> </a:t>
+            </a:r>
+            <a:r>
+              <a:rPr lang="en-US" sz="2400" dirty="0" err="1">
+                <a:latin typeface="Arial" panose="020B0604020202020204" pitchFamily="34" charset="0"/>
+                <a:cs typeface="Arial" panose="020B0604020202020204" pitchFamily="34" charset="0"/>
+              </a:rPr>
+              <a:t>nói</a:t>
+            </a:r>
+            <a:r>
+              <a:rPr lang="en-US" sz="2400" dirty="0">
+                <a:latin typeface="Arial" panose="020B0604020202020204" pitchFamily="34" charset="0"/>
+                <a:cs typeface="Arial" panose="020B0604020202020204" pitchFamily="34" charset="0"/>
+              </a:rPr>
+              <a:t> </a:t>
+            </a:r>
+            <a:r>
+              <a:rPr lang="en-US" sz="2400" dirty="0" err="1">
+                <a:latin typeface="Arial" panose="020B0604020202020204" pitchFamily="34" charset="0"/>
+                <a:cs typeface="Arial" panose="020B0604020202020204" pitchFamily="34" charset="0"/>
+              </a:rPr>
+              <a:t>hai</a:t>
+            </a:r>
+            <a:r>
+              <a:rPr lang="en-US" sz="2400" dirty="0">
+                <a:latin typeface="Arial" panose="020B0604020202020204" pitchFamily="34" charset="0"/>
+                <a:cs typeface="Arial" panose="020B0604020202020204" pitchFamily="34" charset="0"/>
+              </a:rPr>
+              <a:t> </a:t>
+            </a:r>
+            <a:r>
+              <a:rPr lang="en-US" sz="2400" dirty="0" err="1">
+                <a:latin typeface="Arial" panose="020B0604020202020204" pitchFamily="34" charset="0"/>
+                <a:cs typeface="Arial" panose="020B0604020202020204" pitchFamily="34" charset="0"/>
+              </a:rPr>
+              <a:t>chiều</a:t>
+            </a:r>
+            <a:r>
+              <a:rPr lang="en-US" sz="2400" dirty="0">
+                <a:latin typeface="Arial" panose="020B0604020202020204" pitchFamily="34" charset="0"/>
+                <a:cs typeface="Arial" panose="020B0604020202020204" pitchFamily="34" charset="0"/>
+              </a:rPr>
+              <a:t> </a:t>
+            </a:r>
+            <a:r>
+              <a:rPr lang="en-US" sz="2400" dirty="0" err="1">
+                <a:latin typeface="Arial" panose="020B0604020202020204" pitchFamily="34" charset="0"/>
+                <a:cs typeface="Arial" panose="020B0604020202020204" pitchFamily="34" charset="0"/>
+              </a:rPr>
+              <a:t>thanh</a:t>
+            </a:r>
+            <a:r>
+              <a:rPr lang="en-US" sz="2400" dirty="0">
+                <a:latin typeface="Arial" panose="020B0604020202020204" pitchFamily="34" charset="0"/>
+                <a:cs typeface="Arial" panose="020B0604020202020204" pitchFamily="34" charset="0"/>
+              </a:rPr>
+              <a:t> </a:t>
+            </a:r>
+            <a:r>
+              <a:rPr lang="en-US" sz="2400" dirty="0" err="1">
+                <a:latin typeface="Arial" panose="020B0604020202020204" pitchFamily="34" charset="0"/>
+                <a:cs typeface="Arial" panose="020B0604020202020204" pitchFamily="34" charset="0"/>
+              </a:rPr>
+              <a:t>cấu</a:t>
+            </a:r>
+            <a:r>
+              <a:rPr lang="en-US" sz="2400" dirty="0">
+                <a:latin typeface="Arial" panose="020B0604020202020204" pitchFamily="34" charset="0"/>
+                <a:cs typeface="Arial" panose="020B0604020202020204" pitchFamily="34" charset="0"/>
+              </a:rPr>
+              <a:t> </a:t>
+            </a:r>
+            <a:r>
+              <a:rPr lang="en-US" sz="2400" dirty="0" err="1">
+                <a:latin typeface="Arial" panose="020B0604020202020204" pitchFamily="34" charset="0"/>
+                <a:cs typeface="Arial" panose="020B0604020202020204" pitchFamily="34" charset="0"/>
+              </a:rPr>
+              <a:t>trúc</a:t>
+            </a:r>
+            <a:r>
+              <a:rPr lang="en-US" sz="2400" dirty="0">
+                <a:latin typeface="Arial" panose="020B0604020202020204" pitchFamily="34" charset="0"/>
+                <a:cs typeface="Arial" panose="020B0604020202020204" pitchFamily="34" charset="0"/>
+              </a:rPr>
+              <a:t> </a:t>
+            </a:r>
+            <a:r>
+              <a:rPr lang="en-US" sz="2400" dirty="0" err="1">
+                <a:latin typeface="Arial" panose="020B0604020202020204" pitchFamily="34" charset="0"/>
+                <a:cs typeface="Arial" panose="020B0604020202020204" pitchFamily="34" charset="0"/>
+              </a:rPr>
+              <a:t>ba</a:t>
+            </a:r>
+            <a:r>
+              <a:rPr lang="en-US" sz="2400" dirty="0">
+                <a:latin typeface="Arial" panose="020B0604020202020204" pitchFamily="34" charset="0"/>
+                <a:cs typeface="Arial" panose="020B0604020202020204" pitchFamily="34" charset="0"/>
+              </a:rPr>
+              <a:t> </a:t>
+            </a:r>
+            <a:r>
+              <a:rPr lang="en-US" sz="2400" dirty="0" err="1">
+                <a:latin typeface="Arial" panose="020B0604020202020204" pitchFamily="34" charset="0"/>
+                <a:cs typeface="Arial" panose="020B0604020202020204" pitchFamily="34" charset="0"/>
+              </a:rPr>
+              <a:t>chiều</a:t>
+            </a:r>
+            <a:r>
+              <a:rPr lang="en-US" sz="2400" dirty="0">
+                <a:latin typeface="Arial" panose="020B0604020202020204" pitchFamily="34" charset="0"/>
+                <a:cs typeface="Arial" panose="020B0604020202020204" pitchFamily="34" charset="0"/>
+              </a:rPr>
+              <a:t> (</a:t>
+            </a:r>
+            <a:r>
+              <a:rPr lang="en-US" sz="2400" dirty="0" err="1">
+                <a:latin typeface="Arial" panose="020B0604020202020204" pitchFamily="34" charset="0"/>
+                <a:cs typeface="Arial" panose="020B0604020202020204" pitchFamily="34" charset="0"/>
+              </a:rPr>
+              <a:t>biên</a:t>
+            </a:r>
+            <a:r>
+              <a:rPr lang="en-US" sz="2400" dirty="0">
+                <a:latin typeface="Arial" panose="020B0604020202020204" pitchFamily="34" charset="0"/>
+                <a:cs typeface="Arial" panose="020B0604020202020204" pitchFamily="34" charset="0"/>
+              </a:rPr>
+              <a:t> </a:t>
+            </a:r>
+            <a:r>
+              <a:rPr lang="en-US" sz="2400" dirty="0" err="1">
+                <a:latin typeface="Arial" panose="020B0604020202020204" pitchFamily="34" charset="0"/>
+                <a:cs typeface="Arial" panose="020B0604020202020204" pitchFamily="34" charset="0"/>
+              </a:rPr>
+              <a:t>độ</a:t>
+            </a:r>
+            <a:r>
+              <a:rPr lang="en-US" sz="2400" dirty="0">
+                <a:latin typeface="Arial" panose="020B0604020202020204" pitchFamily="34" charset="0"/>
+                <a:cs typeface="Arial" panose="020B0604020202020204" pitchFamily="34" charset="0"/>
+              </a:rPr>
+              <a:t>/</a:t>
+            </a:r>
+            <a:r>
+              <a:rPr lang="en-US" sz="2400" dirty="0" err="1">
+                <a:latin typeface="Arial" panose="020B0604020202020204" pitchFamily="34" charset="0"/>
+                <a:cs typeface="Arial" panose="020B0604020202020204" pitchFamily="34" charset="0"/>
+              </a:rPr>
+              <a:t>tần</a:t>
+            </a:r>
+            <a:r>
+              <a:rPr lang="en-US" sz="2400" dirty="0">
+                <a:latin typeface="Arial" panose="020B0604020202020204" pitchFamily="34" charset="0"/>
+                <a:cs typeface="Arial" panose="020B0604020202020204" pitchFamily="34" charset="0"/>
+              </a:rPr>
+              <a:t> </a:t>
+            </a:r>
+            <a:r>
+              <a:rPr lang="en-US" sz="2400" dirty="0" err="1">
+                <a:latin typeface="Arial" panose="020B0604020202020204" pitchFamily="34" charset="0"/>
+                <a:cs typeface="Arial" panose="020B0604020202020204" pitchFamily="34" charset="0"/>
+              </a:rPr>
+              <a:t>số</a:t>
+            </a:r>
+            <a:r>
+              <a:rPr lang="en-US" sz="2400" dirty="0">
+                <a:latin typeface="Arial" panose="020B0604020202020204" pitchFamily="34" charset="0"/>
+                <a:cs typeface="Arial" panose="020B0604020202020204" pitchFamily="34" charset="0"/>
+              </a:rPr>
+              <a:t>/</a:t>
+            </a:r>
+            <a:r>
+              <a:rPr lang="en-US" sz="2400" dirty="0" err="1">
+                <a:latin typeface="Arial" panose="020B0604020202020204" pitchFamily="34" charset="0"/>
+                <a:cs typeface="Arial" panose="020B0604020202020204" pitchFamily="34" charset="0"/>
+              </a:rPr>
+              <a:t>thời</a:t>
+            </a:r>
+            <a:r>
+              <a:rPr lang="en-US" sz="2400" dirty="0">
+                <a:latin typeface="Arial" panose="020B0604020202020204" pitchFamily="34" charset="0"/>
+                <a:cs typeface="Arial" panose="020B0604020202020204" pitchFamily="34" charset="0"/>
+              </a:rPr>
+              <a:t> </a:t>
+            </a:r>
+            <a:r>
+              <a:rPr lang="en-US" sz="2400" dirty="0" err="1">
+                <a:latin typeface="Arial" panose="020B0604020202020204" pitchFamily="34" charset="0"/>
+                <a:cs typeface="Arial" panose="020B0604020202020204" pitchFamily="34" charset="0"/>
+              </a:rPr>
+              <a:t>gian</a:t>
+            </a:r>
+            <a:r>
+              <a:rPr lang="en-US" sz="2400" dirty="0">
+                <a:latin typeface="Arial" panose="020B0604020202020204" pitchFamily="34" charset="0"/>
+                <a:cs typeface="Arial" panose="020B0604020202020204" pitchFamily="34" charset="0"/>
+              </a:rPr>
+              <a:t>). </a:t>
+            </a:r>
+            <a:endParaRPr lang="en-US" sz="2400" dirty="0" smtClean="0">
+              <a:latin typeface="Arial" panose="020B0604020202020204" pitchFamily="34" charset="0"/>
+              <a:cs typeface="Arial" panose="020B0604020202020204" pitchFamily="34" charset="0"/>
+            </a:endParaRPr>
+          </a:p>
+          <a:p>
+            <a:pPr lvl="1" algn="just">
+              <a:buFont typeface="Wingdings" panose="05000000000000000000" pitchFamily="2" charset="2"/>
+              <a:buChar char="ü"/>
+            </a:pPr>
+            <a:r>
+              <a:rPr lang="en-US" sz="2400" dirty="0" err="1">
+                <a:latin typeface="Arial" panose="020B0604020202020204" pitchFamily="34" charset="0"/>
+                <a:cs typeface="Arial" panose="020B0604020202020204" pitchFamily="34" charset="0"/>
+              </a:rPr>
+              <a:t>Lược</a:t>
+            </a:r>
+            <a:r>
+              <a:rPr lang="en-US" sz="2400" dirty="0">
+                <a:latin typeface="Arial" panose="020B0604020202020204" pitchFamily="34" charset="0"/>
+                <a:cs typeface="Arial" panose="020B0604020202020204" pitchFamily="34" charset="0"/>
+              </a:rPr>
+              <a:t> </a:t>
+            </a:r>
+            <a:r>
+              <a:rPr lang="en-US" sz="2400" dirty="0" err="1">
+                <a:latin typeface="Arial" panose="020B0604020202020204" pitchFamily="34" charset="0"/>
+                <a:cs typeface="Arial" panose="020B0604020202020204" pitchFamily="34" charset="0"/>
+              </a:rPr>
+              <a:t>đồ</a:t>
+            </a:r>
+            <a:r>
+              <a:rPr lang="en-US" sz="2400" dirty="0">
+                <a:latin typeface="Arial" panose="020B0604020202020204" pitchFamily="34" charset="0"/>
+                <a:cs typeface="Arial" panose="020B0604020202020204" pitchFamily="34" charset="0"/>
+              </a:rPr>
+              <a:t> spectrogram </a:t>
+            </a:r>
+            <a:r>
+              <a:rPr lang="en-US" sz="2400" dirty="0" err="1">
+                <a:latin typeface="Arial" panose="020B0604020202020204" pitchFamily="34" charset="0"/>
+                <a:cs typeface="Arial" panose="020B0604020202020204" pitchFamily="34" charset="0"/>
+              </a:rPr>
+              <a:t>chỉ</a:t>
+            </a:r>
+            <a:r>
+              <a:rPr lang="en-US" sz="2400" dirty="0">
+                <a:latin typeface="Arial" panose="020B0604020202020204" pitchFamily="34" charset="0"/>
+                <a:cs typeface="Arial" panose="020B0604020202020204" pitchFamily="34" charset="0"/>
+              </a:rPr>
+              <a:t> </a:t>
+            </a:r>
+            <a:r>
+              <a:rPr lang="en-US" sz="2400" dirty="0" err="1">
+                <a:latin typeface="Arial" panose="020B0604020202020204" pitchFamily="34" charset="0"/>
+                <a:cs typeface="Arial" panose="020B0604020202020204" pitchFamily="34" charset="0"/>
+              </a:rPr>
+              <a:t>diễn</a:t>
+            </a:r>
+            <a:r>
+              <a:rPr lang="en-US" sz="2400" dirty="0">
+                <a:latin typeface="Arial" panose="020B0604020202020204" pitchFamily="34" charset="0"/>
+                <a:cs typeface="Arial" panose="020B0604020202020204" pitchFamily="34" charset="0"/>
+              </a:rPr>
+              <a:t> </a:t>
+            </a:r>
+            <a:r>
+              <a:rPr lang="en-US" sz="2400" dirty="0" err="1">
+                <a:latin typeface="Arial" panose="020B0604020202020204" pitchFamily="34" charset="0"/>
+                <a:cs typeface="Arial" panose="020B0604020202020204" pitchFamily="34" charset="0"/>
+              </a:rPr>
+              <a:t>tả</a:t>
+            </a:r>
+            <a:r>
+              <a:rPr lang="en-US" sz="2400" dirty="0">
+                <a:latin typeface="Arial" panose="020B0604020202020204" pitchFamily="34" charset="0"/>
+                <a:cs typeface="Arial" panose="020B0604020202020204" pitchFamily="34" charset="0"/>
+              </a:rPr>
+              <a:t> </a:t>
+            </a:r>
+            <a:r>
+              <a:rPr lang="en-US" sz="2400" dirty="0" err="1">
+                <a:latin typeface="Arial" panose="020B0604020202020204" pitchFamily="34" charset="0"/>
+                <a:cs typeface="Arial" panose="020B0604020202020204" pitchFamily="34" charset="0"/>
+              </a:rPr>
+              <a:t>biên</a:t>
+            </a:r>
+            <a:r>
+              <a:rPr lang="en-US" sz="2400" dirty="0">
+                <a:latin typeface="Arial" panose="020B0604020202020204" pitchFamily="34" charset="0"/>
+                <a:cs typeface="Arial" panose="020B0604020202020204" pitchFamily="34" charset="0"/>
+              </a:rPr>
+              <a:t> </a:t>
+            </a:r>
+            <a:r>
+              <a:rPr lang="en-US" sz="2400" dirty="0" err="1">
+                <a:latin typeface="Arial" panose="020B0604020202020204" pitchFamily="34" charset="0"/>
+                <a:cs typeface="Arial" panose="020B0604020202020204" pitchFamily="34" charset="0"/>
+              </a:rPr>
+              <a:t>độ</a:t>
+            </a:r>
+            <a:r>
+              <a:rPr lang="en-US" sz="2400" dirty="0">
+                <a:latin typeface="Arial" panose="020B0604020202020204" pitchFamily="34" charset="0"/>
+                <a:cs typeface="Arial" panose="020B0604020202020204" pitchFamily="34" charset="0"/>
+              </a:rPr>
+              <a:t> </a:t>
+            </a:r>
+            <a:r>
+              <a:rPr lang="en-US" sz="2400" dirty="0" err="1">
+                <a:latin typeface="Arial" panose="020B0604020202020204" pitchFamily="34" charset="0"/>
+                <a:cs typeface="Arial" panose="020B0604020202020204" pitchFamily="34" charset="0"/>
+              </a:rPr>
+              <a:t>phổ</a:t>
+            </a:r>
+            <a:r>
+              <a:rPr lang="en-US" sz="2400" dirty="0">
+                <a:latin typeface="Arial" panose="020B0604020202020204" pitchFamily="34" charset="0"/>
+                <a:cs typeface="Arial" panose="020B0604020202020204" pitchFamily="34" charset="0"/>
+              </a:rPr>
+              <a:t> </a:t>
+            </a:r>
+            <a:r>
+              <a:rPr lang="en-US" sz="2400" dirty="0" err="1">
+                <a:latin typeface="Arial" panose="020B0604020202020204" pitchFamily="34" charset="0"/>
+                <a:cs typeface="Arial" panose="020B0604020202020204" pitchFamily="34" charset="0"/>
+              </a:rPr>
+              <a:t>của</a:t>
+            </a:r>
+            <a:r>
+              <a:rPr lang="en-US" sz="2400" dirty="0">
+                <a:latin typeface="Arial" panose="020B0604020202020204" pitchFamily="34" charset="0"/>
+                <a:cs typeface="Arial" panose="020B0604020202020204" pitchFamily="34" charset="0"/>
+              </a:rPr>
+              <a:t> </a:t>
+            </a:r>
+            <a:r>
+              <a:rPr lang="en-US" sz="2400" dirty="0" err="1">
+                <a:latin typeface="Arial" panose="020B0604020202020204" pitchFamily="34" charset="0"/>
+                <a:cs typeface="Arial" panose="020B0604020202020204" pitchFamily="34" charset="0"/>
+              </a:rPr>
+              <a:t>tín</a:t>
+            </a:r>
+            <a:r>
+              <a:rPr lang="en-US" sz="2400" dirty="0">
+                <a:latin typeface="Arial" panose="020B0604020202020204" pitchFamily="34" charset="0"/>
+                <a:cs typeface="Arial" panose="020B0604020202020204" pitchFamily="34" charset="0"/>
+              </a:rPr>
+              <a:t> </a:t>
+            </a:r>
+            <a:r>
+              <a:rPr lang="en-US" sz="2400" dirty="0" err="1">
+                <a:latin typeface="Arial" panose="020B0604020202020204" pitchFamily="34" charset="0"/>
+                <a:cs typeface="Arial" panose="020B0604020202020204" pitchFamily="34" charset="0"/>
+              </a:rPr>
+              <a:t>hiệu</a:t>
+            </a:r>
+            <a:r>
+              <a:rPr lang="en-US" sz="2400" dirty="0">
+                <a:latin typeface="Arial" panose="020B0604020202020204" pitchFamily="34" charset="0"/>
+                <a:cs typeface="Arial" panose="020B0604020202020204" pitchFamily="34" charset="0"/>
+              </a:rPr>
+              <a:t> </a:t>
+            </a:r>
+            <a:r>
+              <a:rPr lang="en-US" sz="2400" dirty="0" err="1">
+                <a:latin typeface="Arial" panose="020B0604020202020204" pitchFamily="34" charset="0"/>
+                <a:cs typeface="Arial" panose="020B0604020202020204" pitchFamily="34" charset="0"/>
+              </a:rPr>
+              <a:t>mà</a:t>
+            </a:r>
+            <a:r>
+              <a:rPr lang="en-US" sz="2400" dirty="0">
+                <a:latin typeface="Arial" panose="020B0604020202020204" pitchFamily="34" charset="0"/>
+                <a:cs typeface="Arial" panose="020B0604020202020204" pitchFamily="34" charset="0"/>
+              </a:rPr>
+              <a:t> </a:t>
+            </a:r>
+            <a:r>
+              <a:rPr lang="en-US" sz="2400" dirty="0" err="1">
+                <a:latin typeface="Arial" panose="020B0604020202020204" pitchFamily="34" charset="0"/>
+                <a:cs typeface="Arial" panose="020B0604020202020204" pitchFamily="34" charset="0"/>
+              </a:rPr>
+              <a:t>bỏ</a:t>
+            </a:r>
+            <a:r>
+              <a:rPr lang="en-US" sz="2400" dirty="0">
+                <a:latin typeface="Arial" panose="020B0604020202020204" pitchFamily="34" charset="0"/>
+                <a:cs typeface="Arial" panose="020B0604020202020204" pitchFamily="34" charset="0"/>
+              </a:rPr>
+              <a:t> qua </a:t>
+            </a:r>
+            <a:r>
+              <a:rPr lang="en-US" sz="2400" dirty="0" err="1">
+                <a:latin typeface="Arial" panose="020B0604020202020204" pitchFamily="34" charset="0"/>
+                <a:cs typeface="Arial" panose="020B0604020202020204" pitchFamily="34" charset="0"/>
+              </a:rPr>
+              <a:t>các</a:t>
+            </a:r>
+            <a:r>
+              <a:rPr lang="en-US" sz="2400" dirty="0">
+                <a:latin typeface="Arial" panose="020B0604020202020204" pitchFamily="34" charset="0"/>
+                <a:cs typeface="Arial" panose="020B0604020202020204" pitchFamily="34" charset="0"/>
+              </a:rPr>
+              <a:t> </a:t>
+            </a:r>
+            <a:r>
+              <a:rPr lang="en-US" sz="2400" dirty="0" err="1">
+                <a:latin typeface="Arial" panose="020B0604020202020204" pitchFamily="34" charset="0"/>
+                <a:cs typeface="Arial" panose="020B0604020202020204" pitchFamily="34" charset="0"/>
+              </a:rPr>
+              <a:t>thông</a:t>
+            </a:r>
+            <a:r>
+              <a:rPr lang="en-US" sz="2400" dirty="0">
+                <a:latin typeface="Arial" panose="020B0604020202020204" pitchFamily="34" charset="0"/>
+                <a:cs typeface="Arial" panose="020B0604020202020204" pitchFamily="34" charset="0"/>
+              </a:rPr>
+              <a:t> tin </a:t>
+            </a:r>
+            <a:r>
+              <a:rPr lang="en-US" sz="2400" dirty="0" err="1">
+                <a:latin typeface="Arial" panose="020B0604020202020204" pitchFamily="34" charset="0"/>
+                <a:cs typeface="Arial" panose="020B0604020202020204" pitchFamily="34" charset="0"/>
+              </a:rPr>
+              <a:t>về</a:t>
+            </a:r>
+            <a:r>
+              <a:rPr lang="en-US" sz="2400" dirty="0">
+                <a:latin typeface="Arial" panose="020B0604020202020204" pitchFamily="34" charset="0"/>
+                <a:cs typeface="Arial" panose="020B0604020202020204" pitchFamily="34" charset="0"/>
+              </a:rPr>
+              <a:t> </a:t>
+            </a:r>
+            <a:r>
+              <a:rPr lang="en-US" sz="2400" dirty="0" err="1">
+                <a:latin typeface="Arial" panose="020B0604020202020204" pitchFamily="34" charset="0"/>
+                <a:cs typeface="Arial" panose="020B0604020202020204" pitchFamily="34" charset="0"/>
+              </a:rPr>
+              <a:t>pha</a:t>
+            </a:r>
+            <a:r>
+              <a:rPr lang="en-US" sz="2400" dirty="0">
+                <a:latin typeface="Arial" panose="020B0604020202020204" pitchFamily="34" charset="0"/>
+                <a:cs typeface="Arial" panose="020B0604020202020204" pitchFamily="34" charset="0"/>
+              </a:rPr>
+              <a:t> </a:t>
+            </a:r>
+            <a:r>
+              <a:rPr lang="en-US" sz="2400" dirty="0" err="1">
+                <a:latin typeface="Arial" panose="020B0604020202020204" pitchFamily="34" charset="0"/>
+                <a:cs typeface="Arial" panose="020B0604020202020204" pitchFamily="34" charset="0"/>
+              </a:rPr>
+              <a:t>bởi</a:t>
+            </a:r>
+            <a:r>
+              <a:rPr lang="en-US" sz="2400" dirty="0">
+                <a:latin typeface="Arial" panose="020B0604020202020204" pitchFamily="34" charset="0"/>
+                <a:cs typeface="Arial" panose="020B0604020202020204" pitchFamily="34" charset="0"/>
+              </a:rPr>
+              <a:t> </a:t>
+            </a:r>
+            <a:r>
+              <a:rPr lang="en-US" sz="2400" dirty="0" err="1">
+                <a:latin typeface="Arial" panose="020B0604020202020204" pitchFamily="34" charset="0"/>
+                <a:cs typeface="Arial" panose="020B0604020202020204" pitchFamily="34" charset="0"/>
+              </a:rPr>
+              <a:t>vì</a:t>
+            </a:r>
+            <a:r>
+              <a:rPr lang="en-US" sz="2400" dirty="0">
+                <a:latin typeface="Arial" panose="020B0604020202020204" pitchFamily="34" charset="0"/>
+                <a:cs typeface="Arial" panose="020B0604020202020204" pitchFamily="34" charset="0"/>
+              </a:rPr>
+              <a:t> </a:t>
+            </a:r>
+            <a:r>
+              <a:rPr lang="en-US" sz="2400" dirty="0" err="1">
+                <a:latin typeface="Arial" panose="020B0604020202020204" pitchFamily="34" charset="0"/>
+                <a:cs typeface="Arial" panose="020B0604020202020204" pitchFamily="34" charset="0"/>
+              </a:rPr>
+              <a:t>các</a:t>
+            </a:r>
+            <a:r>
+              <a:rPr lang="en-US" sz="2400" dirty="0">
+                <a:latin typeface="Arial" panose="020B0604020202020204" pitchFamily="34" charset="0"/>
+                <a:cs typeface="Arial" panose="020B0604020202020204" pitchFamily="34" charset="0"/>
+              </a:rPr>
+              <a:t> </a:t>
+            </a:r>
+            <a:r>
+              <a:rPr lang="en-US" sz="2400" dirty="0" err="1">
+                <a:latin typeface="Arial" panose="020B0604020202020204" pitchFamily="34" charset="0"/>
+                <a:cs typeface="Arial" panose="020B0604020202020204" pitchFamily="34" charset="0"/>
+              </a:rPr>
+              <a:t>thông</a:t>
+            </a:r>
+            <a:r>
+              <a:rPr lang="en-US" sz="2400" dirty="0">
+                <a:latin typeface="Arial" panose="020B0604020202020204" pitchFamily="34" charset="0"/>
+                <a:cs typeface="Arial" panose="020B0604020202020204" pitchFamily="34" charset="0"/>
+              </a:rPr>
+              <a:t> tin </a:t>
+            </a:r>
+            <a:r>
+              <a:rPr lang="en-US" sz="2400" dirty="0" err="1">
+                <a:latin typeface="Arial" panose="020B0604020202020204" pitchFamily="34" charset="0"/>
+                <a:cs typeface="Arial" panose="020B0604020202020204" pitchFamily="34" charset="0"/>
+              </a:rPr>
+              <a:t>về</a:t>
+            </a:r>
+            <a:r>
+              <a:rPr lang="en-US" sz="2400" dirty="0">
+                <a:latin typeface="Arial" panose="020B0604020202020204" pitchFamily="34" charset="0"/>
+                <a:cs typeface="Arial" panose="020B0604020202020204" pitchFamily="34" charset="0"/>
+              </a:rPr>
+              <a:t> </a:t>
+            </a:r>
+            <a:r>
+              <a:rPr lang="en-US" sz="2400" dirty="0" err="1">
+                <a:latin typeface="Arial" panose="020B0604020202020204" pitchFamily="34" charset="0"/>
+                <a:cs typeface="Arial" panose="020B0604020202020204" pitchFamily="34" charset="0"/>
+              </a:rPr>
+              <a:t>pha</a:t>
+            </a:r>
+            <a:r>
+              <a:rPr lang="en-US" sz="2400" dirty="0">
+                <a:latin typeface="Arial" panose="020B0604020202020204" pitchFamily="34" charset="0"/>
+                <a:cs typeface="Arial" panose="020B0604020202020204" pitchFamily="34" charset="0"/>
+              </a:rPr>
+              <a:t> </a:t>
+            </a:r>
+            <a:r>
+              <a:rPr lang="en-US" sz="2400" dirty="0" err="1">
+                <a:latin typeface="Arial" panose="020B0604020202020204" pitchFamily="34" charset="0"/>
+                <a:cs typeface="Arial" panose="020B0604020202020204" pitchFamily="34" charset="0"/>
+              </a:rPr>
+              <a:t>được</a:t>
+            </a:r>
+            <a:r>
+              <a:rPr lang="en-US" sz="2400" dirty="0">
+                <a:latin typeface="Arial" panose="020B0604020202020204" pitchFamily="34" charset="0"/>
+                <a:cs typeface="Arial" panose="020B0604020202020204" pitchFamily="34" charset="0"/>
+              </a:rPr>
+              <a:t> </a:t>
+            </a:r>
+            <a:r>
+              <a:rPr lang="en-US" sz="2400" dirty="0" err="1">
+                <a:latin typeface="Arial" panose="020B0604020202020204" pitchFamily="34" charset="0"/>
+                <a:cs typeface="Arial" panose="020B0604020202020204" pitchFamily="34" charset="0"/>
+              </a:rPr>
+              <a:t>cho</a:t>
+            </a:r>
+            <a:r>
+              <a:rPr lang="en-US" sz="2400" dirty="0">
+                <a:latin typeface="Arial" panose="020B0604020202020204" pitchFamily="34" charset="0"/>
+                <a:cs typeface="Arial" panose="020B0604020202020204" pitchFamily="34" charset="0"/>
+              </a:rPr>
+              <a:t> </a:t>
+            </a:r>
+            <a:r>
+              <a:rPr lang="en-US" sz="2400" dirty="0" err="1">
+                <a:latin typeface="Arial" panose="020B0604020202020204" pitchFamily="34" charset="0"/>
+                <a:cs typeface="Arial" panose="020B0604020202020204" pitchFamily="34" charset="0"/>
+              </a:rPr>
+              <a:t>rằng</a:t>
+            </a:r>
+            <a:r>
+              <a:rPr lang="en-US" sz="2400" dirty="0">
+                <a:latin typeface="Arial" panose="020B0604020202020204" pitchFamily="34" charset="0"/>
+                <a:cs typeface="Arial" panose="020B0604020202020204" pitchFamily="34" charset="0"/>
+              </a:rPr>
+              <a:t> </a:t>
+            </a:r>
+            <a:r>
+              <a:rPr lang="en-US" sz="2400" dirty="0" err="1">
+                <a:latin typeface="Arial" panose="020B0604020202020204" pitchFamily="34" charset="0"/>
+                <a:cs typeface="Arial" panose="020B0604020202020204" pitchFamily="34" charset="0"/>
+              </a:rPr>
+              <a:t>không</a:t>
+            </a:r>
+            <a:r>
+              <a:rPr lang="en-US" sz="2400" dirty="0">
+                <a:latin typeface="Arial" panose="020B0604020202020204" pitchFamily="34" charset="0"/>
+                <a:cs typeface="Arial" panose="020B0604020202020204" pitchFamily="34" charset="0"/>
+              </a:rPr>
+              <a:t> </a:t>
+            </a:r>
+            <a:r>
+              <a:rPr lang="en-US" sz="2400" dirty="0" err="1">
+                <a:latin typeface="Arial" panose="020B0604020202020204" pitchFamily="34" charset="0"/>
+                <a:cs typeface="Arial" panose="020B0604020202020204" pitchFamily="34" charset="0"/>
+              </a:rPr>
+              <a:t>có</a:t>
+            </a:r>
+            <a:r>
+              <a:rPr lang="en-US" sz="2400" dirty="0">
+                <a:latin typeface="Arial" panose="020B0604020202020204" pitchFamily="34" charset="0"/>
+                <a:cs typeface="Arial" panose="020B0604020202020204" pitchFamily="34" charset="0"/>
+              </a:rPr>
+              <a:t> </a:t>
+            </a:r>
+            <a:r>
+              <a:rPr lang="en-US" sz="2400" dirty="0" err="1">
+                <a:latin typeface="Arial" panose="020B0604020202020204" pitchFamily="34" charset="0"/>
+                <a:cs typeface="Arial" panose="020B0604020202020204" pitchFamily="34" charset="0"/>
+              </a:rPr>
+              <a:t>vai</a:t>
+            </a:r>
+            <a:r>
+              <a:rPr lang="en-US" sz="2400" dirty="0">
+                <a:latin typeface="Arial" panose="020B0604020202020204" pitchFamily="34" charset="0"/>
+                <a:cs typeface="Arial" panose="020B0604020202020204" pitchFamily="34" charset="0"/>
+              </a:rPr>
+              <a:t> </a:t>
+            </a:r>
+            <a:r>
+              <a:rPr lang="en-US" sz="2400" dirty="0" err="1">
+                <a:latin typeface="Arial" panose="020B0604020202020204" pitchFamily="34" charset="0"/>
+                <a:cs typeface="Arial" panose="020B0604020202020204" pitchFamily="34" charset="0"/>
+              </a:rPr>
+              <a:t>trò</a:t>
+            </a:r>
+            <a:r>
+              <a:rPr lang="en-US" sz="2400" dirty="0">
+                <a:latin typeface="Arial" panose="020B0604020202020204" pitchFamily="34" charset="0"/>
+                <a:cs typeface="Arial" panose="020B0604020202020204" pitchFamily="34" charset="0"/>
+              </a:rPr>
+              <a:t> </a:t>
+            </a:r>
+            <a:r>
+              <a:rPr lang="en-US" sz="2400" dirty="0" err="1">
+                <a:latin typeface="Arial" panose="020B0604020202020204" pitchFamily="34" charset="0"/>
+                <a:cs typeface="Arial" panose="020B0604020202020204" pitchFamily="34" charset="0"/>
+              </a:rPr>
+              <a:t>quan</a:t>
+            </a:r>
+            <a:r>
+              <a:rPr lang="en-US" sz="2400" dirty="0">
+                <a:latin typeface="Arial" panose="020B0604020202020204" pitchFamily="34" charset="0"/>
+                <a:cs typeface="Arial" panose="020B0604020202020204" pitchFamily="34" charset="0"/>
+              </a:rPr>
+              <a:t> </a:t>
+            </a:r>
+            <a:r>
+              <a:rPr lang="en-US" sz="2400" dirty="0" err="1">
+                <a:latin typeface="Arial" panose="020B0604020202020204" pitchFamily="34" charset="0"/>
+                <a:cs typeface="Arial" panose="020B0604020202020204" pitchFamily="34" charset="0"/>
+              </a:rPr>
+              <a:t>trọng</a:t>
+            </a:r>
+            <a:r>
+              <a:rPr lang="en-US" sz="2400" dirty="0">
+                <a:latin typeface="Arial" panose="020B0604020202020204" pitchFamily="34" charset="0"/>
+                <a:cs typeface="Arial" panose="020B0604020202020204" pitchFamily="34" charset="0"/>
+              </a:rPr>
+              <a:t> </a:t>
+            </a:r>
+            <a:r>
+              <a:rPr lang="en-US" sz="2400" dirty="0" err="1">
+                <a:latin typeface="Arial" panose="020B0604020202020204" pitchFamily="34" charset="0"/>
+                <a:cs typeface="Arial" panose="020B0604020202020204" pitchFamily="34" charset="0"/>
+              </a:rPr>
+              <a:t>trong</a:t>
+            </a:r>
+            <a:r>
+              <a:rPr lang="en-US" sz="2400" dirty="0">
+                <a:latin typeface="Arial" panose="020B0604020202020204" pitchFamily="34" charset="0"/>
+                <a:cs typeface="Arial" panose="020B0604020202020204" pitchFamily="34" charset="0"/>
+              </a:rPr>
+              <a:t> </a:t>
+            </a:r>
+            <a:r>
+              <a:rPr lang="en-US" sz="2400" dirty="0" err="1">
+                <a:latin typeface="Arial" panose="020B0604020202020204" pitchFamily="34" charset="0"/>
+                <a:cs typeface="Arial" panose="020B0604020202020204" pitchFamily="34" charset="0"/>
+              </a:rPr>
+              <a:t>hầu</a:t>
+            </a:r>
+            <a:r>
+              <a:rPr lang="en-US" sz="2400" dirty="0">
+                <a:latin typeface="Arial" panose="020B0604020202020204" pitchFamily="34" charset="0"/>
+                <a:cs typeface="Arial" panose="020B0604020202020204" pitchFamily="34" charset="0"/>
+              </a:rPr>
+              <a:t> </a:t>
+            </a:r>
+            <a:r>
+              <a:rPr lang="en-US" sz="2400" dirty="0" err="1">
+                <a:latin typeface="Arial" panose="020B0604020202020204" pitchFamily="34" charset="0"/>
+                <a:cs typeface="Arial" panose="020B0604020202020204" pitchFamily="34" charset="0"/>
+              </a:rPr>
+              <a:t>hết</a:t>
+            </a:r>
+            <a:r>
+              <a:rPr lang="en-US" sz="2400" dirty="0">
+                <a:latin typeface="Arial" panose="020B0604020202020204" pitchFamily="34" charset="0"/>
+                <a:cs typeface="Arial" panose="020B0604020202020204" pitchFamily="34" charset="0"/>
+              </a:rPr>
+              <a:t> </a:t>
+            </a:r>
+            <a:r>
+              <a:rPr lang="en-US" sz="2400" dirty="0" err="1">
+                <a:latin typeface="Arial" panose="020B0604020202020204" pitchFamily="34" charset="0"/>
+                <a:cs typeface="Arial" panose="020B0604020202020204" pitchFamily="34" charset="0"/>
+              </a:rPr>
+              <a:t>các</a:t>
+            </a:r>
+            <a:r>
+              <a:rPr lang="en-US" sz="2400" dirty="0">
+                <a:latin typeface="Arial" panose="020B0604020202020204" pitchFamily="34" charset="0"/>
+                <a:cs typeface="Arial" panose="020B0604020202020204" pitchFamily="34" charset="0"/>
+              </a:rPr>
+              <a:t> </a:t>
+            </a:r>
+            <a:r>
+              <a:rPr lang="en-US" sz="2400" dirty="0" err="1">
+                <a:latin typeface="Arial" panose="020B0604020202020204" pitchFamily="34" charset="0"/>
+                <a:cs typeface="Arial" panose="020B0604020202020204" pitchFamily="34" charset="0"/>
+              </a:rPr>
+              <a:t>ứng</a:t>
+            </a:r>
+            <a:r>
+              <a:rPr lang="en-US" sz="2400" dirty="0">
+                <a:latin typeface="Arial" panose="020B0604020202020204" pitchFamily="34" charset="0"/>
+                <a:cs typeface="Arial" panose="020B0604020202020204" pitchFamily="34" charset="0"/>
+              </a:rPr>
+              <a:t> </a:t>
+            </a:r>
+            <a:r>
+              <a:rPr lang="en-US" sz="2400" dirty="0" err="1">
+                <a:latin typeface="Arial" panose="020B0604020202020204" pitchFamily="34" charset="0"/>
+                <a:cs typeface="Arial" panose="020B0604020202020204" pitchFamily="34" charset="0"/>
+              </a:rPr>
+              <a:t>dụng</a:t>
+            </a:r>
+            <a:r>
+              <a:rPr lang="en-US" sz="2400" dirty="0">
+                <a:latin typeface="Arial" panose="020B0604020202020204" pitchFamily="34" charset="0"/>
+                <a:cs typeface="Arial" panose="020B0604020202020204" pitchFamily="34" charset="0"/>
+              </a:rPr>
+              <a:t> </a:t>
+            </a:r>
+            <a:r>
+              <a:rPr lang="en-US" sz="2400" dirty="0" err="1">
+                <a:latin typeface="Arial" panose="020B0604020202020204" pitchFamily="34" charset="0"/>
+                <a:cs typeface="Arial" panose="020B0604020202020204" pitchFamily="34" charset="0"/>
+              </a:rPr>
+              <a:t>liên</a:t>
+            </a:r>
+            <a:r>
+              <a:rPr lang="en-US" sz="2400" dirty="0">
+                <a:latin typeface="Arial" panose="020B0604020202020204" pitchFamily="34" charset="0"/>
+                <a:cs typeface="Arial" panose="020B0604020202020204" pitchFamily="34" charset="0"/>
+              </a:rPr>
+              <a:t> </a:t>
+            </a:r>
+            <a:r>
+              <a:rPr lang="en-US" sz="2400" dirty="0" err="1">
+                <a:latin typeface="Arial" panose="020B0604020202020204" pitchFamily="34" charset="0"/>
+                <a:cs typeface="Arial" panose="020B0604020202020204" pitchFamily="34" charset="0"/>
+              </a:rPr>
+              <a:t>quan</a:t>
+            </a:r>
+            <a:r>
+              <a:rPr lang="en-US" sz="2400" dirty="0">
+                <a:latin typeface="Arial" panose="020B0604020202020204" pitchFamily="34" charset="0"/>
+                <a:cs typeface="Arial" panose="020B0604020202020204" pitchFamily="34" charset="0"/>
+              </a:rPr>
+              <a:t> </a:t>
+            </a:r>
+            <a:r>
+              <a:rPr lang="en-US" sz="2400" dirty="0" err="1">
+                <a:latin typeface="Arial" panose="020B0604020202020204" pitchFamily="34" charset="0"/>
+                <a:cs typeface="Arial" panose="020B0604020202020204" pitchFamily="34" charset="0"/>
+              </a:rPr>
+              <a:t>đến</a:t>
+            </a:r>
+            <a:r>
+              <a:rPr lang="en-US" sz="2400" dirty="0">
+                <a:latin typeface="Arial" panose="020B0604020202020204" pitchFamily="34" charset="0"/>
+                <a:cs typeface="Arial" panose="020B0604020202020204" pitchFamily="34" charset="0"/>
+              </a:rPr>
+              <a:t> </a:t>
+            </a:r>
+            <a:r>
+              <a:rPr lang="en-US" sz="2400" dirty="0" err="1">
+                <a:latin typeface="Arial" panose="020B0604020202020204" pitchFamily="34" charset="0"/>
+                <a:cs typeface="Arial" panose="020B0604020202020204" pitchFamily="34" charset="0"/>
+              </a:rPr>
+              <a:t>tiếng</a:t>
+            </a:r>
+            <a:r>
+              <a:rPr lang="en-US" sz="2400" dirty="0">
+                <a:latin typeface="Arial" panose="020B0604020202020204" pitchFamily="34" charset="0"/>
+                <a:cs typeface="Arial" panose="020B0604020202020204" pitchFamily="34" charset="0"/>
+              </a:rPr>
+              <a:t> </a:t>
+            </a:r>
+            <a:r>
+              <a:rPr lang="en-US" sz="2400" dirty="0" err="1">
+                <a:latin typeface="Arial" panose="020B0604020202020204" pitchFamily="34" charset="0"/>
+                <a:cs typeface="Arial" panose="020B0604020202020204" pitchFamily="34" charset="0"/>
+              </a:rPr>
+              <a:t>nói</a:t>
+            </a:r>
+            <a:r>
+              <a:rPr lang="en-US" sz="2400" dirty="0">
+                <a:latin typeface="Arial" panose="020B0604020202020204" pitchFamily="34" charset="0"/>
+                <a:cs typeface="Arial" panose="020B0604020202020204" pitchFamily="34" charset="0"/>
+              </a:rPr>
+              <a:t>.</a:t>
+            </a:r>
+            <a:endParaRPr lang="vi-VN" sz="2400" dirty="0">
+              <a:latin typeface="Arial" panose="020B0604020202020204" pitchFamily="34" charset="0"/>
+              <a:cs typeface="Arial" panose="020B0604020202020204" pitchFamily="34" charset="0"/>
+            </a:endParaRPr>
+          </a:p>
+          <a:p>
+            <a:pPr lvl="1" algn="just">
+              <a:buFont typeface="Wingdings" panose="05000000000000000000" pitchFamily="2" charset="2"/>
+              <a:buChar char="ü"/>
+            </a:pPr>
             <a:endParaRPr lang="en-US" sz="2400" dirty="0">
               <a:latin typeface="Arial" panose="020B0604020202020204" pitchFamily="34" charset="0"/>
               <a:cs typeface="Arial" panose="020B0604020202020204" pitchFamily="34" charset="0"/>
@@ -9804,6 +12205,99 @@
           </a:p>
         </p:txBody>
       </p:sp>
+      <p:sp>
+        <p:nvSpPr>
+          <p:cNvPr id="4" name="TextBox 3"/>
+          <p:cNvSpPr txBox="1"/>
+          <p:nvPr/>
+        </p:nvSpPr>
+        <p:spPr>
+          <a:xfrm>
+            <a:off x="-8710" y="879240"/>
+            <a:ext cx="6270363" cy="1569660"/>
+          </a:xfrm>
+          <a:prstGeom prst="rect">
+            <a:avLst/>
+          </a:prstGeom>
+          <a:noFill/>
+        </p:spPr>
+        <p:txBody>
+          <a:bodyPr wrap="square" rtlCol="0">
+            <a:spAutoFit/>
+          </a:bodyPr>
+          <a:lstStyle/>
+          <a:p>
+            <a:r>
+              <a:rPr lang="en-US" sz="2400" dirty="0" smtClean="0">
+                <a:solidFill>
+                  <a:srgbClr val="FF0000"/>
+                </a:solidFill>
+                <a:latin typeface="Arial" panose="020B0604020202020204" pitchFamily="34" charset="0"/>
+                <a:cs typeface="Arial" panose="020B0604020202020204" pitchFamily="34" charset="0"/>
+              </a:rPr>
+              <a:t>Input: </a:t>
+            </a:r>
+          </a:p>
+          <a:p>
+            <a:r>
+              <a:rPr lang="en-US" sz="2400" dirty="0" smtClean="0">
+                <a:latin typeface="Arial" panose="020B0604020202020204" pitchFamily="34" charset="0"/>
+                <a:cs typeface="Arial" panose="020B0604020202020204" pitchFamily="34" charset="0"/>
+              </a:rPr>
+              <a:t>	</a:t>
+            </a:r>
+            <a:r>
+              <a:rPr lang="en-US" sz="2400" dirty="0" smtClean="0">
+                <a:latin typeface="Arial" panose="020B0604020202020204" pitchFamily="34" charset="0"/>
+                <a:cs typeface="Arial" panose="020B0604020202020204" pitchFamily="34" charset="0"/>
+              </a:rPr>
+              <a:t>V</a:t>
+            </a:r>
+          </a:p>
+          <a:p>
+            <a:r>
+              <a:rPr lang="en-US" sz="2400" dirty="0" smtClean="0">
+                <a:solidFill>
+                  <a:srgbClr val="FF0000"/>
+                </a:solidFill>
+                <a:latin typeface="Arial" panose="020B0604020202020204" pitchFamily="34" charset="0"/>
+                <a:cs typeface="Arial" panose="020B0604020202020204" pitchFamily="34" charset="0"/>
+              </a:rPr>
+              <a:t>Output</a:t>
+            </a:r>
+            <a:r>
+              <a:rPr lang="en-US" sz="2400" dirty="0" smtClean="0">
+                <a:solidFill>
+                  <a:srgbClr val="FF0000"/>
+                </a:solidFill>
+                <a:latin typeface="Arial" panose="020B0604020202020204" pitchFamily="34" charset="0"/>
+                <a:cs typeface="Arial" panose="020B0604020202020204" pitchFamily="34" charset="0"/>
+              </a:rPr>
+              <a:t>: </a:t>
+            </a:r>
+          </a:p>
+          <a:p>
+            <a:r>
+              <a:rPr lang="en-US" sz="2400" dirty="0" smtClean="0">
+                <a:latin typeface="Arial" panose="020B0604020202020204" pitchFamily="34" charset="0"/>
+                <a:cs typeface="Arial" panose="020B0604020202020204" pitchFamily="34" charset="0"/>
+              </a:rPr>
+              <a:t>	</a:t>
+            </a:r>
+            <a:r>
+              <a:rPr lang="en-US" sz="2400" dirty="0" smtClean="0">
+                <a:latin typeface="Arial" panose="020B0604020202020204" pitchFamily="34" charset="0"/>
+                <a:cs typeface="Arial" panose="020B0604020202020204" pitchFamily="34" charset="0"/>
+              </a:rPr>
+              <a:t>)</a:t>
+            </a:r>
+            <a:endParaRPr lang="en-US" sz="2400" dirty="0" smtClean="0">
+              <a:latin typeface="Arial" panose="020B0604020202020204" pitchFamily="34" charset="0"/>
+              <a:cs typeface="Arial" panose="020B0604020202020204" pitchFamily="34" charset="0"/>
+            </a:endParaRPr>
+          </a:p>
+        </p:txBody>
+      </p:sp>
     </p:spTree>
     <p:extLst>
       <p:ext uri="{BB962C8B-B14F-4D97-AF65-F5344CB8AC3E}">

--- a/SlideBaoCao.pptx
+++ b/SlideBaoCao.pptx
@@ -5,15 +5,14 @@
     <p:sldMasterId id="2147483668" r:id="rId1"/>
   </p:sldMasterIdLst>
   <p:notesMasterIdLst>
-    <p:notesMasterId r:id="rId8"/>
+    <p:notesMasterId r:id="rId7"/>
   </p:notesMasterIdLst>
   <p:sldIdLst>
     <p:sldId id="256" r:id="rId2"/>
     <p:sldId id="268" r:id="rId3"/>
     <p:sldId id="269" r:id="rId4"/>
-    <p:sldId id="259" r:id="rId5"/>
-    <p:sldId id="273" r:id="rId6"/>
-    <p:sldId id="272" r:id="rId7"/>
+    <p:sldId id="273" r:id="rId5"/>
+    <p:sldId id="274" r:id="rId6"/>
   </p:sldIdLst>
   <p:sldSz cx="9144000" cy="6858000" type="screen4x3"/>
   <p:notesSz cx="6858000" cy="9144000"/>
@@ -6449,12 +6448,18 @@
             <a:pPr algn="ctr"/>
             <a:r>
               <a:rPr lang="en-US" sz="4400" dirty="0" smtClean="0">
+                <a:solidFill>
+                  <a:schemeClr val="tx1"/>
+                </a:solidFill>
                 <a:latin typeface="Arial" panose="020B0604020202020204" pitchFamily="34" charset="0"/>
                 <a:cs typeface="Arial" panose="020B0604020202020204" pitchFamily="34" charset="0"/>
               </a:rPr>
               <a:t>PHÂN BIỆT NĂM NGUYÊN ÂM BẰNG CÁC ĐẶC TRƯNG TẦN SỐ </a:t>
             </a:r>
             <a:endParaRPr lang="en-US" sz="4400" dirty="0">
+              <a:solidFill>
+                <a:schemeClr val="tx1"/>
+              </a:solidFill>
               <a:latin typeface="Arial" panose="020B0604020202020204" pitchFamily="34" charset="0"/>
               <a:cs typeface="Arial" panose="020B0604020202020204" pitchFamily="34" charset="0"/>
             </a:endParaRPr>
@@ -6885,8 +6890,8 @@
         </p:nvSpPr>
         <p:spPr>
           <a:xfrm>
-            <a:off x="1" y="1802674"/>
-            <a:ext cx="9144000" cy="4441372"/>
+            <a:off x="-78376" y="1698170"/>
+            <a:ext cx="9222376" cy="4441372"/>
           </a:xfrm>
           <a:prstGeom prst="rect">
             <a:avLst/>
@@ -7446,34 +7451,47 @@
               </a:rPr>
               <a:t> </a:t>
             </a:r>
-            <a:r>
-              <a:rPr lang="en-US" sz="2400" dirty="0" err="1">
+            <a:endParaRPr lang="en-US" sz="2400" dirty="0" smtClean="0">
+              <a:latin typeface="Arial" panose="020B0604020202020204" pitchFamily="34" charset="0"/>
+              <a:cs typeface="Arial" panose="020B0604020202020204" pitchFamily="34" charset="0"/>
+            </a:endParaRPr>
+          </a:p>
+          <a:p>
+            <a:pPr marL="457200" lvl="1" indent="0" algn="just">
+              <a:buNone/>
+            </a:pPr>
+            <a:r>
+              <a:rPr lang="en-US" sz="2400" dirty="0" smtClean="0">
+                <a:latin typeface="Arial" panose="020B0604020202020204" pitchFamily="34" charset="0"/>
+                <a:cs typeface="Arial" panose="020B0604020202020204" pitchFamily="34" charset="0"/>
+              </a:rPr>
+              <a:t>    </a:t>
+            </a:r>
+            <a:r>
+              <a:rPr lang="en-US" sz="2400" dirty="0" err="1" smtClean="0">
                 <a:latin typeface="Arial" panose="020B0604020202020204" pitchFamily="34" charset="0"/>
                 <a:cs typeface="Arial" panose="020B0604020202020204" pitchFamily="34" charset="0"/>
               </a:rPr>
               <a:t>tín</a:t>
             </a:r>
             <a:r>
-              <a:rPr lang="en-US" sz="2400" dirty="0">
-                <a:latin typeface="Arial" panose="020B0604020202020204" pitchFamily="34" charset="0"/>
-                <a:cs typeface="Arial" panose="020B0604020202020204" pitchFamily="34" charset="0"/>
-              </a:rPr>
-              <a:t> </a:t>
-            </a:r>
-            <a:r>
-              <a:rPr lang="en-US" sz="2400" dirty="0" err="1">
+              <a:rPr lang="en-US" sz="2400" dirty="0" smtClean="0">
+                <a:latin typeface="Arial" panose="020B0604020202020204" pitchFamily="34" charset="0"/>
+                <a:cs typeface="Arial" panose="020B0604020202020204" pitchFamily="34" charset="0"/>
+              </a:rPr>
+              <a:t> </a:t>
+            </a:r>
+            <a:r>
+              <a:rPr lang="en-US" sz="2400" dirty="0" err="1" smtClean="0">
                 <a:latin typeface="Arial" panose="020B0604020202020204" pitchFamily="34" charset="0"/>
                 <a:cs typeface="Arial" panose="020B0604020202020204" pitchFamily="34" charset="0"/>
               </a:rPr>
               <a:t>hiệu</a:t>
             </a:r>
-            <a:r>
-              <a:rPr lang="en-US" sz="2400" dirty="0" smtClean="0">
-                <a:latin typeface="Arial" panose="020B0604020202020204" pitchFamily="34" charset="0"/>
-                <a:cs typeface="Arial" panose="020B0604020202020204" pitchFamily="34" charset="0"/>
-              </a:rPr>
-              <a:t>.</a:t>
-            </a:r>
+            <a:endParaRPr lang="en-US" sz="2400" dirty="0" smtClean="0">
+              <a:latin typeface="Arial" panose="020B0604020202020204" pitchFamily="34" charset="0"/>
+              <a:cs typeface="Arial" panose="020B0604020202020204" pitchFamily="34" charset="0"/>
+            </a:endParaRPr>
           </a:p>
           <a:p>
             <a:pPr lvl="1" algn="just">
@@ -7666,17 +7684,17 @@
                 <a:latin typeface="Arial" panose="020B0604020202020204" pitchFamily="34" charset="0"/>
                 <a:cs typeface="Arial" panose="020B0604020202020204" pitchFamily="34" charset="0"/>
               </a:rPr>
-              <a:t>  </a:t>
-            </a:r>
-            <a:r>
-              <a:rPr lang="en-US" sz="2400" dirty="0" err="1">
+              <a:t> </a:t>
+            </a:r>
+            <a:r>
+              <a:rPr lang="en-US" sz="2400" dirty="0" err="1" smtClean="0">
                 <a:latin typeface="Arial" panose="020B0604020202020204" pitchFamily="34" charset="0"/>
                 <a:cs typeface="Arial" panose="020B0604020202020204" pitchFamily="34" charset="0"/>
               </a:rPr>
               <a:t>xử</a:t>
             </a:r>
             <a:r>
-              <a:rPr lang="en-US" sz="2400" dirty="0">
+              <a:rPr lang="en-US" sz="2400" dirty="0" smtClean="0">
                 <a:latin typeface="Arial" panose="020B0604020202020204" pitchFamily="34" charset="0"/>
                 <a:cs typeface="Arial" panose="020B0604020202020204" pitchFamily="34" charset="0"/>
               </a:rPr>
@@ -7936,11 +7954,13 @@
         <p:spPr>
           <a:xfrm>
             <a:off x="0" y="428175"/>
-            <a:ext cx="9144000" cy="1320800"/>
+            <a:ext cx="8268789" cy="1320800"/>
           </a:xfrm>
         </p:spPr>
         <p:txBody>
-          <a:bodyPr/>
+          <a:bodyPr>
+            <a:noAutofit/>
+          </a:bodyPr>
           <a:lstStyle/>
           <a:p>
             <a:r>
@@ -7948,7 +7968,34 @@
                 <a:latin typeface="Arial" panose="020B0604020202020204" pitchFamily="34" charset="0"/>
                 <a:cs typeface="Arial" panose="020B0604020202020204" pitchFamily="34" charset="0"/>
               </a:rPr>
-              <a:t>II. LÝ THUYẾT VỀ CÁC ĐẶC TRƯNG CỦA TẦN SỐ:</a:t>
+              <a:t>II. LÝ THUYẾT VỀ CÁC ĐẶC TRƯNG </a:t>
+            </a:r>
+            <a:r>
+              <a:rPr lang="en-US" dirty="0" smtClean="0">
+                <a:latin typeface="Arial" panose="020B0604020202020204" pitchFamily="34" charset="0"/>
+                <a:cs typeface="Arial" panose="020B0604020202020204" pitchFamily="34" charset="0"/>
+              </a:rPr>
+              <a:t/>
+            </a:r>
+            <a:br>
+              <a:rPr lang="en-US" dirty="0" smtClean="0">
+                <a:latin typeface="Arial" panose="020B0604020202020204" pitchFamily="34" charset="0"/>
+                <a:cs typeface="Arial" panose="020B0604020202020204" pitchFamily="34" charset="0"/>
+              </a:rPr>
+            </a:br>
+            <a:r>
+              <a:rPr lang="en-US" dirty="0" smtClean="0">
+                <a:latin typeface="Arial" panose="020B0604020202020204" pitchFamily="34" charset="0"/>
+                <a:cs typeface="Arial" panose="020B0604020202020204" pitchFamily="34" charset="0"/>
+              </a:rPr>
+              <a:t>CỦA </a:t>
+            </a:r>
+            <a:r>
+              <a:rPr lang="en-US" dirty="0" smtClean="0">
+                <a:latin typeface="Arial" panose="020B0604020202020204" pitchFamily="34" charset="0"/>
+                <a:cs typeface="Arial" panose="020B0604020202020204" pitchFamily="34" charset="0"/>
+              </a:rPr>
+              <a:t>TẦN SỐ:</a:t>
             </a:r>
             <a:endParaRPr lang="en-US" dirty="0">
               <a:latin typeface="Arial" panose="020B0604020202020204" pitchFamily="34" charset="0"/>
@@ -7975,7 +8022,7 @@
         </p:spPr>
         <p:txBody>
           <a:bodyPr>
-            <a:normAutofit fontScale="85000" lnSpcReduction="10000"/>
+            <a:normAutofit fontScale="92500"/>
           </a:bodyPr>
           <a:lstStyle/>
           <a:p>
@@ -9328,56 +9375,14 @@
               <a:t> </a:t>
             </a:r>
             <a:r>
-              <a:rPr lang="en-US" sz="2400" dirty="0" err="1">
-                <a:latin typeface="Arial" panose="020B0604020202020204" pitchFamily="34" charset="0"/>
-                <a:cs typeface="Arial" panose="020B0604020202020204" pitchFamily="34" charset="0"/>
-              </a:rPr>
-              <a:t>một</a:t>
-            </a:r>
-            <a:r>
-              <a:rPr lang="en-US" sz="2400" dirty="0">
-                <a:latin typeface="Arial" panose="020B0604020202020204" pitchFamily="34" charset="0"/>
-                <a:cs typeface="Arial" panose="020B0604020202020204" pitchFamily="34" charset="0"/>
-              </a:rPr>
-              <a:t> </a:t>
-            </a:r>
-            <a:r>
-              <a:rPr lang="en-US" sz="2400" dirty="0" err="1">
-                <a:latin typeface="Arial" panose="020B0604020202020204" pitchFamily="34" charset="0"/>
-                <a:cs typeface="Arial" panose="020B0604020202020204" pitchFamily="34" charset="0"/>
-              </a:rPr>
-              <a:t>trong</a:t>
-            </a:r>
-            <a:r>
-              <a:rPr lang="en-US" sz="2400" dirty="0">
-                <a:latin typeface="Arial" panose="020B0604020202020204" pitchFamily="34" charset="0"/>
-                <a:cs typeface="Arial" panose="020B0604020202020204" pitchFamily="34" charset="0"/>
-              </a:rPr>
-              <a:t> </a:t>
-            </a:r>
-            <a:r>
-              <a:rPr lang="en-US" sz="2400" dirty="0" err="1">
-                <a:latin typeface="Arial" panose="020B0604020202020204" pitchFamily="34" charset="0"/>
-                <a:cs typeface="Arial" panose="020B0604020202020204" pitchFamily="34" charset="0"/>
-              </a:rPr>
-              <a:t>những</a:t>
-            </a:r>
-            <a:r>
-              <a:rPr lang="en-US" sz="2400" dirty="0">
-                <a:latin typeface="Arial" panose="020B0604020202020204" pitchFamily="34" charset="0"/>
-                <a:cs typeface="Arial" panose="020B0604020202020204" pitchFamily="34" charset="0"/>
-              </a:rPr>
-              <a:t> </a:t>
-            </a:r>
-            <a:r>
-              <a:rPr lang="en-US" sz="2400" dirty="0" err="1">
+              <a:rPr lang="en-US" sz="2400" dirty="0" err="1" smtClean="0">
                 <a:latin typeface="Arial" panose="020B0604020202020204" pitchFamily="34" charset="0"/>
                 <a:cs typeface="Arial" panose="020B0604020202020204" pitchFamily="34" charset="0"/>
               </a:rPr>
               <a:t>công</a:t>
             </a:r>
             <a:r>
-              <a:rPr lang="en-US" sz="2400" dirty="0">
+              <a:rPr lang="en-US" sz="2400" dirty="0" smtClean="0">
                 <a:latin typeface="Arial" panose="020B0604020202020204" pitchFamily="34" charset="0"/>
                 <a:cs typeface="Arial" panose="020B0604020202020204" pitchFamily="34" charset="0"/>
               </a:rPr>
@@ -9412,42 +9417,35 @@
               <a:t> </a:t>
             </a:r>
             <a:r>
-              <a:rPr lang="en-US" sz="2400" dirty="0" err="1">
-                <a:latin typeface="Arial" panose="020B0604020202020204" pitchFamily="34" charset="0"/>
-                <a:cs typeface="Arial" panose="020B0604020202020204" pitchFamily="34" charset="0"/>
-              </a:rPr>
-              <a:t>bản</a:t>
-            </a:r>
-            <a:r>
-              <a:rPr lang="en-US" sz="2400" dirty="0">
-                <a:latin typeface="Arial" panose="020B0604020202020204" pitchFamily="34" charset="0"/>
-                <a:cs typeface="Arial" panose="020B0604020202020204" pitchFamily="34" charset="0"/>
-              </a:rPr>
-              <a:t> </a:t>
-            </a:r>
-            <a:r>
-              <a:rPr lang="en-US" sz="2400" dirty="0" err="1">
-                <a:latin typeface="Arial" panose="020B0604020202020204" pitchFamily="34" charset="0"/>
-                <a:cs typeface="Arial" panose="020B0604020202020204" pitchFamily="34" charset="0"/>
-              </a:rPr>
-              <a:t>của</a:t>
-            </a:r>
-            <a:r>
-              <a:rPr lang="en-US" sz="2400" dirty="0">
-                <a:latin typeface="Arial" panose="020B0604020202020204" pitchFamily="34" charset="0"/>
-                <a:cs typeface="Arial" panose="020B0604020202020204" pitchFamily="34" charset="0"/>
-              </a:rPr>
-              <a:t> </a:t>
-            </a:r>
-            <a:r>
-              <a:rPr lang="en-US" sz="2400" dirty="0" err="1">
+              <a:rPr lang="en-US" sz="2400" dirty="0" err="1" smtClean="0">
+                <a:latin typeface="Arial" panose="020B0604020202020204" pitchFamily="34" charset="0"/>
+                <a:cs typeface="Arial" panose="020B0604020202020204" pitchFamily="34" charset="0"/>
+              </a:rPr>
+              <a:t>bả</a:t>
+            </a:r>
+            <a:r>
+              <a:rPr lang="en-US" sz="2400" dirty="0" err="1" smtClean="0">
+                <a:latin typeface="Arial" panose="020B0604020202020204" pitchFamily="34" charset="0"/>
+                <a:cs typeface="Arial" panose="020B0604020202020204" pitchFamily="34" charset="0"/>
+              </a:rPr>
+              <a:t>n</a:t>
+            </a:r>
+            <a:r>
+              <a:rPr lang="en-US" sz="2400" dirty="0" smtClean="0">
+                <a:latin typeface="Arial" panose="020B0604020202020204" pitchFamily="34" charset="0"/>
+                <a:cs typeface="Arial" panose="020B0604020202020204" pitchFamily="34" charset="0"/>
+              </a:rPr>
+              <a:t> </a:t>
+            </a:r>
+            <a:r>
+              <a:rPr lang="en-US" sz="2400" dirty="0" err="1" smtClean="0">
                 <a:latin typeface="Arial" panose="020B0604020202020204" pitchFamily="34" charset="0"/>
                 <a:cs typeface="Arial" panose="020B0604020202020204" pitchFamily="34" charset="0"/>
               </a:rPr>
               <a:t>phân</a:t>
             </a:r>
             <a:r>
-              <a:rPr lang="en-US" sz="2400" dirty="0">
+              <a:rPr lang="en-US" sz="2400" dirty="0" smtClean="0">
                 <a:latin typeface="Arial" panose="020B0604020202020204" pitchFamily="34" charset="0"/>
                 <a:cs typeface="Arial" panose="020B0604020202020204" pitchFamily="34" charset="0"/>
               </a:rPr>
@@ -9524,354 +9522,11 @@
               <a:t> </a:t>
             </a:r>
             <a:r>
-              <a:rPr lang="en-US" sz="2400" dirty="0" err="1">
+              <a:rPr lang="en-US" sz="2400" dirty="0" err="1" smtClean="0">
                 <a:latin typeface="Arial" panose="020B0604020202020204" pitchFamily="34" charset="0"/>
                 <a:cs typeface="Arial" panose="020B0604020202020204" pitchFamily="34" charset="0"/>
               </a:rPr>
               <a:t>nói</a:t>
-            </a:r>
-            <a:r>
-              <a:rPr lang="en-US" sz="2400" dirty="0">
-                <a:latin typeface="Arial" panose="020B0604020202020204" pitchFamily="34" charset="0"/>
-                <a:cs typeface="Arial" panose="020B0604020202020204" pitchFamily="34" charset="0"/>
-              </a:rPr>
-              <a:t>, </a:t>
-            </a:r>
-            <a:r>
-              <a:rPr lang="en-US" sz="2400" dirty="0" err="1">
-                <a:latin typeface="Arial" panose="020B0604020202020204" pitchFamily="34" charset="0"/>
-                <a:cs typeface="Arial" panose="020B0604020202020204" pitchFamily="34" charset="0"/>
-              </a:rPr>
-              <a:t>trong</a:t>
-            </a:r>
-            <a:r>
-              <a:rPr lang="en-US" sz="2400" dirty="0">
-                <a:latin typeface="Arial" panose="020B0604020202020204" pitchFamily="34" charset="0"/>
-                <a:cs typeface="Arial" panose="020B0604020202020204" pitchFamily="34" charset="0"/>
-              </a:rPr>
-              <a:t> </a:t>
-            </a:r>
-            <a:r>
-              <a:rPr lang="en-US" sz="2400" dirty="0" err="1">
-                <a:latin typeface="Arial" panose="020B0604020202020204" pitchFamily="34" charset="0"/>
-                <a:cs typeface="Arial" panose="020B0604020202020204" pitchFamily="34" charset="0"/>
-              </a:rPr>
-              <a:t>đó</a:t>
-            </a:r>
-            <a:r>
-              <a:rPr lang="en-US" sz="2400" dirty="0">
-                <a:latin typeface="Arial" panose="020B0604020202020204" pitchFamily="34" charset="0"/>
-                <a:cs typeface="Arial" panose="020B0604020202020204" pitchFamily="34" charset="0"/>
-              </a:rPr>
-              <a:t> </a:t>
-            </a:r>
-            <a:r>
-              <a:rPr lang="en-US" sz="2400" dirty="0" err="1">
-                <a:latin typeface="Arial" panose="020B0604020202020204" pitchFamily="34" charset="0"/>
-                <a:cs typeface="Arial" panose="020B0604020202020204" pitchFamily="34" charset="0"/>
-              </a:rPr>
-              <a:t>nó</a:t>
-            </a:r>
-            <a:r>
-              <a:rPr lang="en-US" sz="2400" dirty="0">
-                <a:latin typeface="Arial" panose="020B0604020202020204" pitchFamily="34" charset="0"/>
-                <a:cs typeface="Arial" panose="020B0604020202020204" pitchFamily="34" charset="0"/>
-              </a:rPr>
-              <a:t> </a:t>
-            </a:r>
-            <a:r>
-              <a:rPr lang="en-US" sz="2400" dirty="0" err="1">
-                <a:latin typeface="Arial" panose="020B0604020202020204" pitchFamily="34" charset="0"/>
-                <a:cs typeface="Arial" panose="020B0604020202020204" pitchFamily="34" charset="0"/>
-              </a:rPr>
-              <a:t>chuyển</a:t>
-            </a:r>
-            <a:r>
-              <a:rPr lang="en-US" sz="2400" dirty="0">
-                <a:latin typeface="Arial" panose="020B0604020202020204" pitchFamily="34" charset="0"/>
-                <a:cs typeface="Arial" panose="020B0604020202020204" pitchFamily="34" charset="0"/>
-              </a:rPr>
-              <a:t> </a:t>
-            </a:r>
-            <a:r>
-              <a:rPr lang="en-US" sz="2400" dirty="0" err="1">
-                <a:latin typeface="Arial" panose="020B0604020202020204" pitchFamily="34" charset="0"/>
-                <a:cs typeface="Arial" panose="020B0604020202020204" pitchFamily="34" charset="0"/>
-              </a:rPr>
-              <a:t>đổi</a:t>
-            </a:r>
-            <a:r>
-              <a:rPr lang="en-US" sz="2400" dirty="0">
-                <a:latin typeface="Arial" panose="020B0604020202020204" pitchFamily="34" charset="0"/>
-                <a:cs typeface="Arial" panose="020B0604020202020204" pitchFamily="34" charset="0"/>
-              </a:rPr>
-              <a:t> </a:t>
-            </a:r>
-            <a:r>
-              <a:rPr lang="en-US" sz="2400" dirty="0" err="1">
-                <a:latin typeface="Arial" panose="020B0604020202020204" pitchFamily="34" charset="0"/>
-                <a:cs typeface="Arial" panose="020B0604020202020204" pitchFamily="34" charset="0"/>
-              </a:rPr>
-              <a:t>dạng</a:t>
-            </a:r>
-            <a:r>
-              <a:rPr lang="en-US" sz="2400" dirty="0">
-                <a:latin typeface="Arial" panose="020B0604020202020204" pitchFamily="34" charset="0"/>
-                <a:cs typeface="Arial" panose="020B0604020202020204" pitchFamily="34" charset="0"/>
-              </a:rPr>
-              <a:t> </a:t>
-            </a:r>
-            <a:r>
-              <a:rPr lang="en-US" sz="2400" dirty="0" err="1">
-                <a:latin typeface="Arial" panose="020B0604020202020204" pitchFamily="34" charset="0"/>
-                <a:cs typeface="Arial" panose="020B0604020202020204" pitchFamily="34" charset="0"/>
-              </a:rPr>
-              <a:t>sóng</a:t>
-            </a:r>
-            <a:r>
-              <a:rPr lang="en-US" sz="2400" dirty="0">
-                <a:latin typeface="Arial" panose="020B0604020202020204" pitchFamily="34" charset="0"/>
-                <a:cs typeface="Arial" panose="020B0604020202020204" pitchFamily="34" charset="0"/>
-              </a:rPr>
-              <a:t> </a:t>
-            </a:r>
-            <a:r>
-              <a:rPr lang="en-US" sz="2400" dirty="0" err="1">
-                <a:latin typeface="Arial" panose="020B0604020202020204" pitchFamily="34" charset="0"/>
-                <a:cs typeface="Arial" panose="020B0604020202020204" pitchFamily="34" charset="0"/>
-              </a:rPr>
-              <a:t>tín</a:t>
-            </a:r>
-            <a:r>
-              <a:rPr lang="en-US" sz="2400" dirty="0">
-                <a:latin typeface="Arial" panose="020B0604020202020204" pitchFamily="34" charset="0"/>
-                <a:cs typeface="Arial" panose="020B0604020202020204" pitchFamily="34" charset="0"/>
-              </a:rPr>
-              <a:t> </a:t>
-            </a:r>
-            <a:r>
-              <a:rPr lang="en-US" sz="2400" dirty="0" err="1">
-                <a:latin typeface="Arial" panose="020B0604020202020204" pitchFamily="34" charset="0"/>
-                <a:cs typeface="Arial" panose="020B0604020202020204" pitchFamily="34" charset="0"/>
-              </a:rPr>
-              <a:t>hiệu</a:t>
-            </a:r>
-            <a:r>
-              <a:rPr lang="en-US" sz="2400" dirty="0">
-                <a:latin typeface="Arial" panose="020B0604020202020204" pitchFamily="34" charset="0"/>
-                <a:cs typeface="Arial" panose="020B0604020202020204" pitchFamily="34" charset="0"/>
-              </a:rPr>
-              <a:t> </a:t>
-            </a:r>
-            <a:r>
-              <a:rPr lang="en-US" sz="2400" dirty="0" err="1">
-                <a:latin typeface="Arial" panose="020B0604020202020204" pitchFamily="34" charset="0"/>
-                <a:cs typeface="Arial" panose="020B0604020202020204" pitchFamily="34" charset="0"/>
-              </a:rPr>
-              <a:t>tiếng</a:t>
-            </a:r>
-            <a:r>
-              <a:rPr lang="en-US" sz="2400" dirty="0">
-                <a:latin typeface="Arial" panose="020B0604020202020204" pitchFamily="34" charset="0"/>
-                <a:cs typeface="Arial" panose="020B0604020202020204" pitchFamily="34" charset="0"/>
-              </a:rPr>
-              <a:t> </a:t>
-            </a:r>
-            <a:r>
-              <a:rPr lang="en-US" sz="2400" dirty="0" err="1">
-                <a:latin typeface="Arial" panose="020B0604020202020204" pitchFamily="34" charset="0"/>
-                <a:cs typeface="Arial" panose="020B0604020202020204" pitchFamily="34" charset="0"/>
-              </a:rPr>
-              <a:t>nói</a:t>
-            </a:r>
-            <a:r>
-              <a:rPr lang="en-US" sz="2400" dirty="0">
-                <a:latin typeface="Arial" panose="020B0604020202020204" pitchFamily="34" charset="0"/>
-                <a:cs typeface="Arial" panose="020B0604020202020204" pitchFamily="34" charset="0"/>
-              </a:rPr>
-              <a:t> </a:t>
-            </a:r>
-            <a:r>
-              <a:rPr lang="en-US" sz="2400" dirty="0" err="1">
-                <a:latin typeface="Arial" panose="020B0604020202020204" pitchFamily="34" charset="0"/>
-                <a:cs typeface="Arial" panose="020B0604020202020204" pitchFamily="34" charset="0"/>
-              </a:rPr>
-              <a:t>hai</a:t>
-            </a:r>
-            <a:r>
-              <a:rPr lang="en-US" sz="2400" dirty="0">
-                <a:latin typeface="Arial" panose="020B0604020202020204" pitchFamily="34" charset="0"/>
-                <a:cs typeface="Arial" panose="020B0604020202020204" pitchFamily="34" charset="0"/>
-              </a:rPr>
-              <a:t> </a:t>
-            </a:r>
-            <a:r>
-              <a:rPr lang="en-US" sz="2400" dirty="0" err="1">
-                <a:latin typeface="Arial" panose="020B0604020202020204" pitchFamily="34" charset="0"/>
-                <a:cs typeface="Arial" panose="020B0604020202020204" pitchFamily="34" charset="0"/>
-              </a:rPr>
-              <a:t>chiều</a:t>
-            </a:r>
-            <a:r>
-              <a:rPr lang="en-US" sz="2400" dirty="0">
-                <a:latin typeface="Arial" panose="020B0604020202020204" pitchFamily="34" charset="0"/>
-                <a:cs typeface="Arial" panose="020B0604020202020204" pitchFamily="34" charset="0"/>
-              </a:rPr>
-              <a:t> </a:t>
-            </a:r>
-            <a:r>
-              <a:rPr lang="en-US" sz="2400" dirty="0" err="1">
-                <a:latin typeface="Arial" panose="020B0604020202020204" pitchFamily="34" charset="0"/>
-                <a:cs typeface="Arial" panose="020B0604020202020204" pitchFamily="34" charset="0"/>
-              </a:rPr>
-              <a:t>thanh</a:t>
-            </a:r>
-            <a:r>
-              <a:rPr lang="en-US" sz="2400" dirty="0">
-                <a:latin typeface="Arial" panose="020B0604020202020204" pitchFamily="34" charset="0"/>
-                <a:cs typeface="Arial" panose="020B0604020202020204" pitchFamily="34" charset="0"/>
-              </a:rPr>
-              <a:t> </a:t>
-            </a:r>
-            <a:r>
-              <a:rPr lang="en-US" sz="2400" dirty="0" err="1">
-                <a:latin typeface="Arial" panose="020B0604020202020204" pitchFamily="34" charset="0"/>
-                <a:cs typeface="Arial" panose="020B0604020202020204" pitchFamily="34" charset="0"/>
-              </a:rPr>
-              <a:t>cấu</a:t>
-            </a:r>
-            <a:r>
-              <a:rPr lang="en-US" sz="2400" dirty="0">
-                <a:latin typeface="Arial" panose="020B0604020202020204" pitchFamily="34" charset="0"/>
-                <a:cs typeface="Arial" panose="020B0604020202020204" pitchFamily="34" charset="0"/>
-              </a:rPr>
-              <a:t> </a:t>
-            </a:r>
-            <a:r>
-              <a:rPr lang="en-US" sz="2400" dirty="0" err="1">
-                <a:latin typeface="Arial" panose="020B0604020202020204" pitchFamily="34" charset="0"/>
-                <a:cs typeface="Arial" panose="020B0604020202020204" pitchFamily="34" charset="0"/>
-              </a:rPr>
-              <a:t>trúc</a:t>
-            </a:r>
-            <a:r>
-              <a:rPr lang="en-US" sz="2400" dirty="0">
-                <a:latin typeface="Arial" panose="020B0604020202020204" pitchFamily="34" charset="0"/>
-                <a:cs typeface="Arial" panose="020B0604020202020204" pitchFamily="34" charset="0"/>
-              </a:rPr>
-              <a:t> </a:t>
-            </a:r>
-            <a:r>
-              <a:rPr lang="en-US" sz="2400" dirty="0" err="1">
-                <a:latin typeface="Arial" panose="020B0604020202020204" pitchFamily="34" charset="0"/>
-                <a:cs typeface="Arial" panose="020B0604020202020204" pitchFamily="34" charset="0"/>
-              </a:rPr>
-              <a:t>ba</a:t>
-            </a:r>
-            <a:r>
-              <a:rPr lang="en-US" sz="2400" dirty="0">
-                <a:latin typeface="Arial" panose="020B0604020202020204" pitchFamily="34" charset="0"/>
-                <a:cs typeface="Arial" panose="020B0604020202020204" pitchFamily="34" charset="0"/>
-              </a:rPr>
-              <a:t> </a:t>
-            </a:r>
-            <a:r>
-              <a:rPr lang="en-US" sz="2400" dirty="0" err="1">
-                <a:latin typeface="Arial" panose="020B0604020202020204" pitchFamily="34" charset="0"/>
-                <a:cs typeface="Arial" panose="020B0604020202020204" pitchFamily="34" charset="0"/>
-              </a:rPr>
-              <a:t>chiều</a:t>
-            </a:r>
-            <a:r>
-              <a:rPr lang="en-US" sz="2400" dirty="0">
-                <a:latin typeface="Arial" panose="020B0604020202020204" pitchFamily="34" charset="0"/>
-                <a:cs typeface="Arial" panose="020B0604020202020204" pitchFamily="34" charset="0"/>
-              </a:rPr>
-              <a:t> (</a:t>
-            </a:r>
-            <a:r>
-              <a:rPr lang="en-US" sz="2400" dirty="0" err="1">
-                <a:latin typeface="Arial" panose="020B0604020202020204" pitchFamily="34" charset="0"/>
-                <a:cs typeface="Arial" panose="020B0604020202020204" pitchFamily="34" charset="0"/>
-              </a:rPr>
-              <a:t>biên</a:t>
-            </a:r>
-            <a:r>
-              <a:rPr lang="en-US" sz="2400" dirty="0">
-                <a:latin typeface="Arial" panose="020B0604020202020204" pitchFamily="34" charset="0"/>
-                <a:cs typeface="Arial" panose="020B0604020202020204" pitchFamily="34" charset="0"/>
-              </a:rPr>
-              <a:t> </a:t>
-            </a:r>
-            <a:r>
-              <a:rPr lang="en-US" sz="2400" dirty="0" err="1">
-                <a:latin typeface="Arial" panose="020B0604020202020204" pitchFamily="34" charset="0"/>
-                <a:cs typeface="Arial" panose="020B0604020202020204" pitchFamily="34" charset="0"/>
-              </a:rPr>
-              <a:t>độ</a:t>
-            </a:r>
-            <a:r>
-              <a:rPr lang="en-US" sz="2400" dirty="0">
-                <a:latin typeface="Arial" panose="020B0604020202020204" pitchFamily="34" charset="0"/>
-                <a:cs typeface="Arial" panose="020B0604020202020204" pitchFamily="34" charset="0"/>
-              </a:rPr>
-              <a:t>/</a:t>
-            </a:r>
-            <a:r>
-              <a:rPr lang="en-US" sz="2400" dirty="0" err="1">
-                <a:latin typeface="Arial" panose="020B0604020202020204" pitchFamily="34" charset="0"/>
-                <a:cs typeface="Arial" panose="020B0604020202020204" pitchFamily="34" charset="0"/>
-              </a:rPr>
-              <a:t>tần</a:t>
-            </a:r>
-            <a:r>
-              <a:rPr lang="en-US" sz="2400" dirty="0">
-                <a:latin typeface="Arial" panose="020B0604020202020204" pitchFamily="34" charset="0"/>
-                <a:cs typeface="Arial" panose="020B0604020202020204" pitchFamily="34" charset="0"/>
-              </a:rPr>
-              <a:t> </a:t>
-            </a:r>
-            <a:r>
-              <a:rPr lang="en-US" sz="2400" dirty="0" err="1">
-                <a:latin typeface="Arial" panose="020B0604020202020204" pitchFamily="34" charset="0"/>
-                <a:cs typeface="Arial" panose="020B0604020202020204" pitchFamily="34" charset="0"/>
-              </a:rPr>
-              <a:t>số</a:t>
-            </a:r>
-            <a:r>
-              <a:rPr lang="en-US" sz="2400" dirty="0">
-                <a:latin typeface="Arial" panose="020B0604020202020204" pitchFamily="34" charset="0"/>
-                <a:cs typeface="Arial" panose="020B0604020202020204" pitchFamily="34" charset="0"/>
-              </a:rPr>
-              <a:t>/</a:t>
-            </a:r>
-            <a:r>
-              <a:rPr lang="en-US" sz="2400" dirty="0" err="1">
-                <a:latin typeface="Arial" panose="020B0604020202020204" pitchFamily="34" charset="0"/>
-                <a:cs typeface="Arial" panose="020B0604020202020204" pitchFamily="34" charset="0"/>
-              </a:rPr>
-              <a:t>thời</a:t>
-            </a:r>
-            <a:r>
-              <a:rPr lang="en-US" sz="2400" dirty="0">
-                <a:latin typeface="Arial" panose="020B0604020202020204" pitchFamily="34" charset="0"/>
-                <a:cs typeface="Arial" panose="020B0604020202020204" pitchFamily="34" charset="0"/>
-              </a:rPr>
-              <a:t> </a:t>
-            </a:r>
-            <a:r>
-              <a:rPr lang="en-US" sz="2400" dirty="0" err="1">
-                <a:latin typeface="Arial" panose="020B0604020202020204" pitchFamily="34" charset="0"/>
-                <a:cs typeface="Arial" panose="020B0604020202020204" pitchFamily="34" charset="0"/>
-              </a:rPr>
-              <a:t>gian</a:t>
-            </a:r>
-            <a:r>
-              <a:rPr lang="en-US" sz="2400" dirty="0">
-                <a:latin typeface="Arial" panose="020B0604020202020204" pitchFamily="34" charset="0"/>
-                <a:cs typeface="Arial" panose="020B0604020202020204" pitchFamily="34" charset="0"/>
-              </a:rPr>
-              <a:t>). </a:t>
             </a:r>
             <a:endParaRPr lang="en-US" sz="2400" dirty="0" smtClean="0">
               <a:latin typeface="Arial" panose="020B0604020202020204" pitchFamily="34" charset="0"/>
@@ -9884,74 +9539,214 @@
               <a:buChar char="ü"/>
             </a:pPr>
             <a:r>
-              <a:rPr lang="en-US" sz="2400" dirty="0" err="1">
-                <a:latin typeface="Arial" panose="020B0604020202020204" pitchFamily="34" charset="0"/>
-                <a:cs typeface="Arial" panose="020B0604020202020204" pitchFamily="34" charset="0"/>
-              </a:rPr>
-              <a:t>Lược</a:t>
-            </a:r>
-            <a:r>
-              <a:rPr lang="en-US" sz="2400" dirty="0">
-                <a:latin typeface="Arial" panose="020B0604020202020204" pitchFamily="34" charset="0"/>
-                <a:cs typeface="Arial" panose="020B0604020202020204" pitchFamily="34" charset="0"/>
-              </a:rPr>
-              <a:t> </a:t>
-            </a:r>
-            <a:r>
-              <a:rPr lang="en-US" sz="2400" dirty="0" err="1">
-                <a:latin typeface="Arial" panose="020B0604020202020204" pitchFamily="34" charset="0"/>
-                <a:cs typeface="Arial" panose="020B0604020202020204" pitchFamily="34" charset="0"/>
-              </a:rPr>
-              <a:t>đồ</a:t>
-            </a:r>
-            <a:r>
-              <a:rPr lang="en-US" sz="2400" dirty="0">
-                <a:latin typeface="Arial" panose="020B0604020202020204" pitchFamily="34" charset="0"/>
-                <a:cs typeface="Arial" panose="020B0604020202020204" pitchFamily="34" charset="0"/>
-              </a:rPr>
-              <a:t> spectrogram </a:t>
-            </a:r>
-            <a:r>
-              <a:rPr lang="en-US" sz="2400" dirty="0" err="1">
-                <a:latin typeface="Arial" panose="020B0604020202020204" pitchFamily="34" charset="0"/>
-                <a:cs typeface="Arial" panose="020B0604020202020204" pitchFamily="34" charset="0"/>
-              </a:rPr>
-              <a:t>chỉ</a:t>
-            </a:r>
-            <a:r>
-              <a:rPr lang="en-US" sz="2400" dirty="0">
-                <a:latin typeface="Arial" panose="020B0604020202020204" pitchFamily="34" charset="0"/>
-                <a:cs typeface="Arial" panose="020B0604020202020204" pitchFamily="34" charset="0"/>
-              </a:rPr>
-              <a:t> </a:t>
-            </a:r>
-            <a:r>
-              <a:rPr lang="en-US" sz="2400" dirty="0" err="1">
-                <a:latin typeface="Arial" panose="020B0604020202020204" pitchFamily="34" charset="0"/>
-                <a:cs typeface="Arial" panose="020B0604020202020204" pitchFamily="34" charset="0"/>
-              </a:rPr>
-              <a:t>diễn</a:t>
-            </a:r>
-            <a:r>
-              <a:rPr lang="en-US" sz="2400" dirty="0">
-                <a:latin typeface="Arial" panose="020B0604020202020204" pitchFamily="34" charset="0"/>
-                <a:cs typeface="Arial" panose="020B0604020202020204" pitchFamily="34" charset="0"/>
-              </a:rPr>
-              <a:t> </a:t>
-            </a:r>
-            <a:r>
-              <a:rPr lang="en-US" sz="2400" dirty="0" err="1">
-                <a:latin typeface="Arial" panose="020B0604020202020204" pitchFamily="34" charset="0"/>
-                <a:cs typeface="Arial" panose="020B0604020202020204" pitchFamily="34" charset="0"/>
-              </a:rPr>
-              <a:t>tả</a:t>
-            </a:r>
-            <a:r>
-              <a:rPr lang="en-US" sz="2400" dirty="0">
-                <a:latin typeface="Arial" panose="020B0604020202020204" pitchFamily="34" charset="0"/>
-                <a:cs typeface="Arial" panose="020B0604020202020204" pitchFamily="34" charset="0"/>
-              </a:rPr>
-              <a:t> </a:t>
+              <a:rPr lang="en-US" sz="2400" dirty="0" err="1" smtClean="0">
+                <a:latin typeface="Arial" panose="020B0604020202020204" pitchFamily="34" charset="0"/>
+                <a:cs typeface="Arial" panose="020B0604020202020204" pitchFamily="34" charset="0"/>
+              </a:rPr>
+              <a:t>Chuyển</a:t>
+            </a:r>
+            <a:r>
+              <a:rPr lang="en-US" sz="2400" dirty="0" smtClean="0">
+                <a:latin typeface="Arial" panose="020B0604020202020204" pitchFamily="34" charset="0"/>
+                <a:cs typeface="Arial" panose="020B0604020202020204" pitchFamily="34" charset="0"/>
+              </a:rPr>
+              <a:t> </a:t>
+            </a:r>
+            <a:r>
+              <a:rPr lang="en-US" sz="2400" dirty="0" err="1" smtClean="0">
+                <a:latin typeface="Arial" panose="020B0604020202020204" pitchFamily="34" charset="0"/>
+                <a:cs typeface="Arial" panose="020B0604020202020204" pitchFamily="34" charset="0"/>
+              </a:rPr>
+              <a:t>đổi</a:t>
+            </a:r>
+            <a:r>
+              <a:rPr lang="en-US" sz="2400" dirty="0" smtClean="0">
+                <a:latin typeface="Arial" panose="020B0604020202020204" pitchFamily="34" charset="0"/>
+                <a:cs typeface="Arial" panose="020B0604020202020204" pitchFamily="34" charset="0"/>
+              </a:rPr>
+              <a:t> </a:t>
+            </a:r>
+            <a:r>
+              <a:rPr lang="en-US" sz="2400" dirty="0" err="1">
+                <a:latin typeface="Arial" panose="020B0604020202020204" pitchFamily="34" charset="0"/>
+                <a:cs typeface="Arial" panose="020B0604020202020204" pitchFamily="34" charset="0"/>
+              </a:rPr>
+              <a:t>dạng</a:t>
+            </a:r>
+            <a:r>
+              <a:rPr lang="en-US" sz="2400" dirty="0">
+                <a:latin typeface="Arial" panose="020B0604020202020204" pitchFamily="34" charset="0"/>
+                <a:cs typeface="Arial" panose="020B0604020202020204" pitchFamily="34" charset="0"/>
+              </a:rPr>
+              <a:t> </a:t>
+            </a:r>
+            <a:r>
+              <a:rPr lang="en-US" sz="2400" dirty="0" err="1">
+                <a:latin typeface="Arial" panose="020B0604020202020204" pitchFamily="34" charset="0"/>
+                <a:cs typeface="Arial" panose="020B0604020202020204" pitchFamily="34" charset="0"/>
+              </a:rPr>
+              <a:t>sóng</a:t>
+            </a:r>
+            <a:r>
+              <a:rPr lang="en-US" sz="2400" dirty="0">
+                <a:latin typeface="Arial" panose="020B0604020202020204" pitchFamily="34" charset="0"/>
+                <a:cs typeface="Arial" panose="020B0604020202020204" pitchFamily="34" charset="0"/>
+              </a:rPr>
+              <a:t> </a:t>
+            </a:r>
+            <a:r>
+              <a:rPr lang="en-US" sz="2400" dirty="0" err="1">
+                <a:latin typeface="Arial" panose="020B0604020202020204" pitchFamily="34" charset="0"/>
+                <a:cs typeface="Arial" panose="020B0604020202020204" pitchFamily="34" charset="0"/>
+              </a:rPr>
+              <a:t>tín</a:t>
+            </a:r>
+            <a:r>
+              <a:rPr lang="en-US" sz="2400" dirty="0">
+                <a:latin typeface="Arial" panose="020B0604020202020204" pitchFamily="34" charset="0"/>
+                <a:cs typeface="Arial" panose="020B0604020202020204" pitchFamily="34" charset="0"/>
+              </a:rPr>
+              <a:t> </a:t>
+            </a:r>
+            <a:r>
+              <a:rPr lang="en-US" sz="2400" dirty="0" err="1">
+                <a:latin typeface="Arial" panose="020B0604020202020204" pitchFamily="34" charset="0"/>
+                <a:cs typeface="Arial" panose="020B0604020202020204" pitchFamily="34" charset="0"/>
+              </a:rPr>
+              <a:t>hiệu</a:t>
+            </a:r>
+            <a:r>
+              <a:rPr lang="en-US" sz="2400" dirty="0">
+                <a:latin typeface="Arial" panose="020B0604020202020204" pitchFamily="34" charset="0"/>
+                <a:cs typeface="Arial" panose="020B0604020202020204" pitchFamily="34" charset="0"/>
+              </a:rPr>
+              <a:t> </a:t>
+            </a:r>
+            <a:r>
+              <a:rPr lang="en-US" sz="2400" dirty="0" err="1">
+                <a:latin typeface="Arial" panose="020B0604020202020204" pitchFamily="34" charset="0"/>
+                <a:cs typeface="Arial" panose="020B0604020202020204" pitchFamily="34" charset="0"/>
+              </a:rPr>
+              <a:t>tiếng</a:t>
+            </a:r>
+            <a:r>
+              <a:rPr lang="en-US" sz="2400" dirty="0">
+                <a:latin typeface="Arial" panose="020B0604020202020204" pitchFamily="34" charset="0"/>
+                <a:cs typeface="Arial" panose="020B0604020202020204" pitchFamily="34" charset="0"/>
+              </a:rPr>
+              <a:t> </a:t>
+            </a:r>
+            <a:r>
+              <a:rPr lang="en-US" sz="2400" dirty="0" err="1">
+                <a:latin typeface="Arial" panose="020B0604020202020204" pitchFamily="34" charset="0"/>
+                <a:cs typeface="Arial" panose="020B0604020202020204" pitchFamily="34" charset="0"/>
+              </a:rPr>
+              <a:t>nói</a:t>
+            </a:r>
+            <a:r>
+              <a:rPr lang="en-US" sz="2400" dirty="0">
+                <a:latin typeface="Arial" panose="020B0604020202020204" pitchFamily="34" charset="0"/>
+                <a:cs typeface="Arial" panose="020B0604020202020204" pitchFamily="34" charset="0"/>
+              </a:rPr>
+              <a:t> </a:t>
+            </a:r>
+            <a:r>
+              <a:rPr lang="en-US" sz="2400" dirty="0" err="1">
+                <a:latin typeface="Arial" panose="020B0604020202020204" pitchFamily="34" charset="0"/>
+                <a:cs typeface="Arial" panose="020B0604020202020204" pitchFamily="34" charset="0"/>
+              </a:rPr>
+              <a:t>hai</a:t>
+            </a:r>
+            <a:r>
+              <a:rPr lang="en-US" sz="2400" dirty="0">
+                <a:latin typeface="Arial" panose="020B0604020202020204" pitchFamily="34" charset="0"/>
+                <a:cs typeface="Arial" panose="020B0604020202020204" pitchFamily="34" charset="0"/>
+              </a:rPr>
+              <a:t> </a:t>
+            </a:r>
+            <a:r>
+              <a:rPr lang="en-US" sz="2400" dirty="0" err="1">
+                <a:latin typeface="Arial" panose="020B0604020202020204" pitchFamily="34" charset="0"/>
+                <a:cs typeface="Arial" panose="020B0604020202020204" pitchFamily="34" charset="0"/>
+              </a:rPr>
+              <a:t>chiều</a:t>
+            </a:r>
+            <a:r>
+              <a:rPr lang="en-US" sz="2400" dirty="0">
+                <a:latin typeface="Arial" panose="020B0604020202020204" pitchFamily="34" charset="0"/>
+                <a:cs typeface="Arial" panose="020B0604020202020204" pitchFamily="34" charset="0"/>
+              </a:rPr>
+              <a:t> </a:t>
+            </a:r>
+            <a:r>
+              <a:rPr lang="en-US" sz="2400" dirty="0" err="1">
+                <a:latin typeface="Arial" panose="020B0604020202020204" pitchFamily="34" charset="0"/>
+                <a:cs typeface="Arial" panose="020B0604020202020204" pitchFamily="34" charset="0"/>
+              </a:rPr>
+              <a:t>thanh</a:t>
+            </a:r>
+            <a:r>
+              <a:rPr lang="en-US" sz="2400" dirty="0">
+                <a:latin typeface="Arial" panose="020B0604020202020204" pitchFamily="34" charset="0"/>
+                <a:cs typeface="Arial" panose="020B0604020202020204" pitchFamily="34" charset="0"/>
+              </a:rPr>
+              <a:t> </a:t>
+            </a:r>
+            <a:r>
+              <a:rPr lang="en-US" sz="2400" dirty="0" err="1">
+                <a:latin typeface="Arial" panose="020B0604020202020204" pitchFamily="34" charset="0"/>
+                <a:cs typeface="Arial" panose="020B0604020202020204" pitchFamily="34" charset="0"/>
+              </a:rPr>
+              <a:t>cấu</a:t>
+            </a:r>
+            <a:r>
+              <a:rPr lang="en-US" sz="2400" dirty="0">
+                <a:latin typeface="Arial" panose="020B0604020202020204" pitchFamily="34" charset="0"/>
+                <a:cs typeface="Arial" panose="020B0604020202020204" pitchFamily="34" charset="0"/>
+              </a:rPr>
+              <a:t> </a:t>
+            </a:r>
+            <a:r>
+              <a:rPr lang="en-US" sz="2400" dirty="0" err="1">
+                <a:latin typeface="Arial" panose="020B0604020202020204" pitchFamily="34" charset="0"/>
+                <a:cs typeface="Arial" panose="020B0604020202020204" pitchFamily="34" charset="0"/>
+              </a:rPr>
+              <a:t>trúc</a:t>
+            </a:r>
+            <a:r>
+              <a:rPr lang="en-US" sz="2400" dirty="0">
+                <a:latin typeface="Arial" panose="020B0604020202020204" pitchFamily="34" charset="0"/>
+                <a:cs typeface="Arial" panose="020B0604020202020204" pitchFamily="34" charset="0"/>
+              </a:rPr>
+              <a:t> </a:t>
+            </a:r>
+            <a:r>
+              <a:rPr lang="en-US" sz="2400" dirty="0" err="1">
+                <a:latin typeface="Arial" panose="020B0604020202020204" pitchFamily="34" charset="0"/>
+                <a:cs typeface="Arial" panose="020B0604020202020204" pitchFamily="34" charset="0"/>
+              </a:rPr>
+              <a:t>ba</a:t>
+            </a:r>
+            <a:r>
+              <a:rPr lang="en-US" sz="2400" dirty="0">
+                <a:latin typeface="Arial" panose="020B0604020202020204" pitchFamily="34" charset="0"/>
+                <a:cs typeface="Arial" panose="020B0604020202020204" pitchFamily="34" charset="0"/>
+              </a:rPr>
+              <a:t> </a:t>
+            </a:r>
+            <a:r>
+              <a:rPr lang="en-US" sz="2400" dirty="0" err="1">
+                <a:latin typeface="Arial" panose="020B0604020202020204" pitchFamily="34" charset="0"/>
+                <a:cs typeface="Arial" panose="020B0604020202020204" pitchFamily="34" charset="0"/>
+              </a:rPr>
+              <a:t>chiều</a:t>
+            </a:r>
+            <a:r>
+              <a:rPr lang="en-US" sz="2400" dirty="0">
+                <a:latin typeface="Arial" panose="020B0604020202020204" pitchFamily="34" charset="0"/>
+                <a:cs typeface="Arial" panose="020B0604020202020204" pitchFamily="34" charset="0"/>
+              </a:rPr>
+              <a:t> (</a:t>
             </a:r>
             <a:r>
               <a:rPr lang="en-US" sz="2400" dirty="0" err="1">
@@ -9979,513 +9774,65 @@
                 <a:latin typeface="Arial" panose="020B0604020202020204" pitchFamily="34" charset="0"/>
                 <a:cs typeface="Arial" panose="020B0604020202020204" pitchFamily="34" charset="0"/>
               </a:rPr>
-              <a:t> </a:t>
-            </a:r>
-            <a:r>
-              <a:rPr lang="en-US" sz="2400" dirty="0" err="1">
-                <a:latin typeface="Arial" panose="020B0604020202020204" pitchFamily="34" charset="0"/>
-                <a:cs typeface="Arial" panose="020B0604020202020204" pitchFamily="34" charset="0"/>
-              </a:rPr>
-              <a:t>phổ</a:t>
-            </a:r>
-            <a:r>
-              <a:rPr lang="en-US" sz="2400" dirty="0">
-                <a:latin typeface="Arial" panose="020B0604020202020204" pitchFamily="34" charset="0"/>
-                <a:cs typeface="Arial" panose="020B0604020202020204" pitchFamily="34" charset="0"/>
-              </a:rPr>
-              <a:t> </a:t>
-            </a:r>
-            <a:r>
-              <a:rPr lang="en-US" sz="2400" dirty="0" err="1">
-                <a:latin typeface="Arial" panose="020B0604020202020204" pitchFamily="34" charset="0"/>
-                <a:cs typeface="Arial" panose="020B0604020202020204" pitchFamily="34" charset="0"/>
-              </a:rPr>
-              <a:t>của</a:t>
-            </a:r>
-            <a:r>
-              <a:rPr lang="en-US" sz="2400" dirty="0">
-                <a:latin typeface="Arial" panose="020B0604020202020204" pitchFamily="34" charset="0"/>
-                <a:cs typeface="Arial" panose="020B0604020202020204" pitchFamily="34" charset="0"/>
-              </a:rPr>
-              <a:t> </a:t>
-            </a:r>
-            <a:r>
-              <a:rPr lang="en-US" sz="2400" dirty="0" err="1">
-                <a:latin typeface="Arial" panose="020B0604020202020204" pitchFamily="34" charset="0"/>
-                <a:cs typeface="Arial" panose="020B0604020202020204" pitchFamily="34" charset="0"/>
-              </a:rPr>
-              <a:t>tín</a:t>
-            </a:r>
-            <a:r>
-              <a:rPr lang="en-US" sz="2400" dirty="0">
-                <a:latin typeface="Arial" panose="020B0604020202020204" pitchFamily="34" charset="0"/>
-                <a:cs typeface="Arial" panose="020B0604020202020204" pitchFamily="34" charset="0"/>
-              </a:rPr>
-              <a:t> </a:t>
-            </a:r>
-            <a:r>
-              <a:rPr lang="en-US" sz="2400" dirty="0" err="1">
-                <a:latin typeface="Arial" panose="020B0604020202020204" pitchFamily="34" charset="0"/>
-                <a:cs typeface="Arial" panose="020B0604020202020204" pitchFamily="34" charset="0"/>
-              </a:rPr>
-              <a:t>hiệu</a:t>
-            </a:r>
-            <a:r>
-              <a:rPr lang="en-US" sz="2400" dirty="0">
-                <a:latin typeface="Arial" panose="020B0604020202020204" pitchFamily="34" charset="0"/>
-                <a:cs typeface="Arial" panose="020B0604020202020204" pitchFamily="34" charset="0"/>
-              </a:rPr>
-              <a:t> </a:t>
-            </a:r>
-            <a:r>
-              <a:rPr lang="en-US" sz="2400" dirty="0" err="1">
-                <a:latin typeface="Arial" panose="020B0604020202020204" pitchFamily="34" charset="0"/>
-                <a:cs typeface="Arial" panose="020B0604020202020204" pitchFamily="34" charset="0"/>
-              </a:rPr>
-              <a:t>mà</a:t>
-            </a:r>
-            <a:r>
-              <a:rPr lang="en-US" sz="2400" dirty="0">
-                <a:latin typeface="Arial" panose="020B0604020202020204" pitchFamily="34" charset="0"/>
-                <a:cs typeface="Arial" panose="020B0604020202020204" pitchFamily="34" charset="0"/>
-              </a:rPr>
-              <a:t> </a:t>
-            </a:r>
-            <a:r>
-              <a:rPr lang="en-US" sz="2400" dirty="0" err="1">
-                <a:latin typeface="Arial" panose="020B0604020202020204" pitchFamily="34" charset="0"/>
-                <a:cs typeface="Arial" panose="020B0604020202020204" pitchFamily="34" charset="0"/>
-              </a:rPr>
-              <a:t>bỏ</a:t>
-            </a:r>
-            <a:r>
-              <a:rPr lang="en-US" sz="2400" dirty="0">
-                <a:latin typeface="Arial" panose="020B0604020202020204" pitchFamily="34" charset="0"/>
-                <a:cs typeface="Arial" panose="020B0604020202020204" pitchFamily="34" charset="0"/>
-              </a:rPr>
-              <a:t> qua </a:t>
-            </a:r>
-            <a:r>
-              <a:rPr lang="en-US" sz="2400" dirty="0" err="1">
-                <a:latin typeface="Arial" panose="020B0604020202020204" pitchFamily="34" charset="0"/>
-                <a:cs typeface="Arial" panose="020B0604020202020204" pitchFamily="34" charset="0"/>
-              </a:rPr>
-              <a:t>các</a:t>
-            </a:r>
-            <a:r>
-              <a:rPr lang="en-US" sz="2400" dirty="0">
-                <a:latin typeface="Arial" panose="020B0604020202020204" pitchFamily="34" charset="0"/>
-                <a:cs typeface="Arial" panose="020B0604020202020204" pitchFamily="34" charset="0"/>
-              </a:rPr>
-              <a:t> </a:t>
-            </a:r>
-            <a:r>
-              <a:rPr lang="en-US" sz="2400" dirty="0" err="1">
-                <a:latin typeface="Arial" panose="020B0604020202020204" pitchFamily="34" charset="0"/>
-                <a:cs typeface="Arial" panose="020B0604020202020204" pitchFamily="34" charset="0"/>
-              </a:rPr>
-              <a:t>thông</a:t>
-            </a:r>
-            <a:r>
-              <a:rPr lang="en-US" sz="2400" dirty="0">
-                <a:latin typeface="Arial" panose="020B0604020202020204" pitchFamily="34" charset="0"/>
-                <a:cs typeface="Arial" panose="020B0604020202020204" pitchFamily="34" charset="0"/>
-              </a:rPr>
-              <a:t> tin </a:t>
-            </a:r>
-            <a:r>
-              <a:rPr lang="en-US" sz="2400" dirty="0" err="1">
-                <a:latin typeface="Arial" panose="020B0604020202020204" pitchFamily="34" charset="0"/>
-                <a:cs typeface="Arial" panose="020B0604020202020204" pitchFamily="34" charset="0"/>
-              </a:rPr>
-              <a:t>về</a:t>
-            </a:r>
-            <a:r>
-              <a:rPr lang="en-US" sz="2400" dirty="0">
-                <a:latin typeface="Arial" panose="020B0604020202020204" pitchFamily="34" charset="0"/>
-                <a:cs typeface="Arial" panose="020B0604020202020204" pitchFamily="34" charset="0"/>
-              </a:rPr>
-              <a:t> </a:t>
-            </a:r>
-            <a:r>
-              <a:rPr lang="en-US" sz="2400" dirty="0" err="1">
-                <a:latin typeface="Arial" panose="020B0604020202020204" pitchFamily="34" charset="0"/>
-                <a:cs typeface="Arial" panose="020B0604020202020204" pitchFamily="34" charset="0"/>
-              </a:rPr>
-              <a:t>pha</a:t>
-            </a:r>
-            <a:r>
-              <a:rPr lang="en-US" sz="2400" dirty="0">
-                <a:latin typeface="Arial" panose="020B0604020202020204" pitchFamily="34" charset="0"/>
-                <a:cs typeface="Arial" panose="020B0604020202020204" pitchFamily="34" charset="0"/>
-              </a:rPr>
-              <a:t> </a:t>
-            </a:r>
-            <a:r>
-              <a:rPr lang="en-US" sz="2400" dirty="0" err="1">
-                <a:latin typeface="Arial" panose="020B0604020202020204" pitchFamily="34" charset="0"/>
-                <a:cs typeface="Arial" panose="020B0604020202020204" pitchFamily="34" charset="0"/>
-              </a:rPr>
-              <a:t>bởi</a:t>
-            </a:r>
-            <a:r>
-              <a:rPr lang="en-US" sz="2400" dirty="0">
-                <a:latin typeface="Arial" panose="020B0604020202020204" pitchFamily="34" charset="0"/>
-                <a:cs typeface="Arial" panose="020B0604020202020204" pitchFamily="34" charset="0"/>
-              </a:rPr>
-              <a:t> </a:t>
-            </a:r>
-            <a:r>
-              <a:rPr lang="en-US" sz="2400" dirty="0" err="1">
-                <a:latin typeface="Arial" panose="020B0604020202020204" pitchFamily="34" charset="0"/>
-                <a:cs typeface="Arial" panose="020B0604020202020204" pitchFamily="34" charset="0"/>
-              </a:rPr>
-              <a:t>vì</a:t>
-            </a:r>
-            <a:r>
-              <a:rPr lang="en-US" sz="2400" dirty="0">
-                <a:latin typeface="Arial" panose="020B0604020202020204" pitchFamily="34" charset="0"/>
-                <a:cs typeface="Arial" panose="020B0604020202020204" pitchFamily="34" charset="0"/>
-              </a:rPr>
-              <a:t> </a:t>
-            </a:r>
-            <a:r>
-              <a:rPr lang="en-US" sz="2400" dirty="0" err="1">
-                <a:latin typeface="Arial" panose="020B0604020202020204" pitchFamily="34" charset="0"/>
-                <a:cs typeface="Arial" panose="020B0604020202020204" pitchFamily="34" charset="0"/>
-              </a:rPr>
-              <a:t>các</a:t>
-            </a:r>
-            <a:r>
-              <a:rPr lang="en-US" sz="2400" dirty="0">
-                <a:latin typeface="Arial" panose="020B0604020202020204" pitchFamily="34" charset="0"/>
-                <a:cs typeface="Arial" panose="020B0604020202020204" pitchFamily="34" charset="0"/>
-              </a:rPr>
-              <a:t> </a:t>
-            </a:r>
-            <a:r>
-              <a:rPr lang="en-US" sz="2400" dirty="0" err="1">
-                <a:latin typeface="Arial" panose="020B0604020202020204" pitchFamily="34" charset="0"/>
-                <a:cs typeface="Arial" panose="020B0604020202020204" pitchFamily="34" charset="0"/>
-              </a:rPr>
-              <a:t>thông</a:t>
-            </a:r>
-            <a:r>
-              <a:rPr lang="en-US" sz="2400" dirty="0">
-                <a:latin typeface="Arial" panose="020B0604020202020204" pitchFamily="34" charset="0"/>
-                <a:cs typeface="Arial" panose="020B0604020202020204" pitchFamily="34" charset="0"/>
-              </a:rPr>
-              <a:t> tin </a:t>
-            </a:r>
-            <a:r>
-              <a:rPr lang="en-US" sz="2400" dirty="0" err="1">
-                <a:latin typeface="Arial" panose="020B0604020202020204" pitchFamily="34" charset="0"/>
-                <a:cs typeface="Arial" panose="020B0604020202020204" pitchFamily="34" charset="0"/>
-              </a:rPr>
-              <a:t>về</a:t>
-            </a:r>
-            <a:r>
-              <a:rPr lang="en-US" sz="2400" dirty="0">
-                <a:latin typeface="Arial" panose="020B0604020202020204" pitchFamily="34" charset="0"/>
-                <a:cs typeface="Arial" panose="020B0604020202020204" pitchFamily="34" charset="0"/>
-              </a:rPr>
-              <a:t> </a:t>
-            </a:r>
-            <a:r>
-              <a:rPr lang="en-US" sz="2400" dirty="0" err="1">
-                <a:latin typeface="Arial" panose="020B0604020202020204" pitchFamily="34" charset="0"/>
-                <a:cs typeface="Arial" panose="020B0604020202020204" pitchFamily="34" charset="0"/>
-              </a:rPr>
-              <a:t>pha</a:t>
-            </a:r>
-            <a:r>
-              <a:rPr lang="en-US" sz="2400" dirty="0">
-                <a:latin typeface="Arial" panose="020B0604020202020204" pitchFamily="34" charset="0"/>
-                <a:cs typeface="Arial" panose="020B0604020202020204" pitchFamily="34" charset="0"/>
-              </a:rPr>
-              <a:t> </a:t>
-            </a:r>
-            <a:r>
-              <a:rPr lang="en-US" sz="2400" dirty="0" err="1">
-                <a:latin typeface="Arial" panose="020B0604020202020204" pitchFamily="34" charset="0"/>
-                <a:cs typeface="Arial" panose="020B0604020202020204" pitchFamily="34" charset="0"/>
-              </a:rPr>
-              <a:t>được</a:t>
-            </a:r>
-            <a:r>
-              <a:rPr lang="en-US" sz="2400" dirty="0">
-                <a:latin typeface="Arial" panose="020B0604020202020204" pitchFamily="34" charset="0"/>
-                <a:cs typeface="Arial" panose="020B0604020202020204" pitchFamily="34" charset="0"/>
-              </a:rPr>
-              <a:t> </a:t>
-            </a:r>
-            <a:r>
-              <a:rPr lang="en-US" sz="2400" dirty="0" err="1">
-                <a:latin typeface="Arial" panose="020B0604020202020204" pitchFamily="34" charset="0"/>
-                <a:cs typeface="Arial" panose="020B0604020202020204" pitchFamily="34" charset="0"/>
-              </a:rPr>
-              <a:t>cho</a:t>
-            </a:r>
-            <a:r>
-              <a:rPr lang="en-US" sz="2400" dirty="0">
-                <a:latin typeface="Arial" panose="020B0604020202020204" pitchFamily="34" charset="0"/>
-                <a:cs typeface="Arial" panose="020B0604020202020204" pitchFamily="34" charset="0"/>
-              </a:rPr>
-              <a:t> </a:t>
-            </a:r>
-            <a:r>
-              <a:rPr lang="en-US" sz="2400" dirty="0" err="1">
-                <a:latin typeface="Arial" panose="020B0604020202020204" pitchFamily="34" charset="0"/>
-                <a:cs typeface="Arial" panose="020B0604020202020204" pitchFamily="34" charset="0"/>
-              </a:rPr>
-              <a:t>rằng</a:t>
-            </a:r>
-            <a:r>
-              <a:rPr lang="en-US" sz="2400" dirty="0">
-                <a:latin typeface="Arial" panose="020B0604020202020204" pitchFamily="34" charset="0"/>
-                <a:cs typeface="Arial" panose="020B0604020202020204" pitchFamily="34" charset="0"/>
-              </a:rPr>
-              <a:t> </a:t>
-            </a:r>
-            <a:r>
-              <a:rPr lang="en-US" sz="2400" dirty="0" err="1">
-                <a:latin typeface="Arial" panose="020B0604020202020204" pitchFamily="34" charset="0"/>
-                <a:cs typeface="Arial" panose="020B0604020202020204" pitchFamily="34" charset="0"/>
-              </a:rPr>
-              <a:t>không</a:t>
-            </a:r>
-            <a:r>
-              <a:rPr lang="en-US" sz="2400" dirty="0">
-                <a:latin typeface="Arial" panose="020B0604020202020204" pitchFamily="34" charset="0"/>
-                <a:cs typeface="Arial" panose="020B0604020202020204" pitchFamily="34" charset="0"/>
-              </a:rPr>
-              <a:t> </a:t>
-            </a:r>
-            <a:r>
-              <a:rPr lang="en-US" sz="2400" dirty="0" err="1">
-                <a:latin typeface="Arial" panose="020B0604020202020204" pitchFamily="34" charset="0"/>
-                <a:cs typeface="Arial" panose="020B0604020202020204" pitchFamily="34" charset="0"/>
-              </a:rPr>
-              <a:t>có</a:t>
-            </a:r>
-            <a:r>
-              <a:rPr lang="en-US" sz="2400" dirty="0">
-                <a:latin typeface="Arial" panose="020B0604020202020204" pitchFamily="34" charset="0"/>
-                <a:cs typeface="Arial" panose="020B0604020202020204" pitchFamily="34" charset="0"/>
-              </a:rPr>
-              <a:t> </a:t>
-            </a:r>
-            <a:r>
-              <a:rPr lang="en-US" sz="2400" dirty="0" err="1">
-                <a:latin typeface="Arial" panose="020B0604020202020204" pitchFamily="34" charset="0"/>
-                <a:cs typeface="Arial" panose="020B0604020202020204" pitchFamily="34" charset="0"/>
-              </a:rPr>
-              <a:t>vai</a:t>
-            </a:r>
-            <a:r>
-              <a:rPr lang="en-US" sz="2400" dirty="0">
-                <a:latin typeface="Arial" panose="020B0604020202020204" pitchFamily="34" charset="0"/>
-                <a:cs typeface="Arial" panose="020B0604020202020204" pitchFamily="34" charset="0"/>
-              </a:rPr>
-              <a:t> </a:t>
-            </a:r>
-            <a:r>
-              <a:rPr lang="en-US" sz="2400" dirty="0" err="1">
-                <a:latin typeface="Arial" panose="020B0604020202020204" pitchFamily="34" charset="0"/>
-                <a:cs typeface="Arial" panose="020B0604020202020204" pitchFamily="34" charset="0"/>
-              </a:rPr>
-              <a:t>trò</a:t>
-            </a:r>
-            <a:r>
-              <a:rPr lang="en-US" sz="2400" dirty="0">
-                <a:latin typeface="Arial" panose="020B0604020202020204" pitchFamily="34" charset="0"/>
-                <a:cs typeface="Arial" panose="020B0604020202020204" pitchFamily="34" charset="0"/>
-              </a:rPr>
-              <a:t> </a:t>
-            </a:r>
-            <a:r>
-              <a:rPr lang="en-US" sz="2400" dirty="0" err="1">
-                <a:latin typeface="Arial" panose="020B0604020202020204" pitchFamily="34" charset="0"/>
-                <a:cs typeface="Arial" panose="020B0604020202020204" pitchFamily="34" charset="0"/>
-              </a:rPr>
-              <a:t>quan</a:t>
-            </a:r>
-            <a:r>
-              <a:rPr lang="en-US" sz="2400" dirty="0">
-                <a:latin typeface="Arial" panose="020B0604020202020204" pitchFamily="34" charset="0"/>
-                <a:cs typeface="Arial" panose="020B0604020202020204" pitchFamily="34" charset="0"/>
-              </a:rPr>
-              <a:t> </a:t>
-            </a:r>
-            <a:r>
-              <a:rPr lang="en-US" sz="2400" dirty="0" err="1">
-                <a:latin typeface="Arial" panose="020B0604020202020204" pitchFamily="34" charset="0"/>
-                <a:cs typeface="Arial" panose="020B0604020202020204" pitchFamily="34" charset="0"/>
-              </a:rPr>
-              <a:t>trọng</a:t>
-            </a:r>
-            <a:r>
-              <a:rPr lang="en-US" sz="2400" dirty="0">
-                <a:latin typeface="Arial" panose="020B0604020202020204" pitchFamily="34" charset="0"/>
-                <a:cs typeface="Arial" panose="020B0604020202020204" pitchFamily="34" charset="0"/>
-              </a:rPr>
-              <a:t> </a:t>
-            </a:r>
-            <a:r>
-              <a:rPr lang="en-US" sz="2400" dirty="0" err="1">
-                <a:latin typeface="Arial" panose="020B0604020202020204" pitchFamily="34" charset="0"/>
-                <a:cs typeface="Arial" panose="020B0604020202020204" pitchFamily="34" charset="0"/>
-              </a:rPr>
-              <a:t>trong</a:t>
-            </a:r>
-            <a:r>
-              <a:rPr lang="en-US" sz="2400" dirty="0">
-                <a:latin typeface="Arial" panose="020B0604020202020204" pitchFamily="34" charset="0"/>
-                <a:cs typeface="Arial" panose="020B0604020202020204" pitchFamily="34" charset="0"/>
-              </a:rPr>
-              <a:t> </a:t>
-            </a:r>
-            <a:r>
-              <a:rPr lang="en-US" sz="2400" dirty="0" err="1">
-                <a:latin typeface="Arial" panose="020B0604020202020204" pitchFamily="34" charset="0"/>
-                <a:cs typeface="Arial" panose="020B0604020202020204" pitchFamily="34" charset="0"/>
-              </a:rPr>
-              <a:t>hầu</a:t>
-            </a:r>
-            <a:r>
-              <a:rPr lang="en-US" sz="2400" dirty="0">
-                <a:latin typeface="Arial" panose="020B0604020202020204" pitchFamily="34" charset="0"/>
-                <a:cs typeface="Arial" panose="020B0604020202020204" pitchFamily="34" charset="0"/>
-              </a:rPr>
-              <a:t> </a:t>
-            </a:r>
-            <a:r>
-              <a:rPr lang="en-US" sz="2400" dirty="0" err="1">
-                <a:latin typeface="Arial" panose="020B0604020202020204" pitchFamily="34" charset="0"/>
-                <a:cs typeface="Arial" panose="020B0604020202020204" pitchFamily="34" charset="0"/>
-              </a:rPr>
-              <a:t>hết</a:t>
-            </a:r>
-            <a:r>
-              <a:rPr lang="en-US" sz="2400" dirty="0">
-                <a:latin typeface="Arial" panose="020B0604020202020204" pitchFamily="34" charset="0"/>
-                <a:cs typeface="Arial" panose="020B0604020202020204" pitchFamily="34" charset="0"/>
-              </a:rPr>
-              <a:t> </a:t>
-            </a:r>
-            <a:r>
-              <a:rPr lang="en-US" sz="2400" dirty="0" err="1">
-                <a:latin typeface="Arial" panose="020B0604020202020204" pitchFamily="34" charset="0"/>
-                <a:cs typeface="Arial" panose="020B0604020202020204" pitchFamily="34" charset="0"/>
-              </a:rPr>
-              <a:t>các</a:t>
-            </a:r>
-            <a:r>
-              <a:rPr lang="en-US" sz="2400" dirty="0">
-                <a:latin typeface="Arial" panose="020B0604020202020204" pitchFamily="34" charset="0"/>
-                <a:cs typeface="Arial" panose="020B0604020202020204" pitchFamily="34" charset="0"/>
-              </a:rPr>
-              <a:t> </a:t>
-            </a:r>
-            <a:r>
-              <a:rPr lang="en-US" sz="2400" dirty="0" err="1">
-                <a:latin typeface="Arial" panose="020B0604020202020204" pitchFamily="34" charset="0"/>
-                <a:cs typeface="Arial" panose="020B0604020202020204" pitchFamily="34" charset="0"/>
-              </a:rPr>
-              <a:t>ứng</a:t>
-            </a:r>
-            <a:r>
-              <a:rPr lang="en-US" sz="2400" dirty="0">
-                <a:latin typeface="Arial" panose="020B0604020202020204" pitchFamily="34" charset="0"/>
-                <a:cs typeface="Arial" panose="020B0604020202020204" pitchFamily="34" charset="0"/>
-              </a:rPr>
-              <a:t> </a:t>
-            </a:r>
-            <a:r>
-              <a:rPr lang="en-US" sz="2400" dirty="0" err="1">
-                <a:latin typeface="Arial" panose="020B0604020202020204" pitchFamily="34" charset="0"/>
-                <a:cs typeface="Arial" panose="020B0604020202020204" pitchFamily="34" charset="0"/>
-              </a:rPr>
-              <a:t>dụng</a:t>
-            </a:r>
-            <a:r>
-              <a:rPr lang="en-US" sz="2400" dirty="0">
-                <a:latin typeface="Arial" panose="020B0604020202020204" pitchFamily="34" charset="0"/>
-                <a:cs typeface="Arial" panose="020B0604020202020204" pitchFamily="34" charset="0"/>
-              </a:rPr>
-              <a:t> </a:t>
-            </a:r>
-            <a:r>
-              <a:rPr lang="en-US" sz="2400" dirty="0" err="1">
-                <a:latin typeface="Arial" panose="020B0604020202020204" pitchFamily="34" charset="0"/>
-                <a:cs typeface="Arial" panose="020B0604020202020204" pitchFamily="34" charset="0"/>
-              </a:rPr>
-              <a:t>liên</a:t>
-            </a:r>
-            <a:r>
-              <a:rPr lang="en-US" sz="2400" dirty="0">
-                <a:latin typeface="Arial" panose="020B0604020202020204" pitchFamily="34" charset="0"/>
-                <a:cs typeface="Arial" panose="020B0604020202020204" pitchFamily="34" charset="0"/>
-              </a:rPr>
-              <a:t> </a:t>
-            </a:r>
-            <a:r>
-              <a:rPr lang="en-US" sz="2400" dirty="0" err="1">
-                <a:latin typeface="Arial" panose="020B0604020202020204" pitchFamily="34" charset="0"/>
-                <a:cs typeface="Arial" panose="020B0604020202020204" pitchFamily="34" charset="0"/>
-              </a:rPr>
-              <a:t>quan</a:t>
-            </a:r>
-            <a:r>
-              <a:rPr lang="en-US" sz="2400" dirty="0">
-                <a:latin typeface="Arial" panose="020B0604020202020204" pitchFamily="34" charset="0"/>
-                <a:cs typeface="Arial" panose="020B0604020202020204" pitchFamily="34" charset="0"/>
-              </a:rPr>
-              <a:t> </a:t>
-            </a:r>
-            <a:r>
-              <a:rPr lang="en-US" sz="2400" dirty="0" err="1">
-                <a:latin typeface="Arial" panose="020B0604020202020204" pitchFamily="34" charset="0"/>
-                <a:cs typeface="Arial" panose="020B0604020202020204" pitchFamily="34" charset="0"/>
-              </a:rPr>
-              <a:t>đến</a:t>
-            </a:r>
-            <a:r>
-              <a:rPr lang="en-US" sz="2400" dirty="0">
-                <a:latin typeface="Arial" panose="020B0604020202020204" pitchFamily="34" charset="0"/>
-                <a:cs typeface="Arial" panose="020B0604020202020204" pitchFamily="34" charset="0"/>
-              </a:rPr>
-              <a:t> </a:t>
-            </a:r>
-            <a:r>
-              <a:rPr lang="en-US" sz="2400" dirty="0" err="1">
-                <a:latin typeface="Arial" panose="020B0604020202020204" pitchFamily="34" charset="0"/>
-                <a:cs typeface="Arial" panose="020B0604020202020204" pitchFamily="34" charset="0"/>
-              </a:rPr>
-              <a:t>tiếng</a:t>
-            </a:r>
-            <a:r>
-              <a:rPr lang="en-US" sz="2400" dirty="0">
-                <a:latin typeface="Arial" panose="020B0604020202020204" pitchFamily="34" charset="0"/>
-                <a:cs typeface="Arial" panose="020B0604020202020204" pitchFamily="34" charset="0"/>
-              </a:rPr>
-              <a:t> </a:t>
-            </a:r>
-            <a:r>
-              <a:rPr lang="en-US" sz="2400" dirty="0" err="1">
-                <a:latin typeface="Arial" panose="020B0604020202020204" pitchFamily="34" charset="0"/>
-                <a:cs typeface="Arial" panose="020B0604020202020204" pitchFamily="34" charset="0"/>
-              </a:rPr>
-              <a:t>nói</a:t>
-            </a:r>
-            <a:r>
-              <a:rPr lang="en-US" sz="2400" dirty="0">
-                <a:latin typeface="Arial" panose="020B0604020202020204" pitchFamily="34" charset="0"/>
-                <a:cs typeface="Arial" panose="020B0604020202020204" pitchFamily="34" charset="0"/>
-              </a:rPr>
-              <a:t>.</a:t>
-            </a:r>
-            <a:endParaRPr lang="vi-VN" sz="2400" dirty="0">
+              <a:t>/</a:t>
+            </a:r>
+            <a:r>
+              <a:rPr lang="en-US" sz="2400" dirty="0" err="1">
+                <a:latin typeface="Arial" panose="020B0604020202020204" pitchFamily="34" charset="0"/>
+                <a:cs typeface="Arial" panose="020B0604020202020204" pitchFamily="34" charset="0"/>
+              </a:rPr>
+              <a:t>tần</a:t>
+            </a:r>
+            <a:r>
+              <a:rPr lang="en-US" sz="2400" dirty="0">
+                <a:latin typeface="Arial" panose="020B0604020202020204" pitchFamily="34" charset="0"/>
+                <a:cs typeface="Arial" panose="020B0604020202020204" pitchFamily="34" charset="0"/>
+              </a:rPr>
+              <a:t> </a:t>
+            </a:r>
+            <a:r>
+              <a:rPr lang="en-US" sz="2400" dirty="0" err="1">
+                <a:latin typeface="Arial" panose="020B0604020202020204" pitchFamily="34" charset="0"/>
+                <a:cs typeface="Arial" panose="020B0604020202020204" pitchFamily="34" charset="0"/>
+              </a:rPr>
+              <a:t>số</a:t>
+            </a:r>
+            <a:r>
+              <a:rPr lang="en-US" sz="2400" dirty="0">
+                <a:latin typeface="Arial" panose="020B0604020202020204" pitchFamily="34" charset="0"/>
+                <a:cs typeface="Arial" panose="020B0604020202020204" pitchFamily="34" charset="0"/>
+              </a:rPr>
+              <a:t>/</a:t>
+            </a:r>
+            <a:r>
+              <a:rPr lang="en-US" sz="2400" dirty="0" err="1">
+                <a:latin typeface="Arial" panose="020B0604020202020204" pitchFamily="34" charset="0"/>
+                <a:cs typeface="Arial" panose="020B0604020202020204" pitchFamily="34" charset="0"/>
+              </a:rPr>
+              <a:t>thời</a:t>
+            </a:r>
+            <a:r>
+              <a:rPr lang="en-US" sz="2400" dirty="0">
+                <a:latin typeface="Arial" panose="020B0604020202020204" pitchFamily="34" charset="0"/>
+                <a:cs typeface="Arial" panose="020B0604020202020204" pitchFamily="34" charset="0"/>
+              </a:rPr>
+              <a:t> </a:t>
+            </a:r>
+            <a:r>
+              <a:rPr lang="en-US" sz="2400" dirty="0" err="1">
+                <a:latin typeface="Arial" panose="020B0604020202020204" pitchFamily="34" charset="0"/>
+                <a:cs typeface="Arial" panose="020B0604020202020204" pitchFamily="34" charset="0"/>
+              </a:rPr>
+              <a:t>gian</a:t>
+            </a:r>
+            <a:r>
+              <a:rPr lang="en-US" sz="2400" dirty="0">
+                <a:latin typeface="Arial" panose="020B0604020202020204" pitchFamily="34" charset="0"/>
+                <a:cs typeface="Arial" panose="020B0604020202020204" pitchFamily="34" charset="0"/>
+              </a:rPr>
+              <a:t>). </a:t>
+            </a:r>
+            <a:endParaRPr lang="en-US" sz="2400" dirty="0" smtClean="0">
               <a:latin typeface="Arial" panose="020B0604020202020204" pitchFamily="34" charset="0"/>
               <a:cs typeface="Arial" panose="020B0604020202020204" pitchFamily="34" charset="0"/>
             </a:endParaRPr>
@@ -10618,367 +9965,6 @@
           <a:chExt cx="0" cy="0"/>
         </a:xfrm>
       </p:grpSpPr>
-      <p:sp>
-        <p:nvSpPr>
-          <p:cNvPr id="2" name="Tiêu đề 1">
-            <a:extLst>
-              <a:ext uri="{FF2B5EF4-FFF2-40B4-BE49-F238E27FC236}">
-                <a16:creationId xmlns:a16="http://schemas.microsoft.com/office/drawing/2014/main" id="{8BB5F789-DFF3-4930-AACB-08937489C694}"/>
-              </a:ext>
-            </a:extLst>
-          </p:cNvPr>
-          <p:cNvSpPr>
-            <a:spLocks noGrp="1"/>
-          </p:cNvSpPr>
-          <p:nvPr>
-            <p:ph type="title"/>
-          </p:nvPr>
-        </p:nvSpPr>
-        <p:spPr/>
-        <p:txBody>
-          <a:bodyPr/>
-          <a:lstStyle/>
-          <a:p>
-            <a:r>
-              <a:rPr lang="en-US" dirty="0" smtClean="0">
-                <a:latin typeface="Arial" panose="020B0604020202020204" pitchFamily="34" charset="0"/>
-                <a:cs typeface="Arial" panose="020B0604020202020204" pitchFamily="34" charset="0"/>
-              </a:rPr>
-              <a:t>III. </a:t>
-            </a:r>
-            <a:r>
-              <a:rPr lang="en-US" dirty="0">
-                <a:latin typeface="Arial" panose="020B0604020202020204" pitchFamily="34" charset="0"/>
-                <a:cs typeface="Arial" panose="020B0604020202020204" pitchFamily="34" charset="0"/>
-              </a:rPr>
-              <a:t>CÁC THUẬT TOÁN XỬ LÝ</a:t>
-            </a:r>
-          </a:p>
-        </p:txBody>
-      </p:sp>
-      <p:sp>
-        <p:nvSpPr>
-          <p:cNvPr id="3" name="Chỗ dành sẵn cho Nội dung 2">
-            <a:extLst>
-              <a:ext uri="{FF2B5EF4-FFF2-40B4-BE49-F238E27FC236}">
-                <a16:creationId xmlns:a16="http://schemas.microsoft.com/office/drawing/2014/main" id="{BA9B5AD6-9C40-4E0A-BA93-7BA82F910428}"/>
-              </a:ext>
-            </a:extLst>
-          </p:cNvPr>
-          <p:cNvSpPr>
-            <a:spLocks noGrp="1"/>
-          </p:cNvSpPr>
-          <p:nvPr>
-            <p:ph idx="1"/>
-          </p:nvPr>
-        </p:nvSpPr>
-        <p:spPr>
-          <a:xfrm>
-            <a:off x="0" y="1814286"/>
-            <a:ext cx="9144000" cy="1386113"/>
-          </a:xfrm>
-        </p:spPr>
-        <p:txBody>
-          <a:bodyPr>
-            <a:normAutofit/>
-          </a:bodyPr>
-          <a:lstStyle/>
-          <a:p>
-            <a:pPr>
-              <a:buFont typeface="+mj-lt"/>
-              <a:buAutoNum type="arabicPeriod"/>
-            </a:pPr>
-            <a:r>
-              <a:rPr lang="en-US" sz="2400" dirty="0" err="1">
-                <a:latin typeface="Arial" panose="020B0604020202020204" pitchFamily="34" charset="0"/>
-                <a:cs typeface="Arial" panose="020B0604020202020204" pitchFamily="34" charset="0"/>
-              </a:rPr>
-              <a:t>Sơ</a:t>
-            </a:r>
-            <a:r>
-              <a:rPr lang="en-US" sz="2400" dirty="0">
-                <a:latin typeface="Arial" panose="020B0604020202020204" pitchFamily="34" charset="0"/>
-                <a:cs typeface="Arial" panose="020B0604020202020204" pitchFamily="34" charset="0"/>
-              </a:rPr>
-              <a:t> </a:t>
-            </a:r>
-            <a:r>
-              <a:rPr lang="en-US" sz="2400" dirty="0" err="1">
-                <a:latin typeface="Arial" panose="020B0604020202020204" pitchFamily="34" charset="0"/>
-                <a:cs typeface="Arial" panose="020B0604020202020204" pitchFamily="34" charset="0"/>
-              </a:rPr>
-              <a:t>đồ</a:t>
-            </a:r>
-            <a:r>
-              <a:rPr lang="en-US" sz="2400" dirty="0">
-                <a:latin typeface="Arial" panose="020B0604020202020204" pitchFamily="34" charset="0"/>
-                <a:cs typeface="Arial" panose="020B0604020202020204" pitchFamily="34" charset="0"/>
-              </a:rPr>
-              <a:t> </a:t>
-            </a:r>
-            <a:r>
-              <a:rPr lang="en-US" sz="2400" dirty="0" err="1">
-                <a:latin typeface="Arial" panose="020B0604020202020204" pitchFamily="34" charset="0"/>
-                <a:cs typeface="Arial" panose="020B0604020202020204" pitchFamily="34" charset="0"/>
-              </a:rPr>
-              <a:t>khối</a:t>
-            </a:r>
-            <a:r>
-              <a:rPr lang="en-US" sz="2400" dirty="0">
-                <a:latin typeface="Arial" panose="020B0604020202020204" pitchFamily="34" charset="0"/>
-                <a:cs typeface="Arial" panose="020B0604020202020204" pitchFamily="34" charset="0"/>
-              </a:rPr>
-              <a:t> </a:t>
-            </a:r>
-            <a:r>
-              <a:rPr lang="en-US" sz="2400" dirty="0" err="1">
-                <a:latin typeface="Arial" panose="020B0604020202020204" pitchFamily="34" charset="0"/>
-                <a:cs typeface="Arial" panose="020B0604020202020204" pitchFamily="34" charset="0"/>
-              </a:rPr>
-              <a:t>thuật</a:t>
-            </a:r>
-            <a:r>
-              <a:rPr lang="en-US" sz="2400" dirty="0">
-                <a:latin typeface="Arial" panose="020B0604020202020204" pitchFamily="34" charset="0"/>
-                <a:cs typeface="Arial" panose="020B0604020202020204" pitchFamily="34" charset="0"/>
-              </a:rPr>
-              <a:t> </a:t>
-            </a:r>
-            <a:r>
-              <a:rPr lang="en-US" sz="2400" dirty="0" err="1">
-                <a:latin typeface="Arial" panose="020B0604020202020204" pitchFamily="34" charset="0"/>
-                <a:cs typeface="Arial" panose="020B0604020202020204" pitchFamily="34" charset="0"/>
-              </a:rPr>
-              <a:t>toán</a:t>
-            </a:r>
-            <a:endParaRPr lang="en-US" sz="2400" dirty="0">
-              <a:latin typeface="Arial" panose="020B0604020202020204" pitchFamily="34" charset="0"/>
-              <a:cs typeface="Arial" panose="020B0604020202020204" pitchFamily="34" charset="0"/>
-            </a:endParaRPr>
-          </a:p>
-          <a:p>
-            <a:pPr>
-              <a:buFont typeface="+mj-lt"/>
-              <a:buAutoNum type="arabicPeriod"/>
-            </a:pPr>
-            <a:r>
-              <a:rPr lang="en-US" sz="2400" dirty="0" err="1">
-                <a:latin typeface="Arial" panose="020B0604020202020204" pitchFamily="34" charset="0"/>
-                <a:cs typeface="Arial" panose="020B0604020202020204" pitchFamily="34" charset="0"/>
-              </a:rPr>
-              <a:t>Thuật</a:t>
-            </a:r>
-            <a:r>
-              <a:rPr lang="en-US" sz="2400" dirty="0">
-                <a:latin typeface="Arial" panose="020B0604020202020204" pitchFamily="34" charset="0"/>
-                <a:cs typeface="Arial" panose="020B0604020202020204" pitchFamily="34" charset="0"/>
-              </a:rPr>
-              <a:t> </a:t>
-            </a:r>
-            <a:r>
-              <a:rPr lang="en-US" sz="2400" dirty="0" err="1">
-                <a:latin typeface="Arial" panose="020B0604020202020204" pitchFamily="34" charset="0"/>
-                <a:cs typeface="Arial" panose="020B0604020202020204" pitchFamily="34" charset="0"/>
-              </a:rPr>
-              <a:t>toán</a:t>
-            </a:r>
-            <a:r>
-              <a:rPr lang="en-US" sz="2400" dirty="0">
-                <a:latin typeface="Arial" panose="020B0604020202020204" pitchFamily="34" charset="0"/>
-                <a:cs typeface="Arial" panose="020B0604020202020204" pitchFamily="34" charset="0"/>
-              </a:rPr>
-              <a:t> </a:t>
-            </a:r>
-            <a:r>
-              <a:rPr lang="en-US" sz="2400" dirty="0" err="1" smtClean="0">
-                <a:latin typeface="Arial" panose="020B0604020202020204" pitchFamily="34" charset="0"/>
-                <a:cs typeface="Arial" panose="020B0604020202020204" pitchFamily="34" charset="0"/>
-              </a:rPr>
-              <a:t>biến</a:t>
-            </a:r>
-            <a:r>
-              <a:rPr lang="en-US" sz="2400" dirty="0" smtClean="0">
-                <a:latin typeface="Arial" panose="020B0604020202020204" pitchFamily="34" charset="0"/>
-                <a:cs typeface="Arial" panose="020B0604020202020204" pitchFamily="34" charset="0"/>
-              </a:rPr>
-              <a:t> </a:t>
-            </a:r>
-            <a:r>
-              <a:rPr lang="en-US" sz="2400" dirty="0" err="1" smtClean="0">
-                <a:latin typeface="Arial" panose="020B0604020202020204" pitchFamily="34" charset="0"/>
-                <a:cs typeface="Arial" panose="020B0604020202020204" pitchFamily="34" charset="0"/>
-              </a:rPr>
-              <a:t>đổi</a:t>
-            </a:r>
-            <a:r>
-              <a:rPr lang="en-US" sz="2400" dirty="0" smtClean="0">
-                <a:latin typeface="Arial" panose="020B0604020202020204" pitchFamily="34" charset="0"/>
-                <a:cs typeface="Arial" panose="020B0604020202020204" pitchFamily="34" charset="0"/>
-              </a:rPr>
-              <a:t> Fourier </a:t>
-            </a:r>
-            <a:r>
-              <a:rPr lang="en-US" sz="2400" dirty="0" err="1" smtClean="0">
-                <a:latin typeface="Arial" panose="020B0604020202020204" pitchFamily="34" charset="0"/>
-                <a:cs typeface="Arial" panose="020B0604020202020204" pitchFamily="34" charset="0"/>
-              </a:rPr>
-              <a:t>rời</a:t>
-            </a:r>
-            <a:r>
-              <a:rPr lang="en-US" sz="2400" dirty="0" smtClean="0">
-                <a:latin typeface="Arial" panose="020B0604020202020204" pitchFamily="34" charset="0"/>
-                <a:cs typeface="Arial" panose="020B0604020202020204" pitchFamily="34" charset="0"/>
-              </a:rPr>
-              <a:t> </a:t>
-            </a:r>
-            <a:r>
-              <a:rPr lang="en-US" sz="2400" dirty="0" err="1" smtClean="0">
-                <a:latin typeface="Arial" panose="020B0604020202020204" pitchFamily="34" charset="0"/>
-                <a:cs typeface="Arial" panose="020B0604020202020204" pitchFamily="34" charset="0"/>
-              </a:rPr>
-              <a:t>rạc</a:t>
-            </a:r>
-            <a:endParaRPr lang="en-US" sz="2400" dirty="0">
-              <a:latin typeface="Arial" panose="020B0604020202020204" pitchFamily="34" charset="0"/>
-              <a:cs typeface="Arial" panose="020B0604020202020204" pitchFamily="34" charset="0"/>
-            </a:endParaRPr>
-          </a:p>
-        </p:txBody>
-      </p:sp>
-    </p:spTree>
-    <p:extLst>
-      <p:ext uri="{BB962C8B-B14F-4D97-AF65-F5344CB8AC3E}">
-        <p14:creationId xmlns:p14="http://schemas.microsoft.com/office/powerpoint/2010/main" val="1240314754"/>
-      </p:ext>
-    </p:extLst>
-  </p:cSld>
-  <p:clrMapOvr>
-    <a:masterClrMapping/>
-  </p:clrMapOvr>
-  <p:timing>
-    <p:tnLst>
-      <p:par>
-        <p:cTn id="1" dur="indefinite" restart="never" nodeType="tmRoot"/>
-      </p:par>
-    </p:tnLst>
-  </p:timing>
-</p:sld>
-</file>
-
-<file path=ppt/slides/slide5.xml><?xml version="1.0" encoding="utf-8"?>
-<p:sld xmlns:a="http://schemas.openxmlformats.org/drawingml/2006/main" xmlns:r="http://schemas.openxmlformats.org/officeDocument/2006/relationships" xmlns:p="http://schemas.openxmlformats.org/presentationml/2006/main">
-  <p:cSld>
-    <p:spTree>
-      <p:nvGrpSpPr>
-        <p:cNvPr id="1" name=""/>
-        <p:cNvGrpSpPr/>
-        <p:nvPr/>
-      </p:nvGrpSpPr>
-      <p:grpSpPr>
-        <a:xfrm>
-          <a:off x="0" y="0"/>
-          <a:ext cx="0" cy="0"/>
-          <a:chOff x="0" y="0"/>
-          <a:chExt cx="0" cy="0"/>
-        </a:xfrm>
-      </p:grpSpPr>
-      <p:sp>
-        <p:nvSpPr>
-          <p:cNvPr id="2" name="Title 1"/>
-          <p:cNvSpPr>
-            <a:spLocks noGrp="1"/>
-          </p:cNvSpPr>
-          <p:nvPr>
-            <p:ph type="title"/>
-          </p:nvPr>
-        </p:nvSpPr>
-        <p:spPr>
-          <a:xfrm>
-            <a:off x="-1" y="399895"/>
-            <a:ext cx="9144001" cy="1320800"/>
-          </a:xfrm>
-        </p:spPr>
-        <p:txBody>
-          <a:bodyPr/>
-          <a:lstStyle/>
-          <a:p>
-            <a:r>
-              <a:rPr lang="en-US" dirty="0" smtClean="0">
-                <a:latin typeface="Arial" panose="020B0604020202020204" pitchFamily="34" charset="0"/>
-                <a:cs typeface="Arial" panose="020B0604020202020204" pitchFamily="34" charset="0"/>
-              </a:rPr>
-              <a:t>1. </a:t>
-            </a:r>
-            <a:r>
-              <a:rPr lang="en-US" dirty="0" err="1" smtClean="0">
-                <a:latin typeface="Arial" panose="020B0604020202020204" pitchFamily="34" charset="0"/>
-                <a:cs typeface="Arial" panose="020B0604020202020204" pitchFamily="34" charset="0"/>
-              </a:rPr>
-              <a:t>Sơ</a:t>
-            </a:r>
-            <a:r>
-              <a:rPr lang="en-US" dirty="0" smtClean="0">
-                <a:latin typeface="Arial" panose="020B0604020202020204" pitchFamily="34" charset="0"/>
-                <a:cs typeface="Arial" panose="020B0604020202020204" pitchFamily="34" charset="0"/>
-              </a:rPr>
-              <a:t> </a:t>
-            </a:r>
-            <a:r>
-              <a:rPr lang="en-US" dirty="0" err="1" smtClean="0">
-                <a:latin typeface="Arial" panose="020B0604020202020204" pitchFamily="34" charset="0"/>
-                <a:cs typeface="Arial" panose="020B0604020202020204" pitchFamily="34" charset="0"/>
-              </a:rPr>
-              <a:t>đồ</a:t>
-            </a:r>
-            <a:r>
-              <a:rPr lang="en-US" dirty="0" smtClean="0">
-                <a:latin typeface="Arial" panose="020B0604020202020204" pitchFamily="34" charset="0"/>
-                <a:cs typeface="Arial" panose="020B0604020202020204" pitchFamily="34" charset="0"/>
-              </a:rPr>
-              <a:t> </a:t>
-            </a:r>
-            <a:r>
-              <a:rPr lang="en-US" dirty="0" err="1" smtClean="0">
-                <a:latin typeface="Arial" panose="020B0604020202020204" pitchFamily="34" charset="0"/>
-                <a:cs typeface="Arial" panose="020B0604020202020204" pitchFamily="34" charset="0"/>
-              </a:rPr>
-              <a:t>khối</a:t>
-            </a:r>
-            <a:r>
-              <a:rPr lang="en-US" dirty="0" smtClean="0">
-                <a:latin typeface="Arial" panose="020B0604020202020204" pitchFamily="34" charset="0"/>
-                <a:cs typeface="Arial" panose="020B0604020202020204" pitchFamily="34" charset="0"/>
-              </a:rPr>
-              <a:t> </a:t>
-            </a:r>
-            <a:r>
-              <a:rPr lang="en-US" dirty="0" err="1" smtClean="0">
-                <a:latin typeface="Arial" panose="020B0604020202020204" pitchFamily="34" charset="0"/>
-                <a:cs typeface="Arial" panose="020B0604020202020204" pitchFamily="34" charset="0"/>
-              </a:rPr>
-              <a:t>thuật</a:t>
-            </a:r>
-            <a:r>
-              <a:rPr lang="en-US" dirty="0" smtClean="0">
-                <a:latin typeface="Arial" panose="020B0604020202020204" pitchFamily="34" charset="0"/>
-                <a:cs typeface="Arial" panose="020B0604020202020204" pitchFamily="34" charset="0"/>
-              </a:rPr>
-              <a:t> </a:t>
-            </a:r>
-            <a:r>
-              <a:rPr lang="en-US" dirty="0" err="1" smtClean="0">
-                <a:latin typeface="Arial" panose="020B0604020202020204" pitchFamily="34" charset="0"/>
-                <a:cs typeface="Arial" panose="020B0604020202020204" pitchFamily="34" charset="0"/>
-              </a:rPr>
-              <a:t>toán</a:t>
-            </a:r>
-            <a:endParaRPr lang="en-US" dirty="0">
-              <a:latin typeface="Arial" panose="020B0604020202020204" pitchFamily="34" charset="0"/>
-              <a:cs typeface="Arial" panose="020B0604020202020204" pitchFamily="34" charset="0"/>
-            </a:endParaRPr>
-          </a:p>
-        </p:txBody>
-      </p:sp>
       <p:grpSp>
         <p:nvGrpSpPr>
           <p:cNvPr id="27" name="Group 26"/>
@@ -11994,6 +10980,155 @@
           </p:sp>
         </p:grpSp>
       </p:grpSp>
+      <p:sp>
+        <p:nvSpPr>
+          <p:cNvPr id="59" name="Tiêu đề 1">
+            <a:extLst>
+              <a:ext uri="{FF2B5EF4-FFF2-40B4-BE49-F238E27FC236}">
+                <a16:creationId xmlns:a16="http://schemas.microsoft.com/office/drawing/2014/main" id="{8BB5F789-DFF3-4930-AACB-08937489C694}"/>
+              </a:ext>
+            </a:extLst>
+          </p:cNvPr>
+          <p:cNvSpPr txBox="1">
+            <a:spLocks/>
+          </p:cNvSpPr>
+          <p:nvPr/>
+        </p:nvSpPr>
+        <p:spPr>
+          <a:xfrm>
+            <a:off x="1" y="226226"/>
+            <a:ext cx="9144000" cy="1320800"/>
+          </a:xfrm>
+          <a:prstGeom prst="rect">
+            <a:avLst/>
+          </a:prstGeom>
+        </p:spPr>
+        <p:txBody>
+          <a:bodyPr vert="horz" lIns="91440" tIns="45720" rIns="91440" bIns="45720" rtlCol="0" anchor="t">
+            <a:normAutofit/>
+          </a:bodyPr>
+          <a:lstStyle>
+            <a:lvl1pPr algn="l" defTabSz="457200" rtl="0" eaLnBrk="1" latinLnBrk="0" hangingPunct="1">
+              <a:spcBef>
+                <a:spcPct val="0"/>
+              </a:spcBef>
+              <a:buNone/>
+              <a:defRPr sz="3600" kern="1200">
+                <a:solidFill>
+                  <a:schemeClr val="accent1"/>
+                </a:solidFill>
+                <a:latin typeface="+mj-lt"/>
+                <a:ea typeface="+mj-ea"/>
+                <a:cs typeface="+mj-cs"/>
+              </a:defRPr>
+            </a:lvl1pPr>
+            <a:lvl2pPr eaLnBrk="1" hangingPunct="1">
+              <a:defRPr>
+                <a:solidFill>
+                  <a:schemeClr val="tx2"/>
+                </a:solidFill>
+              </a:defRPr>
+            </a:lvl2pPr>
+            <a:lvl3pPr eaLnBrk="1" hangingPunct="1">
+              <a:defRPr>
+                <a:solidFill>
+                  <a:schemeClr val="tx2"/>
+                </a:solidFill>
+              </a:defRPr>
+            </a:lvl3pPr>
+            <a:lvl4pPr eaLnBrk="1" hangingPunct="1">
+              <a:defRPr>
+                <a:solidFill>
+                  <a:schemeClr val="tx2"/>
+                </a:solidFill>
+              </a:defRPr>
+            </a:lvl4pPr>
+            <a:lvl5pPr eaLnBrk="1" hangingPunct="1">
+              <a:defRPr>
+                <a:solidFill>
+                  <a:schemeClr val="tx2"/>
+                </a:solidFill>
+              </a:defRPr>
+            </a:lvl5pPr>
+            <a:lvl6pPr eaLnBrk="1" hangingPunct="1">
+              <a:defRPr>
+                <a:solidFill>
+                  <a:schemeClr val="tx2"/>
+                </a:solidFill>
+              </a:defRPr>
+            </a:lvl6pPr>
+            <a:lvl7pPr eaLnBrk="1" hangingPunct="1">
+              <a:defRPr>
+                <a:solidFill>
+                  <a:schemeClr val="tx2"/>
+                </a:solidFill>
+              </a:defRPr>
+            </a:lvl7pPr>
+            <a:lvl8pPr eaLnBrk="1" hangingPunct="1">
+              <a:defRPr>
+                <a:solidFill>
+                  <a:schemeClr val="tx2"/>
+                </a:solidFill>
+              </a:defRPr>
+            </a:lvl8pPr>
+            <a:lvl9pPr eaLnBrk="1" hangingPunct="1">
+              <a:defRPr>
+                <a:solidFill>
+                  <a:schemeClr val="tx2"/>
+                </a:solidFill>
+              </a:defRPr>
+            </a:lvl9pPr>
+          </a:lstStyle>
+          <a:p>
+            <a:r>
+              <a:rPr lang="en-US" dirty="0" smtClean="0">
+                <a:latin typeface="Arial" panose="020B0604020202020204" pitchFamily="34" charset="0"/>
+                <a:cs typeface="Arial" panose="020B0604020202020204" pitchFamily="34" charset="0"/>
+              </a:rPr>
+              <a:t>III. SƠ ĐỒ KHỐI CHƯƠNG TRÌNH</a:t>
+            </a:r>
+            <a:endParaRPr lang="en-US" dirty="0">
+              <a:latin typeface="Arial" panose="020B0604020202020204" pitchFamily="34" charset="0"/>
+              <a:cs typeface="Arial" panose="020B0604020202020204" pitchFamily="34" charset="0"/>
+            </a:endParaRPr>
+          </a:p>
+        </p:txBody>
+      </p:sp>
+      <p:cxnSp>
+        <p:nvCxnSpPr>
+          <p:cNvPr id="7" name="Straight Connector 6"/>
+          <p:cNvCxnSpPr/>
+          <p:nvPr/>
+        </p:nvCxnSpPr>
+        <p:spPr>
+          <a:xfrm>
+            <a:off x="4353950" y="3602581"/>
+            <a:ext cx="8689" cy="387752"/>
+          </a:xfrm>
+          <a:prstGeom prst="line">
+            <a:avLst/>
+          </a:prstGeom>
+          <a:ln w="12700">
+            <a:solidFill>
+              <a:schemeClr val="tx1"/>
+            </a:solidFill>
+          </a:ln>
+        </p:spPr>
+        <p:style>
+          <a:lnRef idx="1">
+            <a:schemeClr val="accent1"/>
+          </a:lnRef>
+          <a:fillRef idx="0">
+            <a:schemeClr val="accent1"/>
+          </a:fillRef>
+          <a:effectRef idx="0">
+            <a:schemeClr val="accent1"/>
+          </a:effectRef>
+          <a:fontRef idx="minor">
+            <a:schemeClr val="tx1"/>
+          </a:fontRef>
+        </p:style>
+      </p:cxnSp>
     </p:spTree>
     <p:extLst>
       <p:ext uri="{BB962C8B-B14F-4D97-AF65-F5344CB8AC3E}">
@@ -12014,7 +11149,7 @@
 </p:sld>
 </file>
 
-<file path=ppt/slides/slide6.xml><?xml version="1.0" encoding="utf-8"?>
+<file path=ppt/slides/slide5.xml><?xml version="1.0" encoding="utf-8"?>
 <p:sld xmlns:a="http://schemas.openxmlformats.org/drawingml/2006/main" xmlns:r="http://schemas.openxmlformats.org/officeDocument/2006/relationships" xmlns:p="http://schemas.openxmlformats.org/presentationml/2006/main">
   <p:cSld>
     <p:spTree>
@@ -12033,7 +11168,13 @@
       </p:grpSpPr>
       <p:sp>
         <p:nvSpPr>
-          <p:cNvPr id="2" name="Title 1"/>
+          <p:cNvPr id="4" name="Tiêu đề 1">
+            <a:extLst>
+              <a:ext uri="{FF2B5EF4-FFF2-40B4-BE49-F238E27FC236}">
+                <a16:creationId xmlns:a16="http://schemas.microsoft.com/office/drawing/2014/main" id="{8BB5F789-DFF3-4930-AACB-08937489C694}"/>
+              </a:ext>
+            </a:extLst>
+          </p:cNvPr>
           <p:cNvSpPr>
             <a:spLocks noGrp="1"/>
           </p:cNvSpPr>
@@ -12043,7 +11184,7 @@
         </p:nvSpPr>
         <p:spPr>
           <a:xfrm>
-            <a:off x="0" y="218840"/>
+            <a:off x="0" y="413657"/>
             <a:ext cx="9144000" cy="1320800"/>
           </a:xfrm>
         </p:spPr>
@@ -12056,242 +11197,9 @@
                 <a:latin typeface="Arial" panose="020B0604020202020204" pitchFamily="34" charset="0"/>
                 <a:cs typeface="Arial" panose="020B0604020202020204" pitchFamily="34" charset="0"/>
               </a:rPr>
-              <a:t>2. </a:t>
-            </a:r>
-            <a:r>
-              <a:rPr lang="en-US" dirty="0" err="1">
-                <a:latin typeface="Arial" panose="020B0604020202020204" pitchFamily="34" charset="0"/>
-                <a:cs typeface="Arial" panose="020B0604020202020204" pitchFamily="34" charset="0"/>
-              </a:rPr>
-              <a:t>Thuật</a:t>
-            </a:r>
-            <a:r>
-              <a:rPr lang="en-US" dirty="0">
-                <a:latin typeface="Arial" panose="020B0604020202020204" pitchFamily="34" charset="0"/>
-                <a:cs typeface="Arial" panose="020B0604020202020204" pitchFamily="34" charset="0"/>
-              </a:rPr>
-              <a:t> </a:t>
-            </a:r>
-            <a:r>
-              <a:rPr lang="en-US" dirty="0" err="1">
-                <a:latin typeface="Arial" panose="020B0604020202020204" pitchFamily="34" charset="0"/>
-                <a:cs typeface="Arial" panose="020B0604020202020204" pitchFamily="34" charset="0"/>
-              </a:rPr>
-              <a:t>toán</a:t>
-            </a:r>
-            <a:r>
-              <a:rPr lang="en-US" dirty="0">
-                <a:latin typeface="Arial" panose="020B0604020202020204" pitchFamily="34" charset="0"/>
-                <a:cs typeface="Arial" panose="020B0604020202020204" pitchFamily="34" charset="0"/>
-              </a:rPr>
-              <a:t> </a:t>
-            </a:r>
-            <a:r>
-              <a:rPr lang="en-US" dirty="0" err="1">
-                <a:latin typeface="Arial" panose="020B0604020202020204" pitchFamily="34" charset="0"/>
-                <a:cs typeface="Arial" panose="020B0604020202020204" pitchFamily="34" charset="0"/>
-              </a:rPr>
-              <a:t>biến</a:t>
-            </a:r>
-            <a:r>
-              <a:rPr lang="en-US" dirty="0">
-                <a:latin typeface="Arial" panose="020B0604020202020204" pitchFamily="34" charset="0"/>
-                <a:cs typeface="Arial" panose="020B0604020202020204" pitchFamily="34" charset="0"/>
-              </a:rPr>
-              <a:t> </a:t>
-            </a:r>
-            <a:r>
-              <a:rPr lang="en-US" dirty="0" err="1">
-                <a:latin typeface="Arial" panose="020B0604020202020204" pitchFamily="34" charset="0"/>
-                <a:cs typeface="Arial" panose="020B0604020202020204" pitchFamily="34" charset="0"/>
-              </a:rPr>
-              <a:t>đổi</a:t>
-            </a:r>
-            <a:r>
-              <a:rPr lang="en-US" dirty="0">
-                <a:latin typeface="Arial" panose="020B0604020202020204" pitchFamily="34" charset="0"/>
-                <a:cs typeface="Arial" panose="020B0604020202020204" pitchFamily="34" charset="0"/>
-              </a:rPr>
-              <a:t> Fourier </a:t>
-            </a:r>
-            <a:r>
-              <a:rPr lang="en-US" dirty="0" err="1">
-                <a:latin typeface="Arial" panose="020B0604020202020204" pitchFamily="34" charset="0"/>
-                <a:cs typeface="Arial" panose="020B0604020202020204" pitchFamily="34" charset="0"/>
-              </a:rPr>
-              <a:t>rời</a:t>
-            </a:r>
-            <a:r>
-              <a:rPr lang="en-US" dirty="0">
-                <a:latin typeface="Arial" panose="020B0604020202020204" pitchFamily="34" charset="0"/>
-                <a:cs typeface="Arial" panose="020B0604020202020204" pitchFamily="34" charset="0"/>
-              </a:rPr>
-              <a:t> </a:t>
-            </a:r>
-            <a:r>
-              <a:rPr lang="en-US" dirty="0" err="1">
-                <a:latin typeface="Arial" panose="020B0604020202020204" pitchFamily="34" charset="0"/>
-                <a:cs typeface="Arial" panose="020B0604020202020204" pitchFamily="34" charset="0"/>
-              </a:rPr>
-              <a:t>rạc</a:t>
+              <a:t>IV. KẾT QUẢ THỰC NGHIỆM</a:t>
             </a:r>
             <a:endParaRPr lang="en-US" dirty="0">
-              <a:latin typeface="Arial" panose="020B0604020202020204" pitchFamily="34" charset="0"/>
-              <a:cs typeface="Arial" panose="020B0604020202020204" pitchFamily="34" charset="0"/>
-            </a:endParaRPr>
-          </a:p>
-        </p:txBody>
-      </p:sp>
-      <p:sp>
-        <p:nvSpPr>
-          <p:cNvPr id="29" name="Rectangle 2"/>
-          <p:cNvSpPr>
-            <a:spLocks noChangeArrowheads="1"/>
-          </p:cNvSpPr>
-          <p:nvPr/>
-        </p:nvSpPr>
-        <p:spPr bwMode="auto">
-          <a:xfrm flipV="1">
-            <a:off x="-8710" y="4980178"/>
-            <a:ext cx="19109097" cy="369332"/>
-          </a:xfrm>
-          <a:prstGeom prst="rect">
-            <a:avLst/>
-          </a:prstGeom>
-          <a:noFill/>
-          <a:ln>
-            <a:noFill/>
-          </a:ln>
-          <a:effectLst/>
-          <a:extLst>
-            <a:ext uri="{909E8E84-426E-40DD-AFC4-6F175D3DCCD1}">
-              <a14:hiddenFill xmlns:a14="http://schemas.microsoft.com/office/drawing/2010/main">
-                <a:solidFill>
-                  <a:schemeClr val="accent1"/>
-                </a:solidFill>
-              </a14:hiddenFill>
-            </a:ext>
-            <a:ext uri="{91240B29-F687-4F45-9708-019B960494DF}">
-              <a14:hiddenLine xmlns:a14="http://schemas.microsoft.com/office/drawing/2010/main" w="9525">
-                <a:solidFill>
-                  <a:schemeClr val="tx1"/>
-                </a:solidFill>
-                <a:miter lim="800000"/>
-                <a:headEnd/>
-                <a:tailEnd/>
-              </a14:hiddenLine>
-            </a:ext>
-            <a:ext uri="{AF507438-7753-43E0-B8FC-AC1667EBCBE1}">
-              <a14:hiddenEffects xmlns:a14="http://schemas.microsoft.com/office/drawing/2010/main">
-                <a:effectLst>
-                  <a:outerShdw dist="35921" dir="2700000" algn="ctr" rotWithShape="0">
-                    <a:schemeClr val="bg2"/>
-                  </a:outerShdw>
-                </a:effectLst>
-              </a14:hiddenEffects>
-            </a:ext>
-          </a:extLst>
-        </p:spPr>
-        <p:txBody>
-          <a:bodyPr vert="horz" wrap="square" lIns="91440" tIns="45720" rIns="91440" bIns="45720" numCol="1" anchor="ctr" anchorCtr="0" compatLnSpc="1">
-            <a:prstTxWarp prst="textNoShape">
-              <a:avLst/>
-            </a:prstTxWarp>
-            <a:spAutoFit/>
-          </a:bodyPr>
-          <a:lstStyle/>
-          <a:p>
-            <a:endParaRPr lang="en-US"/>
-          </a:p>
-        </p:txBody>
-      </p:sp>
-      <p:sp>
-        <p:nvSpPr>
-          <p:cNvPr id="4" name="TextBox 3"/>
-          <p:cNvSpPr txBox="1"/>
-          <p:nvPr/>
-        </p:nvSpPr>
-        <p:spPr>
-          <a:xfrm>
-            <a:off x="-8710" y="879240"/>
-            <a:ext cx="6270363" cy="1569660"/>
-          </a:xfrm>
-          <a:prstGeom prst="rect">
-            <a:avLst/>
-          </a:prstGeom>
-          <a:noFill/>
-        </p:spPr>
-        <p:txBody>
-          <a:bodyPr wrap="square" rtlCol="0">
-            <a:spAutoFit/>
-          </a:bodyPr>
-          <a:lstStyle/>
-          <a:p>
-            <a:r>
-              <a:rPr lang="en-US" sz="2400" dirty="0" smtClean="0">
-                <a:solidFill>
-                  <a:srgbClr val="FF0000"/>
-                </a:solidFill>
-                <a:latin typeface="Arial" panose="020B0604020202020204" pitchFamily="34" charset="0"/>
-                <a:cs typeface="Arial" panose="020B0604020202020204" pitchFamily="34" charset="0"/>
-              </a:rPr>
-              <a:t>Input: </a:t>
-            </a:r>
-          </a:p>
-          <a:p>
-            <a:r>
-              <a:rPr lang="en-US" sz="2400" dirty="0" smtClean="0">
-                <a:latin typeface="Arial" panose="020B0604020202020204" pitchFamily="34" charset="0"/>
-                <a:cs typeface="Arial" panose="020B0604020202020204" pitchFamily="34" charset="0"/>
-              </a:rPr>
-              <a:t>	</a:t>
-            </a:r>
-            <a:r>
-              <a:rPr lang="en-US" sz="2400" dirty="0" smtClean="0">
-                <a:latin typeface="Arial" panose="020B0604020202020204" pitchFamily="34" charset="0"/>
-                <a:cs typeface="Arial" panose="020B0604020202020204" pitchFamily="34" charset="0"/>
-              </a:rPr>
-              <a:t>V</a:t>
-            </a:r>
-          </a:p>
-          <a:p>
-            <a:r>
-              <a:rPr lang="en-US" sz="2400" dirty="0" smtClean="0">
-                <a:solidFill>
-                  <a:srgbClr val="FF0000"/>
-                </a:solidFill>
-                <a:latin typeface="Arial" panose="020B0604020202020204" pitchFamily="34" charset="0"/>
-                <a:cs typeface="Arial" panose="020B0604020202020204" pitchFamily="34" charset="0"/>
-              </a:rPr>
-              <a:t>Output</a:t>
-            </a:r>
-            <a:r>
-              <a:rPr lang="en-US" sz="2400" dirty="0" smtClean="0">
-                <a:solidFill>
-                  <a:srgbClr val="FF0000"/>
-                </a:solidFill>
-                <a:latin typeface="Arial" panose="020B0604020202020204" pitchFamily="34" charset="0"/>
-                <a:cs typeface="Arial" panose="020B0604020202020204" pitchFamily="34" charset="0"/>
-              </a:rPr>
-              <a:t>: </a:t>
-            </a:r>
-          </a:p>
-          <a:p>
-            <a:r>
-              <a:rPr lang="en-US" sz="2400" dirty="0" smtClean="0">
-                <a:latin typeface="Arial" panose="020B0604020202020204" pitchFamily="34" charset="0"/>
-                <a:cs typeface="Arial" panose="020B0604020202020204" pitchFamily="34" charset="0"/>
-              </a:rPr>
-              <a:t>	</a:t>
-            </a:r>
-            <a:r>
-              <a:rPr lang="en-US" sz="2400" dirty="0" smtClean="0">
-                <a:latin typeface="Arial" panose="020B0604020202020204" pitchFamily="34" charset="0"/>
-                <a:cs typeface="Arial" panose="020B0604020202020204" pitchFamily="34" charset="0"/>
-              </a:rPr>
-              <a:t>)</a:t>
-            </a:r>
-            <a:endParaRPr lang="en-US" sz="2400" dirty="0" smtClean="0">
               <a:latin typeface="Arial" panose="020B0604020202020204" pitchFamily="34" charset="0"/>
               <a:cs typeface="Arial" panose="020B0604020202020204" pitchFamily="34" charset="0"/>
             </a:endParaRPr>
@@ -12301,7 +11209,7 @@
     </p:spTree>
     <p:extLst>
       <p:ext uri="{BB962C8B-B14F-4D97-AF65-F5344CB8AC3E}">
-        <p14:creationId xmlns:p14="http://schemas.microsoft.com/office/powerpoint/2010/main" val="1223721307"/>
+        <p14:creationId xmlns:p14="http://schemas.microsoft.com/office/powerpoint/2010/main" val="1085095492"/>
       </p:ext>
     </p:extLst>
   </p:cSld>

--- a/SlideBaoCao.pptx
+++ b/SlideBaoCao.pptx
@@ -7970,13 +7970,6 @@
               </a:rPr>
               <a:t>II. LÝ THUYẾT VỀ CÁC ĐẶC TRƯNG </a:t>
             </a:r>
-            <a:r>
-              <a:rPr lang="en-US" dirty="0" smtClean="0">
-                <a:latin typeface="Arial" panose="020B0604020202020204" pitchFamily="34" charset="0"/>
-                <a:cs typeface="Arial" panose="020B0604020202020204" pitchFamily="34" charset="0"/>
-              </a:rPr>
-              <a:t/>
-            </a:r>
             <a:br>
               <a:rPr lang="en-US" dirty="0" smtClean="0">
                 <a:latin typeface="Arial" panose="020B0604020202020204" pitchFamily="34" charset="0"/>
@@ -7988,14 +7981,7 @@
                 <a:latin typeface="Arial" panose="020B0604020202020204" pitchFamily="34" charset="0"/>
                 <a:cs typeface="Arial" panose="020B0604020202020204" pitchFamily="34" charset="0"/>
               </a:rPr>
-              <a:t>CỦA </a:t>
-            </a:r>
-            <a:r>
-              <a:rPr lang="en-US" dirty="0" smtClean="0">
-                <a:latin typeface="Arial" panose="020B0604020202020204" pitchFamily="34" charset="0"/>
-                <a:cs typeface="Arial" panose="020B0604020202020204" pitchFamily="34" charset="0"/>
-              </a:rPr>
-              <a:t>TẦN SỐ:</a:t>
+              <a:t>CỦA TẦN SỐ:</a:t>
             </a:r>
             <a:endParaRPr lang="en-US" dirty="0">
               <a:latin typeface="Arial" panose="020B0604020202020204" pitchFamily="34" charset="0"/>
@@ -9421,14 +9407,7 @@
                 <a:latin typeface="Arial" panose="020B0604020202020204" pitchFamily="34" charset="0"/>
                 <a:cs typeface="Arial" panose="020B0604020202020204" pitchFamily="34" charset="0"/>
               </a:rPr>
-              <a:t>bả</a:t>
-            </a:r>
-            <a:r>
-              <a:rPr lang="en-US" sz="2400" dirty="0" err="1" smtClean="0">
-                <a:latin typeface="Arial" panose="020B0604020202020204" pitchFamily="34" charset="0"/>
-                <a:cs typeface="Arial" panose="020B0604020202020204" pitchFamily="34" charset="0"/>
-              </a:rPr>
-              <a:t>n</a:t>
+              <a:t>bản</a:t>
             </a:r>
             <a:r>
               <a:rPr lang="en-US" sz="2400" dirty="0" smtClean="0">
@@ -11206,6 +11185,39 @@
           </a:p>
         </p:txBody>
       </p:sp>
+      <p:pic>
+        <p:nvPicPr>
+          <p:cNvPr id="3" name="Hình ảnh 38"/>
+          <p:cNvPicPr/>
+          <p:nvPr/>
+        </p:nvPicPr>
+        <p:blipFill>
+          <a:blip r:embed="rId2">
+            <a:extLst>
+              <a:ext uri="{28A0092B-C50C-407E-A947-70E740481C1C}">
+                <a14:useLocalDpi xmlns:a14="http://schemas.microsoft.com/office/drawing/2010/main" val="0"/>
+              </a:ext>
+            </a:extLst>
+          </a:blip>
+          <a:srcRect/>
+          <a:stretch>
+            <a:fillRect/>
+          </a:stretch>
+        </p:blipFill>
+        <p:spPr bwMode="auto">
+          <a:xfrm>
+            <a:off x="656748" y="1209537"/>
+            <a:ext cx="7647623" cy="4747126"/>
+          </a:xfrm>
+          <a:prstGeom prst="rect">
+            <a:avLst/>
+          </a:prstGeom>
+          <a:noFill/>
+          <a:ln>
+            <a:noFill/>
+          </a:ln>
+        </p:spPr>
+      </p:pic>
     </p:spTree>
     <p:extLst>
       <p:ext uri="{BB962C8B-B14F-4D97-AF65-F5344CB8AC3E}">

--- a/SlideBaoCao.pptx
+++ b/SlideBaoCao.pptx
@@ -5,7 +5,7 @@
     <p:sldMasterId id="2147483668" r:id="rId1"/>
   </p:sldMasterIdLst>
   <p:notesMasterIdLst>
-    <p:notesMasterId r:id="rId7"/>
+    <p:notesMasterId r:id="rId18"/>
   </p:notesMasterIdLst>
   <p:sldIdLst>
     <p:sldId id="256" r:id="rId2"/>
@@ -13,6 +13,17 @@
     <p:sldId id="269" r:id="rId4"/>
     <p:sldId id="273" r:id="rId5"/>
     <p:sldId id="274" r:id="rId6"/>
+    <p:sldId id="275" r:id="rId7"/>
+    <p:sldId id="276" r:id="rId8"/>
+    <p:sldId id="277" r:id="rId9"/>
+    <p:sldId id="278" r:id="rId10"/>
+    <p:sldId id="279" r:id="rId11"/>
+    <p:sldId id="280" r:id="rId12"/>
+    <p:sldId id="281" r:id="rId13"/>
+    <p:sldId id="282" r:id="rId14"/>
+    <p:sldId id="283" r:id="rId15"/>
+    <p:sldId id="284" r:id="rId16"/>
+    <p:sldId id="285" r:id="rId17"/>
   </p:sldIdLst>
   <p:sldSz cx="9144000" cy="6858000" type="screen4x3"/>
   <p:notesSz cx="6858000" cy="9144000"/>
@@ -1119,7 +1130,7 @@
           </a:lstStyle>
           <a:p>
             <a:r>
-              <a:rPr lang="en-US" smtClean="0"/>
+              <a:rPr lang="en-US"/>
               <a:t>Click to edit Master title style</a:t>
             </a:r>
             <a:endParaRPr lang="en-US" dirty="0"/>
@@ -1239,7 +1250,7 @@
           </a:lstStyle>
           <a:p>
             <a:r>
-              <a:rPr lang="en-US" smtClean="0"/>
+              <a:rPr lang="en-US"/>
               <a:t>Click to edit Master subtitle style</a:t>
             </a:r>
             <a:endParaRPr lang="en-US" dirty="0"/>
@@ -1370,7 +1381,7 @@
           </a:lstStyle>
           <a:p>
             <a:r>
-              <a:rPr lang="en-US" smtClean="0"/>
+              <a:rPr lang="en-US"/>
               <a:t>Click to edit Master title style</a:t>
             </a:r>
             <a:endParaRPr lang="en-US" dirty="0"/>
@@ -1493,7 +1504,7 @@
           <a:p>
             <a:pPr lvl="0"/>
             <a:r>
-              <a:rPr lang="en-US" smtClean="0"/>
+              <a:rPr lang="en-US"/>
               <a:t>Edit Master text styles</a:t>
             </a:r>
           </a:p>
@@ -1623,7 +1634,7 @@
           </a:lstStyle>
           <a:p>
             <a:r>
-              <a:rPr lang="en-US" smtClean="0"/>
+              <a:rPr lang="en-US"/>
               <a:t>Click to edit Master title style</a:t>
             </a:r>
             <a:endParaRPr lang="en-US" dirty="0"/>
@@ -1687,7 +1698,7 @@
           <a:p>
             <a:pPr lvl="0"/>
             <a:r>
-              <a:rPr lang="en-US" smtClean="0"/>
+              <a:rPr lang="en-US"/>
               <a:t>Edit Master text styles</a:t>
             </a:r>
           </a:p>
@@ -1809,7 +1820,7 @@
           <a:p>
             <a:pPr lvl="0"/>
             <a:r>
-              <a:rPr lang="en-US" smtClean="0"/>
+              <a:rPr lang="en-US"/>
               <a:t>Edit Master text styles</a:t>
             </a:r>
           </a:p>
@@ -2021,7 +2032,7 @@
           </a:lstStyle>
           <a:p>
             <a:r>
-              <a:rPr lang="en-US" smtClean="0"/>
+              <a:rPr lang="en-US"/>
               <a:t>Click to edit Master title style</a:t>
             </a:r>
             <a:endParaRPr lang="en-US" dirty="0"/>
@@ -2144,7 +2155,7 @@
           <a:p>
             <a:pPr lvl="0"/>
             <a:r>
-              <a:rPr lang="en-US" smtClean="0"/>
+              <a:rPr lang="en-US"/>
               <a:t>Edit Master text styles</a:t>
             </a:r>
           </a:p>
@@ -2274,7 +2285,7 @@
           </a:lstStyle>
           <a:p>
             <a:r>
-              <a:rPr lang="en-US" smtClean="0"/>
+              <a:rPr lang="en-US"/>
               <a:t>Click to edit Master title style</a:t>
             </a:r>
             <a:endParaRPr lang="en-US" dirty="0"/>
@@ -2338,7 +2349,7 @@
           <a:p>
             <a:pPr lvl="0"/>
             <a:r>
-              <a:rPr lang="en-US" smtClean="0"/>
+              <a:rPr lang="en-US"/>
               <a:t>Edit Master text styles</a:t>
             </a:r>
           </a:p>
@@ -2460,7 +2471,7 @@
           <a:p>
             <a:pPr lvl="0"/>
             <a:r>
-              <a:rPr lang="en-US" smtClean="0"/>
+              <a:rPr lang="en-US"/>
               <a:t>Edit Master text styles</a:t>
             </a:r>
           </a:p>
@@ -2672,7 +2683,7 @@
           </a:lstStyle>
           <a:p>
             <a:r>
-              <a:rPr lang="en-US" smtClean="0"/>
+              <a:rPr lang="en-US"/>
               <a:t>Click to edit Master title style</a:t>
             </a:r>
             <a:endParaRPr lang="en-US" dirty="0"/>
@@ -2733,7 +2744,7 @@
           <a:p>
             <a:pPr lvl="0"/>
             <a:r>
-              <a:rPr lang="en-US" smtClean="0"/>
+              <a:rPr lang="en-US"/>
               <a:t>Edit Master text styles</a:t>
             </a:r>
           </a:p>
@@ -2855,7 +2866,7 @@
           <a:p>
             <a:pPr lvl="0"/>
             <a:r>
-              <a:rPr lang="en-US" smtClean="0"/>
+              <a:rPr lang="en-US"/>
               <a:t>Edit Master text styles</a:t>
             </a:r>
           </a:p>
@@ -2974,7 +2985,7 @@
           <a:lstStyle/>
           <a:p>
             <a:r>
-              <a:rPr lang="en-US" smtClean="0"/>
+              <a:rPr lang="en-US"/>
               <a:t>Click to edit Master title style</a:t>
             </a:r>
             <a:endParaRPr lang="en-US" dirty="0"/>
@@ -2998,35 +3009,35 @@
           <a:p>
             <a:pPr lvl="0"/>
             <a:r>
-              <a:rPr lang="en-US" smtClean="0"/>
+              <a:rPr lang="en-US"/>
               <a:t>Edit Master text styles</a:t>
             </a:r>
           </a:p>
           <a:p>
             <a:pPr lvl="1"/>
             <a:r>
-              <a:rPr lang="en-US" smtClean="0"/>
+              <a:rPr lang="en-US"/>
               <a:t>Second level</a:t>
             </a:r>
           </a:p>
           <a:p>
             <a:pPr lvl="2"/>
             <a:r>
-              <a:rPr lang="en-US" smtClean="0"/>
+              <a:rPr lang="en-US"/>
               <a:t>Third level</a:t>
             </a:r>
           </a:p>
           <a:p>
             <a:pPr lvl="3"/>
             <a:r>
-              <a:rPr lang="en-US" smtClean="0"/>
+              <a:rPr lang="en-US"/>
               <a:t>Fourth level</a:t>
             </a:r>
           </a:p>
           <a:p>
             <a:pPr lvl="4"/>
             <a:r>
-              <a:rPr lang="en-US" smtClean="0"/>
+              <a:rPr lang="en-US"/>
               <a:t>Fifth level</a:t>
             </a:r>
             <a:endParaRPr lang="en-US" dirty="0"/>
@@ -3151,7 +3162,7 @@
           <a:lstStyle/>
           <a:p>
             <a:r>
-              <a:rPr lang="en-US" smtClean="0"/>
+              <a:rPr lang="en-US"/>
               <a:t>Click to edit Master title style</a:t>
             </a:r>
             <a:endParaRPr lang="en-US" dirty="0"/>
@@ -3180,35 +3191,35 @@
           <a:p>
             <a:pPr lvl="0"/>
             <a:r>
-              <a:rPr lang="en-US" smtClean="0"/>
+              <a:rPr lang="en-US"/>
               <a:t>Edit Master text styles</a:t>
             </a:r>
           </a:p>
           <a:p>
             <a:pPr lvl="1"/>
             <a:r>
-              <a:rPr lang="en-US" smtClean="0"/>
+              <a:rPr lang="en-US"/>
               <a:t>Second level</a:t>
             </a:r>
           </a:p>
           <a:p>
             <a:pPr lvl="2"/>
             <a:r>
-              <a:rPr lang="en-US" smtClean="0"/>
+              <a:rPr lang="en-US"/>
               <a:t>Third level</a:t>
             </a:r>
           </a:p>
           <a:p>
             <a:pPr lvl="3"/>
             <a:r>
-              <a:rPr lang="en-US" smtClean="0"/>
+              <a:rPr lang="en-US"/>
               <a:t>Fourth level</a:t>
             </a:r>
           </a:p>
           <a:p>
             <a:pPr lvl="4"/>
             <a:r>
-              <a:rPr lang="en-US" smtClean="0"/>
+              <a:rPr lang="en-US"/>
               <a:t>Fifth level</a:t>
             </a:r>
             <a:endParaRPr lang="en-US" dirty="0"/>
@@ -3328,7 +3339,7 @@
           <a:lstStyle/>
           <a:p>
             <a:r>
-              <a:rPr lang="en-US" smtClean="0"/>
+              <a:rPr lang="en-US"/>
               <a:t>Click to edit Master title style</a:t>
             </a:r>
             <a:endParaRPr lang="en-US" dirty="0"/>
@@ -3352,35 +3363,35 @@
           <a:p>
             <a:pPr lvl="0"/>
             <a:r>
-              <a:rPr lang="en-US" smtClean="0"/>
+              <a:rPr lang="en-US"/>
               <a:t>Edit Master text styles</a:t>
             </a:r>
           </a:p>
           <a:p>
             <a:pPr lvl="1"/>
             <a:r>
-              <a:rPr lang="en-US" smtClean="0"/>
+              <a:rPr lang="en-US"/>
               <a:t>Second level</a:t>
             </a:r>
           </a:p>
           <a:p>
             <a:pPr lvl="2"/>
             <a:r>
-              <a:rPr lang="en-US" smtClean="0"/>
+              <a:rPr lang="en-US"/>
               <a:t>Third level</a:t>
             </a:r>
           </a:p>
           <a:p>
             <a:pPr lvl="3"/>
             <a:r>
-              <a:rPr lang="en-US" smtClean="0"/>
+              <a:rPr lang="en-US"/>
               <a:t>Fourth level</a:t>
             </a:r>
           </a:p>
           <a:p>
             <a:pPr lvl="4"/>
             <a:r>
-              <a:rPr lang="en-US" smtClean="0"/>
+              <a:rPr lang="en-US"/>
               <a:t>Fifth level</a:t>
             </a:r>
             <a:endParaRPr lang="en-US" dirty="0"/>
@@ -3509,7 +3520,7 @@
           </a:lstStyle>
           <a:p>
             <a:r>
-              <a:rPr lang="en-US" smtClean="0"/>
+              <a:rPr lang="en-US"/>
               <a:t>Click to edit Master title style</a:t>
             </a:r>
             <a:endParaRPr lang="en-US" dirty="0"/>
@@ -3630,7 +3641,7 @@
           <a:p>
             <a:pPr lvl="0"/>
             <a:r>
-              <a:rPr lang="en-US" smtClean="0"/>
+              <a:rPr lang="en-US"/>
               <a:t>Edit Master text styles</a:t>
             </a:r>
           </a:p>
@@ -3754,7 +3765,7 @@
           <a:lstStyle/>
           <a:p>
             <a:r>
-              <a:rPr lang="en-US" smtClean="0"/>
+              <a:rPr lang="en-US"/>
               <a:t>Click to edit Master title style</a:t>
             </a:r>
             <a:endParaRPr lang="en-US" dirty="0"/>
@@ -3813,35 +3824,35 @@
           <a:p>
             <a:pPr lvl="0"/>
             <a:r>
-              <a:rPr lang="en-US" smtClean="0"/>
+              <a:rPr lang="en-US"/>
               <a:t>Edit Master text styles</a:t>
             </a:r>
           </a:p>
           <a:p>
             <a:pPr lvl="1"/>
             <a:r>
-              <a:rPr lang="en-US" smtClean="0"/>
+              <a:rPr lang="en-US"/>
               <a:t>Second level</a:t>
             </a:r>
           </a:p>
           <a:p>
             <a:pPr lvl="2"/>
             <a:r>
-              <a:rPr lang="en-US" smtClean="0"/>
+              <a:rPr lang="en-US"/>
               <a:t>Third level</a:t>
             </a:r>
           </a:p>
           <a:p>
             <a:pPr lvl="3"/>
             <a:r>
-              <a:rPr lang="en-US" smtClean="0"/>
+              <a:rPr lang="en-US"/>
               <a:t>Fourth level</a:t>
             </a:r>
           </a:p>
           <a:p>
             <a:pPr lvl="4"/>
             <a:r>
-              <a:rPr lang="en-US" smtClean="0"/>
+              <a:rPr lang="en-US"/>
               <a:t>Fifth level</a:t>
             </a:r>
             <a:endParaRPr lang="en-US" dirty="0"/>
@@ -3900,35 +3911,35 @@
           <a:p>
             <a:pPr lvl="0"/>
             <a:r>
-              <a:rPr lang="en-US" smtClean="0"/>
+              <a:rPr lang="en-US"/>
               <a:t>Edit Master text styles</a:t>
             </a:r>
           </a:p>
           <a:p>
             <a:pPr lvl="1"/>
             <a:r>
-              <a:rPr lang="en-US" smtClean="0"/>
+              <a:rPr lang="en-US"/>
               <a:t>Second level</a:t>
             </a:r>
           </a:p>
           <a:p>
             <a:pPr lvl="2"/>
             <a:r>
-              <a:rPr lang="en-US" smtClean="0"/>
+              <a:rPr lang="en-US"/>
               <a:t>Third level</a:t>
             </a:r>
           </a:p>
           <a:p>
             <a:pPr lvl="3"/>
             <a:r>
-              <a:rPr lang="en-US" smtClean="0"/>
+              <a:rPr lang="en-US"/>
               <a:t>Fourth level</a:t>
             </a:r>
           </a:p>
           <a:p>
             <a:pPr lvl="4"/>
             <a:r>
-              <a:rPr lang="en-US" smtClean="0"/>
+              <a:rPr lang="en-US"/>
               <a:t>Fifth level</a:t>
             </a:r>
             <a:endParaRPr lang="en-US" dirty="0"/>
@@ -4057,7 +4068,7 @@
           </a:lstStyle>
           <a:p>
             <a:r>
-              <a:rPr lang="en-US" smtClean="0"/>
+              <a:rPr lang="en-US"/>
               <a:t>Click to edit Master title style</a:t>
             </a:r>
             <a:endParaRPr lang="en-US" dirty="0"/>
@@ -4125,7 +4136,7 @@
           <a:p>
             <a:pPr lvl="0"/>
             <a:r>
-              <a:rPr lang="en-US" smtClean="0"/>
+              <a:rPr lang="en-US"/>
               <a:t>Edit Master text styles</a:t>
             </a:r>
           </a:p>
@@ -4155,35 +4166,35 @@
           <a:p>
             <a:pPr lvl="0"/>
             <a:r>
-              <a:rPr lang="en-US" smtClean="0"/>
+              <a:rPr lang="en-US"/>
               <a:t>Edit Master text styles</a:t>
             </a:r>
           </a:p>
           <a:p>
             <a:pPr lvl="1"/>
             <a:r>
-              <a:rPr lang="en-US" smtClean="0"/>
+              <a:rPr lang="en-US"/>
               <a:t>Second level</a:t>
             </a:r>
           </a:p>
           <a:p>
             <a:pPr lvl="2"/>
             <a:r>
-              <a:rPr lang="en-US" smtClean="0"/>
+              <a:rPr lang="en-US"/>
               <a:t>Third level</a:t>
             </a:r>
           </a:p>
           <a:p>
             <a:pPr lvl="3"/>
             <a:r>
-              <a:rPr lang="en-US" smtClean="0"/>
+              <a:rPr lang="en-US"/>
               <a:t>Fourth level</a:t>
             </a:r>
           </a:p>
           <a:p>
             <a:pPr lvl="4"/>
             <a:r>
-              <a:rPr lang="en-US" smtClean="0"/>
+              <a:rPr lang="en-US"/>
               <a:t>Fifth level</a:t>
             </a:r>
             <a:endParaRPr lang="en-US" dirty="0"/>
@@ -4251,7 +4262,7 @@
           <a:p>
             <a:pPr lvl="0"/>
             <a:r>
-              <a:rPr lang="en-US" smtClean="0"/>
+              <a:rPr lang="en-US"/>
               <a:t>Edit Master text styles</a:t>
             </a:r>
           </a:p>
@@ -4281,35 +4292,35 @@
           <a:p>
             <a:pPr lvl="0"/>
             <a:r>
-              <a:rPr lang="en-US" smtClean="0"/>
+              <a:rPr lang="en-US"/>
               <a:t>Edit Master text styles</a:t>
             </a:r>
           </a:p>
           <a:p>
             <a:pPr lvl="1"/>
             <a:r>
-              <a:rPr lang="en-US" smtClean="0"/>
+              <a:rPr lang="en-US"/>
               <a:t>Second level</a:t>
             </a:r>
           </a:p>
           <a:p>
             <a:pPr lvl="2"/>
             <a:r>
-              <a:rPr lang="en-US" smtClean="0"/>
+              <a:rPr lang="en-US"/>
               <a:t>Third level</a:t>
             </a:r>
           </a:p>
           <a:p>
             <a:pPr lvl="3"/>
             <a:r>
-              <a:rPr lang="en-US" smtClean="0"/>
+              <a:rPr lang="en-US"/>
               <a:t>Fourth level</a:t>
             </a:r>
           </a:p>
           <a:p>
             <a:pPr lvl="4"/>
             <a:r>
-              <a:rPr lang="en-US" smtClean="0"/>
+              <a:rPr lang="en-US"/>
               <a:t>Fifth level</a:t>
             </a:r>
             <a:endParaRPr lang="en-US" dirty="0"/>
@@ -4434,7 +4445,7 @@
           <a:lstStyle/>
           <a:p>
             <a:r>
-              <a:rPr lang="en-US" smtClean="0"/>
+              <a:rPr lang="en-US"/>
               <a:t>Click to edit Master title style</a:t>
             </a:r>
             <a:endParaRPr lang="en-US" dirty="0"/>
@@ -4662,7 +4673,7 @@
           </a:lstStyle>
           <a:p>
             <a:r>
-              <a:rPr lang="en-US" smtClean="0"/>
+              <a:rPr lang="en-US"/>
               <a:t>Click to edit Master title style</a:t>
             </a:r>
             <a:endParaRPr lang="en-US" dirty="0"/>
@@ -4693,35 +4704,35 @@
           <a:p>
             <a:pPr lvl="0"/>
             <a:r>
-              <a:rPr lang="en-US" smtClean="0"/>
+              <a:rPr lang="en-US"/>
               <a:t>Edit Master text styles</a:t>
             </a:r>
           </a:p>
           <a:p>
             <a:pPr lvl="1"/>
             <a:r>
-              <a:rPr lang="en-US" smtClean="0"/>
+              <a:rPr lang="en-US"/>
               <a:t>Second level</a:t>
             </a:r>
           </a:p>
           <a:p>
             <a:pPr lvl="2"/>
             <a:r>
-              <a:rPr lang="en-US" smtClean="0"/>
+              <a:rPr lang="en-US"/>
               <a:t>Third level</a:t>
             </a:r>
           </a:p>
           <a:p>
             <a:pPr lvl="3"/>
             <a:r>
-              <a:rPr lang="en-US" smtClean="0"/>
+              <a:rPr lang="en-US"/>
               <a:t>Fourth level</a:t>
             </a:r>
           </a:p>
           <a:p>
             <a:pPr lvl="4"/>
             <a:r>
-              <a:rPr lang="en-US" smtClean="0"/>
+              <a:rPr lang="en-US"/>
               <a:t>Fifth level</a:t>
             </a:r>
             <a:endParaRPr lang="en-US" dirty="0"/>
@@ -4789,7 +4800,7 @@
           <a:p>
             <a:pPr lvl="0"/>
             <a:r>
-              <a:rPr lang="en-US" smtClean="0"/>
+              <a:rPr lang="en-US"/>
               <a:t>Edit Master text styles</a:t>
             </a:r>
           </a:p>
@@ -4919,7 +4930,7 @@
           </a:lstStyle>
           <a:p>
             <a:r>
-              <a:rPr lang="en-US" smtClean="0"/>
+              <a:rPr lang="en-US"/>
               <a:t>Click to edit Master title style</a:t>
             </a:r>
             <a:endParaRPr lang="en-US" dirty="0"/>
@@ -4986,7 +4997,7 @@
           </a:lstStyle>
           <a:p>
             <a:r>
-              <a:rPr lang="en-US" smtClean="0"/>
+              <a:rPr lang="en-US"/>
               <a:t>Click icon to add picture</a:t>
             </a:r>
             <a:endParaRPr lang="en-US" dirty="0"/>
@@ -5054,7 +5065,7 @@
           <a:p>
             <a:pPr lvl="0"/>
             <a:r>
-              <a:rPr lang="en-US" smtClean="0"/>
+              <a:rPr lang="en-US"/>
               <a:t>Edit Master text styles</a:t>
             </a:r>
           </a:p>
@@ -5789,7 +5800,7 @@
           <a:lstStyle/>
           <a:p>
             <a:r>
-              <a:rPr lang="en-US" smtClean="0"/>
+              <a:rPr lang="en-US"/>
               <a:t>Click to edit Master title style</a:t>
             </a:r>
             <a:endParaRPr lang="en-US" dirty="0"/>
@@ -5823,35 +5834,35 @@
           <a:p>
             <a:pPr lvl="0"/>
             <a:r>
-              <a:rPr lang="en-US" smtClean="0"/>
+              <a:rPr lang="en-US"/>
               <a:t>Edit Master text styles</a:t>
             </a:r>
           </a:p>
           <a:p>
             <a:pPr lvl="1"/>
             <a:r>
-              <a:rPr lang="en-US" smtClean="0"/>
+              <a:rPr lang="en-US"/>
               <a:t>Second level</a:t>
             </a:r>
           </a:p>
           <a:p>
             <a:pPr lvl="2"/>
             <a:r>
-              <a:rPr lang="en-US" smtClean="0"/>
+              <a:rPr lang="en-US"/>
               <a:t>Third level</a:t>
             </a:r>
           </a:p>
           <a:p>
             <a:pPr lvl="3"/>
             <a:r>
-              <a:rPr lang="en-US" smtClean="0"/>
+              <a:rPr lang="en-US"/>
               <a:t>Fourth level</a:t>
             </a:r>
           </a:p>
           <a:p>
             <a:pPr lvl="4"/>
             <a:r>
-              <a:rPr lang="en-US" smtClean="0"/>
+              <a:rPr lang="en-US"/>
               <a:t>Fifth level</a:t>
             </a:r>
             <a:endParaRPr lang="en-US" dirty="0"/>
@@ -6447,7 +6458,7 @@
           <a:p>
             <a:pPr algn="ctr"/>
             <a:r>
-              <a:rPr lang="en-US" sz="4400" dirty="0" smtClean="0">
+              <a:rPr lang="en-US" sz="4400" dirty="0">
                 <a:solidFill>
                   <a:schemeClr val="tx1"/>
                 </a:solidFill>
@@ -6456,13 +6467,6 @@
               </a:rPr>
               <a:t>PHÂN BIỆT NĂM NGUYÊN ÂM BẰNG CÁC ĐẶC TRƯNG TẦN SỐ </a:t>
             </a:r>
-            <a:endParaRPr lang="en-US" sz="4400" dirty="0">
-              <a:solidFill>
-                <a:schemeClr val="tx1"/>
-              </a:solidFill>
-              <a:latin typeface="Arial" panose="020B0604020202020204" pitchFamily="34" charset="0"/>
-              <a:cs typeface="Arial" panose="020B0604020202020204" pitchFamily="34" charset="0"/>
-            </a:endParaRPr>
           </a:p>
         </p:txBody>
       </p:sp>
@@ -6818,13 +6822,2522 @@
   <p:clrMapOvr>
     <a:masterClrMapping/>
   </p:clrMapOvr>
-  <p:timing>
-    <p:tnLst>
-      <p:par>
-        <p:cTn id="1" dur="indefinite" restart="never" nodeType="tmRoot"/>
-      </p:par>
-    </p:tnLst>
-  </p:timing>
+</p:sld>
+</file>
+
+<file path=ppt/slides/slide10.xml><?xml version="1.0" encoding="utf-8"?>
+<p:sld xmlns:a="http://schemas.openxmlformats.org/drawingml/2006/main" xmlns:r="http://schemas.openxmlformats.org/officeDocument/2006/relationships" xmlns:p="http://schemas.openxmlformats.org/presentationml/2006/main">
+  <p:cSld>
+    <p:spTree>
+      <p:nvGrpSpPr>
+        <p:cNvPr id="1" name=""/>
+        <p:cNvGrpSpPr/>
+        <p:nvPr/>
+      </p:nvGrpSpPr>
+      <p:grpSpPr>
+        <a:xfrm>
+          <a:off x="0" y="0"/>
+          <a:ext cx="0" cy="0"/>
+          <a:chOff x="0" y="0"/>
+          <a:chExt cx="0" cy="0"/>
+        </a:xfrm>
+      </p:grpSpPr>
+      <p:sp>
+        <p:nvSpPr>
+          <p:cNvPr id="2" name="Tiêu đề 1">
+            <a:extLst>
+              <a:ext uri="{FF2B5EF4-FFF2-40B4-BE49-F238E27FC236}">
+                <a16:creationId xmlns:a16="http://schemas.microsoft.com/office/drawing/2014/main" id="{50FE976B-7470-4872-B1EF-62C495AE7E56}"/>
+              </a:ext>
+            </a:extLst>
+          </p:cNvPr>
+          <p:cNvSpPr>
+            <a:spLocks noGrp="1"/>
+          </p:cNvSpPr>
+          <p:nvPr>
+            <p:ph type="title"/>
+          </p:nvPr>
+        </p:nvSpPr>
+        <p:spPr/>
+        <p:txBody>
+          <a:bodyPr/>
+          <a:lstStyle/>
+          <a:p>
+            <a:r>
+              <a:rPr lang="en-US">
+                <a:latin typeface="Arial" panose="020B0604020202020204" pitchFamily="34" charset="0"/>
+                <a:cs typeface="Arial" panose="020B0604020202020204" pitchFamily="34" charset="0"/>
+              </a:rPr>
+              <a:t>Ảnh phổ tần số  5 nguyên âm</a:t>
+            </a:r>
+          </a:p>
+        </p:txBody>
+      </p:sp>
+      <p:pic>
+        <p:nvPicPr>
+          <p:cNvPr id="4" name="Chỗ dành sẵn cho Nội dung 3">
+            <a:extLst>
+              <a:ext uri="{FF2B5EF4-FFF2-40B4-BE49-F238E27FC236}">
+                <a16:creationId xmlns:a16="http://schemas.microsoft.com/office/drawing/2014/main" id="{BB691B03-7786-4442-BC92-A8F321F98936}"/>
+              </a:ext>
+            </a:extLst>
+          </p:cNvPr>
+          <p:cNvPicPr>
+            <a:picLocks noGrp="1"/>
+          </p:cNvPicPr>
+          <p:nvPr>
+            <p:ph idx="1"/>
+          </p:nvPr>
+        </p:nvPicPr>
+        <p:blipFill>
+          <a:blip r:embed="rId2">
+            <a:extLst>
+              <a:ext uri="{28A0092B-C50C-407E-A947-70E740481C1C}">
+                <a14:useLocalDpi xmlns:a14="http://schemas.microsoft.com/office/drawing/2010/main" val="0"/>
+              </a:ext>
+            </a:extLst>
+          </a:blip>
+          <a:srcRect/>
+          <a:stretch>
+            <a:fillRect/>
+          </a:stretch>
+        </p:blipFill>
+        <p:spPr bwMode="auto">
+          <a:xfrm>
+            <a:off x="1356693" y="2160588"/>
+            <a:ext cx="4854227" cy="3881437"/>
+          </a:xfrm>
+          <a:prstGeom prst="rect">
+            <a:avLst/>
+          </a:prstGeom>
+          <a:noFill/>
+        </p:spPr>
+      </p:pic>
+      <p:sp>
+        <p:nvSpPr>
+          <p:cNvPr id="5" name="Hộp Văn bản 4">
+            <a:extLst>
+              <a:ext uri="{FF2B5EF4-FFF2-40B4-BE49-F238E27FC236}">
+                <a16:creationId xmlns:a16="http://schemas.microsoft.com/office/drawing/2014/main" id="{1B6EF9C4-B66B-47FF-A425-E00319106B07}"/>
+              </a:ext>
+            </a:extLst>
+          </p:cNvPr>
+          <p:cNvSpPr txBox="1"/>
+          <p:nvPr/>
+        </p:nvSpPr>
+        <p:spPr>
+          <a:xfrm>
+            <a:off x="1356693" y="1562100"/>
+            <a:ext cx="2859707" cy="369332"/>
+          </a:xfrm>
+          <a:prstGeom prst="rect">
+            <a:avLst/>
+          </a:prstGeom>
+          <a:noFill/>
+        </p:spPr>
+        <p:txBody>
+          <a:bodyPr wrap="square" rtlCol="0">
+            <a:spAutoFit/>
+          </a:bodyPr>
+          <a:lstStyle/>
+          <a:p>
+            <a:r>
+              <a:rPr lang="en-US"/>
+              <a:t>Nguyên âm /u/</a:t>
+            </a:r>
+          </a:p>
+        </p:txBody>
+      </p:sp>
+    </p:spTree>
+    <p:extLst>
+      <p:ext uri="{BB962C8B-B14F-4D97-AF65-F5344CB8AC3E}">
+        <p14:creationId xmlns:p14="http://schemas.microsoft.com/office/powerpoint/2010/main" val="4210952483"/>
+      </p:ext>
+    </p:extLst>
+  </p:cSld>
+  <p:clrMapOvr>
+    <a:masterClrMapping/>
+  </p:clrMapOvr>
+</p:sld>
+</file>
+
+<file path=ppt/slides/slide11.xml><?xml version="1.0" encoding="utf-8"?>
+<p:sld xmlns:a="http://schemas.openxmlformats.org/drawingml/2006/main" xmlns:r="http://schemas.openxmlformats.org/officeDocument/2006/relationships" xmlns:p="http://schemas.openxmlformats.org/presentationml/2006/main">
+  <p:cSld>
+    <p:spTree>
+      <p:nvGrpSpPr>
+        <p:cNvPr id="1" name=""/>
+        <p:cNvGrpSpPr/>
+        <p:nvPr/>
+      </p:nvGrpSpPr>
+      <p:grpSpPr>
+        <a:xfrm>
+          <a:off x="0" y="0"/>
+          <a:ext cx="0" cy="0"/>
+          <a:chOff x="0" y="0"/>
+          <a:chExt cx="0" cy="0"/>
+        </a:xfrm>
+      </p:grpSpPr>
+      <p:sp>
+        <p:nvSpPr>
+          <p:cNvPr id="2" name="Tiêu đề 1">
+            <a:extLst>
+              <a:ext uri="{FF2B5EF4-FFF2-40B4-BE49-F238E27FC236}">
+                <a16:creationId xmlns:a16="http://schemas.microsoft.com/office/drawing/2014/main" id="{8199BECC-50B4-47E7-8CE9-609FD27F18B1}"/>
+              </a:ext>
+            </a:extLst>
+          </p:cNvPr>
+          <p:cNvSpPr>
+            <a:spLocks noGrp="1"/>
+          </p:cNvSpPr>
+          <p:nvPr>
+            <p:ph type="title"/>
+          </p:nvPr>
+        </p:nvSpPr>
+        <p:spPr/>
+        <p:txBody>
+          <a:bodyPr>
+            <a:normAutofit fontScale="90000"/>
+          </a:bodyPr>
+          <a:lstStyle/>
+          <a:p>
+            <a:r>
+              <a:rPr lang="en-US">
+                <a:latin typeface="Arial" panose="020B0604020202020204" pitchFamily="34" charset="0"/>
+                <a:cs typeface="Arial" panose="020B0604020202020204" pitchFamily="34" charset="0"/>
+              </a:rPr>
+              <a:t>Xác định tần số Formant của 5 nguyên âm dùng phần mềm Praat</a:t>
+            </a:r>
+          </a:p>
+        </p:txBody>
+      </p:sp>
+      <p:pic>
+        <p:nvPicPr>
+          <p:cNvPr id="4" name="Chỗ dành sẵn cho Nội dung 3">
+            <a:extLst>
+              <a:ext uri="{FF2B5EF4-FFF2-40B4-BE49-F238E27FC236}">
+                <a16:creationId xmlns:a16="http://schemas.microsoft.com/office/drawing/2014/main" id="{CEC3F29E-CAF8-45F0-AF1F-DAF38966354D}"/>
+              </a:ext>
+            </a:extLst>
+          </p:cNvPr>
+          <p:cNvPicPr>
+            <a:picLocks noGrp="1"/>
+          </p:cNvPicPr>
+          <p:nvPr>
+            <p:ph idx="1"/>
+          </p:nvPr>
+        </p:nvPicPr>
+        <p:blipFill>
+          <a:blip r:embed="rId2">
+            <a:extLst>
+              <a:ext uri="{28A0092B-C50C-407E-A947-70E740481C1C}">
+                <a14:useLocalDpi xmlns:a14="http://schemas.microsoft.com/office/drawing/2010/main" val="0"/>
+              </a:ext>
+            </a:extLst>
+          </a:blip>
+          <a:srcRect/>
+          <a:stretch>
+            <a:fillRect/>
+          </a:stretch>
+        </p:blipFill>
+        <p:spPr bwMode="auto">
+          <a:xfrm>
+            <a:off x="609600" y="2057400"/>
+            <a:ext cx="6348413" cy="3492748"/>
+          </a:xfrm>
+          <a:prstGeom prst="rect">
+            <a:avLst/>
+          </a:prstGeom>
+          <a:noFill/>
+          <a:ln>
+            <a:noFill/>
+          </a:ln>
+        </p:spPr>
+      </p:pic>
+      <p:sp>
+        <p:nvSpPr>
+          <p:cNvPr id="5" name="Hộp Văn bản 4">
+            <a:extLst>
+              <a:ext uri="{FF2B5EF4-FFF2-40B4-BE49-F238E27FC236}">
+                <a16:creationId xmlns:a16="http://schemas.microsoft.com/office/drawing/2014/main" id="{307DCCBE-66B3-45DE-8650-0CC8AFF745DF}"/>
+              </a:ext>
+            </a:extLst>
+          </p:cNvPr>
+          <p:cNvSpPr txBox="1"/>
+          <p:nvPr/>
+        </p:nvSpPr>
+        <p:spPr>
+          <a:xfrm>
+            <a:off x="901700" y="5905500"/>
+            <a:ext cx="5765800" cy="369332"/>
+          </a:xfrm>
+          <a:prstGeom prst="rect">
+            <a:avLst/>
+          </a:prstGeom>
+          <a:noFill/>
+        </p:spPr>
+        <p:txBody>
+          <a:bodyPr wrap="square" rtlCol="0">
+            <a:spAutoFit/>
+          </a:bodyPr>
+          <a:lstStyle/>
+          <a:p>
+            <a:pPr algn="ctr"/>
+            <a:r>
+              <a:rPr lang="en-US"/>
+              <a:t>Các mức tần số Formant của nguyên âm /a/</a:t>
+            </a:r>
+          </a:p>
+        </p:txBody>
+      </p:sp>
+    </p:spTree>
+    <p:extLst>
+      <p:ext uri="{BB962C8B-B14F-4D97-AF65-F5344CB8AC3E}">
+        <p14:creationId xmlns:p14="http://schemas.microsoft.com/office/powerpoint/2010/main" val="516970106"/>
+      </p:ext>
+    </p:extLst>
+  </p:cSld>
+  <p:clrMapOvr>
+    <a:masterClrMapping/>
+  </p:clrMapOvr>
+</p:sld>
+</file>
+
+<file path=ppt/slides/slide12.xml><?xml version="1.0" encoding="utf-8"?>
+<p:sld xmlns:a="http://schemas.openxmlformats.org/drawingml/2006/main" xmlns:r="http://schemas.openxmlformats.org/officeDocument/2006/relationships" xmlns:p="http://schemas.openxmlformats.org/presentationml/2006/main">
+  <p:cSld>
+    <p:spTree>
+      <p:nvGrpSpPr>
+        <p:cNvPr id="1" name=""/>
+        <p:cNvGrpSpPr/>
+        <p:nvPr/>
+      </p:nvGrpSpPr>
+      <p:grpSpPr>
+        <a:xfrm>
+          <a:off x="0" y="0"/>
+          <a:ext cx="0" cy="0"/>
+          <a:chOff x="0" y="0"/>
+          <a:chExt cx="0" cy="0"/>
+        </a:xfrm>
+      </p:grpSpPr>
+      <p:sp>
+        <p:nvSpPr>
+          <p:cNvPr id="2" name="Tiêu đề 1">
+            <a:extLst>
+              <a:ext uri="{FF2B5EF4-FFF2-40B4-BE49-F238E27FC236}">
+                <a16:creationId xmlns:a16="http://schemas.microsoft.com/office/drawing/2014/main" id="{18222AD0-F95A-4F51-89A1-5CCF47067F79}"/>
+              </a:ext>
+            </a:extLst>
+          </p:cNvPr>
+          <p:cNvSpPr>
+            <a:spLocks noGrp="1"/>
+          </p:cNvSpPr>
+          <p:nvPr>
+            <p:ph type="title"/>
+          </p:nvPr>
+        </p:nvSpPr>
+        <p:spPr/>
+        <p:txBody>
+          <a:bodyPr/>
+          <a:lstStyle/>
+          <a:p>
+            <a:r>
+              <a:rPr lang="en-US">
+                <a:latin typeface="Arial" panose="020B0604020202020204" pitchFamily="34" charset="0"/>
+                <a:cs typeface="Arial" panose="020B0604020202020204" pitchFamily="34" charset="0"/>
+              </a:rPr>
+              <a:t>Bảng thống kê tần số Formant của 5 nguyên âm của ng</a:t>
+            </a:r>
+            <a:r>
+              <a:rPr lang="vi-VN">
+                <a:latin typeface="Arial" panose="020B0604020202020204" pitchFamily="34" charset="0"/>
+                <a:cs typeface="Arial" panose="020B0604020202020204" pitchFamily="34" charset="0"/>
+              </a:rPr>
+              <a:t>ư</a:t>
+            </a:r>
+            <a:r>
+              <a:rPr lang="en-US">
+                <a:latin typeface="Arial" panose="020B0604020202020204" pitchFamily="34" charset="0"/>
+                <a:cs typeface="Arial" panose="020B0604020202020204" pitchFamily="34" charset="0"/>
+              </a:rPr>
+              <a:t>ời 1</a:t>
+            </a:r>
+          </a:p>
+        </p:txBody>
+      </p:sp>
+      <p:graphicFrame>
+        <p:nvGraphicFramePr>
+          <p:cNvPr id="4" name="Chỗ dành sẵn cho Nội dung 3">
+            <a:extLst>
+              <a:ext uri="{FF2B5EF4-FFF2-40B4-BE49-F238E27FC236}">
+                <a16:creationId xmlns:a16="http://schemas.microsoft.com/office/drawing/2014/main" id="{70205AA6-46D5-427A-8F8F-5C9530EDFA40}"/>
+              </a:ext>
+            </a:extLst>
+          </p:cNvPr>
+          <p:cNvGraphicFramePr>
+            <a:graphicFrameLocks noGrp="1"/>
+          </p:cNvGraphicFramePr>
+          <p:nvPr>
+            <p:ph idx="1"/>
+            <p:extLst>
+              <p:ext uri="{D42A27DB-BD31-4B8C-83A1-F6EECF244321}">
+                <p14:modId xmlns:p14="http://schemas.microsoft.com/office/powerpoint/2010/main" val="3047911642"/>
+              </p:ext>
+            </p:extLst>
+          </p:nvPr>
+        </p:nvGraphicFramePr>
+        <p:xfrm>
+          <a:off x="609598" y="2324100"/>
+          <a:ext cx="6347714" cy="3360215"/>
+        </p:xfrm>
+        <a:graphic>
+          <a:graphicData uri="http://schemas.openxmlformats.org/drawingml/2006/table">
+            <a:tbl>
+              <a:tblPr firstRow="1" firstCol="1" bandRow="1">
+                <a:tableStyleId>{5C22544A-7EE6-4342-B048-85BDC9FD1C3A}</a:tableStyleId>
+              </a:tblPr>
+              <a:tblGrid>
+                <a:gridCol w="2751838">
+                  <a:extLst>
+                    <a:ext uri="{9D8B030D-6E8A-4147-A177-3AD203B41FA5}">
+                      <a16:colId xmlns:a16="http://schemas.microsoft.com/office/drawing/2014/main" val="3184469822"/>
+                    </a:ext>
+                  </a:extLst>
+                </a:gridCol>
+                <a:gridCol w="1218389">
+                  <a:extLst>
+                    <a:ext uri="{9D8B030D-6E8A-4147-A177-3AD203B41FA5}">
+                      <a16:colId xmlns:a16="http://schemas.microsoft.com/office/drawing/2014/main" val="963590563"/>
+                    </a:ext>
+                  </a:extLst>
+                </a:gridCol>
+                <a:gridCol w="1255592">
+                  <a:extLst>
+                    <a:ext uri="{9D8B030D-6E8A-4147-A177-3AD203B41FA5}">
+                      <a16:colId xmlns:a16="http://schemas.microsoft.com/office/drawing/2014/main" val="2189552183"/>
+                    </a:ext>
+                  </a:extLst>
+                </a:gridCol>
+                <a:gridCol w="1121895">
+                  <a:extLst>
+                    <a:ext uri="{9D8B030D-6E8A-4147-A177-3AD203B41FA5}">
+                      <a16:colId xmlns:a16="http://schemas.microsoft.com/office/drawing/2014/main" val="264689992"/>
+                    </a:ext>
+                  </a:extLst>
+                </a:gridCol>
+              </a:tblGrid>
+              <a:tr h="520700">
+                <a:tc>
+                  <a:txBody>
+                    <a:bodyPr/>
+                    <a:lstStyle/>
+                    <a:p>
+                      <a:pPr marL="0" marR="0" algn="just">
+                        <a:spcBef>
+                          <a:spcPts val="0"/>
+                        </a:spcBef>
+                        <a:spcAft>
+                          <a:spcPts val="0"/>
+                        </a:spcAft>
+                      </a:pPr>
+                      <a:r>
+                        <a:rPr lang="en-US" sz="1600">
+                          <a:effectLst/>
+                          <a:latin typeface="Arial" panose="020B0604020202020204" pitchFamily="34" charset="0"/>
+                          <a:cs typeface="Arial" panose="020B0604020202020204" pitchFamily="34" charset="0"/>
+                        </a:rPr>
+                        <a:t> </a:t>
+                      </a:r>
+                      <a:endParaRPr lang="en-US" sz="1600">
+                        <a:effectLst/>
+                        <a:latin typeface="Arial" panose="020B0604020202020204" pitchFamily="34" charset="0"/>
+                        <a:ea typeface="Times New Roman" panose="02020603050405020304" pitchFamily="18" charset="0"/>
+                        <a:cs typeface="Arial" panose="020B0604020202020204" pitchFamily="34" charset="0"/>
+                      </a:endParaRPr>
+                    </a:p>
+                  </a:txBody>
+                  <a:tcPr marL="68580" marR="68580" marT="0" marB="0"/>
+                </a:tc>
+                <a:tc>
+                  <a:txBody>
+                    <a:bodyPr/>
+                    <a:lstStyle/>
+                    <a:p>
+                      <a:pPr marL="0" marR="0" algn="just">
+                        <a:spcBef>
+                          <a:spcPts val="0"/>
+                        </a:spcBef>
+                        <a:spcAft>
+                          <a:spcPts val="0"/>
+                        </a:spcAft>
+                      </a:pPr>
+                      <a:r>
+                        <a:rPr lang="en-US" sz="1600">
+                          <a:effectLst/>
+                          <a:latin typeface="Arial" panose="020B0604020202020204" pitchFamily="34" charset="0"/>
+                          <a:cs typeface="Arial" panose="020B0604020202020204" pitchFamily="34" charset="0"/>
+                        </a:rPr>
+                        <a:t> F1</a:t>
+                      </a:r>
+                      <a:endParaRPr lang="en-US" sz="1600">
+                        <a:effectLst/>
+                        <a:latin typeface="Arial" panose="020B0604020202020204" pitchFamily="34" charset="0"/>
+                        <a:ea typeface="Times New Roman" panose="02020603050405020304" pitchFamily="18" charset="0"/>
+                        <a:cs typeface="Arial" panose="020B0604020202020204" pitchFamily="34" charset="0"/>
+                      </a:endParaRPr>
+                    </a:p>
+                  </a:txBody>
+                  <a:tcPr marL="68580" marR="68580" marT="0" marB="0"/>
+                </a:tc>
+                <a:tc>
+                  <a:txBody>
+                    <a:bodyPr/>
+                    <a:lstStyle/>
+                    <a:p>
+                      <a:pPr marL="0" marR="0" algn="just">
+                        <a:spcBef>
+                          <a:spcPts val="0"/>
+                        </a:spcBef>
+                        <a:spcAft>
+                          <a:spcPts val="0"/>
+                        </a:spcAft>
+                      </a:pPr>
+                      <a:r>
+                        <a:rPr lang="en-US" sz="1600">
+                          <a:effectLst/>
+                          <a:latin typeface="Arial" panose="020B0604020202020204" pitchFamily="34" charset="0"/>
+                          <a:cs typeface="Arial" panose="020B0604020202020204" pitchFamily="34" charset="0"/>
+                        </a:rPr>
+                        <a:t>F2</a:t>
+                      </a:r>
+                      <a:endParaRPr lang="en-US" sz="1600">
+                        <a:effectLst/>
+                        <a:latin typeface="Arial" panose="020B0604020202020204" pitchFamily="34" charset="0"/>
+                        <a:ea typeface="Times New Roman" panose="02020603050405020304" pitchFamily="18" charset="0"/>
+                        <a:cs typeface="Arial" panose="020B0604020202020204" pitchFamily="34" charset="0"/>
+                      </a:endParaRPr>
+                    </a:p>
+                  </a:txBody>
+                  <a:tcPr marL="68580" marR="68580" marT="0" marB="0"/>
+                </a:tc>
+                <a:tc>
+                  <a:txBody>
+                    <a:bodyPr/>
+                    <a:lstStyle/>
+                    <a:p>
+                      <a:pPr marL="0" marR="0" algn="just">
+                        <a:spcBef>
+                          <a:spcPts val="0"/>
+                        </a:spcBef>
+                        <a:spcAft>
+                          <a:spcPts val="0"/>
+                        </a:spcAft>
+                      </a:pPr>
+                      <a:r>
+                        <a:rPr lang="en-US" sz="1600">
+                          <a:effectLst/>
+                          <a:latin typeface="Arial" panose="020B0604020202020204" pitchFamily="34" charset="0"/>
+                          <a:cs typeface="Arial" panose="020B0604020202020204" pitchFamily="34" charset="0"/>
+                        </a:rPr>
+                        <a:t>F3</a:t>
+                      </a:r>
+                      <a:endParaRPr lang="en-US" sz="1600">
+                        <a:effectLst/>
+                        <a:latin typeface="Arial" panose="020B0604020202020204" pitchFamily="34" charset="0"/>
+                        <a:ea typeface="Times New Roman" panose="02020603050405020304" pitchFamily="18" charset="0"/>
+                        <a:cs typeface="Arial" panose="020B0604020202020204" pitchFamily="34" charset="0"/>
+                      </a:endParaRPr>
+                    </a:p>
+                  </a:txBody>
+                  <a:tcPr marL="68580" marR="68580" marT="0" marB="0"/>
+                </a:tc>
+                <a:extLst>
+                  <a:ext uri="{0D108BD9-81ED-4DB2-BD59-A6C34878D82A}">
+                    <a16:rowId xmlns:a16="http://schemas.microsoft.com/office/drawing/2014/main" val="1787861629"/>
+                  </a:ext>
+                </a:extLst>
+              </a:tr>
+              <a:tr h="567903">
+                <a:tc>
+                  <a:txBody>
+                    <a:bodyPr/>
+                    <a:lstStyle/>
+                    <a:p>
+                      <a:pPr marL="0" marR="0" algn="just">
+                        <a:spcBef>
+                          <a:spcPts val="0"/>
+                        </a:spcBef>
+                        <a:spcAft>
+                          <a:spcPts val="0"/>
+                        </a:spcAft>
+                      </a:pPr>
+                      <a:r>
+                        <a:rPr lang="en-US" sz="1600">
+                          <a:effectLst/>
+                          <a:latin typeface="Arial" panose="020B0604020202020204" pitchFamily="34" charset="0"/>
+                          <a:cs typeface="Arial" panose="020B0604020202020204" pitchFamily="34" charset="0"/>
+                        </a:rPr>
+                        <a:t>Âm /a/</a:t>
+                      </a:r>
+                      <a:endParaRPr lang="en-US" sz="1600">
+                        <a:effectLst/>
+                        <a:latin typeface="Arial" panose="020B0604020202020204" pitchFamily="34" charset="0"/>
+                        <a:ea typeface="Times New Roman" panose="02020603050405020304" pitchFamily="18" charset="0"/>
+                        <a:cs typeface="Arial" panose="020B0604020202020204" pitchFamily="34" charset="0"/>
+                      </a:endParaRPr>
+                    </a:p>
+                  </a:txBody>
+                  <a:tcPr marL="68580" marR="68580" marT="0" marB="0"/>
+                </a:tc>
+                <a:tc>
+                  <a:txBody>
+                    <a:bodyPr/>
+                    <a:lstStyle/>
+                    <a:p>
+                      <a:pPr marL="0" marR="0" algn="just">
+                        <a:spcBef>
+                          <a:spcPts val="0"/>
+                        </a:spcBef>
+                        <a:spcAft>
+                          <a:spcPts val="0"/>
+                        </a:spcAft>
+                      </a:pPr>
+                      <a:r>
+                        <a:rPr lang="en-US" sz="1600">
+                          <a:effectLst/>
+                          <a:latin typeface="Arial" panose="020B0604020202020204" pitchFamily="34" charset="0"/>
+                          <a:cs typeface="Arial" panose="020B0604020202020204" pitchFamily="34" charset="0"/>
+                        </a:rPr>
+                        <a:t>1132</a:t>
+                      </a:r>
+                      <a:endParaRPr lang="en-US" sz="1600">
+                        <a:effectLst/>
+                        <a:latin typeface="Arial" panose="020B0604020202020204" pitchFamily="34" charset="0"/>
+                        <a:ea typeface="Times New Roman" panose="02020603050405020304" pitchFamily="18" charset="0"/>
+                        <a:cs typeface="Arial" panose="020B0604020202020204" pitchFamily="34" charset="0"/>
+                      </a:endParaRPr>
+                    </a:p>
+                  </a:txBody>
+                  <a:tcPr marL="68580" marR="68580" marT="0" marB="0"/>
+                </a:tc>
+                <a:tc>
+                  <a:txBody>
+                    <a:bodyPr/>
+                    <a:lstStyle/>
+                    <a:p>
+                      <a:pPr marL="0" marR="0" algn="just">
+                        <a:spcBef>
+                          <a:spcPts val="0"/>
+                        </a:spcBef>
+                        <a:spcAft>
+                          <a:spcPts val="0"/>
+                        </a:spcAft>
+                      </a:pPr>
+                      <a:r>
+                        <a:rPr lang="en-US" sz="1600">
+                          <a:effectLst/>
+                          <a:latin typeface="Arial" panose="020B0604020202020204" pitchFamily="34" charset="0"/>
+                          <a:cs typeface="Arial" panose="020B0604020202020204" pitchFamily="34" charset="0"/>
+                        </a:rPr>
+                        <a:t>1548</a:t>
+                      </a:r>
+                      <a:endParaRPr lang="en-US" sz="1600">
+                        <a:effectLst/>
+                        <a:latin typeface="Arial" panose="020B0604020202020204" pitchFamily="34" charset="0"/>
+                        <a:ea typeface="Times New Roman" panose="02020603050405020304" pitchFamily="18" charset="0"/>
+                        <a:cs typeface="Arial" panose="020B0604020202020204" pitchFamily="34" charset="0"/>
+                      </a:endParaRPr>
+                    </a:p>
+                  </a:txBody>
+                  <a:tcPr marL="68580" marR="68580" marT="0" marB="0"/>
+                </a:tc>
+                <a:tc>
+                  <a:txBody>
+                    <a:bodyPr/>
+                    <a:lstStyle/>
+                    <a:p>
+                      <a:pPr marL="0" marR="0" algn="just">
+                        <a:spcBef>
+                          <a:spcPts val="0"/>
+                        </a:spcBef>
+                        <a:spcAft>
+                          <a:spcPts val="0"/>
+                        </a:spcAft>
+                      </a:pPr>
+                      <a:r>
+                        <a:rPr lang="en-US" sz="1600">
+                          <a:effectLst/>
+                          <a:latin typeface="Arial" panose="020B0604020202020204" pitchFamily="34" charset="0"/>
+                          <a:cs typeface="Arial" panose="020B0604020202020204" pitchFamily="34" charset="0"/>
+                        </a:rPr>
+                        <a:t>2709</a:t>
+                      </a:r>
+                      <a:endParaRPr lang="en-US" sz="1600">
+                        <a:effectLst/>
+                        <a:latin typeface="Arial" panose="020B0604020202020204" pitchFamily="34" charset="0"/>
+                        <a:ea typeface="Times New Roman" panose="02020603050405020304" pitchFamily="18" charset="0"/>
+                        <a:cs typeface="Arial" panose="020B0604020202020204" pitchFamily="34" charset="0"/>
+                      </a:endParaRPr>
+                    </a:p>
+                  </a:txBody>
+                  <a:tcPr marL="68580" marR="68580" marT="0" marB="0"/>
+                </a:tc>
+                <a:extLst>
+                  <a:ext uri="{0D108BD9-81ED-4DB2-BD59-A6C34878D82A}">
+                    <a16:rowId xmlns:a16="http://schemas.microsoft.com/office/drawing/2014/main" val="1951821933"/>
+                  </a:ext>
+                </a:extLst>
+              </a:tr>
+              <a:tr h="567903">
+                <a:tc>
+                  <a:txBody>
+                    <a:bodyPr/>
+                    <a:lstStyle/>
+                    <a:p>
+                      <a:pPr marL="0" marR="0" algn="just">
+                        <a:spcBef>
+                          <a:spcPts val="0"/>
+                        </a:spcBef>
+                        <a:spcAft>
+                          <a:spcPts val="0"/>
+                        </a:spcAft>
+                      </a:pPr>
+                      <a:r>
+                        <a:rPr lang="en-US" sz="1600">
+                          <a:effectLst/>
+                          <a:latin typeface="Arial" panose="020B0604020202020204" pitchFamily="34" charset="0"/>
+                          <a:cs typeface="Arial" panose="020B0604020202020204" pitchFamily="34" charset="0"/>
+                        </a:rPr>
+                        <a:t>Âm /e/</a:t>
+                      </a:r>
+                      <a:endParaRPr lang="en-US" sz="1600">
+                        <a:effectLst/>
+                        <a:latin typeface="Arial" panose="020B0604020202020204" pitchFamily="34" charset="0"/>
+                        <a:ea typeface="Times New Roman" panose="02020603050405020304" pitchFamily="18" charset="0"/>
+                        <a:cs typeface="Arial" panose="020B0604020202020204" pitchFamily="34" charset="0"/>
+                      </a:endParaRPr>
+                    </a:p>
+                  </a:txBody>
+                  <a:tcPr marL="68580" marR="68580" marT="0" marB="0"/>
+                </a:tc>
+                <a:tc>
+                  <a:txBody>
+                    <a:bodyPr/>
+                    <a:lstStyle/>
+                    <a:p>
+                      <a:pPr marL="0" marR="0" algn="just">
+                        <a:spcBef>
+                          <a:spcPts val="0"/>
+                        </a:spcBef>
+                        <a:spcAft>
+                          <a:spcPts val="0"/>
+                        </a:spcAft>
+                      </a:pPr>
+                      <a:r>
+                        <a:rPr lang="en-US" sz="1600">
+                          <a:effectLst/>
+                          <a:latin typeface="Arial" panose="020B0604020202020204" pitchFamily="34" charset="0"/>
+                          <a:cs typeface="Arial" panose="020B0604020202020204" pitchFamily="34" charset="0"/>
+                        </a:rPr>
+                        <a:t>870</a:t>
+                      </a:r>
+                      <a:endParaRPr lang="en-US" sz="1600">
+                        <a:effectLst/>
+                        <a:latin typeface="Arial" panose="020B0604020202020204" pitchFamily="34" charset="0"/>
+                        <a:ea typeface="Times New Roman" panose="02020603050405020304" pitchFamily="18" charset="0"/>
+                        <a:cs typeface="Arial" panose="020B0604020202020204" pitchFamily="34" charset="0"/>
+                      </a:endParaRPr>
+                    </a:p>
+                  </a:txBody>
+                  <a:tcPr marL="68580" marR="68580" marT="0" marB="0"/>
+                </a:tc>
+                <a:tc>
+                  <a:txBody>
+                    <a:bodyPr/>
+                    <a:lstStyle/>
+                    <a:p>
+                      <a:pPr marL="0" marR="0" algn="just">
+                        <a:spcBef>
+                          <a:spcPts val="0"/>
+                        </a:spcBef>
+                        <a:spcAft>
+                          <a:spcPts val="0"/>
+                        </a:spcAft>
+                      </a:pPr>
+                      <a:r>
+                        <a:rPr lang="en-US" sz="1600">
+                          <a:effectLst/>
+                          <a:latin typeface="Arial" panose="020B0604020202020204" pitchFamily="34" charset="0"/>
+                          <a:cs typeface="Arial" panose="020B0604020202020204" pitchFamily="34" charset="0"/>
+                        </a:rPr>
+                        <a:t>2227</a:t>
+                      </a:r>
+                      <a:endParaRPr lang="en-US" sz="1600">
+                        <a:effectLst/>
+                        <a:latin typeface="Arial" panose="020B0604020202020204" pitchFamily="34" charset="0"/>
+                        <a:ea typeface="Times New Roman" panose="02020603050405020304" pitchFamily="18" charset="0"/>
+                        <a:cs typeface="Arial" panose="020B0604020202020204" pitchFamily="34" charset="0"/>
+                      </a:endParaRPr>
+                    </a:p>
+                  </a:txBody>
+                  <a:tcPr marL="68580" marR="68580" marT="0" marB="0"/>
+                </a:tc>
+                <a:tc>
+                  <a:txBody>
+                    <a:bodyPr/>
+                    <a:lstStyle/>
+                    <a:p>
+                      <a:pPr marL="0" marR="0" algn="just">
+                        <a:spcBef>
+                          <a:spcPts val="0"/>
+                        </a:spcBef>
+                        <a:spcAft>
+                          <a:spcPts val="0"/>
+                        </a:spcAft>
+                      </a:pPr>
+                      <a:r>
+                        <a:rPr lang="en-US" sz="1600">
+                          <a:effectLst/>
+                          <a:latin typeface="Arial" panose="020B0604020202020204" pitchFamily="34" charset="0"/>
+                          <a:cs typeface="Arial" panose="020B0604020202020204" pitchFamily="34" charset="0"/>
+                        </a:rPr>
+                        <a:t>2796</a:t>
+                      </a:r>
+                      <a:endParaRPr lang="en-US" sz="1600">
+                        <a:effectLst/>
+                        <a:latin typeface="Arial" panose="020B0604020202020204" pitchFamily="34" charset="0"/>
+                        <a:ea typeface="Times New Roman" panose="02020603050405020304" pitchFamily="18" charset="0"/>
+                        <a:cs typeface="Arial" panose="020B0604020202020204" pitchFamily="34" charset="0"/>
+                      </a:endParaRPr>
+                    </a:p>
+                  </a:txBody>
+                  <a:tcPr marL="68580" marR="68580" marT="0" marB="0"/>
+                </a:tc>
+                <a:extLst>
+                  <a:ext uri="{0D108BD9-81ED-4DB2-BD59-A6C34878D82A}">
+                    <a16:rowId xmlns:a16="http://schemas.microsoft.com/office/drawing/2014/main" val="863754775"/>
+                  </a:ext>
+                </a:extLst>
+              </a:tr>
+              <a:tr h="567903">
+                <a:tc>
+                  <a:txBody>
+                    <a:bodyPr/>
+                    <a:lstStyle/>
+                    <a:p>
+                      <a:pPr marL="0" marR="0" algn="just">
+                        <a:spcBef>
+                          <a:spcPts val="0"/>
+                        </a:spcBef>
+                        <a:spcAft>
+                          <a:spcPts val="0"/>
+                        </a:spcAft>
+                      </a:pPr>
+                      <a:r>
+                        <a:rPr lang="en-US" sz="1600">
+                          <a:effectLst/>
+                          <a:latin typeface="Arial" panose="020B0604020202020204" pitchFamily="34" charset="0"/>
+                          <a:cs typeface="Arial" panose="020B0604020202020204" pitchFamily="34" charset="0"/>
+                        </a:rPr>
+                        <a:t>Âm /i/</a:t>
+                      </a:r>
+                      <a:endParaRPr lang="en-US" sz="1600">
+                        <a:effectLst/>
+                        <a:latin typeface="Arial" panose="020B0604020202020204" pitchFamily="34" charset="0"/>
+                        <a:ea typeface="Times New Roman" panose="02020603050405020304" pitchFamily="18" charset="0"/>
+                        <a:cs typeface="Arial" panose="020B0604020202020204" pitchFamily="34" charset="0"/>
+                      </a:endParaRPr>
+                    </a:p>
+                  </a:txBody>
+                  <a:tcPr marL="68580" marR="68580" marT="0" marB="0"/>
+                </a:tc>
+                <a:tc>
+                  <a:txBody>
+                    <a:bodyPr/>
+                    <a:lstStyle/>
+                    <a:p>
+                      <a:pPr marL="0" marR="0" algn="just">
+                        <a:spcBef>
+                          <a:spcPts val="0"/>
+                        </a:spcBef>
+                        <a:spcAft>
+                          <a:spcPts val="0"/>
+                        </a:spcAft>
+                      </a:pPr>
+                      <a:r>
+                        <a:rPr lang="en-US" sz="1600">
+                          <a:effectLst/>
+                          <a:latin typeface="Arial" panose="020B0604020202020204" pitchFamily="34" charset="0"/>
+                          <a:cs typeface="Arial" panose="020B0604020202020204" pitchFamily="34" charset="0"/>
+                        </a:rPr>
+                        <a:t>518</a:t>
+                      </a:r>
+                      <a:endParaRPr lang="en-US" sz="1600">
+                        <a:effectLst/>
+                        <a:latin typeface="Arial" panose="020B0604020202020204" pitchFamily="34" charset="0"/>
+                        <a:ea typeface="Times New Roman" panose="02020603050405020304" pitchFamily="18" charset="0"/>
+                        <a:cs typeface="Arial" panose="020B0604020202020204" pitchFamily="34" charset="0"/>
+                      </a:endParaRPr>
+                    </a:p>
+                  </a:txBody>
+                  <a:tcPr marL="68580" marR="68580" marT="0" marB="0"/>
+                </a:tc>
+                <a:tc>
+                  <a:txBody>
+                    <a:bodyPr/>
+                    <a:lstStyle/>
+                    <a:p>
+                      <a:pPr marL="0" marR="0" algn="just">
+                        <a:spcBef>
+                          <a:spcPts val="0"/>
+                        </a:spcBef>
+                        <a:spcAft>
+                          <a:spcPts val="0"/>
+                        </a:spcAft>
+                      </a:pPr>
+                      <a:r>
+                        <a:rPr lang="en-US" sz="1600">
+                          <a:effectLst/>
+                          <a:latin typeface="Arial" panose="020B0604020202020204" pitchFamily="34" charset="0"/>
+                          <a:cs typeface="Arial" panose="020B0604020202020204" pitchFamily="34" charset="0"/>
+                        </a:rPr>
+                        <a:t>2293</a:t>
+                      </a:r>
+                      <a:endParaRPr lang="en-US" sz="1600">
+                        <a:effectLst/>
+                        <a:latin typeface="Arial" panose="020B0604020202020204" pitchFamily="34" charset="0"/>
+                        <a:ea typeface="Times New Roman" panose="02020603050405020304" pitchFamily="18" charset="0"/>
+                        <a:cs typeface="Arial" panose="020B0604020202020204" pitchFamily="34" charset="0"/>
+                      </a:endParaRPr>
+                    </a:p>
+                  </a:txBody>
+                  <a:tcPr marL="68580" marR="68580" marT="0" marB="0"/>
+                </a:tc>
+                <a:tc>
+                  <a:txBody>
+                    <a:bodyPr/>
+                    <a:lstStyle/>
+                    <a:p>
+                      <a:pPr marL="0" marR="0" algn="just">
+                        <a:spcBef>
+                          <a:spcPts val="0"/>
+                        </a:spcBef>
+                        <a:spcAft>
+                          <a:spcPts val="0"/>
+                        </a:spcAft>
+                      </a:pPr>
+                      <a:r>
+                        <a:rPr lang="en-US" sz="1600">
+                          <a:effectLst/>
+                          <a:latin typeface="Arial" panose="020B0604020202020204" pitchFamily="34" charset="0"/>
+                          <a:cs typeface="Arial" panose="020B0604020202020204" pitchFamily="34" charset="0"/>
+                        </a:rPr>
+                        <a:t>3191</a:t>
+                      </a:r>
+                      <a:endParaRPr lang="en-US" sz="1600">
+                        <a:effectLst/>
+                        <a:latin typeface="Arial" panose="020B0604020202020204" pitchFamily="34" charset="0"/>
+                        <a:ea typeface="Times New Roman" panose="02020603050405020304" pitchFamily="18" charset="0"/>
+                        <a:cs typeface="Arial" panose="020B0604020202020204" pitchFamily="34" charset="0"/>
+                      </a:endParaRPr>
+                    </a:p>
+                  </a:txBody>
+                  <a:tcPr marL="68580" marR="68580" marT="0" marB="0"/>
+                </a:tc>
+                <a:extLst>
+                  <a:ext uri="{0D108BD9-81ED-4DB2-BD59-A6C34878D82A}">
+                    <a16:rowId xmlns:a16="http://schemas.microsoft.com/office/drawing/2014/main" val="2777935003"/>
+                  </a:ext>
+                </a:extLst>
+              </a:tr>
+              <a:tr h="567903">
+                <a:tc>
+                  <a:txBody>
+                    <a:bodyPr/>
+                    <a:lstStyle/>
+                    <a:p>
+                      <a:pPr marL="0" marR="0" algn="just">
+                        <a:spcBef>
+                          <a:spcPts val="0"/>
+                        </a:spcBef>
+                        <a:spcAft>
+                          <a:spcPts val="0"/>
+                        </a:spcAft>
+                      </a:pPr>
+                      <a:r>
+                        <a:rPr lang="en-US" sz="1600">
+                          <a:effectLst/>
+                          <a:latin typeface="Arial" panose="020B0604020202020204" pitchFamily="34" charset="0"/>
+                          <a:cs typeface="Arial" panose="020B0604020202020204" pitchFamily="34" charset="0"/>
+                        </a:rPr>
+                        <a:t>Âm /u/</a:t>
+                      </a:r>
+                      <a:endParaRPr lang="en-US" sz="1600">
+                        <a:effectLst/>
+                        <a:latin typeface="Arial" panose="020B0604020202020204" pitchFamily="34" charset="0"/>
+                        <a:ea typeface="Times New Roman" panose="02020603050405020304" pitchFamily="18" charset="0"/>
+                        <a:cs typeface="Arial" panose="020B0604020202020204" pitchFamily="34" charset="0"/>
+                      </a:endParaRPr>
+                    </a:p>
+                  </a:txBody>
+                  <a:tcPr marL="68580" marR="68580" marT="0" marB="0"/>
+                </a:tc>
+                <a:tc>
+                  <a:txBody>
+                    <a:bodyPr/>
+                    <a:lstStyle/>
+                    <a:p>
+                      <a:pPr marL="0" marR="0" algn="just">
+                        <a:spcBef>
+                          <a:spcPts val="0"/>
+                        </a:spcBef>
+                        <a:spcAft>
+                          <a:spcPts val="0"/>
+                        </a:spcAft>
+                      </a:pPr>
+                      <a:r>
+                        <a:rPr lang="en-US" sz="1600">
+                          <a:effectLst/>
+                          <a:latin typeface="Arial" panose="020B0604020202020204" pitchFamily="34" charset="0"/>
+                          <a:cs typeface="Arial" panose="020B0604020202020204" pitchFamily="34" charset="0"/>
+                        </a:rPr>
+                        <a:t>519</a:t>
+                      </a:r>
+                      <a:endParaRPr lang="en-US" sz="1600">
+                        <a:effectLst/>
+                        <a:latin typeface="Arial" panose="020B0604020202020204" pitchFamily="34" charset="0"/>
+                        <a:ea typeface="Times New Roman" panose="02020603050405020304" pitchFamily="18" charset="0"/>
+                        <a:cs typeface="Arial" panose="020B0604020202020204" pitchFamily="34" charset="0"/>
+                      </a:endParaRPr>
+                    </a:p>
+                  </a:txBody>
+                  <a:tcPr marL="68580" marR="68580" marT="0" marB="0"/>
+                </a:tc>
+                <a:tc>
+                  <a:txBody>
+                    <a:bodyPr/>
+                    <a:lstStyle/>
+                    <a:p>
+                      <a:pPr marL="0" marR="0" algn="just">
+                        <a:spcBef>
+                          <a:spcPts val="0"/>
+                        </a:spcBef>
+                        <a:spcAft>
+                          <a:spcPts val="0"/>
+                        </a:spcAft>
+                      </a:pPr>
+                      <a:r>
+                        <a:rPr lang="en-US" sz="1600">
+                          <a:effectLst/>
+                          <a:latin typeface="Arial" panose="020B0604020202020204" pitchFamily="34" charset="0"/>
+                          <a:cs typeface="Arial" panose="020B0604020202020204" pitchFamily="34" charset="0"/>
+                        </a:rPr>
+                        <a:t>780</a:t>
+                      </a:r>
+                      <a:endParaRPr lang="en-US" sz="1600">
+                        <a:effectLst/>
+                        <a:latin typeface="Arial" panose="020B0604020202020204" pitchFamily="34" charset="0"/>
+                        <a:ea typeface="Times New Roman" panose="02020603050405020304" pitchFamily="18" charset="0"/>
+                        <a:cs typeface="Arial" panose="020B0604020202020204" pitchFamily="34" charset="0"/>
+                      </a:endParaRPr>
+                    </a:p>
+                  </a:txBody>
+                  <a:tcPr marL="68580" marR="68580" marT="0" marB="0"/>
+                </a:tc>
+                <a:tc>
+                  <a:txBody>
+                    <a:bodyPr/>
+                    <a:lstStyle/>
+                    <a:p>
+                      <a:pPr marL="0" marR="0" algn="just">
+                        <a:spcBef>
+                          <a:spcPts val="0"/>
+                        </a:spcBef>
+                        <a:spcAft>
+                          <a:spcPts val="0"/>
+                        </a:spcAft>
+                      </a:pPr>
+                      <a:r>
+                        <a:rPr lang="en-US" sz="1600">
+                          <a:effectLst/>
+                          <a:latin typeface="Arial" panose="020B0604020202020204" pitchFamily="34" charset="0"/>
+                          <a:cs typeface="Arial" panose="020B0604020202020204" pitchFamily="34" charset="0"/>
+                        </a:rPr>
+                        <a:t>2830</a:t>
+                      </a:r>
+                      <a:endParaRPr lang="en-US" sz="1600">
+                        <a:effectLst/>
+                        <a:latin typeface="Arial" panose="020B0604020202020204" pitchFamily="34" charset="0"/>
+                        <a:ea typeface="Times New Roman" panose="02020603050405020304" pitchFamily="18" charset="0"/>
+                        <a:cs typeface="Arial" panose="020B0604020202020204" pitchFamily="34" charset="0"/>
+                      </a:endParaRPr>
+                    </a:p>
+                  </a:txBody>
+                  <a:tcPr marL="68580" marR="68580" marT="0" marB="0"/>
+                </a:tc>
+                <a:extLst>
+                  <a:ext uri="{0D108BD9-81ED-4DB2-BD59-A6C34878D82A}">
+                    <a16:rowId xmlns:a16="http://schemas.microsoft.com/office/drawing/2014/main" val="1537149305"/>
+                  </a:ext>
+                </a:extLst>
+              </a:tr>
+              <a:tr h="567903">
+                <a:tc>
+                  <a:txBody>
+                    <a:bodyPr/>
+                    <a:lstStyle/>
+                    <a:p>
+                      <a:pPr marL="0" marR="0" algn="just">
+                        <a:spcBef>
+                          <a:spcPts val="0"/>
+                        </a:spcBef>
+                        <a:spcAft>
+                          <a:spcPts val="0"/>
+                        </a:spcAft>
+                      </a:pPr>
+                      <a:r>
+                        <a:rPr lang="en-US" sz="1600">
+                          <a:effectLst/>
+                          <a:latin typeface="Arial" panose="020B0604020202020204" pitchFamily="34" charset="0"/>
+                          <a:cs typeface="Arial" panose="020B0604020202020204" pitchFamily="34" charset="0"/>
+                        </a:rPr>
+                        <a:t>Âm /o/</a:t>
+                      </a:r>
+                      <a:endParaRPr lang="en-US" sz="1600">
+                        <a:effectLst/>
+                        <a:latin typeface="Arial" panose="020B0604020202020204" pitchFamily="34" charset="0"/>
+                        <a:ea typeface="Times New Roman" panose="02020603050405020304" pitchFamily="18" charset="0"/>
+                        <a:cs typeface="Arial" panose="020B0604020202020204" pitchFamily="34" charset="0"/>
+                      </a:endParaRPr>
+                    </a:p>
+                  </a:txBody>
+                  <a:tcPr marL="68580" marR="68580" marT="0" marB="0"/>
+                </a:tc>
+                <a:tc>
+                  <a:txBody>
+                    <a:bodyPr/>
+                    <a:lstStyle/>
+                    <a:p>
+                      <a:pPr marL="0" marR="0" algn="just">
+                        <a:spcBef>
+                          <a:spcPts val="0"/>
+                        </a:spcBef>
+                        <a:spcAft>
+                          <a:spcPts val="0"/>
+                        </a:spcAft>
+                      </a:pPr>
+                      <a:r>
+                        <a:rPr lang="en-US" sz="1600">
+                          <a:effectLst/>
+                          <a:latin typeface="Arial" panose="020B0604020202020204" pitchFamily="34" charset="0"/>
+                          <a:cs typeface="Arial" panose="020B0604020202020204" pitchFamily="34" charset="0"/>
+                        </a:rPr>
+                        <a:t>847</a:t>
+                      </a:r>
+                      <a:endParaRPr lang="en-US" sz="1600">
+                        <a:effectLst/>
+                        <a:latin typeface="Arial" panose="020B0604020202020204" pitchFamily="34" charset="0"/>
+                        <a:ea typeface="Times New Roman" panose="02020603050405020304" pitchFamily="18" charset="0"/>
+                        <a:cs typeface="Arial" panose="020B0604020202020204" pitchFamily="34" charset="0"/>
+                      </a:endParaRPr>
+                    </a:p>
+                  </a:txBody>
+                  <a:tcPr marL="68580" marR="68580" marT="0" marB="0"/>
+                </a:tc>
+                <a:tc>
+                  <a:txBody>
+                    <a:bodyPr/>
+                    <a:lstStyle/>
+                    <a:p>
+                      <a:pPr marL="0" marR="0" algn="just">
+                        <a:spcBef>
+                          <a:spcPts val="0"/>
+                        </a:spcBef>
+                        <a:spcAft>
+                          <a:spcPts val="0"/>
+                        </a:spcAft>
+                      </a:pPr>
+                      <a:r>
+                        <a:rPr lang="en-US" sz="1600">
+                          <a:effectLst/>
+                          <a:latin typeface="Arial" panose="020B0604020202020204" pitchFamily="34" charset="0"/>
+                          <a:cs typeface="Arial" panose="020B0604020202020204" pitchFamily="34" charset="0"/>
+                        </a:rPr>
+                        <a:t>1220</a:t>
+                      </a:r>
+                      <a:endParaRPr lang="en-US" sz="1600">
+                        <a:effectLst/>
+                        <a:latin typeface="Arial" panose="020B0604020202020204" pitchFamily="34" charset="0"/>
+                        <a:ea typeface="Times New Roman" panose="02020603050405020304" pitchFamily="18" charset="0"/>
+                        <a:cs typeface="Arial" panose="020B0604020202020204" pitchFamily="34" charset="0"/>
+                      </a:endParaRPr>
+                    </a:p>
+                  </a:txBody>
+                  <a:tcPr marL="68580" marR="68580" marT="0" marB="0"/>
+                </a:tc>
+                <a:tc>
+                  <a:txBody>
+                    <a:bodyPr/>
+                    <a:lstStyle/>
+                    <a:p>
+                      <a:pPr marL="0" marR="0" algn="just">
+                        <a:spcBef>
+                          <a:spcPts val="0"/>
+                        </a:spcBef>
+                        <a:spcAft>
+                          <a:spcPts val="0"/>
+                        </a:spcAft>
+                      </a:pPr>
+                      <a:r>
+                        <a:rPr lang="en-US" sz="1600">
+                          <a:effectLst/>
+                          <a:latin typeface="Arial" panose="020B0604020202020204" pitchFamily="34" charset="0"/>
+                          <a:cs typeface="Arial" panose="020B0604020202020204" pitchFamily="34" charset="0"/>
+                        </a:rPr>
+                        <a:t>2446</a:t>
+                      </a:r>
+                      <a:endParaRPr lang="en-US" sz="1600">
+                        <a:effectLst/>
+                        <a:latin typeface="Arial" panose="020B0604020202020204" pitchFamily="34" charset="0"/>
+                        <a:ea typeface="Times New Roman" panose="02020603050405020304" pitchFamily="18" charset="0"/>
+                        <a:cs typeface="Arial" panose="020B0604020202020204" pitchFamily="34" charset="0"/>
+                      </a:endParaRPr>
+                    </a:p>
+                  </a:txBody>
+                  <a:tcPr marL="68580" marR="68580" marT="0" marB="0"/>
+                </a:tc>
+                <a:extLst>
+                  <a:ext uri="{0D108BD9-81ED-4DB2-BD59-A6C34878D82A}">
+                    <a16:rowId xmlns:a16="http://schemas.microsoft.com/office/drawing/2014/main" val="54151348"/>
+                  </a:ext>
+                </a:extLst>
+              </a:tr>
+            </a:tbl>
+          </a:graphicData>
+        </a:graphic>
+      </p:graphicFrame>
+    </p:spTree>
+    <p:extLst>
+      <p:ext uri="{BB962C8B-B14F-4D97-AF65-F5344CB8AC3E}">
+        <p14:creationId xmlns:p14="http://schemas.microsoft.com/office/powerpoint/2010/main" val="227763233"/>
+      </p:ext>
+    </p:extLst>
+  </p:cSld>
+  <p:clrMapOvr>
+    <a:masterClrMapping/>
+  </p:clrMapOvr>
+</p:sld>
+</file>
+
+<file path=ppt/slides/slide13.xml><?xml version="1.0" encoding="utf-8"?>
+<p:sld xmlns:a="http://schemas.openxmlformats.org/drawingml/2006/main" xmlns:r="http://schemas.openxmlformats.org/officeDocument/2006/relationships" xmlns:p="http://schemas.openxmlformats.org/presentationml/2006/main">
+  <p:cSld>
+    <p:spTree>
+      <p:nvGrpSpPr>
+        <p:cNvPr id="1" name=""/>
+        <p:cNvGrpSpPr/>
+        <p:nvPr/>
+      </p:nvGrpSpPr>
+      <p:grpSpPr>
+        <a:xfrm>
+          <a:off x="0" y="0"/>
+          <a:ext cx="0" cy="0"/>
+          <a:chOff x="0" y="0"/>
+          <a:chExt cx="0" cy="0"/>
+        </a:xfrm>
+      </p:grpSpPr>
+      <p:sp>
+        <p:nvSpPr>
+          <p:cNvPr id="2" name="Tiêu đề 1">
+            <a:extLst>
+              <a:ext uri="{FF2B5EF4-FFF2-40B4-BE49-F238E27FC236}">
+                <a16:creationId xmlns:a16="http://schemas.microsoft.com/office/drawing/2014/main" id="{0317C8BD-FCBF-4659-A57C-563C847642DB}"/>
+              </a:ext>
+            </a:extLst>
+          </p:cNvPr>
+          <p:cNvSpPr>
+            <a:spLocks noGrp="1"/>
+          </p:cNvSpPr>
+          <p:nvPr>
+            <p:ph type="title"/>
+          </p:nvPr>
+        </p:nvSpPr>
+        <p:spPr/>
+        <p:txBody>
+          <a:bodyPr/>
+          <a:lstStyle/>
+          <a:p>
+            <a:r>
+              <a:rPr lang="en-US">
+                <a:latin typeface="Arial" panose="020B0604020202020204" pitchFamily="34" charset="0"/>
+                <a:cs typeface="Arial" panose="020B0604020202020204" pitchFamily="34" charset="0"/>
+              </a:rPr>
+              <a:t>Bảng thống kê tần số Formant của 5 nguyên âm của ng</a:t>
+            </a:r>
+            <a:r>
+              <a:rPr lang="vi-VN">
+                <a:latin typeface="Arial" panose="020B0604020202020204" pitchFamily="34" charset="0"/>
+                <a:cs typeface="Arial" panose="020B0604020202020204" pitchFamily="34" charset="0"/>
+              </a:rPr>
+              <a:t>ư</a:t>
+            </a:r>
+            <a:r>
+              <a:rPr lang="en-US">
+                <a:latin typeface="Arial" panose="020B0604020202020204" pitchFamily="34" charset="0"/>
+                <a:cs typeface="Arial" panose="020B0604020202020204" pitchFamily="34" charset="0"/>
+              </a:rPr>
+              <a:t>ời 2</a:t>
+            </a:r>
+          </a:p>
+        </p:txBody>
+      </p:sp>
+      <p:graphicFrame>
+        <p:nvGraphicFramePr>
+          <p:cNvPr id="4" name="Chỗ dành sẵn cho Nội dung 3">
+            <a:extLst>
+              <a:ext uri="{FF2B5EF4-FFF2-40B4-BE49-F238E27FC236}">
+                <a16:creationId xmlns:a16="http://schemas.microsoft.com/office/drawing/2014/main" id="{636C0CA7-1734-46BF-9197-986760E1EBFF}"/>
+              </a:ext>
+            </a:extLst>
+          </p:cNvPr>
+          <p:cNvGraphicFramePr>
+            <a:graphicFrameLocks noGrp="1"/>
+          </p:cNvGraphicFramePr>
+          <p:nvPr>
+            <p:ph idx="1"/>
+            <p:extLst>
+              <p:ext uri="{D42A27DB-BD31-4B8C-83A1-F6EECF244321}">
+                <p14:modId xmlns:p14="http://schemas.microsoft.com/office/powerpoint/2010/main" val="346133332"/>
+              </p:ext>
+            </p:extLst>
+          </p:nvPr>
+        </p:nvGraphicFramePr>
+        <p:xfrm>
+          <a:off x="609598" y="2463800"/>
+          <a:ext cx="6347713" cy="3062815"/>
+        </p:xfrm>
+        <a:graphic>
+          <a:graphicData uri="http://schemas.openxmlformats.org/drawingml/2006/table">
+            <a:tbl>
+              <a:tblPr firstRow="1" firstCol="1" bandRow="1">
+                <a:tableStyleId>{5C22544A-7EE6-4342-B048-85BDC9FD1C3A}</a:tableStyleId>
+              </a:tblPr>
+              <a:tblGrid>
+                <a:gridCol w="2751838">
+                  <a:extLst>
+                    <a:ext uri="{9D8B030D-6E8A-4147-A177-3AD203B41FA5}">
+                      <a16:colId xmlns:a16="http://schemas.microsoft.com/office/drawing/2014/main" val="2059793103"/>
+                    </a:ext>
+                  </a:extLst>
+                </a:gridCol>
+                <a:gridCol w="1218389">
+                  <a:extLst>
+                    <a:ext uri="{9D8B030D-6E8A-4147-A177-3AD203B41FA5}">
+                      <a16:colId xmlns:a16="http://schemas.microsoft.com/office/drawing/2014/main" val="3278749968"/>
+                    </a:ext>
+                  </a:extLst>
+                </a:gridCol>
+                <a:gridCol w="1255591">
+                  <a:extLst>
+                    <a:ext uri="{9D8B030D-6E8A-4147-A177-3AD203B41FA5}">
+                      <a16:colId xmlns:a16="http://schemas.microsoft.com/office/drawing/2014/main" val="2357072144"/>
+                    </a:ext>
+                  </a:extLst>
+                </a:gridCol>
+                <a:gridCol w="1121895">
+                  <a:extLst>
+                    <a:ext uri="{9D8B030D-6E8A-4147-A177-3AD203B41FA5}">
+                      <a16:colId xmlns:a16="http://schemas.microsoft.com/office/drawing/2014/main" val="393830981"/>
+                    </a:ext>
+                  </a:extLst>
+                </a:gridCol>
+              </a:tblGrid>
+              <a:tr h="533400">
+                <a:tc>
+                  <a:txBody>
+                    <a:bodyPr/>
+                    <a:lstStyle/>
+                    <a:p>
+                      <a:pPr marL="0" marR="0" algn="just">
+                        <a:spcBef>
+                          <a:spcPts val="0"/>
+                        </a:spcBef>
+                        <a:spcAft>
+                          <a:spcPts val="0"/>
+                        </a:spcAft>
+                      </a:pPr>
+                      <a:r>
+                        <a:rPr lang="en-US" sz="1600">
+                          <a:effectLst/>
+                          <a:latin typeface="Arial" panose="020B0604020202020204" pitchFamily="34" charset="0"/>
+                          <a:cs typeface="Arial" panose="020B0604020202020204" pitchFamily="34" charset="0"/>
+                        </a:rPr>
+                        <a:t> </a:t>
+                      </a:r>
+                      <a:endParaRPr lang="en-US" sz="1600">
+                        <a:effectLst/>
+                        <a:latin typeface="Arial" panose="020B0604020202020204" pitchFamily="34" charset="0"/>
+                        <a:ea typeface="Times New Roman" panose="02020603050405020304" pitchFamily="18" charset="0"/>
+                        <a:cs typeface="Arial" panose="020B0604020202020204" pitchFamily="34" charset="0"/>
+                      </a:endParaRPr>
+                    </a:p>
+                  </a:txBody>
+                  <a:tcPr marL="68580" marR="68580" marT="0" marB="0"/>
+                </a:tc>
+                <a:tc>
+                  <a:txBody>
+                    <a:bodyPr/>
+                    <a:lstStyle/>
+                    <a:p>
+                      <a:pPr marL="0" marR="0" algn="just">
+                        <a:spcBef>
+                          <a:spcPts val="0"/>
+                        </a:spcBef>
+                        <a:spcAft>
+                          <a:spcPts val="0"/>
+                        </a:spcAft>
+                      </a:pPr>
+                      <a:r>
+                        <a:rPr lang="en-US" sz="1600">
+                          <a:effectLst/>
+                          <a:latin typeface="Arial" panose="020B0604020202020204" pitchFamily="34" charset="0"/>
+                          <a:cs typeface="Arial" panose="020B0604020202020204" pitchFamily="34" charset="0"/>
+                        </a:rPr>
+                        <a:t> F1</a:t>
+                      </a:r>
+                      <a:endParaRPr lang="en-US" sz="1600">
+                        <a:effectLst/>
+                        <a:latin typeface="Arial" panose="020B0604020202020204" pitchFamily="34" charset="0"/>
+                        <a:ea typeface="Times New Roman" panose="02020603050405020304" pitchFamily="18" charset="0"/>
+                        <a:cs typeface="Arial" panose="020B0604020202020204" pitchFamily="34" charset="0"/>
+                      </a:endParaRPr>
+                    </a:p>
+                  </a:txBody>
+                  <a:tcPr marL="68580" marR="68580" marT="0" marB="0"/>
+                </a:tc>
+                <a:tc>
+                  <a:txBody>
+                    <a:bodyPr/>
+                    <a:lstStyle/>
+                    <a:p>
+                      <a:pPr marL="0" marR="0" algn="just">
+                        <a:spcBef>
+                          <a:spcPts val="0"/>
+                        </a:spcBef>
+                        <a:spcAft>
+                          <a:spcPts val="0"/>
+                        </a:spcAft>
+                      </a:pPr>
+                      <a:r>
+                        <a:rPr lang="en-US" sz="1600">
+                          <a:effectLst/>
+                          <a:latin typeface="Arial" panose="020B0604020202020204" pitchFamily="34" charset="0"/>
+                          <a:cs typeface="Arial" panose="020B0604020202020204" pitchFamily="34" charset="0"/>
+                        </a:rPr>
+                        <a:t>F2</a:t>
+                      </a:r>
+                      <a:endParaRPr lang="en-US" sz="1600">
+                        <a:effectLst/>
+                        <a:latin typeface="Arial" panose="020B0604020202020204" pitchFamily="34" charset="0"/>
+                        <a:ea typeface="Times New Roman" panose="02020603050405020304" pitchFamily="18" charset="0"/>
+                        <a:cs typeface="Arial" panose="020B0604020202020204" pitchFamily="34" charset="0"/>
+                      </a:endParaRPr>
+                    </a:p>
+                  </a:txBody>
+                  <a:tcPr marL="68580" marR="68580" marT="0" marB="0"/>
+                </a:tc>
+                <a:tc>
+                  <a:txBody>
+                    <a:bodyPr/>
+                    <a:lstStyle/>
+                    <a:p>
+                      <a:pPr marL="0" marR="0" algn="just">
+                        <a:spcBef>
+                          <a:spcPts val="0"/>
+                        </a:spcBef>
+                        <a:spcAft>
+                          <a:spcPts val="0"/>
+                        </a:spcAft>
+                      </a:pPr>
+                      <a:r>
+                        <a:rPr lang="en-US" sz="1600">
+                          <a:effectLst/>
+                          <a:latin typeface="Arial" panose="020B0604020202020204" pitchFamily="34" charset="0"/>
+                          <a:cs typeface="Arial" panose="020B0604020202020204" pitchFamily="34" charset="0"/>
+                        </a:rPr>
+                        <a:t>F3</a:t>
+                      </a:r>
+                      <a:endParaRPr lang="en-US" sz="1600">
+                        <a:effectLst/>
+                        <a:latin typeface="Arial" panose="020B0604020202020204" pitchFamily="34" charset="0"/>
+                        <a:ea typeface="Times New Roman" panose="02020603050405020304" pitchFamily="18" charset="0"/>
+                        <a:cs typeface="Arial" panose="020B0604020202020204" pitchFamily="34" charset="0"/>
+                      </a:endParaRPr>
+                    </a:p>
+                  </a:txBody>
+                  <a:tcPr marL="68580" marR="68580" marT="0" marB="0"/>
+                </a:tc>
+                <a:extLst>
+                  <a:ext uri="{0D108BD9-81ED-4DB2-BD59-A6C34878D82A}">
+                    <a16:rowId xmlns:a16="http://schemas.microsoft.com/office/drawing/2014/main" val="3944269760"/>
+                  </a:ext>
+                </a:extLst>
+              </a:tr>
+              <a:tr h="505883">
+                <a:tc>
+                  <a:txBody>
+                    <a:bodyPr/>
+                    <a:lstStyle/>
+                    <a:p>
+                      <a:pPr marL="0" marR="0" algn="just">
+                        <a:spcBef>
+                          <a:spcPts val="0"/>
+                        </a:spcBef>
+                        <a:spcAft>
+                          <a:spcPts val="0"/>
+                        </a:spcAft>
+                      </a:pPr>
+                      <a:r>
+                        <a:rPr lang="en-US" sz="1600">
+                          <a:effectLst/>
+                          <a:latin typeface="Arial" panose="020B0604020202020204" pitchFamily="34" charset="0"/>
+                          <a:cs typeface="Arial" panose="020B0604020202020204" pitchFamily="34" charset="0"/>
+                        </a:rPr>
+                        <a:t>Âm /a/</a:t>
+                      </a:r>
+                      <a:endParaRPr lang="en-US" sz="1600">
+                        <a:effectLst/>
+                        <a:latin typeface="Arial" panose="020B0604020202020204" pitchFamily="34" charset="0"/>
+                        <a:ea typeface="Times New Roman" panose="02020603050405020304" pitchFamily="18" charset="0"/>
+                        <a:cs typeface="Arial" panose="020B0604020202020204" pitchFamily="34" charset="0"/>
+                      </a:endParaRPr>
+                    </a:p>
+                  </a:txBody>
+                  <a:tcPr marL="68580" marR="68580" marT="0" marB="0"/>
+                </a:tc>
+                <a:tc>
+                  <a:txBody>
+                    <a:bodyPr/>
+                    <a:lstStyle/>
+                    <a:p>
+                      <a:pPr marL="0" marR="0" algn="just">
+                        <a:spcBef>
+                          <a:spcPts val="0"/>
+                        </a:spcBef>
+                        <a:spcAft>
+                          <a:spcPts val="0"/>
+                        </a:spcAft>
+                      </a:pPr>
+                      <a:r>
+                        <a:rPr lang="en-US" sz="1600">
+                          <a:effectLst/>
+                          <a:latin typeface="Arial" panose="020B0604020202020204" pitchFamily="34" charset="0"/>
+                          <a:cs typeface="Arial" panose="020B0604020202020204" pitchFamily="34" charset="0"/>
+                        </a:rPr>
+                        <a:t>935</a:t>
+                      </a:r>
+                      <a:endParaRPr lang="en-US" sz="1600">
+                        <a:effectLst/>
+                        <a:latin typeface="Arial" panose="020B0604020202020204" pitchFamily="34" charset="0"/>
+                        <a:ea typeface="Times New Roman" panose="02020603050405020304" pitchFamily="18" charset="0"/>
+                        <a:cs typeface="Arial" panose="020B0604020202020204" pitchFamily="34" charset="0"/>
+                      </a:endParaRPr>
+                    </a:p>
+                  </a:txBody>
+                  <a:tcPr marL="68580" marR="68580" marT="0" marB="0"/>
+                </a:tc>
+                <a:tc>
+                  <a:txBody>
+                    <a:bodyPr/>
+                    <a:lstStyle/>
+                    <a:p>
+                      <a:pPr marL="0" marR="0" algn="just">
+                        <a:spcBef>
+                          <a:spcPts val="0"/>
+                        </a:spcBef>
+                        <a:spcAft>
+                          <a:spcPts val="0"/>
+                        </a:spcAft>
+                      </a:pPr>
+                      <a:r>
+                        <a:rPr lang="en-US" sz="1600">
+                          <a:effectLst/>
+                          <a:latin typeface="Arial" panose="020B0604020202020204" pitchFamily="34" charset="0"/>
+                          <a:cs typeface="Arial" panose="020B0604020202020204" pitchFamily="34" charset="0"/>
+                        </a:rPr>
+                        <a:t>1329</a:t>
+                      </a:r>
+                      <a:endParaRPr lang="en-US" sz="1600">
+                        <a:effectLst/>
+                        <a:latin typeface="Arial" panose="020B0604020202020204" pitchFamily="34" charset="0"/>
+                        <a:ea typeface="Times New Roman" panose="02020603050405020304" pitchFamily="18" charset="0"/>
+                        <a:cs typeface="Arial" panose="020B0604020202020204" pitchFamily="34" charset="0"/>
+                      </a:endParaRPr>
+                    </a:p>
+                  </a:txBody>
+                  <a:tcPr marL="68580" marR="68580" marT="0" marB="0"/>
+                </a:tc>
+                <a:tc>
+                  <a:txBody>
+                    <a:bodyPr/>
+                    <a:lstStyle/>
+                    <a:p>
+                      <a:pPr marL="0" marR="0" algn="just">
+                        <a:spcBef>
+                          <a:spcPts val="0"/>
+                        </a:spcBef>
+                        <a:spcAft>
+                          <a:spcPts val="0"/>
+                        </a:spcAft>
+                      </a:pPr>
+                      <a:r>
+                        <a:rPr lang="en-US" sz="1600">
+                          <a:effectLst/>
+                          <a:latin typeface="Arial" panose="020B0604020202020204" pitchFamily="34" charset="0"/>
+                          <a:cs typeface="Arial" panose="020B0604020202020204" pitchFamily="34" charset="0"/>
+                        </a:rPr>
+                        <a:t>2577</a:t>
+                      </a:r>
+                      <a:endParaRPr lang="en-US" sz="1600">
+                        <a:effectLst/>
+                        <a:latin typeface="Arial" panose="020B0604020202020204" pitchFamily="34" charset="0"/>
+                        <a:ea typeface="Times New Roman" panose="02020603050405020304" pitchFamily="18" charset="0"/>
+                        <a:cs typeface="Arial" panose="020B0604020202020204" pitchFamily="34" charset="0"/>
+                      </a:endParaRPr>
+                    </a:p>
+                  </a:txBody>
+                  <a:tcPr marL="68580" marR="68580" marT="0" marB="0"/>
+                </a:tc>
+                <a:extLst>
+                  <a:ext uri="{0D108BD9-81ED-4DB2-BD59-A6C34878D82A}">
+                    <a16:rowId xmlns:a16="http://schemas.microsoft.com/office/drawing/2014/main" val="2167434293"/>
+                  </a:ext>
+                </a:extLst>
+              </a:tr>
+              <a:tr h="505883">
+                <a:tc>
+                  <a:txBody>
+                    <a:bodyPr/>
+                    <a:lstStyle/>
+                    <a:p>
+                      <a:pPr marL="0" marR="0" algn="just">
+                        <a:spcBef>
+                          <a:spcPts val="0"/>
+                        </a:spcBef>
+                        <a:spcAft>
+                          <a:spcPts val="0"/>
+                        </a:spcAft>
+                      </a:pPr>
+                      <a:r>
+                        <a:rPr lang="en-US" sz="1600">
+                          <a:effectLst/>
+                          <a:latin typeface="Arial" panose="020B0604020202020204" pitchFamily="34" charset="0"/>
+                          <a:cs typeface="Arial" panose="020B0604020202020204" pitchFamily="34" charset="0"/>
+                        </a:rPr>
+                        <a:t>Âm /e/</a:t>
+                      </a:r>
+                      <a:endParaRPr lang="en-US" sz="1600">
+                        <a:effectLst/>
+                        <a:latin typeface="Arial" panose="020B0604020202020204" pitchFamily="34" charset="0"/>
+                        <a:ea typeface="Times New Roman" panose="02020603050405020304" pitchFamily="18" charset="0"/>
+                        <a:cs typeface="Arial" panose="020B0604020202020204" pitchFamily="34" charset="0"/>
+                      </a:endParaRPr>
+                    </a:p>
+                  </a:txBody>
+                  <a:tcPr marL="68580" marR="68580" marT="0" marB="0"/>
+                </a:tc>
+                <a:tc>
+                  <a:txBody>
+                    <a:bodyPr/>
+                    <a:lstStyle/>
+                    <a:p>
+                      <a:pPr marL="0" marR="0" algn="just">
+                        <a:spcBef>
+                          <a:spcPts val="0"/>
+                        </a:spcBef>
+                        <a:spcAft>
+                          <a:spcPts val="0"/>
+                        </a:spcAft>
+                      </a:pPr>
+                      <a:r>
+                        <a:rPr lang="en-US" sz="1600">
+                          <a:effectLst/>
+                          <a:latin typeface="Arial" panose="020B0604020202020204" pitchFamily="34" charset="0"/>
+                          <a:cs typeface="Arial" panose="020B0604020202020204" pitchFamily="34" charset="0"/>
+                        </a:rPr>
+                        <a:t>694</a:t>
+                      </a:r>
+                      <a:endParaRPr lang="en-US" sz="1600">
+                        <a:effectLst/>
+                        <a:latin typeface="Arial" panose="020B0604020202020204" pitchFamily="34" charset="0"/>
+                        <a:ea typeface="Times New Roman" panose="02020603050405020304" pitchFamily="18" charset="0"/>
+                        <a:cs typeface="Arial" panose="020B0604020202020204" pitchFamily="34" charset="0"/>
+                      </a:endParaRPr>
+                    </a:p>
+                  </a:txBody>
+                  <a:tcPr marL="68580" marR="68580" marT="0" marB="0"/>
+                </a:tc>
+                <a:tc>
+                  <a:txBody>
+                    <a:bodyPr/>
+                    <a:lstStyle/>
+                    <a:p>
+                      <a:pPr marL="0" marR="0" algn="just">
+                        <a:spcBef>
+                          <a:spcPts val="0"/>
+                        </a:spcBef>
+                        <a:spcAft>
+                          <a:spcPts val="0"/>
+                        </a:spcAft>
+                      </a:pPr>
+                      <a:r>
+                        <a:rPr lang="en-US" sz="1600">
+                          <a:effectLst/>
+                          <a:latin typeface="Arial" panose="020B0604020202020204" pitchFamily="34" charset="0"/>
+                          <a:cs typeface="Arial" panose="020B0604020202020204" pitchFamily="34" charset="0"/>
+                        </a:rPr>
+                        <a:t>1680</a:t>
+                      </a:r>
+                      <a:endParaRPr lang="en-US" sz="1600">
+                        <a:effectLst/>
+                        <a:latin typeface="Arial" panose="020B0604020202020204" pitchFamily="34" charset="0"/>
+                        <a:ea typeface="Times New Roman" panose="02020603050405020304" pitchFamily="18" charset="0"/>
+                        <a:cs typeface="Arial" panose="020B0604020202020204" pitchFamily="34" charset="0"/>
+                      </a:endParaRPr>
+                    </a:p>
+                  </a:txBody>
+                  <a:tcPr marL="68580" marR="68580" marT="0" marB="0"/>
+                </a:tc>
+                <a:tc>
+                  <a:txBody>
+                    <a:bodyPr/>
+                    <a:lstStyle/>
+                    <a:p>
+                      <a:pPr marL="0" marR="0" algn="just">
+                        <a:spcBef>
+                          <a:spcPts val="0"/>
+                        </a:spcBef>
+                        <a:spcAft>
+                          <a:spcPts val="0"/>
+                        </a:spcAft>
+                      </a:pPr>
+                      <a:r>
+                        <a:rPr lang="en-US" sz="1600">
+                          <a:effectLst/>
+                          <a:latin typeface="Arial" panose="020B0604020202020204" pitchFamily="34" charset="0"/>
+                          <a:cs typeface="Arial" panose="020B0604020202020204" pitchFamily="34" charset="0"/>
+                        </a:rPr>
+                        <a:t>2380</a:t>
+                      </a:r>
+                      <a:endParaRPr lang="en-US" sz="1600">
+                        <a:effectLst/>
+                        <a:latin typeface="Arial" panose="020B0604020202020204" pitchFamily="34" charset="0"/>
+                        <a:ea typeface="Times New Roman" panose="02020603050405020304" pitchFamily="18" charset="0"/>
+                        <a:cs typeface="Arial" panose="020B0604020202020204" pitchFamily="34" charset="0"/>
+                      </a:endParaRPr>
+                    </a:p>
+                  </a:txBody>
+                  <a:tcPr marL="68580" marR="68580" marT="0" marB="0"/>
+                </a:tc>
+                <a:extLst>
+                  <a:ext uri="{0D108BD9-81ED-4DB2-BD59-A6C34878D82A}">
+                    <a16:rowId xmlns:a16="http://schemas.microsoft.com/office/drawing/2014/main" val="1261801050"/>
+                  </a:ext>
+                </a:extLst>
+              </a:tr>
+              <a:tr h="505883">
+                <a:tc>
+                  <a:txBody>
+                    <a:bodyPr/>
+                    <a:lstStyle/>
+                    <a:p>
+                      <a:pPr marL="0" marR="0" algn="just">
+                        <a:spcBef>
+                          <a:spcPts val="0"/>
+                        </a:spcBef>
+                        <a:spcAft>
+                          <a:spcPts val="0"/>
+                        </a:spcAft>
+                      </a:pPr>
+                      <a:r>
+                        <a:rPr lang="en-US" sz="1600">
+                          <a:effectLst/>
+                          <a:latin typeface="Arial" panose="020B0604020202020204" pitchFamily="34" charset="0"/>
+                          <a:cs typeface="Arial" panose="020B0604020202020204" pitchFamily="34" charset="0"/>
+                        </a:rPr>
+                        <a:t>Âm /i/</a:t>
+                      </a:r>
+                      <a:endParaRPr lang="en-US" sz="1600">
+                        <a:effectLst/>
+                        <a:latin typeface="Arial" panose="020B0604020202020204" pitchFamily="34" charset="0"/>
+                        <a:ea typeface="Times New Roman" panose="02020603050405020304" pitchFamily="18" charset="0"/>
+                        <a:cs typeface="Arial" panose="020B0604020202020204" pitchFamily="34" charset="0"/>
+                      </a:endParaRPr>
+                    </a:p>
+                  </a:txBody>
+                  <a:tcPr marL="68580" marR="68580" marT="0" marB="0"/>
+                </a:tc>
+                <a:tc>
+                  <a:txBody>
+                    <a:bodyPr/>
+                    <a:lstStyle/>
+                    <a:p>
+                      <a:pPr marL="0" marR="0" algn="just">
+                        <a:spcBef>
+                          <a:spcPts val="0"/>
+                        </a:spcBef>
+                        <a:spcAft>
+                          <a:spcPts val="0"/>
+                        </a:spcAft>
+                      </a:pPr>
+                      <a:r>
+                        <a:rPr lang="en-US" sz="1600">
+                          <a:effectLst/>
+                          <a:latin typeface="Arial" panose="020B0604020202020204" pitchFamily="34" charset="0"/>
+                          <a:cs typeface="Arial" panose="020B0604020202020204" pitchFamily="34" charset="0"/>
+                        </a:rPr>
+                        <a:t>409</a:t>
+                      </a:r>
+                      <a:endParaRPr lang="en-US" sz="1600">
+                        <a:effectLst/>
+                        <a:latin typeface="Arial" panose="020B0604020202020204" pitchFamily="34" charset="0"/>
+                        <a:ea typeface="Times New Roman" panose="02020603050405020304" pitchFamily="18" charset="0"/>
+                        <a:cs typeface="Arial" panose="020B0604020202020204" pitchFamily="34" charset="0"/>
+                      </a:endParaRPr>
+                    </a:p>
+                  </a:txBody>
+                  <a:tcPr marL="68580" marR="68580" marT="0" marB="0"/>
+                </a:tc>
+                <a:tc>
+                  <a:txBody>
+                    <a:bodyPr/>
+                    <a:lstStyle/>
+                    <a:p>
+                      <a:pPr marL="0" marR="0" algn="just">
+                        <a:spcBef>
+                          <a:spcPts val="0"/>
+                        </a:spcBef>
+                        <a:spcAft>
+                          <a:spcPts val="0"/>
+                        </a:spcAft>
+                      </a:pPr>
+                      <a:r>
+                        <a:rPr lang="en-US" sz="1600">
+                          <a:effectLst/>
+                          <a:latin typeface="Arial" panose="020B0604020202020204" pitchFamily="34" charset="0"/>
+                          <a:cs typeface="Arial" panose="020B0604020202020204" pitchFamily="34" charset="0"/>
+                        </a:rPr>
+                        <a:t>2468</a:t>
+                      </a:r>
+                      <a:endParaRPr lang="en-US" sz="1600">
+                        <a:effectLst/>
+                        <a:latin typeface="Arial" panose="020B0604020202020204" pitchFamily="34" charset="0"/>
+                        <a:ea typeface="Times New Roman" panose="02020603050405020304" pitchFamily="18" charset="0"/>
+                        <a:cs typeface="Arial" panose="020B0604020202020204" pitchFamily="34" charset="0"/>
+                      </a:endParaRPr>
+                    </a:p>
+                  </a:txBody>
+                  <a:tcPr marL="68580" marR="68580" marT="0" marB="0"/>
+                </a:tc>
+                <a:tc>
+                  <a:txBody>
+                    <a:bodyPr/>
+                    <a:lstStyle/>
+                    <a:p>
+                      <a:pPr marL="0" marR="0" algn="just">
+                        <a:spcBef>
+                          <a:spcPts val="0"/>
+                        </a:spcBef>
+                        <a:spcAft>
+                          <a:spcPts val="0"/>
+                        </a:spcAft>
+                      </a:pPr>
+                      <a:r>
+                        <a:rPr lang="en-US" sz="1600">
+                          <a:effectLst/>
+                          <a:latin typeface="Arial" panose="020B0604020202020204" pitchFamily="34" charset="0"/>
+                          <a:cs typeface="Arial" panose="020B0604020202020204" pitchFamily="34" charset="0"/>
+                        </a:rPr>
+                        <a:t>2804</a:t>
+                      </a:r>
+                      <a:endParaRPr lang="en-US" sz="1600">
+                        <a:effectLst/>
+                        <a:latin typeface="Arial" panose="020B0604020202020204" pitchFamily="34" charset="0"/>
+                        <a:ea typeface="Times New Roman" panose="02020603050405020304" pitchFamily="18" charset="0"/>
+                        <a:cs typeface="Arial" panose="020B0604020202020204" pitchFamily="34" charset="0"/>
+                      </a:endParaRPr>
+                    </a:p>
+                  </a:txBody>
+                  <a:tcPr marL="68580" marR="68580" marT="0" marB="0"/>
+                </a:tc>
+                <a:extLst>
+                  <a:ext uri="{0D108BD9-81ED-4DB2-BD59-A6C34878D82A}">
+                    <a16:rowId xmlns:a16="http://schemas.microsoft.com/office/drawing/2014/main" val="2659484566"/>
+                  </a:ext>
+                </a:extLst>
+              </a:tr>
+              <a:tr h="505883">
+                <a:tc>
+                  <a:txBody>
+                    <a:bodyPr/>
+                    <a:lstStyle/>
+                    <a:p>
+                      <a:pPr marL="0" marR="0" algn="just">
+                        <a:spcBef>
+                          <a:spcPts val="0"/>
+                        </a:spcBef>
+                        <a:spcAft>
+                          <a:spcPts val="0"/>
+                        </a:spcAft>
+                      </a:pPr>
+                      <a:r>
+                        <a:rPr lang="en-US" sz="1600">
+                          <a:effectLst/>
+                          <a:latin typeface="Arial" panose="020B0604020202020204" pitchFamily="34" charset="0"/>
+                          <a:cs typeface="Arial" panose="020B0604020202020204" pitchFamily="34" charset="0"/>
+                        </a:rPr>
+                        <a:t>Âm /u/</a:t>
+                      </a:r>
+                      <a:endParaRPr lang="en-US" sz="1600">
+                        <a:effectLst/>
+                        <a:latin typeface="Arial" panose="020B0604020202020204" pitchFamily="34" charset="0"/>
+                        <a:ea typeface="Times New Roman" panose="02020603050405020304" pitchFamily="18" charset="0"/>
+                        <a:cs typeface="Arial" panose="020B0604020202020204" pitchFamily="34" charset="0"/>
+                      </a:endParaRPr>
+                    </a:p>
+                  </a:txBody>
+                  <a:tcPr marL="68580" marR="68580" marT="0" marB="0"/>
+                </a:tc>
+                <a:tc>
+                  <a:txBody>
+                    <a:bodyPr/>
+                    <a:lstStyle/>
+                    <a:p>
+                      <a:pPr marL="0" marR="0" algn="just">
+                        <a:spcBef>
+                          <a:spcPts val="0"/>
+                        </a:spcBef>
+                        <a:spcAft>
+                          <a:spcPts val="0"/>
+                        </a:spcAft>
+                      </a:pPr>
+                      <a:r>
+                        <a:rPr lang="en-US" sz="1600">
+                          <a:effectLst/>
+                          <a:latin typeface="Arial" panose="020B0604020202020204" pitchFamily="34" charset="0"/>
+                          <a:cs typeface="Arial" panose="020B0604020202020204" pitchFamily="34" charset="0"/>
+                        </a:rPr>
+                        <a:t>388</a:t>
+                      </a:r>
+                      <a:endParaRPr lang="en-US" sz="1600">
+                        <a:effectLst/>
+                        <a:latin typeface="Arial" panose="020B0604020202020204" pitchFamily="34" charset="0"/>
+                        <a:ea typeface="Times New Roman" panose="02020603050405020304" pitchFamily="18" charset="0"/>
+                        <a:cs typeface="Arial" panose="020B0604020202020204" pitchFamily="34" charset="0"/>
+                      </a:endParaRPr>
+                    </a:p>
+                  </a:txBody>
+                  <a:tcPr marL="68580" marR="68580" marT="0" marB="0"/>
+                </a:tc>
+                <a:tc>
+                  <a:txBody>
+                    <a:bodyPr/>
+                    <a:lstStyle/>
+                    <a:p>
+                      <a:pPr marL="0" marR="0" algn="just">
+                        <a:spcBef>
+                          <a:spcPts val="0"/>
+                        </a:spcBef>
+                        <a:spcAft>
+                          <a:spcPts val="0"/>
+                        </a:spcAft>
+                      </a:pPr>
+                      <a:r>
+                        <a:rPr lang="en-US" sz="1600">
+                          <a:effectLst/>
+                          <a:latin typeface="Arial" panose="020B0604020202020204" pitchFamily="34" charset="0"/>
+                          <a:cs typeface="Arial" panose="020B0604020202020204" pitchFamily="34" charset="0"/>
+                        </a:rPr>
+                        <a:t>716</a:t>
+                      </a:r>
+                      <a:endParaRPr lang="en-US" sz="1600">
+                        <a:effectLst/>
+                        <a:latin typeface="Arial" panose="020B0604020202020204" pitchFamily="34" charset="0"/>
+                        <a:ea typeface="Times New Roman" panose="02020603050405020304" pitchFamily="18" charset="0"/>
+                        <a:cs typeface="Arial" panose="020B0604020202020204" pitchFamily="34" charset="0"/>
+                      </a:endParaRPr>
+                    </a:p>
+                  </a:txBody>
+                  <a:tcPr marL="68580" marR="68580" marT="0" marB="0"/>
+                </a:tc>
+                <a:tc>
+                  <a:txBody>
+                    <a:bodyPr/>
+                    <a:lstStyle/>
+                    <a:p>
+                      <a:pPr marL="0" marR="0" algn="just">
+                        <a:spcBef>
+                          <a:spcPts val="0"/>
+                        </a:spcBef>
+                        <a:spcAft>
+                          <a:spcPts val="0"/>
+                        </a:spcAft>
+                      </a:pPr>
+                      <a:r>
+                        <a:rPr lang="en-US" sz="1600">
+                          <a:effectLst/>
+                          <a:latin typeface="Arial" panose="020B0604020202020204" pitchFamily="34" charset="0"/>
+                          <a:cs typeface="Arial" panose="020B0604020202020204" pitchFamily="34" charset="0"/>
+                        </a:rPr>
+                        <a:t>2709</a:t>
+                      </a:r>
+                      <a:endParaRPr lang="en-US" sz="1600">
+                        <a:effectLst/>
+                        <a:latin typeface="Arial" panose="020B0604020202020204" pitchFamily="34" charset="0"/>
+                        <a:ea typeface="Times New Roman" panose="02020603050405020304" pitchFamily="18" charset="0"/>
+                        <a:cs typeface="Arial" panose="020B0604020202020204" pitchFamily="34" charset="0"/>
+                      </a:endParaRPr>
+                    </a:p>
+                  </a:txBody>
+                  <a:tcPr marL="68580" marR="68580" marT="0" marB="0"/>
+                </a:tc>
+                <a:extLst>
+                  <a:ext uri="{0D108BD9-81ED-4DB2-BD59-A6C34878D82A}">
+                    <a16:rowId xmlns:a16="http://schemas.microsoft.com/office/drawing/2014/main" val="694199860"/>
+                  </a:ext>
+                </a:extLst>
+              </a:tr>
+              <a:tr h="505883">
+                <a:tc>
+                  <a:txBody>
+                    <a:bodyPr/>
+                    <a:lstStyle/>
+                    <a:p>
+                      <a:pPr marL="0" marR="0" algn="just">
+                        <a:spcBef>
+                          <a:spcPts val="0"/>
+                        </a:spcBef>
+                        <a:spcAft>
+                          <a:spcPts val="0"/>
+                        </a:spcAft>
+                      </a:pPr>
+                      <a:r>
+                        <a:rPr lang="en-US" sz="1600">
+                          <a:effectLst/>
+                          <a:latin typeface="Arial" panose="020B0604020202020204" pitchFamily="34" charset="0"/>
+                          <a:cs typeface="Arial" panose="020B0604020202020204" pitchFamily="34" charset="0"/>
+                        </a:rPr>
+                        <a:t>Âm /o/</a:t>
+                      </a:r>
+                      <a:endParaRPr lang="en-US" sz="1600">
+                        <a:effectLst/>
+                        <a:latin typeface="Arial" panose="020B0604020202020204" pitchFamily="34" charset="0"/>
+                        <a:ea typeface="Times New Roman" panose="02020603050405020304" pitchFamily="18" charset="0"/>
+                        <a:cs typeface="Arial" panose="020B0604020202020204" pitchFamily="34" charset="0"/>
+                      </a:endParaRPr>
+                    </a:p>
+                  </a:txBody>
+                  <a:tcPr marL="68580" marR="68580" marT="0" marB="0"/>
+                </a:tc>
+                <a:tc>
+                  <a:txBody>
+                    <a:bodyPr/>
+                    <a:lstStyle/>
+                    <a:p>
+                      <a:pPr marL="0" marR="0" algn="just">
+                        <a:spcBef>
+                          <a:spcPts val="0"/>
+                        </a:spcBef>
+                        <a:spcAft>
+                          <a:spcPts val="0"/>
+                        </a:spcAft>
+                      </a:pPr>
+                      <a:r>
+                        <a:rPr lang="en-US" sz="1600">
+                          <a:effectLst/>
+                          <a:latin typeface="Arial" panose="020B0604020202020204" pitchFamily="34" charset="0"/>
+                          <a:cs typeface="Arial" panose="020B0604020202020204" pitchFamily="34" charset="0"/>
+                        </a:rPr>
+                        <a:t>672</a:t>
+                      </a:r>
+                      <a:endParaRPr lang="en-US" sz="1600">
+                        <a:effectLst/>
+                        <a:latin typeface="Arial" panose="020B0604020202020204" pitchFamily="34" charset="0"/>
+                        <a:ea typeface="Times New Roman" panose="02020603050405020304" pitchFamily="18" charset="0"/>
+                        <a:cs typeface="Arial" panose="020B0604020202020204" pitchFamily="34" charset="0"/>
+                      </a:endParaRPr>
+                    </a:p>
+                  </a:txBody>
+                  <a:tcPr marL="68580" marR="68580" marT="0" marB="0"/>
+                </a:tc>
+                <a:tc>
+                  <a:txBody>
+                    <a:bodyPr/>
+                    <a:lstStyle/>
+                    <a:p>
+                      <a:pPr marL="0" marR="0" algn="just">
+                        <a:spcBef>
+                          <a:spcPts val="0"/>
+                        </a:spcBef>
+                        <a:spcAft>
+                          <a:spcPts val="0"/>
+                        </a:spcAft>
+                      </a:pPr>
+                      <a:r>
+                        <a:rPr lang="en-US" sz="1600">
+                          <a:effectLst/>
+                          <a:latin typeface="Arial" panose="020B0604020202020204" pitchFamily="34" charset="0"/>
+                          <a:cs typeface="Arial" panose="020B0604020202020204" pitchFamily="34" charset="0"/>
+                        </a:rPr>
+                        <a:t>1023</a:t>
+                      </a:r>
+                      <a:endParaRPr lang="en-US" sz="1600">
+                        <a:effectLst/>
+                        <a:latin typeface="Arial" panose="020B0604020202020204" pitchFamily="34" charset="0"/>
+                        <a:ea typeface="Times New Roman" panose="02020603050405020304" pitchFamily="18" charset="0"/>
+                        <a:cs typeface="Arial" panose="020B0604020202020204" pitchFamily="34" charset="0"/>
+                      </a:endParaRPr>
+                    </a:p>
+                  </a:txBody>
+                  <a:tcPr marL="68580" marR="68580" marT="0" marB="0"/>
+                </a:tc>
+                <a:tc>
+                  <a:txBody>
+                    <a:bodyPr/>
+                    <a:lstStyle/>
+                    <a:p>
+                      <a:pPr marL="0" marR="0" algn="just">
+                        <a:spcBef>
+                          <a:spcPts val="0"/>
+                        </a:spcBef>
+                        <a:spcAft>
+                          <a:spcPts val="0"/>
+                        </a:spcAft>
+                      </a:pPr>
+                      <a:r>
+                        <a:rPr lang="en-US" sz="1600">
+                          <a:effectLst/>
+                          <a:latin typeface="Arial" panose="020B0604020202020204" pitchFamily="34" charset="0"/>
+                          <a:cs typeface="Arial" panose="020B0604020202020204" pitchFamily="34" charset="0"/>
+                        </a:rPr>
+                        <a:t>2731</a:t>
+                      </a:r>
+                      <a:endParaRPr lang="en-US" sz="1600">
+                        <a:effectLst/>
+                        <a:latin typeface="Arial" panose="020B0604020202020204" pitchFamily="34" charset="0"/>
+                        <a:ea typeface="Times New Roman" panose="02020603050405020304" pitchFamily="18" charset="0"/>
+                        <a:cs typeface="Arial" panose="020B0604020202020204" pitchFamily="34" charset="0"/>
+                      </a:endParaRPr>
+                    </a:p>
+                  </a:txBody>
+                  <a:tcPr marL="68580" marR="68580" marT="0" marB="0"/>
+                </a:tc>
+                <a:extLst>
+                  <a:ext uri="{0D108BD9-81ED-4DB2-BD59-A6C34878D82A}">
+                    <a16:rowId xmlns:a16="http://schemas.microsoft.com/office/drawing/2014/main" val="360697680"/>
+                  </a:ext>
+                </a:extLst>
+              </a:tr>
+            </a:tbl>
+          </a:graphicData>
+        </a:graphic>
+      </p:graphicFrame>
+    </p:spTree>
+    <p:extLst>
+      <p:ext uri="{BB962C8B-B14F-4D97-AF65-F5344CB8AC3E}">
+        <p14:creationId xmlns:p14="http://schemas.microsoft.com/office/powerpoint/2010/main" val="2371859234"/>
+      </p:ext>
+    </p:extLst>
+  </p:cSld>
+  <p:clrMapOvr>
+    <a:masterClrMapping/>
+  </p:clrMapOvr>
+</p:sld>
+</file>
+
+<file path=ppt/slides/slide14.xml><?xml version="1.0" encoding="utf-8"?>
+<p:sld xmlns:a="http://schemas.openxmlformats.org/drawingml/2006/main" xmlns:r="http://schemas.openxmlformats.org/officeDocument/2006/relationships" xmlns:p="http://schemas.openxmlformats.org/presentationml/2006/main">
+  <p:cSld>
+    <p:spTree>
+      <p:nvGrpSpPr>
+        <p:cNvPr id="1" name=""/>
+        <p:cNvGrpSpPr/>
+        <p:nvPr/>
+      </p:nvGrpSpPr>
+      <p:grpSpPr>
+        <a:xfrm>
+          <a:off x="0" y="0"/>
+          <a:ext cx="0" cy="0"/>
+          <a:chOff x="0" y="0"/>
+          <a:chExt cx="0" cy="0"/>
+        </a:xfrm>
+      </p:grpSpPr>
+      <p:sp>
+        <p:nvSpPr>
+          <p:cNvPr id="2" name="Tiêu đề 1">
+            <a:extLst>
+              <a:ext uri="{FF2B5EF4-FFF2-40B4-BE49-F238E27FC236}">
+                <a16:creationId xmlns:a16="http://schemas.microsoft.com/office/drawing/2014/main" id="{2004A0BE-FA1C-41BE-A93B-652095F6C70C}"/>
+              </a:ext>
+            </a:extLst>
+          </p:cNvPr>
+          <p:cNvSpPr>
+            <a:spLocks noGrp="1"/>
+          </p:cNvSpPr>
+          <p:nvPr>
+            <p:ph type="title"/>
+          </p:nvPr>
+        </p:nvSpPr>
+        <p:spPr/>
+        <p:txBody>
+          <a:bodyPr/>
+          <a:lstStyle/>
+          <a:p>
+            <a:r>
+              <a:rPr lang="en-US">
+                <a:latin typeface="Arial" panose="020B0604020202020204" pitchFamily="34" charset="0"/>
+                <a:cs typeface="Arial" panose="020B0604020202020204" pitchFamily="34" charset="0"/>
+              </a:rPr>
+              <a:t>Nhận xét, kết luận</a:t>
+            </a:r>
+          </a:p>
+        </p:txBody>
+      </p:sp>
+      <p:sp>
+        <p:nvSpPr>
+          <p:cNvPr id="3" name="Chỗ dành sẵn cho Nội dung 2">
+            <a:extLst>
+              <a:ext uri="{FF2B5EF4-FFF2-40B4-BE49-F238E27FC236}">
+                <a16:creationId xmlns:a16="http://schemas.microsoft.com/office/drawing/2014/main" id="{81518F0F-F96A-45DA-8F7F-440D867942F3}"/>
+              </a:ext>
+            </a:extLst>
+          </p:cNvPr>
+          <p:cNvSpPr>
+            <a:spLocks noGrp="1"/>
+          </p:cNvSpPr>
+          <p:nvPr>
+            <p:ph idx="1"/>
+          </p:nvPr>
+        </p:nvSpPr>
+        <p:spPr>
+          <a:xfrm>
+            <a:off x="609598" y="2160590"/>
+            <a:ext cx="6807201" cy="3880773"/>
+          </a:xfrm>
+        </p:spPr>
+        <p:txBody>
+          <a:bodyPr>
+            <a:normAutofit/>
+          </a:bodyPr>
+          <a:lstStyle/>
+          <a:p>
+            <a:pPr lvl="0"/>
+            <a:r>
+              <a:rPr lang="vi-VN" sz="2000"/>
+              <a:t>Qua ảnh phổ và kết quả thực nghiệm tần số Formant trên 5 nguyên âm, ta thấy rằng tần số Formant đặc trưng cho mỗi âm khác nhau. Tần số F1 của âm /a/ là cao nhất (d/c), âm /i/ có tần số F2 và F3 cao nhất (d/c). Với mỗi âm, ta có một bộ ba tần số Formant (F1, F2, F3) thường nằm trong một khoảng nhất đinh</a:t>
+            </a:r>
+            <a:endParaRPr lang="en-US" sz="2000"/>
+          </a:p>
+          <a:p>
+            <a:pPr lvl="0"/>
+            <a:r>
+              <a:rPr lang="vi-VN" sz="2000"/>
+              <a:t>Đối với giọng của mỗi người khác nhau, thì bộ ba tần số Formant cũng là khác nhau. Theo như kết quả thu được, bộ tần số Formant của người 1 luôn có xu hướng cao hơn người 2.</a:t>
+            </a:r>
+            <a:endParaRPr lang="en-US" sz="2000"/>
+          </a:p>
+          <a:p>
+            <a:endParaRPr lang="en-US"/>
+          </a:p>
+        </p:txBody>
+      </p:sp>
+      <p:sp>
+        <p:nvSpPr>
+          <p:cNvPr id="4" name="Hộp Văn bản 3">
+            <a:extLst>
+              <a:ext uri="{FF2B5EF4-FFF2-40B4-BE49-F238E27FC236}">
+                <a16:creationId xmlns:a16="http://schemas.microsoft.com/office/drawing/2014/main" id="{5994BBAC-D45A-429D-A58E-1DD1F38EA1B8}"/>
+              </a:ext>
+            </a:extLst>
+          </p:cNvPr>
+          <p:cNvSpPr txBox="1"/>
+          <p:nvPr/>
+        </p:nvSpPr>
+        <p:spPr>
+          <a:xfrm>
+            <a:off x="736600" y="1549400"/>
+            <a:ext cx="3835400" cy="461665"/>
+          </a:xfrm>
+          <a:prstGeom prst="rect">
+            <a:avLst/>
+          </a:prstGeom>
+          <a:noFill/>
+        </p:spPr>
+        <p:txBody>
+          <a:bodyPr wrap="square" rtlCol="0">
+            <a:spAutoFit/>
+          </a:bodyPr>
+          <a:lstStyle/>
+          <a:p>
+            <a:pPr marL="342900" indent="-342900">
+              <a:buFont typeface="+mj-lt"/>
+              <a:buAutoNum type="arabicPeriod"/>
+            </a:pPr>
+            <a:r>
+              <a:rPr lang="en-US" sz="2400">
+                <a:latin typeface="Arial" panose="020B0604020202020204" pitchFamily="34" charset="0"/>
+                <a:cs typeface="Arial" panose="020B0604020202020204" pitchFamily="34" charset="0"/>
+              </a:rPr>
+              <a:t>Nhận xét</a:t>
+            </a:r>
+          </a:p>
+        </p:txBody>
+      </p:sp>
+    </p:spTree>
+    <p:extLst>
+      <p:ext uri="{BB962C8B-B14F-4D97-AF65-F5344CB8AC3E}">
+        <p14:creationId xmlns:p14="http://schemas.microsoft.com/office/powerpoint/2010/main" val="3601052593"/>
+      </p:ext>
+    </p:extLst>
+  </p:cSld>
+  <p:clrMapOvr>
+    <a:masterClrMapping/>
+  </p:clrMapOvr>
+</p:sld>
+</file>
+
+<file path=ppt/slides/slide15.xml><?xml version="1.0" encoding="utf-8"?>
+<p:sld xmlns:a="http://schemas.openxmlformats.org/drawingml/2006/main" xmlns:r="http://schemas.openxmlformats.org/officeDocument/2006/relationships" xmlns:p="http://schemas.openxmlformats.org/presentationml/2006/main">
+  <p:cSld>
+    <p:spTree>
+      <p:nvGrpSpPr>
+        <p:cNvPr id="1" name=""/>
+        <p:cNvGrpSpPr/>
+        <p:nvPr/>
+      </p:nvGrpSpPr>
+      <p:grpSpPr>
+        <a:xfrm>
+          <a:off x="0" y="0"/>
+          <a:ext cx="0" cy="0"/>
+          <a:chOff x="0" y="0"/>
+          <a:chExt cx="0" cy="0"/>
+        </a:xfrm>
+      </p:grpSpPr>
+      <p:sp>
+        <p:nvSpPr>
+          <p:cNvPr id="2" name="Tiêu đề 1">
+            <a:extLst>
+              <a:ext uri="{FF2B5EF4-FFF2-40B4-BE49-F238E27FC236}">
+                <a16:creationId xmlns:a16="http://schemas.microsoft.com/office/drawing/2014/main" id="{4E809BB5-FF4D-4E0F-A5CE-19B327117C93}"/>
+              </a:ext>
+            </a:extLst>
+          </p:cNvPr>
+          <p:cNvSpPr>
+            <a:spLocks noGrp="1"/>
+          </p:cNvSpPr>
+          <p:nvPr>
+            <p:ph type="title"/>
+          </p:nvPr>
+        </p:nvSpPr>
+        <p:spPr/>
+        <p:txBody>
+          <a:bodyPr/>
+          <a:lstStyle/>
+          <a:p>
+            <a:r>
+              <a:rPr lang="en-US">
+                <a:latin typeface="Arial" panose="020B0604020202020204" pitchFamily="34" charset="0"/>
+                <a:cs typeface="Arial" panose="020B0604020202020204" pitchFamily="34" charset="0"/>
+              </a:rPr>
+              <a:t>Nhận xét, kết luận</a:t>
+            </a:r>
+          </a:p>
+        </p:txBody>
+      </p:sp>
+      <p:sp>
+        <p:nvSpPr>
+          <p:cNvPr id="3" name="Chỗ dành sẵn cho Nội dung 2">
+            <a:extLst>
+              <a:ext uri="{FF2B5EF4-FFF2-40B4-BE49-F238E27FC236}">
+                <a16:creationId xmlns:a16="http://schemas.microsoft.com/office/drawing/2014/main" id="{E45C8C3B-B5BE-4D4D-B12B-3319917DE510}"/>
+              </a:ext>
+            </a:extLst>
+          </p:cNvPr>
+          <p:cNvSpPr>
+            <a:spLocks noGrp="1"/>
+          </p:cNvSpPr>
+          <p:nvPr>
+            <p:ph idx="1"/>
+          </p:nvPr>
+        </p:nvSpPr>
+        <p:spPr/>
+        <p:txBody>
+          <a:bodyPr>
+            <a:normAutofit/>
+          </a:bodyPr>
+          <a:lstStyle/>
+          <a:p>
+            <a:r>
+              <a:rPr lang="vi-VN" sz="2000"/>
+              <a:t>Bài báo cáo này thực hiện việc cài đặt thuật toán để tìm ra ảnh phổ 3 chiều Spectrogram của 5 nguyên âm /e/, /i/, /u/, /o/ bằng cách sử dụng phương pháp Short-Time-Fourier-Transform. </a:t>
+            </a:r>
+            <a:endParaRPr lang="en-US" sz="2000"/>
+          </a:p>
+          <a:p>
+            <a:r>
+              <a:rPr lang="vi-VN" sz="2000"/>
+              <a:t>Ta thấy độ phân giải tần số (frequency resolution) tỉ lệ thuận với độ dài của hàm cửa sổ window.</a:t>
+            </a:r>
+            <a:endParaRPr lang="en-US" sz="2000"/>
+          </a:p>
+          <a:p>
+            <a:r>
+              <a:rPr lang="vi-VN" sz="2000"/>
+              <a:t> Đồng thời qua đây ta tìm ra được các mức tần số Formant để phân biệt từng nguyên âm với nhau cũng như phân biệt giữa mỗi người nói với nhau. </a:t>
+            </a:r>
+            <a:endParaRPr lang="en-US" sz="2000"/>
+          </a:p>
+        </p:txBody>
+      </p:sp>
+      <p:sp>
+        <p:nvSpPr>
+          <p:cNvPr id="4" name="Hộp Văn bản 3">
+            <a:extLst>
+              <a:ext uri="{FF2B5EF4-FFF2-40B4-BE49-F238E27FC236}">
+                <a16:creationId xmlns:a16="http://schemas.microsoft.com/office/drawing/2014/main" id="{8FA46697-55F0-41E8-AC3C-B14A80C3F4E1}"/>
+              </a:ext>
+            </a:extLst>
+          </p:cNvPr>
+          <p:cNvSpPr txBox="1"/>
+          <p:nvPr/>
+        </p:nvSpPr>
+        <p:spPr>
+          <a:xfrm>
+            <a:off x="609599" y="1676163"/>
+            <a:ext cx="3492500" cy="461665"/>
+          </a:xfrm>
+          <a:prstGeom prst="rect">
+            <a:avLst/>
+          </a:prstGeom>
+          <a:noFill/>
+        </p:spPr>
+        <p:txBody>
+          <a:bodyPr wrap="square" rtlCol="0">
+            <a:spAutoFit/>
+          </a:bodyPr>
+          <a:lstStyle/>
+          <a:p>
+            <a:r>
+              <a:rPr lang="en-US" sz="2400">
+                <a:latin typeface="Arial" panose="020B0604020202020204" pitchFamily="34" charset="0"/>
+                <a:cs typeface="Arial" panose="020B0604020202020204" pitchFamily="34" charset="0"/>
+              </a:rPr>
+              <a:t>2. Kết luận</a:t>
+            </a:r>
+          </a:p>
+        </p:txBody>
+      </p:sp>
+    </p:spTree>
+    <p:extLst>
+      <p:ext uri="{BB962C8B-B14F-4D97-AF65-F5344CB8AC3E}">
+        <p14:creationId xmlns:p14="http://schemas.microsoft.com/office/powerpoint/2010/main" val="1441369150"/>
+      </p:ext>
+    </p:extLst>
+  </p:cSld>
+  <p:clrMapOvr>
+    <a:masterClrMapping/>
+  </p:clrMapOvr>
+</p:sld>
+</file>
+
+<file path=ppt/slides/slide16.xml><?xml version="1.0" encoding="utf-8"?>
+<p:sld xmlns:a="http://schemas.openxmlformats.org/drawingml/2006/main" xmlns:r="http://schemas.openxmlformats.org/officeDocument/2006/relationships" xmlns:p="http://schemas.openxmlformats.org/presentationml/2006/main">
+  <p:cSld>
+    <p:spTree>
+      <p:nvGrpSpPr>
+        <p:cNvPr id="1" name=""/>
+        <p:cNvGrpSpPr/>
+        <p:nvPr/>
+      </p:nvGrpSpPr>
+      <p:grpSpPr>
+        <a:xfrm>
+          <a:off x="0" y="0"/>
+          <a:ext cx="0" cy="0"/>
+          <a:chOff x="0" y="0"/>
+          <a:chExt cx="0" cy="0"/>
+        </a:xfrm>
+      </p:grpSpPr>
+      <p:sp>
+        <p:nvSpPr>
+          <p:cNvPr id="2" name="Tiêu đề 1">
+            <a:extLst>
+              <a:ext uri="{FF2B5EF4-FFF2-40B4-BE49-F238E27FC236}">
+                <a16:creationId xmlns:a16="http://schemas.microsoft.com/office/drawing/2014/main" id="{3CC109CB-9895-47C6-99FA-9C53B24EE0FA}"/>
+              </a:ext>
+            </a:extLst>
+          </p:cNvPr>
+          <p:cNvSpPr>
+            <a:spLocks noGrp="1"/>
+          </p:cNvSpPr>
+          <p:nvPr>
+            <p:ph type="title"/>
+          </p:nvPr>
+        </p:nvSpPr>
+        <p:spPr/>
+        <p:txBody>
+          <a:bodyPr/>
+          <a:lstStyle/>
+          <a:p>
+            <a:endParaRPr lang="en-US"/>
+          </a:p>
+        </p:txBody>
+      </p:sp>
+      <p:sp>
+        <p:nvSpPr>
+          <p:cNvPr id="3" name="Chỗ dành sẵn cho Nội dung 2">
+            <a:extLst>
+              <a:ext uri="{FF2B5EF4-FFF2-40B4-BE49-F238E27FC236}">
+                <a16:creationId xmlns:a16="http://schemas.microsoft.com/office/drawing/2014/main" id="{9B7E796E-DB29-479A-A078-416B84D917EE}"/>
+              </a:ext>
+            </a:extLst>
+          </p:cNvPr>
+          <p:cNvSpPr>
+            <a:spLocks noGrp="1"/>
+          </p:cNvSpPr>
+          <p:nvPr>
+            <p:ph idx="1"/>
+          </p:nvPr>
+        </p:nvSpPr>
+        <p:spPr/>
+        <p:txBody>
+          <a:bodyPr>
+            <a:normAutofit/>
+          </a:bodyPr>
+          <a:lstStyle/>
+          <a:p>
+            <a:pPr marL="0" indent="0" algn="ctr">
+              <a:buNone/>
+            </a:pPr>
+            <a:r>
+              <a:rPr lang="en-US" sz="6600">
+                <a:latin typeface="Arial" panose="020B0604020202020204" pitchFamily="34" charset="0"/>
+                <a:cs typeface="Arial" panose="020B0604020202020204" pitchFamily="34" charset="0"/>
+              </a:rPr>
+              <a:t>Thank you </a:t>
+            </a:r>
+          </a:p>
+        </p:txBody>
+      </p:sp>
+    </p:spTree>
+    <p:extLst>
+      <p:ext uri="{BB962C8B-B14F-4D97-AF65-F5344CB8AC3E}">
+        <p14:creationId xmlns:p14="http://schemas.microsoft.com/office/powerpoint/2010/main" val="60401916"/>
+      </p:ext>
+    </p:extLst>
+  </p:cSld>
+  <p:clrMapOvr>
+    <a:masterClrMapping/>
+  </p:clrMapOvr>
 </p:sld>
 </file>
 
@@ -6861,16 +9374,12 @@
           <a:lstStyle/>
           <a:p>
             <a:r>
-              <a:rPr lang="en-US" dirty="0" smtClean="0">
+              <a:rPr lang="en-US" dirty="0">
                 <a:latin typeface="Arial" panose="020B0604020202020204" pitchFamily="34" charset="0"/>
                 <a:cs typeface="Arial" panose="020B0604020202020204" pitchFamily="34" charset="0"/>
               </a:rPr>
               <a:t>I. ĐẶT VẤN ĐỀ</a:t>
             </a:r>
-            <a:endParaRPr lang="en-US" dirty="0">
-              <a:latin typeface="Arial" panose="020B0604020202020204" pitchFamily="34" charset="0"/>
-              <a:cs typeface="Arial" panose="020B0604020202020204" pitchFamily="34" charset="0"/>
-            </a:endParaRPr>
           </a:p>
         </p:txBody>
       </p:sp>
@@ -7134,140 +9643,140 @@
               <a:buChar char="Ø"/>
             </a:pPr>
             <a:r>
-              <a:rPr lang="en-US" sz="2400" b="1" dirty="0" err="1" smtClean="0">
+              <a:rPr lang="en-US" sz="2400" b="1" dirty="0" err="1">
                 <a:latin typeface="Arial" panose="020B0604020202020204" pitchFamily="34" charset="0"/>
                 <a:cs typeface="Arial" panose="020B0604020202020204" pitchFamily="34" charset="0"/>
               </a:rPr>
               <a:t>Sự</a:t>
             </a:r>
             <a:r>
-              <a:rPr lang="en-US" sz="2400" b="1" dirty="0" smtClean="0">
-                <a:latin typeface="Arial" panose="020B0604020202020204" pitchFamily="34" charset="0"/>
-                <a:cs typeface="Arial" panose="020B0604020202020204" pitchFamily="34" charset="0"/>
-              </a:rPr>
-              <a:t> </a:t>
-            </a:r>
-            <a:r>
-              <a:rPr lang="en-US" sz="2400" b="1" dirty="0" err="1" smtClean="0">
+              <a:rPr lang="en-US" sz="2400" b="1" dirty="0">
+                <a:latin typeface="Arial" panose="020B0604020202020204" pitchFamily="34" charset="0"/>
+                <a:cs typeface="Arial" panose="020B0604020202020204" pitchFamily="34" charset="0"/>
+              </a:rPr>
+              <a:t> </a:t>
+            </a:r>
+            <a:r>
+              <a:rPr lang="en-US" sz="2400" b="1" dirty="0" err="1">
                 <a:latin typeface="Arial" panose="020B0604020202020204" pitchFamily="34" charset="0"/>
                 <a:cs typeface="Arial" panose="020B0604020202020204" pitchFamily="34" charset="0"/>
               </a:rPr>
               <a:t>cần</a:t>
             </a:r>
             <a:r>
-              <a:rPr lang="en-US" sz="2400" b="1" dirty="0" smtClean="0">
-                <a:latin typeface="Arial" panose="020B0604020202020204" pitchFamily="34" charset="0"/>
-                <a:cs typeface="Arial" panose="020B0604020202020204" pitchFamily="34" charset="0"/>
-              </a:rPr>
-              <a:t> </a:t>
-            </a:r>
-            <a:r>
-              <a:rPr lang="en-US" sz="2400" b="1" dirty="0" err="1" smtClean="0">
+              <a:rPr lang="en-US" sz="2400" b="1" dirty="0">
+                <a:latin typeface="Arial" panose="020B0604020202020204" pitchFamily="34" charset="0"/>
+                <a:cs typeface="Arial" panose="020B0604020202020204" pitchFamily="34" charset="0"/>
+              </a:rPr>
+              <a:t> </a:t>
+            </a:r>
+            <a:r>
+              <a:rPr lang="en-US" sz="2400" b="1" dirty="0" err="1">
                 <a:latin typeface="Arial" panose="020B0604020202020204" pitchFamily="34" charset="0"/>
                 <a:cs typeface="Arial" panose="020B0604020202020204" pitchFamily="34" charset="0"/>
               </a:rPr>
               <a:t>thiết</a:t>
             </a:r>
             <a:r>
-              <a:rPr lang="en-US" sz="2400" b="1" dirty="0" smtClean="0">
-                <a:latin typeface="Arial" panose="020B0604020202020204" pitchFamily="34" charset="0"/>
-                <a:cs typeface="Arial" panose="020B0604020202020204" pitchFamily="34" charset="0"/>
-              </a:rPr>
-              <a:t> </a:t>
-            </a:r>
-            <a:r>
-              <a:rPr lang="en-US" sz="2400" b="1" dirty="0" err="1" smtClean="0">
+              <a:rPr lang="en-US" sz="2400" b="1" dirty="0">
+                <a:latin typeface="Arial" panose="020B0604020202020204" pitchFamily="34" charset="0"/>
+                <a:cs typeface="Arial" panose="020B0604020202020204" pitchFamily="34" charset="0"/>
+              </a:rPr>
+              <a:t> </a:t>
+            </a:r>
+            <a:r>
+              <a:rPr lang="en-US" sz="2400" b="1" dirty="0" err="1">
                 <a:latin typeface="Arial" panose="020B0604020202020204" pitchFamily="34" charset="0"/>
                 <a:cs typeface="Arial" panose="020B0604020202020204" pitchFamily="34" charset="0"/>
               </a:rPr>
               <a:t>của</a:t>
             </a:r>
             <a:r>
-              <a:rPr lang="en-US" sz="2400" b="1" dirty="0" smtClean="0">
-                <a:latin typeface="Arial" panose="020B0604020202020204" pitchFamily="34" charset="0"/>
-                <a:cs typeface="Arial" panose="020B0604020202020204" pitchFamily="34" charset="0"/>
-              </a:rPr>
-              <a:t> </a:t>
-            </a:r>
-            <a:r>
-              <a:rPr lang="en-US" sz="2400" b="1" dirty="0" err="1" smtClean="0">
+              <a:rPr lang="en-US" sz="2400" b="1" dirty="0">
+                <a:latin typeface="Arial" panose="020B0604020202020204" pitchFamily="34" charset="0"/>
+                <a:cs typeface="Arial" panose="020B0604020202020204" pitchFamily="34" charset="0"/>
+              </a:rPr>
+              <a:t> </a:t>
+            </a:r>
+            <a:r>
+              <a:rPr lang="en-US" sz="2400" b="1" dirty="0" err="1">
                 <a:latin typeface="Arial" panose="020B0604020202020204" pitchFamily="34" charset="0"/>
                 <a:cs typeface="Arial" panose="020B0604020202020204" pitchFamily="34" charset="0"/>
               </a:rPr>
               <a:t>việc</a:t>
             </a:r>
             <a:r>
-              <a:rPr lang="en-US" sz="2400" b="1" dirty="0" smtClean="0">
-                <a:latin typeface="Arial" panose="020B0604020202020204" pitchFamily="34" charset="0"/>
-                <a:cs typeface="Arial" panose="020B0604020202020204" pitchFamily="34" charset="0"/>
-              </a:rPr>
-              <a:t> </a:t>
-            </a:r>
-            <a:r>
-              <a:rPr lang="en-US" sz="2400" b="1" dirty="0" err="1" smtClean="0">
+              <a:rPr lang="en-US" sz="2400" b="1" dirty="0">
+                <a:latin typeface="Arial" panose="020B0604020202020204" pitchFamily="34" charset="0"/>
+                <a:cs typeface="Arial" panose="020B0604020202020204" pitchFamily="34" charset="0"/>
+              </a:rPr>
+              <a:t> </a:t>
+            </a:r>
+            <a:r>
+              <a:rPr lang="en-US" sz="2400" b="1" dirty="0" err="1">
                 <a:latin typeface="Arial" panose="020B0604020202020204" pitchFamily="34" charset="0"/>
                 <a:cs typeface="Arial" panose="020B0604020202020204" pitchFamily="34" charset="0"/>
               </a:rPr>
               <a:t>phân</a:t>
             </a:r>
             <a:r>
-              <a:rPr lang="en-US" sz="2400" b="1" dirty="0" smtClean="0">
-                <a:latin typeface="Arial" panose="020B0604020202020204" pitchFamily="34" charset="0"/>
-                <a:cs typeface="Arial" panose="020B0604020202020204" pitchFamily="34" charset="0"/>
-              </a:rPr>
-              <a:t> </a:t>
-            </a:r>
-            <a:r>
-              <a:rPr lang="en-US" sz="2400" b="1" dirty="0" err="1" smtClean="0">
+              <a:rPr lang="en-US" sz="2400" b="1" dirty="0">
+                <a:latin typeface="Arial" panose="020B0604020202020204" pitchFamily="34" charset="0"/>
+                <a:cs typeface="Arial" panose="020B0604020202020204" pitchFamily="34" charset="0"/>
+              </a:rPr>
+              <a:t> </a:t>
+            </a:r>
+            <a:r>
+              <a:rPr lang="en-US" sz="2400" b="1" dirty="0" err="1">
                 <a:latin typeface="Arial" panose="020B0604020202020204" pitchFamily="34" charset="0"/>
                 <a:cs typeface="Arial" panose="020B0604020202020204" pitchFamily="34" charset="0"/>
               </a:rPr>
               <a:t>biệt</a:t>
             </a:r>
             <a:r>
-              <a:rPr lang="en-US" sz="2400" b="1" dirty="0" smtClean="0">
-                <a:latin typeface="Arial" panose="020B0604020202020204" pitchFamily="34" charset="0"/>
-                <a:cs typeface="Arial" panose="020B0604020202020204" pitchFamily="34" charset="0"/>
-              </a:rPr>
-              <a:t> </a:t>
-            </a:r>
-            <a:r>
-              <a:rPr lang="en-US" sz="2400" b="1" dirty="0" err="1" smtClean="0">
+              <a:rPr lang="en-US" sz="2400" b="1" dirty="0">
+                <a:latin typeface="Arial" panose="020B0604020202020204" pitchFamily="34" charset="0"/>
+                <a:cs typeface="Arial" panose="020B0604020202020204" pitchFamily="34" charset="0"/>
+              </a:rPr>
+              <a:t> </a:t>
+            </a:r>
+            <a:r>
+              <a:rPr lang="en-US" sz="2400" b="1" dirty="0" err="1">
                 <a:latin typeface="Arial" panose="020B0604020202020204" pitchFamily="34" charset="0"/>
                 <a:cs typeface="Arial" panose="020B0604020202020204" pitchFamily="34" charset="0"/>
               </a:rPr>
               <a:t>năm</a:t>
             </a:r>
             <a:r>
-              <a:rPr lang="en-US" sz="2400" b="1" dirty="0" smtClean="0">
-                <a:latin typeface="Arial" panose="020B0604020202020204" pitchFamily="34" charset="0"/>
-                <a:cs typeface="Arial" panose="020B0604020202020204" pitchFamily="34" charset="0"/>
-              </a:rPr>
-              <a:t> </a:t>
-            </a:r>
-            <a:r>
-              <a:rPr lang="en-US" sz="2400" b="1" dirty="0" err="1" smtClean="0">
+              <a:rPr lang="en-US" sz="2400" b="1" dirty="0">
+                <a:latin typeface="Arial" panose="020B0604020202020204" pitchFamily="34" charset="0"/>
+                <a:cs typeface="Arial" panose="020B0604020202020204" pitchFamily="34" charset="0"/>
+              </a:rPr>
+              <a:t> </a:t>
+            </a:r>
+            <a:r>
+              <a:rPr lang="en-US" sz="2400" b="1" dirty="0" err="1">
                 <a:latin typeface="Arial" panose="020B0604020202020204" pitchFamily="34" charset="0"/>
                 <a:cs typeface="Arial" panose="020B0604020202020204" pitchFamily="34" charset="0"/>
               </a:rPr>
               <a:t>nguyên</a:t>
             </a:r>
             <a:r>
-              <a:rPr lang="en-US" sz="2400" b="1" dirty="0" smtClean="0">
-                <a:latin typeface="Arial" panose="020B0604020202020204" pitchFamily="34" charset="0"/>
-                <a:cs typeface="Arial" panose="020B0604020202020204" pitchFamily="34" charset="0"/>
-              </a:rPr>
-              <a:t> </a:t>
-            </a:r>
-            <a:r>
-              <a:rPr lang="en-US" sz="2400" b="1" dirty="0" err="1" smtClean="0">
+              <a:rPr lang="en-US" sz="2400" b="1" dirty="0">
+                <a:latin typeface="Arial" panose="020B0604020202020204" pitchFamily="34" charset="0"/>
+                <a:cs typeface="Arial" panose="020B0604020202020204" pitchFamily="34" charset="0"/>
+              </a:rPr>
+              <a:t> </a:t>
+            </a:r>
+            <a:r>
+              <a:rPr lang="en-US" sz="2400" b="1" dirty="0" err="1">
                 <a:latin typeface="Arial" panose="020B0604020202020204" pitchFamily="34" charset="0"/>
                 <a:cs typeface="Arial" panose="020B0604020202020204" pitchFamily="34" charset="0"/>
               </a:rPr>
               <a:t>âm</a:t>
             </a:r>
             <a:r>
-              <a:rPr lang="en-US" sz="2400" b="1" dirty="0" smtClean="0">
+              <a:rPr lang="en-US" sz="2400" b="1" dirty="0">
                 <a:latin typeface="Arial" panose="020B0604020202020204" pitchFamily="34" charset="0"/>
                 <a:cs typeface="Arial" panose="020B0604020202020204" pitchFamily="34" charset="0"/>
               </a:rPr>
@@ -7284,211 +9793,207 @@
               <a:buChar char="ü"/>
             </a:pPr>
             <a:r>
-              <a:rPr lang="en-US" sz="2400" dirty="0" err="1">
+              <a:rPr lang="en-US" sz="2200" dirty="0" err="1">
                 <a:latin typeface="Arial" panose="020B0604020202020204" pitchFamily="34" charset="0"/>
                 <a:cs typeface="Arial" panose="020B0604020202020204" pitchFamily="34" charset="0"/>
               </a:rPr>
               <a:t>Phân</a:t>
             </a:r>
             <a:r>
-              <a:rPr lang="en-US" sz="2400" dirty="0">
-                <a:latin typeface="Arial" panose="020B0604020202020204" pitchFamily="34" charset="0"/>
-                <a:cs typeface="Arial" panose="020B0604020202020204" pitchFamily="34" charset="0"/>
-              </a:rPr>
-              <a:t> </a:t>
-            </a:r>
-            <a:r>
-              <a:rPr lang="en-US" sz="2400" dirty="0" err="1" smtClean="0">
+              <a:rPr lang="en-US" sz="2200" dirty="0">
+                <a:latin typeface="Arial" panose="020B0604020202020204" pitchFamily="34" charset="0"/>
+                <a:cs typeface="Arial" panose="020B0604020202020204" pitchFamily="34" charset="0"/>
+              </a:rPr>
+              <a:t> </a:t>
+            </a:r>
+            <a:r>
+              <a:rPr lang="en-US" sz="2200" dirty="0" err="1">
                 <a:latin typeface="Arial" panose="020B0604020202020204" pitchFamily="34" charset="0"/>
                 <a:cs typeface="Arial" panose="020B0604020202020204" pitchFamily="34" charset="0"/>
               </a:rPr>
               <a:t>biệt</a:t>
             </a:r>
             <a:r>
-              <a:rPr lang="en-US" sz="2400" dirty="0" smtClean="0">
-                <a:latin typeface="Arial" panose="020B0604020202020204" pitchFamily="34" charset="0"/>
-                <a:cs typeface="Arial" panose="020B0604020202020204" pitchFamily="34" charset="0"/>
-              </a:rPr>
-              <a:t> </a:t>
-            </a:r>
-            <a:r>
-              <a:rPr lang="en-US" sz="2400" dirty="0" err="1" smtClean="0">
+              <a:rPr lang="en-US" sz="2200" dirty="0">
+                <a:latin typeface="Arial" panose="020B0604020202020204" pitchFamily="34" charset="0"/>
+                <a:cs typeface="Arial" panose="020B0604020202020204" pitchFamily="34" charset="0"/>
+              </a:rPr>
+              <a:t> </a:t>
+            </a:r>
+            <a:r>
+              <a:rPr lang="en-US" sz="2200" dirty="0" err="1">
                 <a:latin typeface="Arial" panose="020B0604020202020204" pitchFamily="34" charset="0"/>
                 <a:cs typeface="Arial" panose="020B0604020202020204" pitchFamily="34" charset="0"/>
               </a:rPr>
               <a:t>các</a:t>
             </a:r>
             <a:r>
-              <a:rPr lang="en-US" sz="2400" dirty="0" smtClean="0">
-                <a:latin typeface="Arial" panose="020B0604020202020204" pitchFamily="34" charset="0"/>
-                <a:cs typeface="Arial" panose="020B0604020202020204" pitchFamily="34" charset="0"/>
-              </a:rPr>
-              <a:t> </a:t>
-            </a:r>
-            <a:r>
-              <a:rPr lang="en-US" sz="2400" dirty="0" err="1" smtClean="0">
+              <a:rPr lang="en-US" sz="2200" dirty="0">
+                <a:latin typeface="Arial" panose="020B0604020202020204" pitchFamily="34" charset="0"/>
+                <a:cs typeface="Arial" panose="020B0604020202020204" pitchFamily="34" charset="0"/>
+              </a:rPr>
+              <a:t> </a:t>
+            </a:r>
+            <a:r>
+              <a:rPr lang="en-US" sz="2200" dirty="0" err="1">
                 <a:latin typeface="Arial" panose="020B0604020202020204" pitchFamily="34" charset="0"/>
                 <a:cs typeface="Arial" panose="020B0604020202020204" pitchFamily="34" charset="0"/>
               </a:rPr>
               <a:t>nguyên</a:t>
             </a:r>
             <a:r>
-              <a:rPr lang="en-US" sz="2400" dirty="0" smtClean="0">
-                <a:latin typeface="Arial" panose="020B0604020202020204" pitchFamily="34" charset="0"/>
-                <a:cs typeface="Arial" panose="020B0604020202020204" pitchFamily="34" charset="0"/>
-              </a:rPr>
-              <a:t> </a:t>
-            </a:r>
-            <a:r>
-              <a:rPr lang="en-US" sz="2400" dirty="0" err="1" smtClean="0">
+              <a:rPr lang="en-US" sz="2200" dirty="0">
+                <a:latin typeface="Arial" panose="020B0604020202020204" pitchFamily="34" charset="0"/>
+                <a:cs typeface="Arial" panose="020B0604020202020204" pitchFamily="34" charset="0"/>
+              </a:rPr>
+              <a:t> </a:t>
+            </a:r>
+            <a:r>
+              <a:rPr lang="en-US" sz="2200" dirty="0" err="1">
                 <a:latin typeface="Arial" panose="020B0604020202020204" pitchFamily="34" charset="0"/>
                 <a:cs typeface="Arial" panose="020B0604020202020204" pitchFamily="34" charset="0"/>
               </a:rPr>
               <a:t>âm</a:t>
             </a:r>
             <a:r>
-              <a:rPr lang="en-US" sz="2400" dirty="0" smtClean="0">
-                <a:latin typeface="Arial" panose="020B0604020202020204" pitchFamily="34" charset="0"/>
-                <a:cs typeface="Arial" panose="020B0604020202020204" pitchFamily="34" charset="0"/>
-              </a:rPr>
-              <a:t> </a:t>
-            </a:r>
-            <a:r>
-              <a:rPr lang="en-US" sz="2400" dirty="0" err="1" smtClean="0">
+              <a:rPr lang="en-US" sz="2200" dirty="0">
+                <a:latin typeface="Arial" panose="020B0604020202020204" pitchFamily="34" charset="0"/>
+                <a:cs typeface="Arial" panose="020B0604020202020204" pitchFamily="34" charset="0"/>
+              </a:rPr>
+              <a:t> </a:t>
+            </a:r>
+            <a:r>
+              <a:rPr lang="en-US" sz="2200" dirty="0" err="1">
                 <a:latin typeface="Arial" panose="020B0604020202020204" pitchFamily="34" charset="0"/>
                 <a:cs typeface="Arial" panose="020B0604020202020204" pitchFamily="34" charset="0"/>
               </a:rPr>
               <a:t>là</a:t>
             </a:r>
             <a:r>
-              <a:rPr lang="en-US" sz="2400" dirty="0" smtClean="0">
-                <a:latin typeface="Arial" panose="020B0604020202020204" pitchFamily="34" charset="0"/>
-                <a:cs typeface="Arial" panose="020B0604020202020204" pitchFamily="34" charset="0"/>
-              </a:rPr>
-              <a:t> </a:t>
-            </a:r>
-            <a:r>
-              <a:rPr lang="en-US" sz="2400" dirty="0" err="1">
+              <a:rPr lang="en-US" sz="2200" dirty="0">
+                <a:latin typeface="Arial" panose="020B0604020202020204" pitchFamily="34" charset="0"/>
+                <a:cs typeface="Arial" panose="020B0604020202020204" pitchFamily="34" charset="0"/>
+              </a:rPr>
+              <a:t> </a:t>
+            </a:r>
+            <a:r>
+              <a:rPr lang="en-US" sz="2200" dirty="0" err="1">
                 <a:latin typeface="Arial" panose="020B0604020202020204" pitchFamily="34" charset="0"/>
                 <a:cs typeface="Arial" panose="020B0604020202020204" pitchFamily="34" charset="0"/>
               </a:rPr>
               <a:t>bước</a:t>
             </a:r>
             <a:r>
-              <a:rPr lang="en-US" sz="2400" dirty="0">
-                <a:latin typeface="Arial" panose="020B0604020202020204" pitchFamily="34" charset="0"/>
-                <a:cs typeface="Arial" panose="020B0604020202020204" pitchFamily="34" charset="0"/>
-              </a:rPr>
-              <a:t> </a:t>
-            </a:r>
-            <a:r>
-              <a:rPr lang="en-US" sz="2400" dirty="0" err="1">
+              <a:rPr lang="en-US" sz="2200" dirty="0">
+                <a:latin typeface="Arial" panose="020B0604020202020204" pitchFamily="34" charset="0"/>
+                <a:cs typeface="Arial" panose="020B0604020202020204" pitchFamily="34" charset="0"/>
+              </a:rPr>
+              <a:t> </a:t>
+            </a:r>
+            <a:r>
+              <a:rPr lang="en-US" sz="2200" dirty="0" err="1">
                 <a:latin typeface="Arial" panose="020B0604020202020204" pitchFamily="34" charset="0"/>
                 <a:cs typeface="Arial" panose="020B0604020202020204" pitchFamily="34" charset="0"/>
               </a:rPr>
               <a:t>quan</a:t>
             </a:r>
             <a:r>
-              <a:rPr lang="en-US" sz="2400" dirty="0">
-                <a:latin typeface="Arial" panose="020B0604020202020204" pitchFamily="34" charset="0"/>
-                <a:cs typeface="Arial" panose="020B0604020202020204" pitchFamily="34" charset="0"/>
-              </a:rPr>
-              <a:t> </a:t>
-            </a:r>
-            <a:r>
-              <a:rPr lang="en-US" sz="2400" dirty="0" err="1">
+              <a:rPr lang="en-US" sz="2200" dirty="0">
+                <a:latin typeface="Arial" panose="020B0604020202020204" pitchFamily="34" charset="0"/>
+                <a:cs typeface="Arial" panose="020B0604020202020204" pitchFamily="34" charset="0"/>
+              </a:rPr>
+              <a:t> </a:t>
+            </a:r>
+            <a:r>
+              <a:rPr lang="en-US" sz="2200" dirty="0" err="1">
                 <a:latin typeface="Arial" panose="020B0604020202020204" pitchFamily="34" charset="0"/>
                 <a:cs typeface="Arial" panose="020B0604020202020204" pitchFamily="34" charset="0"/>
               </a:rPr>
               <a:t>trọng</a:t>
             </a:r>
             <a:r>
-              <a:rPr lang="en-US" sz="2400" dirty="0">
-                <a:latin typeface="Arial" panose="020B0604020202020204" pitchFamily="34" charset="0"/>
-                <a:cs typeface="Arial" panose="020B0604020202020204" pitchFamily="34" charset="0"/>
-              </a:rPr>
-              <a:t> </a:t>
-            </a:r>
-            <a:r>
-              <a:rPr lang="en-US" sz="2400" dirty="0" err="1">
+              <a:rPr lang="en-US" sz="2200" dirty="0">
+                <a:latin typeface="Arial" panose="020B0604020202020204" pitchFamily="34" charset="0"/>
+                <a:cs typeface="Arial" panose="020B0604020202020204" pitchFamily="34" charset="0"/>
+              </a:rPr>
+              <a:t> </a:t>
+            </a:r>
+            <a:r>
+              <a:rPr lang="en-US" sz="2200" dirty="0" err="1">
                 <a:latin typeface="Arial" panose="020B0604020202020204" pitchFamily="34" charset="0"/>
                 <a:cs typeface="Arial" panose="020B0604020202020204" pitchFamily="34" charset="0"/>
               </a:rPr>
               <a:t>trong</a:t>
             </a:r>
             <a:r>
-              <a:rPr lang="en-US" sz="2400" dirty="0">
-                <a:latin typeface="Arial" panose="020B0604020202020204" pitchFamily="34" charset="0"/>
-                <a:cs typeface="Arial" panose="020B0604020202020204" pitchFamily="34" charset="0"/>
-              </a:rPr>
-              <a:t> </a:t>
-            </a:r>
-            <a:r>
-              <a:rPr lang="en-US" sz="2400" dirty="0" err="1">
+              <a:rPr lang="en-US" sz="2200" dirty="0">
+                <a:latin typeface="Arial" panose="020B0604020202020204" pitchFamily="34" charset="0"/>
+                <a:cs typeface="Arial" panose="020B0604020202020204" pitchFamily="34" charset="0"/>
+              </a:rPr>
+              <a:t> </a:t>
+            </a:r>
+            <a:r>
+              <a:rPr lang="en-US" sz="2200" dirty="0" err="1">
                 <a:latin typeface="Arial" panose="020B0604020202020204" pitchFamily="34" charset="0"/>
                 <a:cs typeface="Arial" panose="020B0604020202020204" pitchFamily="34" charset="0"/>
               </a:rPr>
               <a:t>xử</a:t>
             </a:r>
             <a:r>
-              <a:rPr lang="en-US" sz="2400" dirty="0">
-                <a:latin typeface="Arial" panose="020B0604020202020204" pitchFamily="34" charset="0"/>
-                <a:cs typeface="Arial" panose="020B0604020202020204" pitchFamily="34" charset="0"/>
-              </a:rPr>
-              <a:t> </a:t>
-            </a:r>
-            <a:r>
-              <a:rPr lang="en-US" sz="2400" dirty="0" err="1">
+              <a:rPr lang="en-US" sz="2200" dirty="0">
+                <a:latin typeface="Arial" panose="020B0604020202020204" pitchFamily="34" charset="0"/>
+                <a:cs typeface="Arial" panose="020B0604020202020204" pitchFamily="34" charset="0"/>
+              </a:rPr>
+              <a:t> </a:t>
+            </a:r>
+            <a:r>
+              <a:rPr lang="en-US" sz="2200" dirty="0" err="1">
                 <a:latin typeface="Arial" panose="020B0604020202020204" pitchFamily="34" charset="0"/>
                 <a:cs typeface="Arial" panose="020B0604020202020204" pitchFamily="34" charset="0"/>
               </a:rPr>
               <a:t>lí</a:t>
             </a:r>
             <a:r>
-              <a:rPr lang="en-US" sz="2400" dirty="0">
-                <a:latin typeface="Arial" panose="020B0604020202020204" pitchFamily="34" charset="0"/>
-                <a:cs typeface="Arial" panose="020B0604020202020204" pitchFamily="34" charset="0"/>
-              </a:rPr>
-              <a:t> </a:t>
-            </a:r>
-            <a:endParaRPr lang="en-US" sz="2400" dirty="0" smtClean="0">
-              <a:latin typeface="Arial" panose="020B0604020202020204" pitchFamily="34" charset="0"/>
-              <a:cs typeface="Arial" panose="020B0604020202020204" pitchFamily="34" charset="0"/>
-            </a:endParaRPr>
+              <a:rPr lang="en-US" sz="2200" dirty="0">
+                <a:latin typeface="Arial" panose="020B0604020202020204" pitchFamily="34" charset="0"/>
+                <a:cs typeface="Arial" panose="020B0604020202020204" pitchFamily="34" charset="0"/>
+              </a:rPr>
+              <a:t> </a:t>
+            </a:r>
           </a:p>
           <a:p>
             <a:pPr marL="457200" lvl="1" indent="0" algn="just">
               <a:buNone/>
             </a:pPr>
             <a:r>
-              <a:rPr lang="en-US" sz="2400" dirty="0" smtClean="0">
+              <a:rPr lang="en-US" sz="2200" dirty="0">
                 <a:latin typeface="Arial" panose="020B0604020202020204" pitchFamily="34" charset="0"/>
                 <a:cs typeface="Arial" panose="020B0604020202020204" pitchFamily="34" charset="0"/>
               </a:rPr>
               <a:t>    </a:t>
             </a:r>
             <a:r>
-              <a:rPr lang="en-US" sz="2400" dirty="0" err="1" smtClean="0">
+              <a:rPr lang="en-US" sz="2200" dirty="0" err="1">
                 <a:latin typeface="Arial" panose="020B0604020202020204" pitchFamily="34" charset="0"/>
                 <a:cs typeface="Arial" panose="020B0604020202020204" pitchFamily="34" charset="0"/>
               </a:rPr>
               <a:t>tín</a:t>
             </a:r>
             <a:r>
-              <a:rPr lang="en-US" sz="2400" dirty="0" smtClean="0">
-                <a:latin typeface="Arial" panose="020B0604020202020204" pitchFamily="34" charset="0"/>
-                <a:cs typeface="Arial" panose="020B0604020202020204" pitchFamily="34" charset="0"/>
-              </a:rPr>
-              <a:t> </a:t>
-            </a:r>
-            <a:r>
-              <a:rPr lang="en-US" sz="2400" dirty="0" err="1" smtClean="0">
+              <a:rPr lang="en-US" sz="2200" dirty="0">
+                <a:latin typeface="Arial" panose="020B0604020202020204" pitchFamily="34" charset="0"/>
+                <a:cs typeface="Arial" panose="020B0604020202020204" pitchFamily="34" charset="0"/>
+              </a:rPr>
+              <a:t> </a:t>
+            </a:r>
+            <a:r>
+              <a:rPr lang="en-US" sz="2200" dirty="0" err="1">
                 <a:latin typeface="Arial" panose="020B0604020202020204" pitchFamily="34" charset="0"/>
                 <a:cs typeface="Arial" panose="020B0604020202020204" pitchFamily="34" charset="0"/>
               </a:rPr>
               <a:t>hiệu</a:t>
             </a:r>
-            <a:endParaRPr lang="en-US" sz="2400" dirty="0" smtClean="0">
+            <a:endParaRPr lang="en-US" sz="2200" dirty="0">
               <a:latin typeface="Arial" panose="020B0604020202020204" pitchFamily="34" charset="0"/>
               <a:cs typeface="Arial" panose="020B0604020202020204" pitchFamily="34" charset="0"/>
             </a:endParaRPr>
@@ -7499,13 +10004,13 @@
               <a:buChar char="ü"/>
             </a:pPr>
             <a:r>
-              <a:rPr lang="vi-VN" sz="2400" dirty="0">
+              <a:rPr lang="vi-VN" sz="2200" dirty="0">
                 <a:latin typeface="Arial" panose="020B0604020202020204" pitchFamily="34" charset="0"/>
                 <a:cs typeface="Arial" panose="020B0604020202020204" pitchFamily="34" charset="0"/>
               </a:rPr>
               <a:t>Để làm được điều đó, việc nghiên cứu biên phổ của tín hiệu là rất quan trọng</a:t>
             </a:r>
-            <a:endParaRPr lang="en-US" sz="2400" dirty="0">
+            <a:endParaRPr lang="en-US" sz="2200" dirty="0">
               <a:latin typeface="Arial" panose="020B0604020202020204" pitchFamily="34" charset="0"/>
               <a:cs typeface="Arial" panose="020B0604020202020204" pitchFamily="34" charset="0"/>
             </a:endParaRPr>
@@ -7516,14 +10021,14 @@
               <a:buChar char="Ø"/>
             </a:pPr>
             <a:r>
-              <a:rPr lang="en-US" sz="2400" b="1" dirty="0" err="1" smtClean="0">
+              <a:rPr lang="en-US" sz="2400" b="1" dirty="0" err="1">
                 <a:latin typeface="Arial" panose="020B0604020202020204" pitchFamily="34" charset="0"/>
                 <a:cs typeface="Arial" panose="020B0604020202020204" pitchFamily="34" charset="0"/>
               </a:rPr>
               <a:t>Phương</a:t>
             </a:r>
             <a:r>
-              <a:rPr lang="en-US" sz="2400" b="1" dirty="0" smtClean="0">
+              <a:rPr lang="en-US" sz="2400" b="1" dirty="0">
                 <a:latin typeface="Arial" panose="020B0604020202020204" pitchFamily="34" charset="0"/>
                 <a:cs typeface="Arial" panose="020B0604020202020204" pitchFamily="34" charset="0"/>
               </a:rPr>
@@ -7547,167 +10052,167 @@
               <a:buChar char="ü"/>
             </a:pPr>
             <a:r>
-              <a:rPr lang="en-US" sz="2400" dirty="0" err="1">
+              <a:rPr lang="en-US" sz="2200" dirty="0" err="1">
                 <a:latin typeface="Arial" panose="020B0604020202020204" pitchFamily="34" charset="0"/>
                 <a:cs typeface="Arial" panose="020B0604020202020204" pitchFamily="34" charset="0"/>
               </a:rPr>
               <a:t>Phân</a:t>
             </a:r>
             <a:r>
-              <a:rPr lang="en-US" sz="2400" dirty="0">
-                <a:latin typeface="Arial" panose="020B0604020202020204" pitchFamily="34" charset="0"/>
-                <a:cs typeface="Arial" panose="020B0604020202020204" pitchFamily="34" charset="0"/>
-              </a:rPr>
-              <a:t> </a:t>
-            </a:r>
-            <a:r>
-              <a:rPr lang="en-US" sz="2400" dirty="0" err="1">
+              <a:rPr lang="en-US" sz="2200" dirty="0">
+                <a:latin typeface="Arial" panose="020B0604020202020204" pitchFamily="34" charset="0"/>
+                <a:cs typeface="Arial" panose="020B0604020202020204" pitchFamily="34" charset="0"/>
+              </a:rPr>
+              <a:t> </a:t>
+            </a:r>
+            <a:r>
+              <a:rPr lang="en-US" sz="2200" dirty="0" err="1">
                 <a:latin typeface="Arial" panose="020B0604020202020204" pitchFamily="34" charset="0"/>
                 <a:cs typeface="Arial" panose="020B0604020202020204" pitchFamily="34" charset="0"/>
               </a:rPr>
               <a:t>đoạn</a:t>
             </a:r>
             <a:r>
-              <a:rPr lang="en-US" sz="2400" dirty="0">
-                <a:latin typeface="Arial" panose="020B0604020202020204" pitchFamily="34" charset="0"/>
-                <a:cs typeface="Arial" panose="020B0604020202020204" pitchFamily="34" charset="0"/>
-              </a:rPr>
-              <a:t> </a:t>
-            </a:r>
-            <a:r>
-              <a:rPr lang="en-US" sz="2400" dirty="0" err="1">
+              <a:rPr lang="en-US" sz="2200" dirty="0">
+                <a:latin typeface="Arial" panose="020B0604020202020204" pitchFamily="34" charset="0"/>
+                <a:cs typeface="Arial" panose="020B0604020202020204" pitchFamily="34" charset="0"/>
+              </a:rPr>
+              <a:t> </a:t>
+            </a:r>
+            <a:r>
+              <a:rPr lang="en-US" sz="2200" dirty="0" err="1">
                 <a:latin typeface="Arial" panose="020B0604020202020204" pitchFamily="34" charset="0"/>
                 <a:cs typeface="Arial" panose="020B0604020202020204" pitchFamily="34" charset="0"/>
               </a:rPr>
               <a:t>tín</a:t>
             </a:r>
             <a:r>
-              <a:rPr lang="en-US" sz="2400" dirty="0">
-                <a:latin typeface="Arial" panose="020B0604020202020204" pitchFamily="34" charset="0"/>
-                <a:cs typeface="Arial" panose="020B0604020202020204" pitchFamily="34" charset="0"/>
-              </a:rPr>
-              <a:t> </a:t>
-            </a:r>
-            <a:r>
-              <a:rPr lang="en-US" sz="2400" dirty="0" err="1">
+              <a:rPr lang="en-US" sz="2200" dirty="0">
+                <a:latin typeface="Arial" panose="020B0604020202020204" pitchFamily="34" charset="0"/>
+                <a:cs typeface="Arial" panose="020B0604020202020204" pitchFamily="34" charset="0"/>
+              </a:rPr>
+              <a:t> </a:t>
+            </a:r>
+            <a:r>
+              <a:rPr lang="en-US" sz="2200" dirty="0" err="1">
                 <a:latin typeface="Arial" panose="020B0604020202020204" pitchFamily="34" charset="0"/>
                 <a:cs typeface="Arial" panose="020B0604020202020204" pitchFamily="34" charset="0"/>
               </a:rPr>
               <a:t>hiệu</a:t>
             </a:r>
             <a:r>
-              <a:rPr lang="en-US" sz="2400" dirty="0">
-                <a:latin typeface="Arial" panose="020B0604020202020204" pitchFamily="34" charset="0"/>
-                <a:cs typeface="Arial" panose="020B0604020202020204" pitchFamily="34" charset="0"/>
-              </a:rPr>
-              <a:t> </a:t>
-            </a:r>
-            <a:r>
-              <a:rPr lang="en-US" sz="2400" dirty="0" err="1">
+              <a:rPr lang="en-US" sz="2200" dirty="0">
+                <a:latin typeface="Arial" panose="020B0604020202020204" pitchFamily="34" charset="0"/>
+                <a:cs typeface="Arial" panose="020B0604020202020204" pitchFamily="34" charset="0"/>
+              </a:rPr>
+              <a:t> </a:t>
+            </a:r>
+            <a:r>
+              <a:rPr lang="en-US" sz="2200" dirty="0" err="1">
                 <a:latin typeface="Arial" panose="020B0604020202020204" pitchFamily="34" charset="0"/>
                 <a:cs typeface="Arial" panose="020B0604020202020204" pitchFamily="34" charset="0"/>
               </a:rPr>
               <a:t>thành</a:t>
             </a:r>
             <a:r>
-              <a:rPr lang="en-US" sz="2400" dirty="0">
-                <a:latin typeface="Arial" panose="020B0604020202020204" pitchFamily="34" charset="0"/>
-                <a:cs typeface="Arial" panose="020B0604020202020204" pitchFamily="34" charset="0"/>
-              </a:rPr>
-              <a:t> </a:t>
-            </a:r>
-            <a:r>
-              <a:rPr lang="en-US" sz="2400" dirty="0" err="1">
+              <a:rPr lang="en-US" sz="2200" dirty="0">
+                <a:latin typeface="Arial" panose="020B0604020202020204" pitchFamily="34" charset="0"/>
+                <a:cs typeface="Arial" panose="020B0604020202020204" pitchFamily="34" charset="0"/>
+              </a:rPr>
+              <a:t> </a:t>
+            </a:r>
+            <a:r>
+              <a:rPr lang="en-US" sz="2200" dirty="0" err="1">
                 <a:latin typeface="Arial" panose="020B0604020202020204" pitchFamily="34" charset="0"/>
                 <a:cs typeface="Arial" panose="020B0604020202020204" pitchFamily="34" charset="0"/>
               </a:rPr>
               <a:t>các</a:t>
             </a:r>
             <a:r>
-              <a:rPr lang="en-US" sz="2400" dirty="0">
-                <a:latin typeface="Arial" panose="020B0604020202020204" pitchFamily="34" charset="0"/>
-                <a:cs typeface="Arial" panose="020B0604020202020204" pitchFamily="34" charset="0"/>
-              </a:rPr>
-              <a:t> </a:t>
-            </a:r>
-            <a:r>
-              <a:rPr lang="en-US" sz="2400" dirty="0" err="1">
+              <a:rPr lang="en-US" sz="2200" dirty="0">
+                <a:latin typeface="Arial" panose="020B0604020202020204" pitchFamily="34" charset="0"/>
+                <a:cs typeface="Arial" panose="020B0604020202020204" pitchFamily="34" charset="0"/>
+              </a:rPr>
+              <a:t> </a:t>
+            </a:r>
+            <a:r>
+              <a:rPr lang="en-US" sz="2200" dirty="0" err="1">
                 <a:latin typeface="Arial" panose="020B0604020202020204" pitchFamily="34" charset="0"/>
                 <a:cs typeface="Arial" panose="020B0604020202020204" pitchFamily="34" charset="0"/>
               </a:rPr>
               <a:t>khung</a:t>
             </a:r>
             <a:r>
-              <a:rPr lang="en-US" sz="2400" dirty="0">
-                <a:latin typeface="Arial" panose="020B0604020202020204" pitchFamily="34" charset="0"/>
-                <a:cs typeface="Arial" panose="020B0604020202020204" pitchFamily="34" charset="0"/>
-              </a:rPr>
-              <a:t> </a:t>
-            </a:r>
-            <a:r>
-              <a:rPr lang="en-US" sz="2400" dirty="0" err="1">
+              <a:rPr lang="en-US" sz="2200" dirty="0">
+                <a:latin typeface="Arial" panose="020B0604020202020204" pitchFamily="34" charset="0"/>
+                <a:cs typeface="Arial" panose="020B0604020202020204" pitchFamily="34" charset="0"/>
+              </a:rPr>
+              <a:t> </a:t>
+            </a:r>
+            <a:r>
+              <a:rPr lang="en-US" sz="2200" dirty="0" err="1">
                 <a:latin typeface="Arial" panose="020B0604020202020204" pitchFamily="34" charset="0"/>
                 <a:cs typeface="Arial" panose="020B0604020202020204" pitchFamily="34" charset="0"/>
               </a:rPr>
               <a:t>liên</a:t>
             </a:r>
             <a:r>
-              <a:rPr lang="en-US" sz="2400" dirty="0">
-                <a:latin typeface="Arial" panose="020B0604020202020204" pitchFamily="34" charset="0"/>
-                <a:cs typeface="Arial" panose="020B0604020202020204" pitchFamily="34" charset="0"/>
-              </a:rPr>
-              <a:t> </a:t>
-            </a:r>
-            <a:r>
-              <a:rPr lang="en-US" sz="2400" dirty="0" err="1">
+              <a:rPr lang="en-US" sz="2200" dirty="0">
+                <a:latin typeface="Arial" panose="020B0604020202020204" pitchFamily="34" charset="0"/>
+                <a:cs typeface="Arial" panose="020B0604020202020204" pitchFamily="34" charset="0"/>
+              </a:rPr>
+              <a:t> </a:t>
+            </a:r>
+            <a:r>
+              <a:rPr lang="en-US" sz="2200" dirty="0" err="1">
                 <a:latin typeface="Arial" panose="020B0604020202020204" pitchFamily="34" charset="0"/>
                 <a:cs typeface="Arial" panose="020B0604020202020204" pitchFamily="34" charset="0"/>
               </a:rPr>
               <a:t>tiếp</a:t>
             </a:r>
             <a:r>
-              <a:rPr lang="en-US" sz="2400" dirty="0">
-                <a:latin typeface="Arial" panose="020B0604020202020204" pitchFamily="34" charset="0"/>
-                <a:cs typeface="Arial" panose="020B0604020202020204" pitchFamily="34" charset="0"/>
-              </a:rPr>
-              <a:t> </a:t>
-            </a:r>
-            <a:r>
-              <a:rPr lang="en-US" sz="2400" dirty="0" err="1">
+              <a:rPr lang="en-US" sz="2200" dirty="0">
+                <a:latin typeface="Arial" panose="020B0604020202020204" pitchFamily="34" charset="0"/>
+                <a:cs typeface="Arial" panose="020B0604020202020204" pitchFamily="34" charset="0"/>
+              </a:rPr>
+              <a:t> </a:t>
+            </a:r>
+            <a:r>
+              <a:rPr lang="en-US" sz="2200" dirty="0" err="1">
                 <a:latin typeface="Arial" panose="020B0604020202020204" pitchFamily="34" charset="0"/>
                 <a:cs typeface="Arial" panose="020B0604020202020204" pitchFamily="34" charset="0"/>
               </a:rPr>
               <a:t>để</a:t>
             </a:r>
             <a:r>
-              <a:rPr lang="en-US" sz="2400" dirty="0">
-                <a:latin typeface="Arial" panose="020B0604020202020204" pitchFamily="34" charset="0"/>
-                <a:cs typeface="Arial" panose="020B0604020202020204" pitchFamily="34" charset="0"/>
-              </a:rPr>
-              <a:t> </a:t>
-            </a:r>
-            <a:r>
-              <a:rPr lang="en-US" sz="2400" dirty="0" err="1" smtClean="0">
+              <a:rPr lang="en-US" sz="2200" dirty="0">
+                <a:latin typeface="Arial" panose="020B0604020202020204" pitchFamily="34" charset="0"/>
+                <a:cs typeface="Arial" panose="020B0604020202020204" pitchFamily="34" charset="0"/>
+              </a:rPr>
+              <a:t> </a:t>
+            </a:r>
+            <a:r>
+              <a:rPr lang="en-US" sz="2200" dirty="0" err="1">
                 <a:latin typeface="Arial" panose="020B0604020202020204" pitchFamily="34" charset="0"/>
                 <a:cs typeface="Arial" panose="020B0604020202020204" pitchFamily="34" charset="0"/>
               </a:rPr>
               <a:t>xử</a:t>
             </a:r>
             <a:r>
-              <a:rPr lang="en-US" sz="2400" dirty="0" smtClean="0">
-                <a:latin typeface="Arial" panose="020B0604020202020204" pitchFamily="34" charset="0"/>
-                <a:cs typeface="Arial" panose="020B0604020202020204" pitchFamily="34" charset="0"/>
-              </a:rPr>
-              <a:t> </a:t>
-            </a:r>
-            <a:r>
-              <a:rPr lang="en-US" sz="2400" dirty="0" err="1">
+              <a:rPr lang="en-US" sz="2200" dirty="0">
+                <a:latin typeface="Arial" panose="020B0604020202020204" pitchFamily="34" charset="0"/>
+                <a:cs typeface="Arial" panose="020B0604020202020204" pitchFamily="34" charset="0"/>
+              </a:rPr>
+              <a:t> </a:t>
+            </a:r>
+            <a:r>
+              <a:rPr lang="en-US" sz="2200" dirty="0" err="1">
                 <a:latin typeface="Arial" panose="020B0604020202020204" pitchFamily="34" charset="0"/>
                 <a:cs typeface="Arial" panose="020B0604020202020204" pitchFamily="34" charset="0"/>
               </a:rPr>
               <a:t>lí</a:t>
             </a:r>
-            <a:endParaRPr lang="en-US" sz="2400" dirty="0">
+            <a:endParaRPr lang="en-US" sz="2200" dirty="0">
               <a:latin typeface="Arial" panose="020B0604020202020204" pitchFamily="34" charset="0"/>
               <a:cs typeface="Arial" panose="020B0604020202020204" pitchFamily="34" charset="0"/>
             </a:endParaRPr>
@@ -7718,32 +10223,26 @@
               <a:buChar char="ü"/>
             </a:pPr>
             <a:r>
-              <a:rPr lang="en-US" sz="2400" dirty="0" err="1" smtClean="0">
+              <a:rPr lang="en-US" sz="2200" dirty="0" err="1">
                 <a:latin typeface="Arial" panose="020B0604020202020204" pitchFamily="34" charset="0"/>
                 <a:cs typeface="Arial" panose="020B0604020202020204" pitchFamily="34" charset="0"/>
               </a:rPr>
               <a:t>Dùng</a:t>
             </a:r>
             <a:r>
-              <a:rPr lang="en-US" sz="2400" dirty="0" smtClean="0">
-                <a:latin typeface="Arial" panose="020B0604020202020204" pitchFamily="34" charset="0"/>
-                <a:cs typeface="Arial" panose="020B0604020202020204" pitchFamily="34" charset="0"/>
-              </a:rPr>
-              <a:t> </a:t>
-            </a:r>
-            <a:r>
-              <a:rPr lang="vi-VN" sz="2400" dirty="0" smtClean="0">
-                <a:cs typeface="Arial" panose="020B0604020202020204" pitchFamily="34" charset="0"/>
-              </a:rPr>
-              <a:t>các </a:t>
-            </a:r>
-            <a:r>
-              <a:rPr lang="vi-VN" sz="2400" dirty="0">
-                <a:cs typeface="Arial" panose="020B0604020202020204" pitchFamily="34" charset="0"/>
-              </a:rPr>
-              <a:t>phương pháp xác định formant liên quan đến việc tìm kiếm các đỉnh trong các biểu diễn phổ, thường là từ kết quả phân tích phổ theo phương pháp STFT</a:t>
-            </a:r>
-            <a:endParaRPr lang="en-US" sz="2400" dirty="0">
+              <a:rPr lang="en-US" sz="2200" dirty="0">
+                <a:latin typeface="Arial" panose="020B0604020202020204" pitchFamily="34" charset="0"/>
+                <a:cs typeface="Arial" panose="020B0604020202020204" pitchFamily="34" charset="0"/>
+              </a:rPr>
+              <a:t> </a:t>
+            </a:r>
+            <a:r>
+              <a:rPr lang="vi-VN" sz="2200" dirty="0">
+                <a:cs typeface="Arial" panose="020B0604020202020204" pitchFamily="34" charset="0"/>
+              </a:rPr>
+              <a:t>các phương pháp xác định formant liên quan đến việc tìm kiếm các đỉnh trong các biểu diễn phổ, thường là từ kết quả phân tích phổ theo phương pháp STFT</a:t>
+            </a:r>
+            <a:endParaRPr lang="en-US" sz="2200" dirty="0">
               <a:latin typeface="Arial" panose="020B0604020202020204" pitchFamily="34" charset="0"/>
               <a:cs typeface="Arial" panose="020B0604020202020204" pitchFamily="34" charset="0"/>
             </a:endParaRPr>
@@ -7964,29 +10463,25 @@
           <a:lstStyle/>
           <a:p>
             <a:r>
-              <a:rPr lang="en-US" dirty="0" smtClean="0">
+              <a:rPr lang="en-US" dirty="0">
                 <a:latin typeface="Arial" panose="020B0604020202020204" pitchFamily="34" charset="0"/>
                 <a:cs typeface="Arial" panose="020B0604020202020204" pitchFamily="34" charset="0"/>
               </a:rPr>
               <a:t>II. LÝ THUYẾT VỀ CÁC ĐẶC TRƯNG </a:t>
             </a:r>
             <a:br>
-              <a:rPr lang="en-US" dirty="0" smtClean="0">
+              <a:rPr lang="en-US" dirty="0">
                 <a:latin typeface="Arial" panose="020B0604020202020204" pitchFamily="34" charset="0"/>
                 <a:cs typeface="Arial" panose="020B0604020202020204" pitchFamily="34" charset="0"/>
               </a:rPr>
             </a:br>
             <a:r>
-              <a:rPr lang="en-US" dirty="0" smtClean="0">
+              <a:rPr lang="en-US" dirty="0">
                 <a:latin typeface="Arial" panose="020B0604020202020204" pitchFamily="34" charset="0"/>
                 <a:cs typeface="Arial" panose="020B0604020202020204" pitchFamily="34" charset="0"/>
               </a:rPr>
               <a:t>CỦA TẦN SỐ:</a:t>
             </a:r>
-            <a:endParaRPr lang="en-US" dirty="0">
-              <a:latin typeface="Arial" panose="020B0604020202020204" pitchFamily="34" charset="0"/>
-              <a:cs typeface="Arial" panose="020B0604020202020204" pitchFamily="34" charset="0"/>
-            </a:endParaRPr>
           </a:p>
         </p:txBody>
       </p:sp>
@@ -8038,17 +10533,10 @@
                 <a:latin typeface="Arial" panose="020B0604020202020204" pitchFamily="34" charset="0"/>
                 <a:cs typeface="Arial" panose="020B0604020202020204" pitchFamily="34" charset="0"/>
               </a:rPr>
-              <a:t>time Fourier </a:t>
-            </a:r>
-            <a:r>
-              <a:rPr lang="vi-VN" sz="2600" b="1" dirty="0" smtClean="0">
-                <a:latin typeface="Arial" panose="020B0604020202020204" pitchFamily="34" charset="0"/>
-                <a:cs typeface="Arial" panose="020B0604020202020204" pitchFamily="34" charset="0"/>
-              </a:rPr>
-              <a:t>Transform</a:t>
-            </a:r>
-            <a:r>
-              <a:rPr lang="en-US" sz="2600" b="1" dirty="0" smtClean="0">
+              <a:t>time Fourier Transform</a:t>
+            </a:r>
+            <a:r>
+              <a:rPr lang="en-US" sz="2600" b="1" dirty="0">
                 <a:latin typeface="Arial" panose="020B0604020202020204" pitchFamily="34" charset="0"/>
                 <a:cs typeface="Arial" panose="020B0604020202020204" pitchFamily="34" charset="0"/>
               </a:rPr>
@@ -9305,14 +11793,14 @@
           </a:p>
           <a:p>
             <a:r>
-              <a:rPr lang="en-US" sz="2600" b="1" dirty="0" smtClean="0">
+              <a:rPr lang="en-US" sz="2600" b="1" dirty="0">
                 <a:latin typeface="Arial" panose="020B0604020202020204" pitchFamily="34" charset="0"/>
                 <a:cs typeface="Arial" panose="020B0604020202020204" pitchFamily="34" charset="0"/>
               </a:rPr>
               <a:t>B.</a:t>
             </a:r>
             <a:r>
-              <a:rPr lang="en-US" sz="2600" b="1" dirty="0" smtClean="0"/>
+              <a:rPr lang="en-US" sz="2600" b="1" dirty="0"/>
               <a:t> </a:t>
             </a:r>
             <a:r>
@@ -9320,19 +11808,8 @@
                 <a:latin typeface="Arial" panose="020B0604020202020204" pitchFamily="34" charset="0"/>
                 <a:cs typeface="Arial" panose="020B0604020202020204" pitchFamily="34" charset="0"/>
               </a:rPr>
-              <a:t>Spectrogram </a:t>
-            </a:r>
-            <a:r>
-              <a:rPr lang="en-US" sz="2600" b="1" dirty="0" smtClean="0">
-                <a:latin typeface="Arial" panose="020B0604020202020204" pitchFamily="34" charset="0"/>
-                <a:cs typeface="Arial" panose="020B0604020202020204" pitchFamily="34" charset="0"/>
-              </a:rPr>
-              <a:t>:</a:t>
-            </a:r>
-            <a:endParaRPr lang="en-US" sz="2600" b="1" dirty="0">
-              <a:latin typeface="Arial" panose="020B0604020202020204" pitchFamily="34" charset="0"/>
-              <a:cs typeface="Arial" panose="020B0604020202020204" pitchFamily="34" charset="0"/>
-            </a:endParaRPr>
+              <a:t>Spectrogram :</a:t>
+            </a:r>
           </a:p>
           <a:p>
             <a:pPr lvl="1" algn="just">
@@ -9361,14 +11838,14 @@
               <a:t> </a:t>
             </a:r>
             <a:r>
-              <a:rPr lang="en-US" sz="2400" dirty="0" err="1" smtClean="0">
+              <a:rPr lang="en-US" sz="2400" dirty="0" err="1">
                 <a:latin typeface="Arial" panose="020B0604020202020204" pitchFamily="34" charset="0"/>
                 <a:cs typeface="Arial" panose="020B0604020202020204" pitchFamily="34" charset="0"/>
               </a:rPr>
               <a:t>công</a:t>
             </a:r>
             <a:r>
-              <a:rPr lang="en-US" sz="2400" dirty="0" smtClean="0">
+              <a:rPr lang="en-US" sz="2400" dirty="0">
                 <a:latin typeface="Arial" panose="020B0604020202020204" pitchFamily="34" charset="0"/>
                 <a:cs typeface="Arial" panose="020B0604020202020204" pitchFamily="34" charset="0"/>
               </a:rPr>
@@ -9403,28 +11880,28 @@
               <a:t> </a:t>
             </a:r>
             <a:r>
-              <a:rPr lang="en-US" sz="2400" dirty="0" err="1" smtClean="0">
+              <a:rPr lang="en-US" sz="2400" dirty="0" err="1">
                 <a:latin typeface="Arial" panose="020B0604020202020204" pitchFamily="34" charset="0"/>
                 <a:cs typeface="Arial" panose="020B0604020202020204" pitchFamily="34" charset="0"/>
               </a:rPr>
               <a:t>bản</a:t>
             </a:r>
             <a:r>
-              <a:rPr lang="en-US" sz="2400" dirty="0" smtClean="0">
-                <a:latin typeface="Arial" panose="020B0604020202020204" pitchFamily="34" charset="0"/>
-                <a:cs typeface="Arial" panose="020B0604020202020204" pitchFamily="34" charset="0"/>
-              </a:rPr>
-              <a:t> </a:t>
-            </a:r>
-            <a:r>
-              <a:rPr lang="en-US" sz="2400" dirty="0" err="1" smtClean="0">
+              <a:rPr lang="en-US" sz="2400" dirty="0">
+                <a:latin typeface="Arial" panose="020B0604020202020204" pitchFamily="34" charset="0"/>
+                <a:cs typeface="Arial" panose="020B0604020202020204" pitchFamily="34" charset="0"/>
+              </a:rPr>
+              <a:t> </a:t>
+            </a:r>
+            <a:r>
+              <a:rPr lang="en-US" sz="2400" dirty="0" err="1">
                 <a:latin typeface="Arial" panose="020B0604020202020204" pitchFamily="34" charset="0"/>
                 <a:cs typeface="Arial" panose="020B0604020202020204" pitchFamily="34" charset="0"/>
               </a:rPr>
               <a:t>phân</a:t>
             </a:r>
             <a:r>
-              <a:rPr lang="en-US" sz="2400" dirty="0" smtClean="0">
+              <a:rPr lang="en-US" sz="2400" dirty="0">
                 <a:latin typeface="Arial" panose="020B0604020202020204" pitchFamily="34" charset="0"/>
                 <a:cs typeface="Arial" panose="020B0604020202020204" pitchFamily="34" charset="0"/>
               </a:rPr>
@@ -9501,13 +11978,13 @@
               <a:t> </a:t>
             </a:r>
             <a:r>
-              <a:rPr lang="en-US" sz="2400" dirty="0" err="1" smtClean="0">
+              <a:rPr lang="en-US" sz="2400" dirty="0" err="1">
                 <a:latin typeface="Arial" panose="020B0604020202020204" pitchFamily="34" charset="0"/>
                 <a:cs typeface="Arial" panose="020B0604020202020204" pitchFamily="34" charset="0"/>
               </a:rPr>
               <a:t>nói</a:t>
             </a:r>
-            <a:endParaRPr lang="en-US" sz="2400" dirty="0" smtClean="0">
+            <a:endParaRPr lang="en-US" sz="2400" dirty="0">
               <a:latin typeface="Arial" panose="020B0604020202020204" pitchFamily="34" charset="0"/>
               <a:cs typeface="Arial" panose="020B0604020202020204" pitchFamily="34" charset="0"/>
             </a:endParaRPr>
@@ -9518,28 +11995,28 @@
               <a:buChar char="ü"/>
             </a:pPr>
             <a:r>
-              <a:rPr lang="en-US" sz="2400" dirty="0" err="1" smtClean="0">
+              <a:rPr lang="en-US" sz="2400" dirty="0" err="1">
                 <a:latin typeface="Arial" panose="020B0604020202020204" pitchFamily="34" charset="0"/>
                 <a:cs typeface="Arial" panose="020B0604020202020204" pitchFamily="34" charset="0"/>
               </a:rPr>
               <a:t>Chuyển</a:t>
             </a:r>
             <a:r>
-              <a:rPr lang="en-US" sz="2400" dirty="0" smtClean="0">
-                <a:latin typeface="Arial" panose="020B0604020202020204" pitchFamily="34" charset="0"/>
-                <a:cs typeface="Arial" panose="020B0604020202020204" pitchFamily="34" charset="0"/>
-              </a:rPr>
-              <a:t> </a:t>
-            </a:r>
-            <a:r>
-              <a:rPr lang="en-US" sz="2400" dirty="0" err="1" smtClean="0">
+              <a:rPr lang="en-US" sz="2400" dirty="0">
+                <a:latin typeface="Arial" panose="020B0604020202020204" pitchFamily="34" charset="0"/>
+                <a:cs typeface="Arial" panose="020B0604020202020204" pitchFamily="34" charset="0"/>
+              </a:rPr>
+              <a:t> </a:t>
+            </a:r>
+            <a:r>
+              <a:rPr lang="en-US" sz="2400" dirty="0" err="1">
                 <a:latin typeface="Arial" panose="020B0604020202020204" pitchFamily="34" charset="0"/>
                 <a:cs typeface="Arial" panose="020B0604020202020204" pitchFamily="34" charset="0"/>
               </a:rPr>
               <a:t>đổi</a:t>
             </a:r>
             <a:r>
-              <a:rPr lang="en-US" sz="2400" dirty="0" smtClean="0">
+              <a:rPr lang="en-US" sz="2400" dirty="0">
                 <a:latin typeface="Arial" panose="020B0604020202020204" pitchFamily="34" charset="0"/>
                 <a:cs typeface="Arial" panose="020B0604020202020204" pitchFamily="34" charset="0"/>
               </a:rPr>
@@ -9811,10 +12288,6 @@
               </a:rPr>
               <a:t>). </a:t>
             </a:r>
-            <a:endParaRPr lang="en-US" sz="2400" dirty="0" smtClean="0">
-              <a:latin typeface="Arial" panose="020B0604020202020204" pitchFamily="34" charset="0"/>
-              <a:cs typeface="Arial" panose="020B0604020202020204" pitchFamily="34" charset="0"/>
-            </a:endParaRPr>
           </a:p>
           <a:p>
             <a:pPr lvl="1" algn="just">
@@ -9917,13 +12390,6 @@
   <p:clrMapOvr>
     <a:masterClrMapping/>
   </p:clrMapOvr>
-  <p:timing>
-    <p:tnLst>
-      <p:par>
-        <p:cTn id="1" dur="indefinite" restart="never" nodeType="tmRoot"/>
-      </p:par>
-    </p:tnLst>
-  </p:timing>
 </p:sld>
 </file>
 
@@ -9952,10 +12418,10 @@
         </p:nvGrpSpPr>
         <p:grpSpPr>
           <a:xfrm>
-            <a:off x="1345767" y="1045029"/>
-            <a:ext cx="6452464" cy="5643154"/>
+            <a:off x="1345768" y="1168756"/>
+            <a:ext cx="6714073" cy="5643154"/>
             <a:chOff x="0" y="-2"/>
-            <a:chExt cx="5276217" cy="4661128"/>
+            <a:chExt cx="5490136" cy="4661128"/>
           </a:xfrm>
         </p:grpSpPr>
         <p:grpSp>
@@ -9967,9 +12433,9 @@
           <p:grpSpPr>
             <a:xfrm>
               <a:off x="0" y="-2"/>
-              <a:ext cx="5276217" cy="3023357"/>
+              <a:ext cx="5490136" cy="3023357"/>
               <a:chOff x="0" y="491334"/>
-              <a:chExt cx="5276607" cy="3023458"/>
+              <a:chExt cx="5490542" cy="3023458"/>
             </a:xfrm>
           </p:grpSpPr>
           <p:grpSp>
@@ -9981,9 +12447,9 @@
             <p:grpSpPr>
               <a:xfrm>
                 <a:off x="0" y="491334"/>
-                <a:ext cx="5276607" cy="3023458"/>
+                <a:ext cx="5490542" cy="3023458"/>
                 <a:chOff x="0" y="491334"/>
-                <a:chExt cx="5276607" cy="3023458"/>
+                <a:chExt cx="5490542" cy="3023458"/>
               </a:xfrm>
             </p:grpSpPr>
             <p:grpSp>
@@ -9995,9 +12461,9 @@
               <p:grpSpPr>
                 <a:xfrm>
                   <a:off x="0" y="491334"/>
-                  <a:ext cx="5276607" cy="3023458"/>
+                  <a:ext cx="5490542" cy="3023458"/>
                   <a:chOff x="0" y="491334"/>
-                  <a:chExt cx="5276607" cy="3023458"/>
+                  <a:chExt cx="5490542" cy="3023458"/>
                 </a:xfrm>
               </p:grpSpPr>
               <p:grpSp>
@@ -10009,9 +12475,9 @@
                 <p:grpSpPr>
                   <a:xfrm>
                     <a:off x="0" y="491334"/>
-                    <a:ext cx="5276607" cy="3023458"/>
+                    <a:ext cx="5490542" cy="3023458"/>
                     <a:chOff x="142861" y="395820"/>
-                    <a:chExt cx="5276779" cy="3023643"/>
+                    <a:chExt cx="5490721" cy="3023643"/>
                   </a:xfrm>
                 </p:grpSpPr>
                 <p:sp>
@@ -10024,8 +12490,8 @@
                   </p:nvSpPr>
                   <p:spPr bwMode="auto">
                     <a:xfrm>
-                      <a:off x="3769711" y="3133709"/>
-                      <a:ext cx="1649929" cy="276225"/>
+                      <a:off x="3560808" y="3133709"/>
+                      <a:ext cx="2072774" cy="276225"/>
                     </a:xfrm>
                     <a:prstGeom prst="rect">
                       <a:avLst/>
@@ -10054,13 +12520,26 @@
                         </a:spcAft>
                       </a:pPr>
                       <a:r>
-                        <a:rPr lang="vi-VN" sz="1000">
+                        <a:rPr lang="vi-VN" sz="2000">
                           <a:effectLst/>
                           <a:latin typeface="Times New Roman" panose="02020603050405020304" pitchFamily="18" charset="0"/>
                           <a:ea typeface="Times New Roman" panose="02020603050405020304" pitchFamily="18" charset="0"/>
                         </a:rPr>
-                        <a:t>Màu sắc (Biên độ phổ)</a:t>
+                        <a:t>Màu sắc (Biên độ phổ</a:t>
                       </a:r>
+                      <a:r>
+                        <a:rPr lang="en-US" sz="2000">
+                          <a:effectLst/>
+                          <a:latin typeface="Times New Roman" panose="02020603050405020304" pitchFamily="18" charset="0"/>
+                          <a:ea typeface="Times New Roman" panose="02020603050405020304" pitchFamily="18" charset="0"/>
+                        </a:rPr>
+                        <a:t>)</a:t>
+                      </a:r>
+                      <a:endParaRPr lang="vi-VN" sz="1000">
+                        <a:effectLst/>
+                        <a:latin typeface="Times New Roman" panose="02020603050405020304" pitchFamily="18" charset="0"/>
+                        <a:ea typeface="Times New Roman" panose="02020603050405020304" pitchFamily="18" charset="0"/>
+                      </a:endParaRPr>
                     </a:p>
                   </p:txBody>
                 </p:sp>
@@ -10073,9 +12552,9 @@
                   <p:grpSpPr>
                     <a:xfrm>
                       <a:off x="142861" y="395820"/>
-                      <a:ext cx="3916649" cy="3023643"/>
+                      <a:ext cx="3984139" cy="3023643"/>
                       <a:chOff x="142861" y="395820"/>
-                      <a:chExt cx="3916649" cy="3023643"/>
+                      <a:chExt cx="3984139" cy="3023643"/>
                     </a:xfrm>
                   </p:grpSpPr>
                   <p:sp>
@@ -10118,7 +12597,7 @@
                           </a:spcAft>
                         </a:pPr>
                         <a:r>
-                          <a:rPr lang="vi-VN" sz="1000">
+                          <a:rPr lang="vi-VN" sz="2000">
                             <a:effectLst/>
                             <a:latin typeface="Times New Roman" panose="02020603050405020304" pitchFamily="18" charset="0"/>
                             <a:ea typeface="Times New Roman" panose="02020603050405020304" pitchFamily="18" charset="0"/>
@@ -10137,9 +12616,9 @@
                     <p:grpSpPr>
                       <a:xfrm>
                         <a:off x="142861" y="395820"/>
-                        <a:ext cx="3916649" cy="3023643"/>
+                        <a:ext cx="3984139" cy="3023643"/>
                         <a:chOff x="142861" y="395820"/>
-                        <a:chExt cx="3916649" cy="3023643"/>
+                        <a:chExt cx="3984139" cy="3023643"/>
                       </a:xfrm>
                     </p:grpSpPr>
                     <p:cxnSp>
@@ -10185,9 +12664,9 @@
                       <p:grpSpPr>
                         <a:xfrm>
                           <a:off x="142861" y="395820"/>
-                          <a:ext cx="3916649" cy="3023643"/>
+                          <a:ext cx="3984139" cy="3023643"/>
                           <a:chOff x="142861" y="395820"/>
-                          <a:chExt cx="3916649" cy="3023643"/>
+                          <a:chExt cx="3984139" cy="3023643"/>
                         </a:xfrm>
                       </p:grpSpPr>
                       <p:cxnSp>
@@ -10233,9 +12712,9 @@
                         <p:grpSpPr>
                           <a:xfrm>
                             <a:off x="142861" y="395820"/>
-                            <a:ext cx="3916649" cy="3023643"/>
+                            <a:ext cx="3984139" cy="3023643"/>
                             <a:chOff x="142861" y="395820"/>
-                            <a:chExt cx="3916649" cy="3023643"/>
+                            <a:chExt cx="3984139" cy="3023643"/>
                           </a:xfrm>
                         </p:grpSpPr>
                         <p:grpSp>
@@ -10247,9 +12726,9 @@
                           <p:grpSpPr>
                             <a:xfrm>
                               <a:off x="142861" y="395820"/>
-                              <a:ext cx="3916649" cy="3023643"/>
+                              <a:ext cx="3984139" cy="3023643"/>
                               <a:chOff x="142861" y="395820"/>
-                              <a:chExt cx="3916649" cy="3023643"/>
+                              <a:chExt cx="3984139" cy="3023643"/>
                             </a:xfrm>
                           </p:grpSpPr>
                           <p:grpSp>
@@ -10262,10 +12741,10 @@
                             </p:nvGrpSpPr>
                             <p:grpSpPr bwMode="auto">
                               <a:xfrm>
-                                <a:off x="1504171" y="395820"/>
-                                <a:ext cx="2555339" cy="2112684"/>
-                                <a:chOff x="5745" y="5299"/>
-                                <a:chExt cx="2764" cy="2167"/>
+                                <a:off x="1074276" y="395820"/>
+                                <a:ext cx="3052724" cy="2112684"/>
+                                <a:chOff x="5280" y="5299"/>
+                                <a:chExt cx="3302" cy="2167"/>
                               </a:xfrm>
                             </p:grpSpPr>
                             <p:grpSp>
@@ -10324,17 +12803,19 @@
                                       </a:spcAft>
                                     </a:pPr>
                                     <a:r>
-                                      <a:rPr lang="en-US" sz="1000">
+                                      <a:rPr lang="en-US" sz="2000">
                                         <a:effectLst/>
-                                        <a:latin typeface="Times New Roman" panose="02020603050405020304" pitchFamily="18" charset="0"/>
+                                        <a:latin typeface="Arial" panose="020B0604020202020204" pitchFamily="34" charset="0"/>
                                         <a:ea typeface="Times New Roman" panose="02020603050405020304" pitchFamily="18" charset="0"/>
+                                        <a:cs typeface="Arial" panose="020B0604020202020204" pitchFamily="34" charset="0"/>
                                       </a:rPr>
                                       <a:t>Phân khung tín hiệu</a:t>
                                     </a:r>
-                                    <a:endParaRPr lang="vi-VN" sz="1000">
+                                    <a:endParaRPr lang="vi-VN" sz="2000">
                                       <a:effectLst/>
-                                      <a:latin typeface="Times New Roman" panose="02020603050405020304" pitchFamily="18" charset="0"/>
+                                      <a:latin typeface="Arial" panose="020B0604020202020204" pitchFamily="34" charset="0"/>
                                       <a:ea typeface="Times New Roman" panose="02020603050405020304" pitchFamily="18" charset="0"/>
+                                      <a:cs typeface="Arial" panose="020B0604020202020204" pitchFamily="34" charset="0"/>
                                     </a:endParaRPr>
                                   </a:p>
                                 </p:txBody>
@@ -10425,17 +12906,19 @@
                                       </a:spcAft>
                                     </a:pPr>
                                     <a:r>
-                                      <a:rPr lang="en-US" sz="1000">
+                                      <a:rPr lang="en-US" sz="1600">
                                         <a:effectLst/>
-                                        <a:latin typeface="Times New Roman" panose="02020603050405020304" pitchFamily="18" charset="0"/>
+                                        <a:latin typeface="Arial" panose="020B0604020202020204" pitchFamily="34" charset="0"/>
                                         <a:ea typeface="Times New Roman" panose="02020603050405020304" pitchFamily="18" charset="0"/>
+                                        <a:cs typeface="Arial" panose="020B0604020202020204" pitchFamily="34" charset="0"/>
                                       </a:rPr>
                                       <a:t>Tín hiệu vào x(n)</a:t>
                                     </a:r>
-                                    <a:endParaRPr lang="vi-VN" sz="1000">
+                                    <a:endParaRPr lang="vi-VN" sz="1600">
                                       <a:effectLst/>
-                                      <a:latin typeface="Times New Roman" panose="02020603050405020304" pitchFamily="18" charset="0"/>
+                                      <a:latin typeface="Arial" panose="020B0604020202020204" pitchFamily="34" charset="0"/>
                                       <a:ea typeface="Times New Roman" panose="02020603050405020304" pitchFamily="18" charset="0"/>
+                                      <a:cs typeface="Arial" panose="020B0604020202020204" pitchFamily="34" charset="0"/>
                                     </a:endParaRPr>
                                   </a:p>
                                 </p:txBody>
@@ -10451,10 +12934,10 @@
                               </p:nvGrpSpPr>
                               <p:grpSpPr bwMode="auto">
                                 <a:xfrm>
-                                  <a:off x="5822" y="6507"/>
-                                  <a:ext cx="2254" cy="959"/>
-                                  <a:chOff x="5822" y="6507"/>
-                                  <a:chExt cx="2254" cy="959"/>
+                                  <a:off x="5280" y="6494"/>
+                                  <a:ext cx="3302" cy="972"/>
+                                  <a:chOff x="5280" y="6494"/>
+                                  <a:chExt cx="3302" cy="972"/>
                                 </a:xfrm>
                               </p:grpSpPr>
                               <p:sp>
@@ -10467,8 +12950,8 @@
                                 </p:nvSpPr>
                                 <p:spPr bwMode="auto">
                                   <a:xfrm>
-                                    <a:off x="5822" y="6507"/>
-                                    <a:ext cx="2254" cy="330"/>
+                                    <a:off x="5280" y="6494"/>
+                                    <a:ext cx="3302" cy="330"/>
                                   </a:xfrm>
                                   <a:prstGeom prst="rect">
                                     <a:avLst/>
@@ -10497,9 +12980,8 @@
                                       </a:spcAft>
                                     </a:pPr>
                                     <a:r>
-                                      <a:rPr lang="vi-VN" sz="1000">
+                                      <a:rPr lang="vi-VN" sz="2000">
                                         <a:effectLst/>
-                                        <a:latin typeface="Times New Roman" panose="02020603050405020304" pitchFamily="18" charset="0"/>
                                         <a:ea typeface="Times New Roman" panose="02020603050405020304" pitchFamily="18" charset="0"/>
                                       </a:rPr>
                                       <a:t>Lấy DTFT trên từng khung</a:t>
@@ -10562,10 +13044,11 @@
                                       </a:spcAft>
                                     </a:pPr>
                                     <a:r>
-                                      <a:rPr lang="vi-VN" sz="1000">
+                                      <a:rPr lang="vi-VN" sz="2000">
                                         <a:effectLst/>
-                                        <a:latin typeface="Times New Roman" panose="02020603050405020304" pitchFamily="18" charset="0"/>
+                                        <a:latin typeface="Arial" panose="020B0604020202020204" pitchFamily="34" charset="0"/>
                                         <a:ea typeface="Times New Roman" panose="02020603050405020304" pitchFamily="18" charset="0"/>
+                                        <a:cs typeface="Arial" panose="020B0604020202020204" pitchFamily="34" charset="0"/>
                                       </a:rPr>
                                       <a:t>STFT của x(n) </a:t>
                                     </a:r>
@@ -10614,7 +13097,7 @@
                                   </a:spcAft>
                                 </a:pPr>
                                 <a:r>
-                                  <a:rPr lang="vi-VN" sz="1000">
+                                  <a:rPr lang="vi-VN" sz="2000">
                                     <a:effectLst/>
                                     <a:latin typeface="Times New Roman" panose="02020603050405020304" pitchFamily="18" charset="0"/>
                                     <a:ea typeface="Times New Roman" panose="02020603050405020304" pitchFamily="18" charset="0"/>
@@ -10939,7 +13422,7 @@
                   </a:spcAft>
                 </a:pPr>
                 <a:r>
-                  <a:rPr lang="vi-VN" sz="1000">
+                  <a:rPr lang="vi-VN" sz="2000">
                     <a:solidFill>
                       <a:srgbClr val="000000"/>
                     </a:solidFill>
@@ -10949,7 +13432,7 @@
                   </a:rPr>
                   <a:t>Ảnh phổ ba chiều</a:t>
                 </a:r>
-                <a:endParaRPr lang="vi-VN" sz="1000">
+                <a:endParaRPr lang="vi-VN" sz="2000">
                   <a:effectLst/>
                   <a:latin typeface="Times New Roman" panose="02020603050405020304" pitchFamily="18" charset="0"/>
                   <a:ea typeface="Times New Roman" panose="02020603050405020304" pitchFamily="18" charset="0"/>
@@ -11060,16 +13543,12 @@
           </a:lstStyle>
           <a:p>
             <a:r>
-              <a:rPr lang="en-US" dirty="0" smtClean="0">
+              <a:rPr lang="en-US" dirty="0">
                 <a:latin typeface="Arial" panose="020B0604020202020204" pitchFamily="34" charset="0"/>
                 <a:cs typeface="Arial" panose="020B0604020202020204" pitchFamily="34" charset="0"/>
               </a:rPr>
               <a:t>III. SƠ ĐỒ KHỐI CHƯƠNG TRÌNH</a:t>
             </a:r>
-            <a:endParaRPr lang="en-US" dirty="0">
-              <a:latin typeface="Arial" panose="020B0604020202020204" pitchFamily="34" charset="0"/>
-              <a:cs typeface="Arial" panose="020B0604020202020204" pitchFamily="34" charset="0"/>
-            </a:endParaRPr>
           </a:p>
         </p:txBody>
       </p:sp>
@@ -11118,13 +13597,6 @@
   <p:clrMapOvr>
     <a:masterClrMapping/>
   </p:clrMapOvr>
-  <p:timing>
-    <p:tnLst>
-      <p:par>
-        <p:cTn id="1" dur="indefinite" restart="never" nodeType="tmRoot"/>
-      </p:par>
-    </p:tnLst>
-  </p:timing>
 </p:sld>
 </file>
 
@@ -11172,16 +13644,12 @@
           <a:lstStyle/>
           <a:p>
             <a:r>
-              <a:rPr lang="en-US" dirty="0" smtClean="0">
+              <a:rPr lang="en-US" dirty="0">
                 <a:latin typeface="Arial" panose="020B0604020202020204" pitchFamily="34" charset="0"/>
                 <a:cs typeface="Arial" panose="020B0604020202020204" pitchFamily="34" charset="0"/>
               </a:rPr>
               <a:t>IV. KẾT QUẢ THỰC NGHIỆM</a:t>
             </a:r>
-            <a:endParaRPr lang="en-US" dirty="0">
-              <a:latin typeface="Arial" panose="020B0604020202020204" pitchFamily="34" charset="0"/>
-              <a:cs typeface="Arial" panose="020B0604020202020204" pitchFamily="34" charset="0"/>
-            </a:endParaRPr>
           </a:p>
         </p:txBody>
       </p:sp>
@@ -11207,7 +13675,7 @@
         <p:spPr bwMode="auto">
           <a:xfrm>
             <a:off x="656748" y="1209537"/>
-            <a:ext cx="7647623" cy="4747126"/>
+            <a:ext cx="7647623" cy="4378463"/>
           </a:xfrm>
           <a:prstGeom prst="rect">
             <a:avLst/>
@@ -11218,6 +13686,45 @@
           </a:ln>
         </p:spPr>
       </p:pic>
+      <p:sp>
+        <p:nvSpPr>
+          <p:cNvPr id="5" name="Hộp Văn bản 4">
+            <a:extLst>
+              <a:ext uri="{FF2B5EF4-FFF2-40B4-BE49-F238E27FC236}">
+                <a16:creationId xmlns:a16="http://schemas.microsoft.com/office/drawing/2014/main" id="{26170F96-90B4-409A-96CC-94E5AB3A77CF}"/>
+              </a:ext>
+            </a:extLst>
+          </p:cNvPr>
+          <p:cNvSpPr txBox="1"/>
+          <p:nvPr/>
+        </p:nvSpPr>
+        <p:spPr>
+          <a:xfrm>
+            <a:off x="1282700" y="5791200"/>
+            <a:ext cx="6819900" cy="369332"/>
+          </a:xfrm>
+          <a:prstGeom prst="rect">
+            <a:avLst/>
+          </a:prstGeom>
+          <a:noFill/>
+        </p:spPr>
+        <p:txBody>
+          <a:bodyPr wrap="square" rtlCol="0">
+            <a:spAutoFit/>
+          </a:bodyPr>
+          <a:lstStyle/>
+          <a:p>
+            <a:pPr algn="ctr"/>
+            <a:r>
+              <a:rPr lang="en-US">
+                <a:latin typeface="Arial" panose="020B0604020202020204" pitchFamily="34" charset="0"/>
+                <a:cs typeface="Arial" panose="020B0604020202020204" pitchFamily="34" charset="0"/>
+              </a:rPr>
+              <a:t>Ảnh phổ 3 chiều Spectrogram của 5 nguyên âm</a:t>
+            </a:r>
+          </a:p>
+        </p:txBody>
+      </p:sp>
     </p:spTree>
     <p:extLst>
       <p:ext uri="{BB962C8B-B14F-4D97-AF65-F5344CB8AC3E}">
@@ -11228,13 +13735,530 @@
   <p:clrMapOvr>
     <a:masterClrMapping/>
   </p:clrMapOvr>
-  <p:timing>
-    <p:tnLst>
-      <p:par>
-        <p:cTn id="1" dur="indefinite" restart="never" nodeType="tmRoot"/>
-      </p:par>
-    </p:tnLst>
-  </p:timing>
+</p:sld>
+</file>
+
+<file path=ppt/slides/slide6.xml><?xml version="1.0" encoding="utf-8"?>
+<p:sld xmlns:a="http://schemas.openxmlformats.org/drawingml/2006/main" xmlns:r="http://schemas.openxmlformats.org/officeDocument/2006/relationships" xmlns:p="http://schemas.openxmlformats.org/presentationml/2006/main">
+  <p:cSld>
+    <p:spTree>
+      <p:nvGrpSpPr>
+        <p:cNvPr id="1" name=""/>
+        <p:cNvGrpSpPr/>
+        <p:nvPr/>
+      </p:nvGrpSpPr>
+      <p:grpSpPr>
+        <a:xfrm>
+          <a:off x="0" y="0"/>
+          <a:ext cx="0" cy="0"/>
+          <a:chOff x="0" y="0"/>
+          <a:chExt cx="0" cy="0"/>
+        </a:xfrm>
+      </p:grpSpPr>
+      <p:sp>
+        <p:nvSpPr>
+          <p:cNvPr id="2" name="Tiêu đề 1">
+            <a:extLst>
+              <a:ext uri="{FF2B5EF4-FFF2-40B4-BE49-F238E27FC236}">
+                <a16:creationId xmlns:a16="http://schemas.microsoft.com/office/drawing/2014/main" id="{5F8C4F7B-3C9E-453A-993D-99DA2BE7FBF1}"/>
+              </a:ext>
+            </a:extLst>
+          </p:cNvPr>
+          <p:cNvSpPr>
+            <a:spLocks noGrp="1"/>
+          </p:cNvSpPr>
+          <p:nvPr>
+            <p:ph type="title"/>
+          </p:nvPr>
+        </p:nvSpPr>
+        <p:spPr>
+          <a:xfrm>
+            <a:off x="876299" y="447675"/>
+            <a:ext cx="6347713" cy="736600"/>
+          </a:xfrm>
+        </p:spPr>
+        <p:txBody>
+          <a:bodyPr/>
+          <a:lstStyle/>
+          <a:p>
+            <a:pPr algn="ctr"/>
+            <a:r>
+              <a:rPr lang="en-US">
+                <a:latin typeface="Arial" panose="020B0604020202020204" pitchFamily="34" charset="0"/>
+                <a:cs typeface="Arial" panose="020B0604020202020204" pitchFamily="34" charset="0"/>
+              </a:rPr>
+              <a:t>Ảnh phổ tần số  5 nguyên âm</a:t>
+            </a:r>
+          </a:p>
+        </p:txBody>
+      </p:sp>
+      <p:pic>
+        <p:nvPicPr>
+          <p:cNvPr id="4" name="Chỗ dành sẵn cho Nội dung 3">
+            <a:extLst>
+              <a:ext uri="{FF2B5EF4-FFF2-40B4-BE49-F238E27FC236}">
+                <a16:creationId xmlns:a16="http://schemas.microsoft.com/office/drawing/2014/main" id="{2ECCBD24-5048-418F-954B-6E4BECCDDC5B}"/>
+              </a:ext>
+            </a:extLst>
+          </p:cNvPr>
+          <p:cNvPicPr>
+            <a:picLocks noGrp="1"/>
+          </p:cNvPicPr>
+          <p:nvPr>
+            <p:ph idx="1"/>
+          </p:nvPr>
+        </p:nvPicPr>
+        <p:blipFill>
+          <a:blip r:embed="rId2"/>
+          <a:stretch>
+            <a:fillRect/>
+          </a:stretch>
+        </p:blipFill>
+        <p:spPr>
+          <a:xfrm>
+            <a:off x="1357908" y="2160588"/>
+            <a:ext cx="4851796" cy="3881437"/>
+          </a:xfrm>
+          <a:prstGeom prst="rect">
+            <a:avLst/>
+          </a:prstGeom>
+        </p:spPr>
+      </p:pic>
+      <p:sp>
+        <p:nvSpPr>
+          <p:cNvPr id="6" name="Hộp Văn bản 5">
+            <a:extLst>
+              <a:ext uri="{FF2B5EF4-FFF2-40B4-BE49-F238E27FC236}">
+                <a16:creationId xmlns:a16="http://schemas.microsoft.com/office/drawing/2014/main" id="{9B3226A8-7933-45BF-B804-949FCB8BDE56}"/>
+              </a:ext>
+            </a:extLst>
+          </p:cNvPr>
+          <p:cNvSpPr txBox="1"/>
+          <p:nvPr/>
+        </p:nvSpPr>
+        <p:spPr>
+          <a:xfrm>
+            <a:off x="1357908" y="1487765"/>
+            <a:ext cx="4064000" cy="369332"/>
+          </a:xfrm>
+          <a:prstGeom prst="rect">
+            <a:avLst/>
+          </a:prstGeom>
+          <a:noFill/>
+        </p:spPr>
+        <p:txBody>
+          <a:bodyPr wrap="square" rtlCol="0">
+            <a:spAutoFit/>
+          </a:bodyPr>
+          <a:lstStyle/>
+          <a:p>
+            <a:r>
+              <a:rPr lang="en-US"/>
+              <a:t>Nguyên âm /a/</a:t>
+            </a:r>
+          </a:p>
+        </p:txBody>
+      </p:sp>
+    </p:spTree>
+    <p:extLst>
+      <p:ext uri="{BB962C8B-B14F-4D97-AF65-F5344CB8AC3E}">
+        <p14:creationId xmlns:p14="http://schemas.microsoft.com/office/powerpoint/2010/main" val="372638036"/>
+      </p:ext>
+    </p:extLst>
+  </p:cSld>
+  <p:clrMapOvr>
+    <a:masterClrMapping/>
+  </p:clrMapOvr>
+</p:sld>
+</file>
+
+<file path=ppt/slides/slide7.xml><?xml version="1.0" encoding="utf-8"?>
+<p:sld xmlns:a="http://schemas.openxmlformats.org/drawingml/2006/main" xmlns:r="http://schemas.openxmlformats.org/officeDocument/2006/relationships" xmlns:p="http://schemas.openxmlformats.org/presentationml/2006/main">
+  <p:cSld>
+    <p:spTree>
+      <p:nvGrpSpPr>
+        <p:cNvPr id="1" name=""/>
+        <p:cNvGrpSpPr/>
+        <p:nvPr/>
+      </p:nvGrpSpPr>
+      <p:grpSpPr>
+        <a:xfrm>
+          <a:off x="0" y="0"/>
+          <a:ext cx="0" cy="0"/>
+          <a:chOff x="0" y="0"/>
+          <a:chExt cx="0" cy="0"/>
+        </a:xfrm>
+      </p:grpSpPr>
+      <p:sp>
+        <p:nvSpPr>
+          <p:cNvPr id="2" name="Tiêu đề 1">
+            <a:extLst>
+              <a:ext uri="{FF2B5EF4-FFF2-40B4-BE49-F238E27FC236}">
+                <a16:creationId xmlns:a16="http://schemas.microsoft.com/office/drawing/2014/main" id="{238F81D5-E99A-4808-90CC-1B70541F28FD}"/>
+              </a:ext>
+            </a:extLst>
+          </p:cNvPr>
+          <p:cNvSpPr>
+            <a:spLocks noGrp="1"/>
+          </p:cNvSpPr>
+          <p:nvPr>
+            <p:ph type="title"/>
+          </p:nvPr>
+        </p:nvSpPr>
+        <p:spPr/>
+        <p:txBody>
+          <a:bodyPr/>
+          <a:lstStyle/>
+          <a:p>
+            <a:r>
+              <a:rPr lang="en-US">
+                <a:latin typeface="Arial" panose="020B0604020202020204" pitchFamily="34" charset="0"/>
+                <a:cs typeface="Arial" panose="020B0604020202020204" pitchFamily="34" charset="0"/>
+              </a:rPr>
+              <a:t>Ảnh phổ tần số  5 nguyên âm</a:t>
+            </a:r>
+          </a:p>
+        </p:txBody>
+      </p:sp>
+      <p:pic>
+        <p:nvPicPr>
+          <p:cNvPr id="4" name="Chỗ dành sẵn cho Nội dung 3">
+            <a:extLst>
+              <a:ext uri="{FF2B5EF4-FFF2-40B4-BE49-F238E27FC236}">
+                <a16:creationId xmlns:a16="http://schemas.microsoft.com/office/drawing/2014/main" id="{4D24A88B-4EE3-4981-954F-97DFD059BC61}"/>
+              </a:ext>
+            </a:extLst>
+          </p:cNvPr>
+          <p:cNvPicPr>
+            <a:picLocks noGrp="1"/>
+          </p:cNvPicPr>
+          <p:nvPr>
+            <p:ph idx="1"/>
+          </p:nvPr>
+        </p:nvPicPr>
+        <p:blipFill>
+          <a:blip r:embed="rId2"/>
+          <a:stretch>
+            <a:fillRect/>
+          </a:stretch>
+        </p:blipFill>
+        <p:spPr>
+          <a:xfrm>
+            <a:off x="1357908" y="2160588"/>
+            <a:ext cx="4851796" cy="3881437"/>
+          </a:xfrm>
+          <a:prstGeom prst="rect">
+            <a:avLst/>
+          </a:prstGeom>
+        </p:spPr>
+      </p:pic>
+      <p:sp>
+        <p:nvSpPr>
+          <p:cNvPr id="5" name="Hộp Văn bản 4">
+            <a:extLst>
+              <a:ext uri="{FF2B5EF4-FFF2-40B4-BE49-F238E27FC236}">
+                <a16:creationId xmlns:a16="http://schemas.microsoft.com/office/drawing/2014/main" id="{430FE297-568C-4DAB-867F-F65B145B1F1B}"/>
+              </a:ext>
+            </a:extLst>
+          </p:cNvPr>
+          <p:cNvSpPr txBox="1"/>
+          <p:nvPr/>
+        </p:nvSpPr>
+        <p:spPr>
+          <a:xfrm>
+            <a:off x="1357908" y="1498600"/>
+            <a:ext cx="3722092" cy="369332"/>
+          </a:xfrm>
+          <a:prstGeom prst="rect">
+            <a:avLst/>
+          </a:prstGeom>
+          <a:noFill/>
+        </p:spPr>
+        <p:txBody>
+          <a:bodyPr wrap="square" rtlCol="0">
+            <a:spAutoFit/>
+          </a:bodyPr>
+          <a:lstStyle/>
+          <a:p>
+            <a:r>
+              <a:rPr lang="en-US"/>
+              <a:t>Nguyên âm /e/</a:t>
+            </a:r>
+          </a:p>
+        </p:txBody>
+      </p:sp>
+    </p:spTree>
+    <p:extLst>
+      <p:ext uri="{BB962C8B-B14F-4D97-AF65-F5344CB8AC3E}">
+        <p14:creationId xmlns:p14="http://schemas.microsoft.com/office/powerpoint/2010/main" val="2449866989"/>
+      </p:ext>
+    </p:extLst>
+  </p:cSld>
+  <p:clrMapOvr>
+    <a:masterClrMapping/>
+  </p:clrMapOvr>
+</p:sld>
+</file>
+
+<file path=ppt/slides/slide8.xml><?xml version="1.0" encoding="utf-8"?>
+<p:sld xmlns:a="http://schemas.openxmlformats.org/drawingml/2006/main" xmlns:r="http://schemas.openxmlformats.org/officeDocument/2006/relationships" xmlns:p="http://schemas.openxmlformats.org/presentationml/2006/main">
+  <p:cSld>
+    <p:spTree>
+      <p:nvGrpSpPr>
+        <p:cNvPr id="1" name=""/>
+        <p:cNvGrpSpPr/>
+        <p:nvPr/>
+      </p:nvGrpSpPr>
+      <p:grpSpPr>
+        <a:xfrm>
+          <a:off x="0" y="0"/>
+          <a:ext cx="0" cy="0"/>
+          <a:chOff x="0" y="0"/>
+          <a:chExt cx="0" cy="0"/>
+        </a:xfrm>
+      </p:grpSpPr>
+      <p:sp>
+        <p:nvSpPr>
+          <p:cNvPr id="2" name="Tiêu đề 1">
+            <a:extLst>
+              <a:ext uri="{FF2B5EF4-FFF2-40B4-BE49-F238E27FC236}">
+                <a16:creationId xmlns:a16="http://schemas.microsoft.com/office/drawing/2014/main" id="{8BFC3D83-FE4B-4B92-BDB4-36D519AF03B9}"/>
+              </a:ext>
+            </a:extLst>
+          </p:cNvPr>
+          <p:cNvSpPr>
+            <a:spLocks noGrp="1"/>
+          </p:cNvSpPr>
+          <p:nvPr>
+            <p:ph type="title"/>
+          </p:nvPr>
+        </p:nvSpPr>
+        <p:spPr/>
+        <p:txBody>
+          <a:bodyPr/>
+          <a:lstStyle/>
+          <a:p>
+            <a:r>
+              <a:rPr lang="en-US">
+                <a:latin typeface="Arial" panose="020B0604020202020204" pitchFamily="34" charset="0"/>
+                <a:cs typeface="Arial" panose="020B0604020202020204" pitchFamily="34" charset="0"/>
+              </a:rPr>
+              <a:t>Ảnh phổ tần số  5 nguyên âm</a:t>
+            </a:r>
+          </a:p>
+        </p:txBody>
+      </p:sp>
+      <p:pic>
+        <p:nvPicPr>
+          <p:cNvPr id="4" name="Chỗ dành sẵn cho Nội dung 3">
+            <a:extLst>
+              <a:ext uri="{FF2B5EF4-FFF2-40B4-BE49-F238E27FC236}">
+                <a16:creationId xmlns:a16="http://schemas.microsoft.com/office/drawing/2014/main" id="{3D067BEC-7A18-4613-8A02-83AF9C3CAD44}"/>
+              </a:ext>
+            </a:extLst>
+          </p:cNvPr>
+          <p:cNvPicPr>
+            <a:picLocks noGrp="1"/>
+          </p:cNvPicPr>
+          <p:nvPr>
+            <p:ph idx="1"/>
+          </p:nvPr>
+        </p:nvPicPr>
+        <p:blipFill>
+          <a:blip r:embed="rId2"/>
+          <a:stretch>
+            <a:fillRect/>
+          </a:stretch>
+        </p:blipFill>
+        <p:spPr>
+          <a:xfrm>
+            <a:off x="1357908" y="2160588"/>
+            <a:ext cx="4851796" cy="3881437"/>
+          </a:xfrm>
+          <a:prstGeom prst="rect">
+            <a:avLst/>
+          </a:prstGeom>
+        </p:spPr>
+      </p:pic>
+      <p:sp>
+        <p:nvSpPr>
+          <p:cNvPr id="5" name="Hộp Văn bản 4">
+            <a:extLst>
+              <a:ext uri="{FF2B5EF4-FFF2-40B4-BE49-F238E27FC236}">
+                <a16:creationId xmlns:a16="http://schemas.microsoft.com/office/drawing/2014/main" id="{C4E09FB7-F70C-427A-88A7-610E0A449216}"/>
+              </a:ext>
+            </a:extLst>
+          </p:cNvPr>
+          <p:cNvSpPr txBox="1"/>
+          <p:nvPr/>
+        </p:nvSpPr>
+        <p:spPr>
+          <a:xfrm>
+            <a:off x="1357908" y="1549400"/>
+            <a:ext cx="3544292" cy="646331"/>
+          </a:xfrm>
+          <a:prstGeom prst="rect">
+            <a:avLst/>
+          </a:prstGeom>
+          <a:noFill/>
+        </p:spPr>
+        <p:txBody>
+          <a:bodyPr wrap="square" rtlCol="0">
+            <a:spAutoFit/>
+          </a:bodyPr>
+          <a:lstStyle/>
+          <a:p>
+            <a:r>
+              <a:rPr lang="en-US"/>
+              <a:t>Nguyên âm /i/</a:t>
+            </a:r>
+          </a:p>
+          <a:p>
+            <a:endParaRPr lang="en-US"/>
+          </a:p>
+        </p:txBody>
+      </p:sp>
+    </p:spTree>
+    <p:extLst>
+      <p:ext uri="{BB962C8B-B14F-4D97-AF65-F5344CB8AC3E}">
+        <p14:creationId xmlns:p14="http://schemas.microsoft.com/office/powerpoint/2010/main" val="2142455634"/>
+      </p:ext>
+    </p:extLst>
+  </p:cSld>
+  <p:clrMapOvr>
+    <a:masterClrMapping/>
+  </p:clrMapOvr>
+</p:sld>
+</file>
+
+<file path=ppt/slides/slide9.xml><?xml version="1.0" encoding="utf-8"?>
+<p:sld xmlns:a="http://schemas.openxmlformats.org/drawingml/2006/main" xmlns:r="http://schemas.openxmlformats.org/officeDocument/2006/relationships" xmlns:p="http://schemas.openxmlformats.org/presentationml/2006/main">
+  <p:cSld>
+    <p:spTree>
+      <p:nvGrpSpPr>
+        <p:cNvPr id="1" name=""/>
+        <p:cNvGrpSpPr/>
+        <p:nvPr/>
+      </p:nvGrpSpPr>
+      <p:grpSpPr>
+        <a:xfrm>
+          <a:off x="0" y="0"/>
+          <a:ext cx="0" cy="0"/>
+          <a:chOff x="0" y="0"/>
+          <a:chExt cx="0" cy="0"/>
+        </a:xfrm>
+      </p:grpSpPr>
+      <p:sp>
+        <p:nvSpPr>
+          <p:cNvPr id="2" name="Tiêu đề 1">
+            <a:extLst>
+              <a:ext uri="{FF2B5EF4-FFF2-40B4-BE49-F238E27FC236}">
+                <a16:creationId xmlns:a16="http://schemas.microsoft.com/office/drawing/2014/main" id="{F940CA5C-C51D-413D-A068-273CE49D85C0}"/>
+              </a:ext>
+            </a:extLst>
+          </p:cNvPr>
+          <p:cNvSpPr>
+            <a:spLocks noGrp="1"/>
+          </p:cNvSpPr>
+          <p:nvPr>
+            <p:ph type="title"/>
+          </p:nvPr>
+        </p:nvSpPr>
+        <p:spPr/>
+        <p:txBody>
+          <a:bodyPr/>
+          <a:lstStyle/>
+          <a:p>
+            <a:r>
+              <a:rPr lang="en-US">
+                <a:latin typeface="Arial" panose="020B0604020202020204" pitchFamily="34" charset="0"/>
+                <a:cs typeface="Arial" panose="020B0604020202020204" pitchFamily="34" charset="0"/>
+              </a:rPr>
+              <a:t>Ảnh phổ tần số  5 nguyên âm</a:t>
+            </a:r>
+          </a:p>
+        </p:txBody>
+      </p:sp>
+      <p:pic>
+        <p:nvPicPr>
+          <p:cNvPr id="4" name="Chỗ dành sẵn cho Nội dung 3">
+            <a:extLst>
+              <a:ext uri="{FF2B5EF4-FFF2-40B4-BE49-F238E27FC236}">
+                <a16:creationId xmlns:a16="http://schemas.microsoft.com/office/drawing/2014/main" id="{72C3C55A-24F2-4D67-BCFB-7B3CADDFB797}"/>
+              </a:ext>
+            </a:extLst>
+          </p:cNvPr>
+          <p:cNvPicPr>
+            <a:picLocks noGrp="1"/>
+          </p:cNvPicPr>
+          <p:nvPr>
+            <p:ph idx="1"/>
+          </p:nvPr>
+        </p:nvPicPr>
+        <p:blipFill>
+          <a:blip r:embed="rId2"/>
+          <a:stretch>
+            <a:fillRect/>
+          </a:stretch>
+        </p:blipFill>
+        <p:spPr>
+          <a:xfrm>
+            <a:off x="1357908" y="2160588"/>
+            <a:ext cx="4851796" cy="3881437"/>
+          </a:xfrm>
+          <a:prstGeom prst="rect">
+            <a:avLst/>
+          </a:prstGeom>
+        </p:spPr>
+      </p:pic>
+      <p:sp>
+        <p:nvSpPr>
+          <p:cNvPr id="5" name="Hộp Văn bản 4">
+            <a:extLst>
+              <a:ext uri="{FF2B5EF4-FFF2-40B4-BE49-F238E27FC236}">
+                <a16:creationId xmlns:a16="http://schemas.microsoft.com/office/drawing/2014/main" id="{5ADE5F7D-452B-423C-9C4E-56CCF6812828}"/>
+              </a:ext>
+            </a:extLst>
+          </p:cNvPr>
+          <p:cNvSpPr txBox="1"/>
+          <p:nvPr/>
+        </p:nvSpPr>
+        <p:spPr>
+          <a:xfrm>
+            <a:off x="1357908" y="1460500"/>
+            <a:ext cx="3353792" cy="646331"/>
+          </a:xfrm>
+          <a:prstGeom prst="rect">
+            <a:avLst/>
+          </a:prstGeom>
+          <a:noFill/>
+        </p:spPr>
+        <p:txBody>
+          <a:bodyPr wrap="square" rtlCol="0">
+            <a:spAutoFit/>
+          </a:bodyPr>
+          <a:lstStyle/>
+          <a:p>
+            <a:r>
+              <a:rPr lang="en-US"/>
+              <a:t>Nguyên âm /o/</a:t>
+            </a:r>
+          </a:p>
+          <a:p>
+            <a:endParaRPr lang="en-US"/>
+          </a:p>
+        </p:txBody>
+      </p:sp>
+    </p:spTree>
+    <p:extLst>
+      <p:ext uri="{BB962C8B-B14F-4D97-AF65-F5344CB8AC3E}">
+        <p14:creationId xmlns:p14="http://schemas.microsoft.com/office/powerpoint/2010/main" val="2375619116"/>
+      </p:ext>
+    </p:extLst>
+  </p:cSld>
+  <p:clrMapOvr>
+    <a:masterClrMapping/>
+  </p:clrMapOvr>
 </p:sld>
 </file>
 
